--- a/slides/Invariant&BoundInference.pptx
+++ b/slides/Invariant&BoundInference.pptx
@@ -46,22 +46,22 @@
   <p:notesSz cx="6858000" cy="9144000"/>
   <p:embeddedFontLst>
     <p:embeddedFont>
-      <p:font typeface="Cambria" panose="02040503050406030204" pitchFamily="18" charset="0"/>
+      <p:font typeface="Calibri" panose="020F0502020204030204" pitchFamily="34" charset="0"/>
       <p:regular r:id="rId36"/>
       <p:bold r:id="rId37"/>
       <p:italic r:id="rId38"/>
       <p:boldItalic r:id="rId39"/>
     </p:embeddedFont>
     <p:embeddedFont>
-      <p:font typeface="Calibri" panose="020F0502020204030204" pitchFamily="34" charset="0"/>
+      <p:font typeface="Cambria Math" panose="02040503050406030204" pitchFamily="18" charset="0"/>
       <p:regular r:id="rId40"/>
-      <p:bold r:id="rId41"/>
-      <p:italic r:id="rId42"/>
-      <p:boldItalic r:id="rId43"/>
     </p:embeddedFont>
     <p:embeddedFont>
-      <p:font typeface="Cambria Math" panose="02040503050406030204" pitchFamily="18" charset="0"/>
-      <p:regular r:id="rId44"/>
+      <p:font typeface="Cambria" panose="02040503050406030204" pitchFamily="18" charset="0"/>
+      <p:regular r:id="rId41"/>
+      <p:bold r:id="rId42"/>
+      <p:italic r:id="rId43"/>
+      <p:boldItalic r:id="rId44"/>
     </p:embeddedFont>
   </p:embeddedFontLst>
   <p:defaultTextStyle>
@@ -274,7 +274,7 @@
           <a:p>
             <a:fld id="{972E38CC-1F07-4CDE-AA30-74BD02025D97}" type="datetimeFigureOut">
               <a:rPr lang="en-US" smtClean="0"/>
-              <a:t>7/23/2014</a:t>
+              <a:t>7/24/2014</a:t>
             </a:fld>
             <a:endParaRPr lang="en-US" dirty="0"/>
           </a:p>
@@ -4249,7 +4249,7 @@
           <a:p>
             <a:fld id="{A9904832-4545-4321-9A4A-B584794A9783}" type="datetime1">
               <a:rPr lang="en-US" smtClean="0"/>
-              <a:t>7/23/2014</a:t>
+              <a:t>7/24/2014</a:t>
             </a:fld>
             <a:endParaRPr lang="en-US" dirty="0"/>
           </a:p>
@@ -4429,7 +4429,7 @@
           <a:p>
             <a:fld id="{4A4DDD7B-FA38-4D20-B510-50441C09B28E}" type="datetime1">
               <a:rPr lang="en-US" smtClean="0"/>
-              <a:t>7/23/2014</a:t>
+              <a:t>7/24/2014</a:t>
             </a:fld>
             <a:endParaRPr lang="en-US" dirty="0"/>
           </a:p>
@@ -4853,7 +4853,7 @@
           <a:p>
             <a:fld id="{8ABB8045-9302-4615-9698-3CE575688165}" type="datetime1">
               <a:rPr lang="en-US" smtClean="0"/>
-              <a:t>7/23/2014</a:t>
+              <a:t>7/24/2014</a:t>
             </a:fld>
             <a:endParaRPr lang="en-US" dirty="0"/>
           </a:p>
@@ -5141,7 +5141,7 @@
           <a:p>
             <a:fld id="{24D3C4B9-32F2-47A4-8283-7FEBDB4A6DD8}" type="datetime1">
               <a:rPr lang="en-US" smtClean="0"/>
-              <a:t>7/23/2014</a:t>
+              <a:t>7/24/2014</a:t>
             </a:fld>
             <a:endParaRPr lang="en-US" dirty="0"/>
           </a:p>
@@ -5575,7 +5575,7 @@
           <a:p>
             <a:fld id="{DEF7E62D-AA34-4868-B42F-B4E6EF22C248}" type="datetime1">
               <a:rPr lang="en-US" smtClean="0"/>
-              <a:t>7/23/2014</a:t>
+              <a:t>7/24/2014</a:t>
             </a:fld>
             <a:endParaRPr lang="en-US" dirty="0"/>
           </a:p>
@@ -5693,7 +5693,7 @@
           <a:p>
             <a:fld id="{C2D7E420-1ED3-415C-9EAE-17EA7C0D6D7E}" type="datetime1">
               <a:rPr lang="en-US" smtClean="0"/>
-              <a:t>7/23/2014</a:t>
+              <a:t>7/24/2014</a:t>
             </a:fld>
             <a:endParaRPr lang="en-US" dirty="0"/>
           </a:p>
@@ -5788,7 +5788,7 @@
           <a:p>
             <a:fld id="{2BF595DC-0E53-436C-9313-3DB7712EAD50}" type="datetime1">
               <a:rPr lang="en-US" smtClean="0"/>
-              <a:t>7/23/2014</a:t>
+              <a:t>7/24/2014</a:t>
             </a:fld>
             <a:endParaRPr lang="en-US" dirty="0"/>
           </a:p>
@@ -5982,7 +5982,7 @@
           <a:p>
             <a:fld id="{9B289CAF-FFA2-4309-9FDA-1240DB9DC1F1}" type="datetime1">
               <a:rPr lang="en-US" smtClean="0"/>
-              <a:t>7/23/2014</a:t>
+              <a:t>7/24/2014</a:t>
             </a:fld>
             <a:endParaRPr lang="en-US" dirty="0"/>
           </a:p>
@@ -6305,7 +6305,7 @@
           <a:p>
             <a:fld id="{56CE9B42-71F2-42AC-8E81-ADD0CF89F8AF}" type="datetime1">
               <a:rPr lang="en-US" smtClean="0"/>
-              <a:t>7/23/2014</a:t>
+              <a:t>7/24/2014</a:t>
             </a:fld>
             <a:endParaRPr lang="en-US" dirty="0"/>
           </a:p>
@@ -6694,7 +6694,7 @@
           <a:p>
             <a:fld id="{1B135BD2-23B7-419E-9106-5F9D209E56CE}" type="datetime1">
               <a:rPr lang="en-US" smtClean="0"/>
-              <a:t>7/23/2014</a:t>
+              <a:t>7/24/2014</a:t>
             </a:fld>
             <a:endParaRPr lang="en-US" dirty="0"/>
           </a:p>
@@ -11126,8 +11126,8 @@
           </a:p>
         </p:txBody>
       </p:sp>
-      <mc:AlternateContent xmlns:mc="http://schemas.openxmlformats.org/markup-compatibility/2006" xmlns:a14="http://schemas.microsoft.com/office/drawing/2010/main">
-        <mc:Choice Requires="a14">
+      <mc:AlternateContent xmlns:mc="http://schemas.openxmlformats.org/markup-compatibility/2006">
+        <mc:Choice xmlns:a14="http://schemas.microsoft.com/office/drawing/2010/main" Requires="a14">
           <p:sp>
             <p:nvSpPr>
               <p:cNvPr id="3" name="Content Placeholder 2"/>
@@ -11165,35 +11165,42 @@
                         </a:rPr>
                         <m:t>𝐴</m:t>
                       </m:r>
+                      <m:d>
+                        <m:dPr>
+                          <m:begChr m:val="["/>
+                          <m:endChr m:val="]"/>
+                          <m:ctrlPr>
+                            <a:rPr lang="en-US" sz="2400" b="0" i="1" smtClean="0">
+                              <a:latin typeface="Cambria Math" panose="02040503050406030204" pitchFamily="18" charset="0"/>
+                            </a:rPr>
+                          </m:ctrlPr>
+                        </m:dPr>
+                        <m:e>
+                          <m:r>
+                            <a:rPr lang="en-US" sz="2400" b="0" i="1" smtClean="0">
+                              <a:latin typeface="Cambria Math" panose="02040503050406030204" pitchFamily="18" charset="0"/>
+                            </a:rPr>
+                            <m:t>𝑎</m:t>
+                          </m:r>
+                          <m:r>
+                            <a:rPr lang="en-US" sz="2400" b="0" i="1" smtClean="0">
+                              <a:latin typeface="Cambria Math" panose="02040503050406030204" pitchFamily="18" charset="0"/>
+                            </a:rPr>
+                            <m:t>,</m:t>
+                          </m:r>
+                          <m:r>
+                            <a:rPr lang="en-US" sz="2400" b="0" i="1" smtClean="0">
+                              <a:latin typeface="Cambria Math" panose="02040503050406030204" pitchFamily="18" charset="0"/>
+                            </a:rPr>
+                            <m:t>𝑥</m:t>
+                          </m:r>
+                        </m:e>
+                      </m:d>
                       <m:r>
                         <a:rPr lang="en-US" sz="2400" b="0" i="1" smtClean="0">
                           <a:latin typeface="Cambria Math" panose="02040503050406030204" pitchFamily="18" charset="0"/>
                         </a:rPr>
-                        <m:t>[</m:t>
-                      </m:r>
-                      <m:r>
-                        <a:rPr lang="en-US" sz="2400" b="0" i="1" smtClean="0">
-                          <a:latin typeface="Cambria Math" panose="02040503050406030204" pitchFamily="18" charset="0"/>
-                        </a:rPr>
-                        <m:t>𝑎</m:t>
-                      </m:r>
-                      <m:r>
-                        <a:rPr lang="en-US" sz="2400" b="0" i="1" smtClean="0">
-                          <a:latin typeface="Cambria Math" panose="02040503050406030204" pitchFamily="18" charset="0"/>
-                        </a:rPr>
-                        <m:t>,</m:t>
-                      </m:r>
-                      <m:r>
-                        <a:rPr lang="en-US" sz="2400" b="0" i="1" smtClean="0">
-                          <a:latin typeface="Cambria Math" panose="02040503050406030204" pitchFamily="18" charset="0"/>
-                        </a:rPr>
-                        <m:t>𝑥</m:t>
-                      </m:r>
-                      <m:r>
-                        <a:rPr lang="en-US" sz="2400" b="0" i="1" smtClean="0">
-                          <a:latin typeface="Cambria Math" panose="02040503050406030204" pitchFamily="18" charset="0"/>
-                        </a:rPr>
-                        <m:t>]∨</m:t>
+                        <m:t>∨</m:t>
                       </m:r>
                       <m:r>
                         <a:rPr lang="en-US" sz="2400" b="0" i="1" smtClean="0">
@@ -11201,35 +11208,42 @@
                         </a:rPr>
                         <m:t>𝐵</m:t>
                       </m:r>
+                      <m:d>
+                        <m:dPr>
+                          <m:begChr m:val="["/>
+                          <m:endChr m:val="]"/>
+                          <m:ctrlPr>
+                            <a:rPr lang="en-US" sz="2400" b="0" i="1" smtClean="0">
+                              <a:latin typeface="Cambria Math" panose="02040503050406030204" pitchFamily="18" charset="0"/>
+                            </a:rPr>
+                          </m:ctrlPr>
+                        </m:dPr>
+                        <m:e>
+                          <m:r>
+                            <a:rPr lang="en-US" sz="2400" b="0" i="1" smtClean="0">
+                              <a:latin typeface="Cambria Math" panose="02040503050406030204" pitchFamily="18" charset="0"/>
+                            </a:rPr>
+                            <m:t>𝑎</m:t>
+                          </m:r>
+                          <m:r>
+                            <a:rPr lang="en-US" sz="2400" b="0" i="1" smtClean="0">
+                              <a:latin typeface="Cambria Math" panose="02040503050406030204" pitchFamily="18" charset="0"/>
+                            </a:rPr>
+                            <m:t>,</m:t>
+                          </m:r>
+                          <m:r>
+                            <a:rPr lang="en-US" sz="2400" b="0" i="1" smtClean="0">
+                              <a:latin typeface="Cambria Math" panose="02040503050406030204" pitchFamily="18" charset="0"/>
+                            </a:rPr>
+                            <m:t>𝑥</m:t>
+                          </m:r>
+                        </m:e>
+                      </m:d>
                       <m:r>
                         <a:rPr lang="en-US" sz="2400" b="0" i="1" smtClean="0">
                           <a:latin typeface="Cambria Math" panose="02040503050406030204" pitchFamily="18" charset="0"/>
                         </a:rPr>
-                        <m:t>[</m:t>
-                      </m:r>
-                      <m:r>
-                        <a:rPr lang="en-US" sz="2400" b="0" i="1" smtClean="0">
-                          <a:latin typeface="Cambria Math" panose="02040503050406030204" pitchFamily="18" charset="0"/>
-                        </a:rPr>
-                        <m:t>𝑎</m:t>
-                      </m:r>
-                      <m:r>
-                        <a:rPr lang="en-US" sz="2400" b="0" i="1" smtClean="0">
-                          <a:latin typeface="Cambria Math" panose="02040503050406030204" pitchFamily="18" charset="0"/>
-                        </a:rPr>
-                        <m:t>,</m:t>
-                      </m:r>
-                      <m:r>
-                        <a:rPr lang="en-US" sz="2400" b="0" i="1" smtClean="0">
-                          <a:latin typeface="Cambria Math" panose="02040503050406030204" pitchFamily="18" charset="0"/>
-                        </a:rPr>
-                        <m:t>𝑥</m:t>
-                      </m:r>
-                      <m:r>
-                        <a:rPr lang="en-US" sz="2400" b="0" i="1" smtClean="0">
-                          <a:latin typeface="Cambria Math" panose="02040503050406030204" pitchFamily="18" charset="0"/>
-                        </a:rPr>
-                        <m:t>]⇒</m:t>
+                        <m:t>∨</m:t>
                       </m:r>
                       <m:r>
                         <a:rPr lang="en-US" sz="2400" b="0" i="1" smtClean="0">
@@ -11302,7 +11316,7 @@
             </p:txBody>
           </p:sp>
         </mc:Choice>
-        <mc:Fallback xmlns="">
+        <mc:Fallback>
           <p:sp>
             <p:nvSpPr>
               <p:cNvPr id="3" name="Content Placeholder 2"/>
@@ -11384,7 +11398,15 @@
                   <a:schemeClr val="tx2"/>
                 </a:solidFill>
               </a:rPr>
-              <a:t> the formula becomes valid</a:t>
+              <a:t> the formula becomes </a:t>
+            </a:r>
+            <a:r>
+              <a:rPr lang="en-US" sz="2400" dirty="0" smtClean="0">
+                <a:solidFill>
+                  <a:schemeClr val="tx2"/>
+                </a:solidFill>
+              </a:rPr>
+              <a:t>unsatisfiable</a:t>
             </a:r>
             <a:endParaRPr lang="en-US" sz="2400" dirty="0">
               <a:solidFill>
@@ -11667,8 +11689,8 @@
           </a:p>
         </p:txBody>
       </p:sp>
-      <mc:AlternateContent xmlns:mc="http://schemas.openxmlformats.org/markup-compatibility/2006" xmlns:a14="http://schemas.microsoft.com/office/drawing/2010/main">
-        <mc:Choice Requires="a14">
+      <mc:AlternateContent xmlns:mc="http://schemas.openxmlformats.org/markup-compatibility/2006">
+        <mc:Choice xmlns:a14="http://schemas.microsoft.com/office/drawing/2010/main" Requires="a14">
           <p:sp>
             <p:nvSpPr>
               <p:cNvPr id="6" name="TextBox 5"/>
@@ -11678,7 +11700,7 @@
             <p:spPr>
               <a:xfrm>
                 <a:off x="465438" y="2934058"/>
-                <a:ext cx="7264629" cy="1569660"/>
+                <a:ext cx="7264629" cy="1200329"/>
               </a:xfrm>
               <a:prstGeom prst="rect">
                 <a:avLst/>
@@ -11699,260 +11721,6 @@
                   </a:rPr>
                   <a:t>Naïve Approach: </a:t>
                 </a:r>
-                <a14:m>
-                  <m:oMath xmlns:m="http://schemas.openxmlformats.org/officeDocument/2006/math">
-                    <m:sSub>
-                      <m:sSubPr>
-                        <m:ctrlPr>
-                          <a:rPr lang="en-US" sz="2400" b="0" i="1" smtClean="0">
-                            <a:latin typeface="Cambria Math" panose="02040503050406030204" pitchFamily="18" charset="0"/>
-                          </a:rPr>
-                        </m:ctrlPr>
-                      </m:sSubPr>
-                      <m:e>
-                        <m:r>
-                          <a:rPr lang="en-US" sz="2400" b="0" i="1" smtClean="0">
-                            <a:latin typeface="Cambria Math" panose="02040503050406030204" pitchFamily="18" charset="0"/>
-                          </a:rPr>
-                          <m:t>𝜙</m:t>
-                        </m:r>
-                      </m:e>
-                      <m:sub>
-                        <m:r>
-                          <a:rPr lang="en-US" sz="2400" b="0" i="1" smtClean="0">
-                            <a:latin typeface="Cambria Math" panose="02040503050406030204" pitchFamily="18" charset="0"/>
-                          </a:rPr>
-                          <m:t>1</m:t>
-                        </m:r>
-                      </m:sub>
-                    </m:sSub>
-                    <m:r>
-                      <a:rPr lang="en-US" sz="2400" b="0" i="1" smtClean="0">
-                        <a:latin typeface="Cambria Math" panose="02040503050406030204" pitchFamily="18" charset="0"/>
-                      </a:rPr>
-                      <m:t>: </m:t>
-                    </m:r>
-                    <m:r>
-                      <a:rPr lang="en-US" sz="2400" i="1">
-                        <a:latin typeface="Cambria Math" panose="02040503050406030204" pitchFamily="18" charset="0"/>
-                      </a:rPr>
-                      <m:t>𝐴</m:t>
-                    </m:r>
-                    <m:d>
-                      <m:dPr>
-                        <m:begChr m:val="["/>
-                        <m:endChr m:val="]"/>
-                        <m:ctrlPr>
-                          <a:rPr lang="en-US" sz="2400" i="1">
-                            <a:latin typeface="Cambria Math" panose="02040503050406030204" pitchFamily="18" charset="0"/>
-                          </a:rPr>
-                        </m:ctrlPr>
-                      </m:dPr>
-                      <m:e>
-                        <m:r>
-                          <a:rPr lang="en-US" sz="2400" i="1">
-                            <a:latin typeface="Cambria Math" panose="02040503050406030204" pitchFamily="18" charset="0"/>
-                          </a:rPr>
-                          <m:t>𝑎</m:t>
-                        </m:r>
-                        <m:r>
-                          <a:rPr lang="en-US" sz="2400" i="1">
-                            <a:latin typeface="Cambria Math" panose="02040503050406030204" pitchFamily="18" charset="0"/>
-                          </a:rPr>
-                          <m:t>,</m:t>
-                        </m:r>
-                        <m:r>
-                          <a:rPr lang="en-US" sz="2400" i="1">
-                            <a:latin typeface="Cambria Math" panose="02040503050406030204" pitchFamily="18" charset="0"/>
-                          </a:rPr>
-                          <m:t>𝑥</m:t>
-                        </m:r>
-                      </m:e>
-                    </m:d>
-                    <m:r>
-                      <a:rPr lang="en-US" sz="2400" b="0" i="1" smtClean="0">
-                        <a:latin typeface="Cambria Math" panose="02040503050406030204" pitchFamily="18" charset="0"/>
-                      </a:rPr>
-                      <m:t>⇒</m:t>
-                    </m:r>
-                    <m:r>
-                      <a:rPr lang="en-US" sz="2400" b="0" i="1" smtClean="0">
-                        <a:latin typeface="Cambria Math" panose="02040503050406030204" pitchFamily="18" charset="0"/>
-                      </a:rPr>
-                      <m:t>𝐶</m:t>
-                    </m:r>
-                    <m:d>
-                      <m:dPr>
-                        <m:begChr m:val="["/>
-                        <m:endChr m:val="]"/>
-                        <m:ctrlPr>
-                          <a:rPr lang="en-US" sz="2400" b="0" i="1" smtClean="0">
-                            <a:latin typeface="Cambria Math" panose="02040503050406030204" pitchFamily="18" charset="0"/>
-                          </a:rPr>
-                        </m:ctrlPr>
-                      </m:dPr>
-                      <m:e>
-                        <m:r>
-                          <a:rPr lang="en-US" sz="2400" b="0" i="1" smtClean="0">
-                            <a:latin typeface="Cambria Math" panose="02040503050406030204" pitchFamily="18" charset="0"/>
-                          </a:rPr>
-                          <m:t>𝑎</m:t>
-                        </m:r>
-                        <m:r>
-                          <a:rPr lang="en-US" sz="2400" b="0" i="1" smtClean="0">
-                            <a:latin typeface="Cambria Math" panose="02040503050406030204" pitchFamily="18" charset="0"/>
-                          </a:rPr>
-                          <m:t>,</m:t>
-                        </m:r>
-                        <m:r>
-                          <a:rPr lang="en-US" sz="2400" b="0" i="1" smtClean="0">
-                            <a:latin typeface="Cambria Math" panose="02040503050406030204" pitchFamily="18" charset="0"/>
-                          </a:rPr>
-                          <m:t>𝑥</m:t>
-                        </m:r>
-                      </m:e>
-                    </m:d>
-                  </m:oMath>
-                </a14:m>
-                <a:endParaRPr lang="en-US" sz="2400" dirty="0" smtClean="0">
-                  <a:solidFill>
-                    <a:schemeClr val="tx2"/>
-                  </a:solidFill>
-                </a:endParaRPr>
-              </a:p>
-              <a:p>
-                <a:pPr/>
-                <a14:m>
-                  <m:oMathPara xmlns:m="http://schemas.openxmlformats.org/officeDocument/2006/math">
-                    <m:oMathParaPr>
-                      <m:jc m:val="centerGroup"/>
-                    </m:oMathParaPr>
-                    <m:oMath xmlns:m="http://schemas.openxmlformats.org/officeDocument/2006/math">
-                      <m:sSub>
-                        <m:sSubPr>
-                          <m:ctrlPr>
-                            <a:rPr lang="en-US" sz="2400" i="1">
-                              <a:latin typeface="Cambria Math" panose="02040503050406030204" pitchFamily="18" charset="0"/>
-                            </a:rPr>
-                          </m:ctrlPr>
-                        </m:sSubPr>
-                        <m:e>
-                          <m:r>
-                            <a:rPr lang="en-US" sz="2400" i="1">
-                              <a:latin typeface="Cambria Math" panose="02040503050406030204" pitchFamily="18" charset="0"/>
-                            </a:rPr>
-                            <m:t>𝜙</m:t>
-                          </m:r>
-                        </m:e>
-                        <m:sub>
-                          <m:r>
-                            <a:rPr lang="en-US" sz="2400" b="0" i="1" smtClean="0">
-                              <a:latin typeface="Cambria Math" panose="02040503050406030204" pitchFamily="18" charset="0"/>
-                            </a:rPr>
-                            <m:t>2</m:t>
-                          </m:r>
-                        </m:sub>
-                      </m:sSub>
-                      <m:r>
-                        <a:rPr lang="en-US" sz="2400" i="1">
-                          <a:latin typeface="Cambria Math" panose="02040503050406030204" pitchFamily="18" charset="0"/>
-                        </a:rPr>
-                        <m:t>:</m:t>
-                      </m:r>
-                      <m:r>
-                        <a:rPr lang="en-US" sz="2400" b="0" i="1" smtClean="0">
-                          <a:latin typeface="Cambria Math" panose="02040503050406030204" pitchFamily="18" charset="0"/>
-                        </a:rPr>
-                        <m:t>𝐵</m:t>
-                      </m:r>
-                      <m:d>
-                        <m:dPr>
-                          <m:begChr m:val="["/>
-                          <m:endChr m:val="]"/>
-                          <m:ctrlPr>
-                            <a:rPr lang="en-US" sz="2400" i="1">
-                              <a:latin typeface="Cambria Math" panose="02040503050406030204" pitchFamily="18" charset="0"/>
-                            </a:rPr>
-                          </m:ctrlPr>
-                        </m:dPr>
-                        <m:e>
-                          <m:r>
-                            <a:rPr lang="en-US" sz="2400" i="1">
-                              <a:latin typeface="Cambria Math" panose="02040503050406030204" pitchFamily="18" charset="0"/>
-                            </a:rPr>
-                            <m:t>𝑎</m:t>
-                          </m:r>
-                          <m:r>
-                            <a:rPr lang="en-US" sz="2400" i="1">
-                              <a:latin typeface="Cambria Math" panose="02040503050406030204" pitchFamily="18" charset="0"/>
-                            </a:rPr>
-                            <m:t>,</m:t>
-                          </m:r>
-                          <m:r>
-                            <a:rPr lang="en-US" sz="2400" i="1">
-                              <a:latin typeface="Cambria Math" panose="02040503050406030204" pitchFamily="18" charset="0"/>
-                            </a:rPr>
-                            <m:t>𝑥</m:t>
-                          </m:r>
-                        </m:e>
-                      </m:d>
-                      <m:r>
-                        <a:rPr lang="en-US" sz="2400" i="1">
-                          <a:latin typeface="Cambria Math" panose="02040503050406030204" pitchFamily="18" charset="0"/>
-                        </a:rPr>
-                        <m:t>⇒</m:t>
-                      </m:r>
-                      <m:r>
-                        <a:rPr lang="en-US" sz="2400" i="1">
-                          <a:latin typeface="Cambria Math" panose="02040503050406030204" pitchFamily="18" charset="0"/>
-                        </a:rPr>
-                        <m:t>𝐶</m:t>
-                      </m:r>
-                      <m:d>
-                        <m:dPr>
-                          <m:begChr m:val="["/>
-                          <m:endChr m:val="]"/>
-                          <m:ctrlPr>
-                            <a:rPr lang="en-US" sz="2400" i="1">
-                              <a:latin typeface="Cambria Math" panose="02040503050406030204" pitchFamily="18" charset="0"/>
-                            </a:rPr>
-                          </m:ctrlPr>
-                        </m:dPr>
-                        <m:e>
-                          <m:r>
-                            <a:rPr lang="en-US" sz="2400" i="1">
-                              <a:latin typeface="Cambria Math" panose="02040503050406030204" pitchFamily="18" charset="0"/>
-                            </a:rPr>
-                            <m:t>𝑎</m:t>
-                          </m:r>
-                          <m:r>
-                            <a:rPr lang="en-US" sz="2400" i="1">
-                              <a:latin typeface="Cambria Math" panose="02040503050406030204" pitchFamily="18" charset="0"/>
-                            </a:rPr>
-                            <m:t>,</m:t>
-                          </m:r>
-                          <m:r>
-                            <a:rPr lang="en-US" sz="2400" i="1">
-                              <a:latin typeface="Cambria Math" panose="02040503050406030204" pitchFamily="18" charset="0"/>
-                            </a:rPr>
-                            <m:t>𝑥</m:t>
-                          </m:r>
-                        </m:e>
-                      </m:d>
-                    </m:oMath>
-                  </m:oMathPara>
-                </a14:m>
-                <a:endParaRPr lang="en-US" sz="2400" dirty="0"/>
-              </a:p>
-              <a:p>
-                <a:r>
-                  <a:rPr lang="en-US" sz="2400" dirty="0" smtClean="0">
-                    <a:solidFill>
-                      <a:schemeClr val="tx2"/>
-                    </a:solidFill>
-                  </a:rPr>
-                  <a:t> </a:t>
-                </a:r>
               </a:p>
               <a:p>
                 <a:r>
@@ -11964,50 +11732,82 @@
                   <a:t>Conjoin </a:t>
                 </a:r>
                 <a:r>
-                  <a:rPr lang="en-US" sz="2400" dirty="0" err="1" smtClean="0">
+                  <a:rPr lang="en-US" sz="2400" dirty="0" smtClean="0">
                     <a:solidFill>
                       <a:schemeClr val="tx2"/>
                     </a:solidFill>
                   </a:rPr>
-                  <a:t>Farkas</a:t>
+                  <a:t>Farkas’ constraints for </a:t>
                 </a:r>
+                <a:endParaRPr lang="en-US" sz="2400" dirty="0" smtClean="0">
+                  <a:solidFill>
+                    <a:schemeClr val="tx2"/>
+                  </a:solidFill>
+                </a:endParaRPr>
+              </a:p>
+              <a:p>
                 <a:r>
                   <a:rPr lang="en-US" sz="2400" dirty="0" smtClean="0">
                     <a:solidFill>
                       <a:schemeClr val="tx2"/>
                     </a:solidFill>
                   </a:rPr>
-                  <a:t>’ constraints for </a:t>
+                  <a:t>u</a:t>
+                </a:r>
+                <a:r>
+                  <a:rPr lang="en-US" sz="2400" b="0" dirty="0" smtClean="0">
+                    <a:solidFill>
+                      <a:schemeClr val="tx2"/>
+                    </a:solidFill>
+                  </a:rPr>
+                  <a:t>nsatisfying</a:t>
+                </a:r>
+                <a:r>
+                  <a:rPr lang="en-US" sz="2400" b="0" dirty="0" smtClean="0"/>
+                  <a:t> </a:t>
                 </a:r>
                 <a14:m>
                   <m:oMath xmlns:m="http://schemas.openxmlformats.org/officeDocument/2006/math">
-                    <m:sSub>
-                      <m:sSubPr>
-                        <m:ctrlPr>
-                          <a:rPr lang="en-US" sz="2400" i="1">
-                            <a:latin typeface="Cambria Math" panose="02040503050406030204" pitchFamily="18" charset="0"/>
-                          </a:rPr>
-                        </m:ctrlPr>
-                      </m:sSubPr>
-                      <m:e>
-                        <m:r>
-                          <a:rPr lang="en-US" sz="2400" i="1">
-                            <a:latin typeface="Cambria Math" panose="02040503050406030204" pitchFamily="18" charset="0"/>
-                          </a:rPr>
-                          <m:t>𝜙</m:t>
-                        </m:r>
-                      </m:e>
-                      <m:sub>
-                        <m:r>
-                          <a:rPr lang="en-US" sz="2400" i="1">
-                            <a:latin typeface="Cambria Math" panose="02040503050406030204" pitchFamily="18" charset="0"/>
-                          </a:rPr>
-                          <m:t>1</m:t>
-                        </m:r>
-                      </m:sub>
-                    </m:sSub>
+                    <m:r>
+                      <a:rPr lang="en-US" sz="2400" b="0" i="1" smtClean="0">
+                        <a:solidFill>
+                          <a:schemeClr val="tx1"/>
+                        </a:solidFill>
+                        <a:latin typeface="Cambria Math" panose="02040503050406030204" pitchFamily="18" charset="0"/>
+                      </a:rPr>
+                      <m:t>𝐴</m:t>
+                    </m:r>
                   </m:oMath>
                 </a14:m>
+                <a:r>
+                  <a:rPr lang="en-US" sz="2400" dirty="0" smtClean="0">
+                    <a:solidFill>
+                      <a:schemeClr val="tx2"/>
+                    </a:solidFill>
+                  </a:rPr>
+                  <a:t>, </a:t>
+                </a:r>
+                <a14:m>
+                  <m:oMath xmlns:m="http://schemas.openxmlformats.org/officeDocument/2006/math">
+                    <m:r>
+                      <a:rPr lang="en-US" sz="2400" b="0" i="1" smtClean="0">
+                        <a:solidFill>
+                          <a:schemeClr val="tx1"/>
+                        </a:solidFill>
+                        <a:latin typeface="Cambria Math" panose="02040503050406030204" pitchFamily="18" charset="0"/>
+                      </a:rPr>
+                      <m:t>𝐵</m:t>
+                    </m:r>
+                  </m:oMath>
+                </a14:m>
+                <a:r>
+                  <a:rPr lang="en-US" sz="2400" dirty="0" smtClean="0">
+                    <a:solidFill>
+                      <a:schemeClr val="tx2"/>
+                    </a:solidFill>
+                  </a:rPr>
+                  <a:t> </a:t>
+                </a:r>
                 <a:r>
                   <a:rPr lang="en-US" sz="2400" dirty="0" smtClean="0">
                     <a:solidFill>
@@ -12018,31 +11818,12 @@
                 </a:r>
                 <a14:m>
                   <m:oMath xmlns:m="http://schemas.openxmlformats.org/officeDocument/2006/math">
-                    <m:sSub>
-                      <m:sSubPr>
-                        <m:ctrlPr>
-                          <a:rPr lang="en-US" sz="2400" i="1">
-                            <a:latin typeface="Cambria Math" panose="02040503050406030204" pitchFamily="18" charset="0"/>
-                          </a:rPr>
-                        </m:ctrlPr>
-                      </m:sSubPr>
-                      <m:e>
-                        <m:r>
-                          <a:rPr lang="en-US" sz="2400" i="1">
-                            <a:latin typeface="Cambria Math" panose="02040503050406030204" pitchFamily="18" charset="0"/>
-                          </a:rPr>
-                          <m:t>𝜙</m:t>
-                        </m:r>
-                      </m:e>
-                      <m:sub>
-                        <m:r>
-                          <a:rPr lang="en-US" sz="2400" b="0" i="1" smtClean="0">
-                            <a:latin typeface="Cambria Math" panose="02040503050406030204" pitchFamily="18" charset="0"/>
-                          </a:rPr>
-                          <m:t>2</m:t>
-                        </m:r>
-                      </m:sub>
-                    </m:sSub>
+                    <m:r>
+                      <a:rPr lang="en-US" sz="2400" b="0" i="1" smtClean="0">
+                        <a:latin typeface="Cambria Math" panose="02040503050406030204" pitchFamily="18" charset="0"/>
+                      </a:rPr>
+                      <m:t>𝐶</m:t>
+                    </m:r>
                   </m:oMath>
                 </a14:m>
                 <a:endParaRPr lang="en-US" sz="2400" dirty="0">
@@ -12054,7 +11835,7 @@
             </p:txBody>
           </p:sp>
         </mc:Choice>
-        <mc:Fallback xmlns="">
+        <mc:Fallback>
           <p:sp>
             <p:nvSpPr>
               <p:cNvPr id="6" name="TextBox 5"/>
@@ -12066,7 +11847,7 @@
             <p:spPr>
               <a:xfrm>
                 <a:off x="465438" y="2934058"/>
-                <a:ext cx="7264629" cy="1569660"/>
+                <a:ext cx="7264629" cy="1200329"/>
               </a:xfrm>
               <a:prstGeom prst="rect">
                 <a:avLst/>
@@ -12074,7 +11855,7 @@
               <a:blipFill rotWithShape="0">
                 <a:blip r:embed="rId4"/>
                 <a:stretch>
-                  <a:fillRect l="-1258" t="-3101" b="-7752"/>
+                  <a:fillRect l="-1258" t="-4061" b="-10660"/>
                 </a:stretch>
               </a:blipFill>
             </p:spPr>
@@ -12101,7 +11882,7 @@
         </p:nvSpPr>
         <p:spPr>
           <a:xfrm>
-            <a:off x="6275043" y="2952929"/>
+            <a:off x="4953000" y="2906547"/>
             <a:ext cx="3157728" cy="1569660"/>
           </a:xfrm>
           <a:prstGeom prst="rect">
@@ -12148,7 +11929,7 @@
         </p:nvSpPr>
         <p:spPr>
           <a:xfrm>
-            <a:off x="5642189" y="3216336"/>
+            <a:off x="4320146" y="3169954"/>
             <a:ext cx="592667" cy="240423"/>
           </a:xfrm>
           <a:custGeom>
@@ -12435,7 +12216,7 @@
         </p:blipFill>
         <p:spPr>
           <a:xfrm>
-            <a:off x="7287534" y="3686980"/>
+            <a:off x="5965491" y="3640598"/>
             <a:ext cx="806261" cy="1199613"/>
           </a:xfrm>
           <a:prstGeom prst="rect">
@@ -12726,8 +12507,8 @@
           </a:p>
         </p:txBody>
       </p:sp>
-      <mc:AlternateContent xmlns:mc="http://schemas.openxmlformats.org/markup-compatibility/2006" xmlns:a14="http://schemas.microsoft.com/office/drawing/2010/main">
-        <mc:Choice Requires="a14">
+      <mc:AlternateContent xmlns:mc="http://schemas.openxmlformats.org/markup-compatibility/2006">
+        <mc:Choice xmlns:a14="http://schemas.microsoft.com/office/drawing/2010/main" Requires="a14">
           <p:sp>
             <p:nvSpPr>
               <p:cNvPr id="4" name="Rectangle 3"/>
@@ -12750,191 +12531,186 @@
               <a:lstStyle/>
               <a:p>
                 <a14:m>
-                  <m:oMath xmlns:m="http://schemas.openxmlformats.org/officeDocument/2006/math">
-                    <m:sSub>
-                      <m:sSubPr>
-                        <m:ctrlPr>
-                          <a:rPr lang="en-US" sz="2400" b="0" i="1" smtClean="0">
-                            <a:latin typeface="Cambria Math" panose="02040503050406030204" pitchFamily="18" charset="0"/>
-                          </a:rPr>
-                        </m:ctrlPr>
-                      </m:sSubPr>
-                      <m:e>
-                        <m:r>
-                          <a:rPr lang="en-US" sz="2400" b="0" i="1" smtClean="0">
-                            <a:latin typeface="Cambria Math" panose="02040503050406030204" pitchFamily="18" charset="0"/>
-                          </a:rPr>
-                          <m:t>(</m:t>
-                        </m:r>
-                        <m:r>
-                          <a:rPr lang="en-US" sz="2400" b="0" i="1" smtClean="0">
-                            <a:latin typeface="Cambria Math" panose="02040503050406030204" pitchFamily="18" charset="0"/>
-                          </a:rPr>
-                          <m:t>𝐴</m:t>
-                        </m:r>
-                      </m:e>
-                      <m:sub>
-                        <m:r>
-                          <a:rPr lang="en-US" sz="2400" b="0" i="1" smtClean="0">
-                            <a:latin typeface="Cambria Math" panose="02040503050406030204" pitchFamily="18" charset="0"/>
-                          </a:rPr>
-                          <m:t>1</m:t>
-                        </m:r>
-                      </m:sub>
-                    </m:sSub>
-                    <m:r>
-                      <a:rPr lang="en-US" sz="2400" b="0" i="1" smtClean="0">
-                        <a:latin typeface="Cambria Math" panose="02040503050406030204" pitchFamily="18" charset="0"/>
-                      </a:rPr>
-                      <m:t>∨</m:t>
-                    </m:r>
-                    <m:sSub>
-                      <m:sSubPr>
-                        <m:ctrlPr>
-                          <a:rPr lang="en-US" sz="2400" b="0" i="1" smtClean="0">
-                            <a:latin typeface="Cambria Math" panose="02040503050406030204" pitchFamily="18" charset="0"/>
-                          </a:rPr>
-                        </m:ctrlPr>
-                      </m:sSubPr>
-                      <m:e>
-                        <m:r>
-                          <a:rPr lang="en-US" sz="2400" b="0" i="1" smtClean="0">
-                            <a:latin typeface="Cambria Math" panose="02040503050406030204" pitchFamily="18" charset="0"/>
-                          </a:rPr>
-                          <m:t>𝐴</m:t>
-                        </m:r>
-                      </m:e>
-                      <m:sub>
-                        <m:r>
-                          <a:rPr lang="en-US" sz="2400" b="0" i="1" smtClean="0">
-                            <a:latin typeface="Cambria Math" panose="02040503050406030204" pitchFamily="18" charset="0"/>
-                          </a:rPr>
-                          <m:t>2</m:t>
-                        </m:r>
-                      </m:sub>
-                    </m:sSub>
-                    <m:r>
-                      <a:rPr lang="en-US" sz="2400" b="0" i="1" smtClean="0">
-                        <a:latin typeface="Cambria Math" panose="02040503050406030204" pitchFamily="18" charset="0"/>
-                      </a:rPr>
-                      <m:t>)∧(</m:t>
-                    </m:r>
-                    <m:sSub>
-                      <m:sSubPr>
-                        <m:ctrlPr>
-                          <a:rPr lang="en-US" sz="2400" b="0" i="1" smtClean="0">
-                            <a:latin typeface="Cambria Math" panose="02040503050406030204" pitchFamily="18" charset="0"/>
-                          </a:rPr>
-                        </m:ctrlPr>
-                      </m:sSubPr>
-                      <m:e>
-                        <m:r>
-                          <a:rPr lang="en-US" sz="2400" b="0" i="1" smtClean="0">
-                            <a:latin typeface="Cambria Math" panose="02040503050406030204" pitchFamily="18" charset="0"/>
-                          </a:rPr>
-                          <m:t>𝐴</m:t>
-                        </m:r>
-                      </m:e>
-                      <m:sub>
-                        <m:r>
-                          <a:rPr lang="en-US" sz="2400" b="0" i="1" smtClean="0">
-                            <a:latin typeface="Cambria Math" panose="02040503050406030204" pitchFamily="18" charset="0"/>
-                          </a:rPr>
-                          <m:t>3</m:t>
-                        </m:r>
-                      </m:sub>
-                    </m:sSub>
-                    <m:r>
-                      <a:rPr lang="en-US" sz="2400" b="0" i="1" smtClean="0">
-                        <a:latin typeface="Cambria Math" panose="02040503050406030204" pitchFamily="18" charset="0"/>
-                      </a:rPr>
-                      <m:t>∨</m:t>
-                    </m:r>
-                    <m:sSub>
-                      <m:sSubPr>
-                        <m:ctrlPr>
-                          <a:rPr lang="en-US" sz="2400" b="0" i="1" smtClean="0">
-                            <a:latin typeface="Cambria Math" panose="02040503050406030204" pitchFamily="18" charset="0"/>
-                          </a:rPr>
-                        </m:ctrlPr>
-                      </m:sSubPr>
-                      <m:e>
-                        <m:r>
-                          <a:rPr lang="en-US" sz="2400" b="0" i="1" smtClean="0">
-                            <a:latin typeface="Cambria Math" panose="02040503050406030204" pitchFamily="18" charset="0"/>
-                          </a:rPr>
-                          <m:t>𝐴</m:t>
-                        </m:r>
-                      </m:e>
-                      <m:sub>
-                        <m:r>
-                          <a:rPr lang="en-US" sz="2400" b="0" i="1" smtClean="0">
-                            <a:latin typeface="Cambria Math" panose="02040503050406030204" pitchFamily="18" charset="0"/>
-                          </a:rPr>
-                          <m:t>4</m:t>
-                        </m:r>
-                      </m:sub>
-                    </m:sSub>
-                    <m:r>
-                      <a:rPr lang="en-US" sz="2400" b="0" i="1" smtClean="0">
-                        <a:latin typeface="Cambria Math" panose="02040503050406030204" pitchFamily="18" charset="0"/>
-                      </a:rPr>
-                      <m:t>)∧</m:t>
-                    </m:r>
-                    <m:r>
-                      <a:rPr lang="en-US" sz="2400" b="0" i="1" smtClean="0">
-                        <a:latin typeface="Cambria Math" panose="02040503050406030204" pitchFamily="18" charset="0"/>
-                      </a:rPr>
-                      <m:t>𝑎𝑥</m:t>
-                    </m:r>
-                    <m:r>
-                      <a:rPr lang="en-US" sz="2400" b="0" i="1" smtClean="0">
-                        <a:latin typeface="Cambria Math" panose="02040503050406030204" pitchFamily="18" charset="0"/>
-                      </a:rPr>
-                      <m:t>+</m:t>
-                    </m:r>
-                    <m:r>
-                      <a:rPr lang="en-US" sz="2400" b="0" i="1" smtClean="0">
-                        <a:latin typeface="Cambria Math" panose="02040503050406030204" pitchFamily="18" charset="0"/>
-                      </a:rPr>
-                      <m:t>𝑏𝑦</m:t>
-                    </m:r>
-                    <m:r>
-                      <a:rPr lang="en-US" sz="2400" b="0" i="1" smtClean="0">
-                        <a:latin typeface="Cambria Math" panose="02040503050406030204" pitchFamily="18" charset="0"/>
-                      </a:rPr>
-                      <m:t>+</m:t>
-                    </m:r>
-                    <m:r>
-                      <a:rPr lang="en-US" sz="2400" b="0" i="1" smtClean="0">
-                        <a:latin typeface="Cambria Math" panose="02040503050406030204" pitchFamily="18" charset="0"/>
-                      </a:rPr>
-                      <m:t>𝑐</m:t>
-                    </m:r>
-                    <m:r>
-                      <a:rPr lang="en-US" sz="2400" b="0" i="1" smtClean="0">
-                        <a:latin typeface="Cambria Math" panose="02040503050406030204" pitchFamily="18" charset="0"/>
-                      </a:rPr>
-                      <m:t>≤0⇒</m:t>
-                    </m:r>
-                    <m:r>
-                      <a:rPr lang="en-US" sz="2400" b="0" i="1" smtClean="0">
-                        <a:latin typeface="Cambria Math" panose="02040503050406030204" pitchFamily="18" charset="0"/>
-                      </a:rPr>
-                      <m:t>𝑃</m:t>
-                    </m:r>
-                  </m:oMath>
+                  <m:oMathPara xmlns:m="http://schemas.openxmlformats.org/officeDocument/2006/math">
+                    <m:oMathParaPr>
+                      <m:jc m:val="centerGroup"/>
+                    </m:oMathParaPr>
+                    <m:oMath xmlns:m="http://schemas.openxmlformats.org/officeDocument/2006/math">
+                      <m:sSub>
+                        <m:sSubPr>
+                          <m:ctrlPr>
+                            <a:rPr lang="en-US" sz="2400" b="0" i="1" smtClean="0">
+                              <a:latin typeface="Cambria Math" panose="02040503050406030204" pitchFamily="18" charset="0"/>
+                            </a:rPr>
+                          </m:ctrlPr>
+                        </m:sSubPr>
+                        <m:e>
+                          <m:r>
+                            <a:rPr lang="en-US" sz="2400" b="0" i="1" smtClean="0">
+                              <a:latin typeface="Cambria Math" panose="02040503050406030204" pitchFamily="18" charset="0"/>
+                            </a:rPr>
+                            <m:t>(</m:t>
+                          </m:r>
+                          <m:r>
+                            <a:rPr lang="en-US" sz="2400" b="0" i="1" smtClean="0">
+                              <a:latin typeface="Cambria Math" panose="02040503050406030204" pitchFamily="18" charset="0"/>
+                            </a:rPr>
+                            <m:t>𝐴</m:t>
+                          </m:r>
+                        </m:e>
+                        <m:sub>
+                          <m:r>
+                            <a:rPr lang="en-US" sz="2400" b="0" i="1" smtClean="0">
+                              <a:latin typeface="Cambria Math" panose="02040503050406030204" pitchFamily="18" charset="0"/>
+                            </a:rPr>
+                            <m:t>1</m:t>
+                          </m:r>
+                        </m:sub>
+                      </m:sSub>
+                      <m:r>
+                        <a:rPr lang="en-US" sz="2400" b="0" i="1" smtClean="0">
+                          <a:latin typeface="Cambria Math" panose="02040503050406030204" pitchFamily="18" charset="0"/>
+                        </a:rPr>
+                        <m:t>∨</m:t>
+                      </m:r>
+                      <m:sSub>
+                        <m:sSubPr>
+                          <m:ctrlPr>
+                            <a:rPr lang="en-US" sz="2400" b="0" i="1" smtClean="0">
+                              <a:latin typeface="Cambria Math" panose="02040503050406030204" pitchFamily="18" charset="0"/>
+                            </a:rPr>
+                          </m:ctrlPr>
+                        </m:sSubPr>
+                        <m:e>
+                          <m:r>
+                            <a:rPr lang="en-US" sz="2400" b="0" i="1" smtClean="0">
+                              <a:latin typeface="Cambria Math" panose="02040503050406030204" pitchFamily="18" charset="0"/>
+                            </a:rPr>
+                            <m:t>𝐴</m:t>
+                          </m:r>
+                        </m:e>
+                        <m:sub>
+                          <m:r>
+                            <a:rPr lang="en-US" sz="2400" b="0" i="1" smtClean="0">
+                              <a:latin typeface="Cambria Math" panose="02040503050406030204" pitchFamily="18" charset="0"/>
+                            </a:rPr>
+                            <m:t>2</m:t>
+                          </m:r>
+                        </m:sub>
+                      </m:sSub>
+                      <m:r>
+                        <a:rPr lang="en-US" sz="2400" b="0" i="1" smtClean="0">
+                          <a:latin typeface="Cambria Math" panose="02040503050406030204" pitchFamily="18" charset="0"/>
+                        </a:rPr>
+                        <m:t>)∧(</m:t>
+                      </m:r>
+                      <m:sSub>
+                        <m:sSubPr>
+                          <m:ctrlPr>
+                            <a:rPr lang="en-US" sz="2400" b="0" i="1" smtClean="0">
+                              <a:latin typeface="Cambria Math" panose="02040503050406030204" pitchFamily="18" charset="0"/>
+                            </a:rPr>
+                          </m:ctrlPr>
+                        </m:sSubPr>
+                        <m:e>
+                          <m:r>
+                            <a:rPr lang="en-US" sz="2400" b="0" i="1" smtClean="0">
+                              <a:latin typeface="Cambria Math" panose="02040503050406030204" pitchFamily="18" charset="0"/>
+                            </a:rPr>
+                            <m:t>𝐴</m:t>
+                          </m:r>
+                        </m:e>
+                        <m:sub>
+                          <m:r>
+                            <a:rPr lang="en-US" sz="2400" b="0" i="1" smtClean="0">
+                              <a:latin typeface="Cambria Math" panose="02040503050406030204" pitchFamily="18" charset="0"/>
+                            </a:rPr>
+                            <m:t>3</m:t>
+                          </m:r>
+                        </m:sub>
+                      </m:sSub>
+                      <m:r>
+                        <a:rPr lang="en-US" sz="2400" b="0" i="1" smtClean="0">
+                          <a:latin typeface="Cambria Math" panose="02040503050406030204" pitchFamily="18" charset="0"/>
+                        </a:rPr>
+                        <m:t>∨</m:t>
+                      </m:r>
+                      <m:sSub>
+                        <m:sSubPr>
+                          <m:ctrlPr>
+                            <a:rPr lang="en-US" sz="2400" b="0" i="1" smtClean="0">
+                              <a:latin typeface="Cambria Math" panose="02040503050406030204" pitchFamily="18" charset="0"/>
+                            </a:rPr>
+                          </m:ctrlPr>
+                        </m:sSubPr>
+                        <m:e>
+                          <m:r>
+                            <a:rPr lang="en-US" sz="2400" b="0" i="1" smtClean="0">
+                              <a:latin typeface="Cambria Math" panose="02040503050406030204" pitchFamily="18" charset="0"/>
+                            </a:rPr>
+                            <m:t>𝐴</m:t>
+                          </m:r>
+                        </m:e>
+                        <m:sub>
+                          <m:r>
+                            <a:rPr lang="en-US" sz="2400" b="0" i="1" smtClean="0">
+                              <a:latin typeface="Cambria Math" panose="02040503050406030204" pitchFamily="18" charset="0"/>
+                            </a:rPr>
+                            <m:t>4</m:t>
+                          </m:r>
+                        </m:sub>
+                      </m:sSub>
+                      <m:r>
+                        <a:rPr lang="en-US" sz="2400" b="0" i="1" smtClean="0">
+                          <a:latin typeface="Cambria Math" panose="02040503050406030204" pitchFamily="18" charset="0"/>
+                        </a:rPr>
+                        <m:t>)∧</m:t>
+                      </m:r>
+                      <m:r>
+                        <a:rPr lang="en-US" sz="2400" b="0" i="1" smtClean="0">
+                          <a:latin typeface="Cambria Math" panose="02040503050406030204" pitchFamily="18" charset="0"/>
+                        </a:rPr>
+                        <m:t>𝑎𝑥</m:t>
+                      </m:r>
+                      <m:r>
+                        <a:rPr lang="en-US" sz="2400" b="0" i="1" smtClean="0">
+                          <a:latin typeface="Cambria Math" panose="02040503050406030204" pitchFamily="18" charset="0"/>
+                        </a:rPr>
+                        <m:t>+</m:t>
+                      </m:r>
+                      <m:r>
+                        <a:rPr lang="en-US" sz="2400" b="0" i="1" smtClean="0">
+                          <a:latin typeface="Cambria Math" panose="02040503050406030204" pitchFamily="18" charset="0"/>
+                        </a:rPr>
+                        <m:t>𝑏𝑦</m:t>
+                      </m:r>
+                      <m:r>
+                        <a:rPr lang="en-US" sz="2400" b="0" i="1" smtClean="0">
+                          <a:latin typeface="Cambria Math" panose="02040503050406030204" pitchFamily="18" charset="0"/>
+                        </a:rPr>
+                        <m:t>+</m:t>
+                      </m:r>
+                      <m:r>
+                        <a:rPr lang="en-US" sz="2400" b="0" i="1" smtClean="0">
+                          <a:latin typeface="Cambria Math" panose="02040503050406030204" pitchFamily="18" charset="0"/>
+                        </a:rPr>
+                        <m:t>𝑐</m:t>
+                      </m:r>
+                      <m:r>
+                        <a:rPr lang="en-US" sz="2400" b="0" i="1" smtClean="0">
+                          <a:latin typeface="Cambria Math" panose="02040503050406030204" pitchFamily="18" charset="0"/>
+                        </a:rPr>
+                        <m:t>≤0</m:t>
+                      </m:r>
+                    </m:oMath>
+                  </m:oMathPara>
                 </a14:m>
-                <a:r>
-                  <a:rPr lang="en-US" sz="2400" dirty="0" smtClean="0"/>
-                  <a:t>  </a:t>
-                </a:r>
                 <a:endParaRPr lang="en-US" sz="2400" dirty="0"/>
               </a:p>
             </p:txBody>
           </p:sp>
         </mc:Choice>
-        <mc:Fallback xmlns="">
+        <mc:Fallback>
           <p:sp>
             <p:nvSpPr>
               <p:cNvPr id="4" name="Rectangle 3"/>
@@ -12954,7 +12730,7 @@
               <a:blipFill rotWithShape="0">
                 <a:blip r:embed="rId3"/>
                 <a:stretch>
-                  <a:fillRect l="-889" b="-17105"/>
+                  <a:fillRect b="-17105"/>
                 </a:stretch>
               </a:blipFill>
             </p:spPr>
@@ -13067,7 +12843,7 @@
                   <a:schemeClr val="accent2"/>
                 </a:solidFill>
               </a:rPr>
-              <a:t>that violates the guess</a:t>
+              <a:t>that is satisfiable</a:t>
             </a:r>
             <a:endParaRPr lang="en-US" sz="2200" i="1" dirty="0">
               <a:solidFill>
@@ -13080,8 +12856,8 @@
           </a:p>
         </p:txBody>
       </p:sp>
-      <mc:AlternateContent xmlns:mc="http://schemas.openxmlformats.org/markup-compatibility/2006" xmlns:a14="http://schemas.microsoft.com/office/drawing/2010/main">
-        <mc:Choice Requires="a14">
+      <mc:AlternateContent xmlns:mc="http://schemas.openxmlformats.org/markup-compatibility/2006">
+        <mc:Choice xmlns:a14="http://schemas.microsoft.com/office/drawing/2010/main" Requires="a14">
           <p:sp>
             <p:nvSpPr>
               <p:cNvPr id="42" name="Rectangle 41"/>
@@ -13105,123 +12881,118 @@
               <a:p>
                 <a:pPr algn="ctr"/>
                 <a14:m>
-                  <m:oMath xmlns:m="http://schemas.openxmlformats.org/officeDocument/2006/math">
-                    <m:sSub>
-                      <m:sSubPr>
-                        <m:ctrlPr>
-                          <a:rPr lang="en-US" sz="2400" b="1" i="1" smtClean="0">
-                            <a:latin typeface="Cambria Math" panose="02040503050406030204" pitchFamily="18" charset="0"/>
-                          </a:rPr>
-                        </m:ctrlPr>
-                      </m:sSubPr>
-                      <m:e>
-                        <m:r>
-                          <a:rPr lang="en-US" sz="2400" b="1" i="1" smtClean="0">
-                            <a:latin typeface="Cambria Math" panose="02040503050406030204" pitchFamily="18" charset="0"/>
-                          </a:rPr>
-                          <m:t>𝑨</m:t>
-                        </m:r>
-                      </m:e>
-                      <m:sub>
-                        <m:r>
-                          <a:rPr lang="en-US" sz="2400" b="1" i="1" smtClean="0">
-                            <a:latin typeface="Cambria Math" panose="02040503050406030204" pitchFamily="18" charset="0"/>
-                          </a:rPr>
-                          <m:t>𝟏</m:t>
-                        </m:r>
-                      </m:sub>
-                    </m:sSub>
-                    <m:r>
-                      <a:rPr lang="en-US" sz="2400" b="1" i="1" smtClean="0">
-                        <a:latin typeface="Cambria Math" panose="02040503050406030204" pitchFamily="18" charset="0"/>
-                      </a:rPr>
-                      <m:t>∧</m:t>
-                    </m:r>
-                    <m:sSub>
-                      <m:sSubPr>
-                        <m:ctrlPr>
-                          <a:rPr lang="en-US" sz="2400" b="1" i="1" smtClean="0">
-                            <a:latin typeface="Cambria Math" panose="02040503050406030204" pitchFamily="18" charset="0"/>
-                          </a:rPr>
-                        </m:ctrlPr>
-                      </m:sSubPr>
-                      <m:e>
-                        <m:r>
-                          <a:rPr lang="en-US" sz="2400" b="1" i="1" smtClean="0">
-                            <a:latin typeface="Cambria Math" panose="02040503050406030204" pitchFamily="18" charset="0"/>
-                          </a:rPr>
-                          <m:t>𝑨</m:t>
-                        </m:r>
-                      </m:e>
-                      <m:sub>
-                        <m:r>
-                          <a:rPr lang="en-US" sz="2400" b="1" i="1" smtClean="0">
-                            <a:latin typeface="Cambria Math" panose="02040503050406030204" pitchFamily="18" charset="0"/>
-                          </a:rPr>
-                          <m:t>𝟑</m:t>
-                        </m:r>
-                      </m:sub>
-                    </m:sSub>
-                    <m:r>
-                      <a:rPr lang="en-US" sz="2400" b="0" i="1" smtClean="0">
-                        <a:latin typeface="Cambria Math" panose="02040503050406030204" pitchFamily="18" charset="0"/>
-                      </a:rPr>
-                      <m:t>∧</m:t>
-                    </m:r>
-                    <m:r>
-                      <a:rPr lang="en-US" sz="2400" b="0" i="1" smtClean="0">
-                        <a:latin typeface="Cambria Math" panose="02040503050406030204" pitchFamily="18" charset="0"/>
-                      </a:rPr>
-                      <m:t>𝑎𝑥</m:t>
-                    </m:r>
-                    <m:r>
-                      <a:rPr lang="en-US" sz="2400" b="0" i="1" smtClean="0">
-                        <a:latin typeface="Cambria Math" panose="02040503050406030204" pitchFamily="18" charset="0"/>
-                      </a:rPr>
-                      <m:t>+</m:t>
-                    </m:r>
-                    <m:r>
-                      <a:rPr lang="en-US" sz="2400" b="0" i="1" smtClean="0">
-                        <a:latin typeface="Cambria Math" panose="02040503050406030204" pitchFamily="18" charset="0"/>
-                      </a:rPr>
-                      <m:t>𝑏𝑦</m:t>
-                    </m:r>
-                    <m:r>
-                      <a:rPr lang="en-US" sz="2400" b="0" i="1" smtClean="0">
-                        <a:latin typeface="Cambria Math" panose="02040503050406030204" pitchFamily="18" charset="0"/>
-                      </a:rPr>
-                      <m:t>+</m:t>
-                    </m:r>
-                    <m:r>
-                      <a:rPr lang="en-US" sz="2400" b="0" i="1" smtClean="0">
-                        <a:latin typeface="Cambria Math" panose="02040503050406030204" pitchFamily="18" charset="0"/>
-                      </a:rPr>
-                      <m:t>𝑐</m:t>
-                    </m:r>
-                    <m:r>
-                      <a:rPr lang="en-US" sz="2400" b="0" i="1" smtClean="0">
-                        <a:latin typeface="Cambria Math" panose="02040503050406030204" pitchFamily="18" charset="0"/>
-                      </a:rPr>
-                      <m:t>≤0⇒</m:t>
-                    </m:r>
-                    <m:r>
-                      <a:rPr lang="en-US" sz="2400" b="0" i="1" smtClean="0">
-                        <a:latin typeface="Cambria Math" panose="02040503050406030204" pitchFamily="18" charset="0"/>
-                      </a:rPr>
-                      <m:t>𝑃</m:t>
-                    </m:r>
-                  </m:oMath>
+                  <m:oMathPara xmlns:m="http://schemas.openxmlformats.org/officeDocument/2006/math">
+                    <m:oMathParaPr>
+                      <m:jc m:val="centerGroup"/>
+                    </m:oMathParaPr>
+                    <m:oMath xmlns:m="http://schemas.openxmlformats.org/officeDocument/2006/math">
+                      <m:sSub>
+                        <m:sSubPr>
+                          <m:ctrlPr>
+                            <a:rPr lang="en-US" sz="2400" b="1" i="1" smtClean="0">
+                              <a:latin typeface="Cambria Math" panose="02040503050406030204" pitchFamily="18" charset="0"/>
+                            </a:rPr>
+                          </m:ctrlPr>
+                        </m:sSubPr>
+                        <m:e>
+                          <m:r>
+                            <a:rPr lang="en-US" sz="2400" b="1" i="1" smtClean="0">
+                              <a:latin typeface="Cambria Math" panose="02040503050406030204" pitchFamily="18" charset="0"/>
+                            </a:rPr>
+                            <m:t>𝑨</m:t>
+                          </m:r>
+                        </m:e>
+                        <m:sub>
+                          <m:r>
+                            <a:rPr lang="en-US" sz="2400" b="1" i="1" smtClean="0">
+                              <a:latin typeface="Cambria Math" panose="02040503050406030204" pitchFamily="18" charset="0"/>
+                            </a:rPr>
+                            <m:t>𝟏</m:t>
+                          </m:r>
+                        </m:sub>
+                      </m:sSub>
+                      <m:r>
+                        <a:rPr lang="en-US" sz="2400" b="1" i="1" smtClean="0">
+                          <a:latin typeface="Cambria Math" panose="02040503050406030204" pitchFamily="18" charset="0"/>
+                        </a:rPr>
+                        <m:t>∧</m:t>
+                      </m:r>
+                      <m:sSub>
+                        <m:sSubPr>
+                          <m:ctrlPr>
+                            <a:rPr lang="en-US" sz="2400" b="1" i="1" smtClean="0">
+                              <a:latin typeface="Cambria Math" panose="02040503050406030204" pitchFamily="18" charset="0"/>
+                            </a:rPr>
+                          </m:ctrlPr>
+                        </m:sSubPr>
+                        <m:e>
+                          <m:r>
+                            <a:rPr lang="en-US" sz="2400" b="1" i="1" smtClean="0">
+                              <a:latin typeface="Cambria Math" panose="02040503050406030204" pitchFamily="18" charset="0"/>
+                            </a:rPr>
+                            <m:t>𝑨</m:t>
+                          </m:r>
+                        </m:e>
+                        <m:sub>
+                          <m:r>
+                            <a:rPr lang="en-US" sz="2400" b="1" i="1" smtClean="0">
+                              <a:latin typeface="Cambria Math" panose="02040503050406030204" pitchFamily="18" charset="0"/>
+                            </a:rPr>
+                            <m:t>𝟑</m:t>
+                          </m:r>
+                        </m:sub>
+                      </m:sSub>
+                      <m:r>
+                        <a:rPr lang="en-US" sz="2400" b="0" i="1" smtClean="0">
+                          <a:latin typeface="Cambria Math" panose="02040503050406030204" pitchFamily="18" charset="0"/>
+                        </a:rPr>
+                        <m:t>∧</m:t>
+                      </m:r>
+                      <m:r>
+                        <a:rPr lang="en-US" sz="2400" b="0" i="1" smtClean="0">
+                          <a:latin typeface="Cambria Math" panose="02040503050406030204" pitchFamily="18" charset="0"/>
+                        </a:rPr>
+                        <m:t>𝑎𝑥</m:t>
+                      </m:r>
+                      <m:r>
+                        <a:rPr lang="en-US" sz="2400" b="0" i="1" smtClean="0">
+                          <a:latin typeface="Cambria Math" panose="02040503050406030204" pitchFamily="18" charset="0"/>
+                        </a:rPr>
+                        <m:t>+</m:t>
+                      </m:r>
+                      <m:r>
+                        <a:rPr lang="en-US" sz="2400" b="0" i="1" smtClean="0">
+                          <a:latin typeface="Cambria Math" panose="02040503050406030204" pitchFamily="18" charset="0"/>
+                        </a:rPr>
+                        <m:t>𝑏𝑦</m:t>
+                      </m:r>
+                      <m:r>
+                        <a:rPr lang="en-US" sz="2400" b="0" i="1" smtClean="0">
+                          <a:latin typeface="Cambria Math" panose="02040503050406030204" pitchFamily="18" charset="0"/>
+                        </a:rPr>
+                        <m:t>+</m:t>
+                      </m:r>
+                      <m:r>
+                        <a:rPr lang="en-US" sz="2400" b="0" i="1" smtClean="0">
+                          <a:latin typeface="Cambria Math" panose="02040503050406030204" pitchFamily="18" charset="0"/>
+                        </a:rPr>
+                        <m:t>𝑐</m:t>
+                      </m:r>
+                      <m:r>
+                        <a:rPr lang="en-US" sz="2400" b="0" i="1" smtClean="0">
+                          <a:latin typeface="Cambria Math" panose="02040503050406030204" pitchFamily="18" charset="0"/>
+                        </a:rPr>
+                        <m:t>≤0</m:t>
+                      </m:r>
+                    </m:oMath>
+                  </m:oMathPara>
                 </a14:m>
-                <a:r>
-                  <a:rPr lang="en-US" sz="2400" dirty="0" smtClean="0"/>
-                  <a:t>  </a:t>
-                </a:r>
                 <a:endParaRPr lang="en-US" sz="2400" dirty="0"/>
               </a:p>
             </p:txBody>
           </p:sp>
         </mc:Choice>
-        <mc:Fallback xmlns="">
+        <mc:Fallback>
           <p:sp>
             <p:nvSpPr>
               <p:cNvPr id="42" name="Rectangle 41"/>
@@ -13627,8 +13398,8 @@
           </a:fontRef>
         </p:style>
       </p:cxnSp>
-      <mc:AlternateContent xmlns:mc="http://schemas.openxmlformats.org/markup-compatibility/2006" xmlns:a14="http://schemas.microsoft.com/office/drawing/2010/main">
-        <mc:Choice Requires="a14">
+      <mc:AlternateContent xmlns:mc="http://schemas.openxmlformats.org/markup-compatibility/2006">
+        <mc:Choice xmlns:a14="http://schemas.microsoft.com/office/drawing/2010/main" Requires="a14">
           <p:sp>
             <p:nvSpPr>
               <p:cNvPr id="37" name="Rectangle 36"/>
@@ -13652,123 +13423,118 @@
               <a:p>
                 <a:pPr algn="ctr"/>
                 <a14:m>
-                  <m:oMath xmlns:m="http://schemas.openxmlformats.org/officeDocument/2006/math">
-                    <m:sSub>
-                      <m:sSubPr>
-                        <m:ctrlPr>
-                          <a:rPr lang="en-US" sz="2400" b="1" i="1" smtClean="0">
-                            <a:latin typeface="Cambria Math" panose="02040503050406030204" pitchFamily="18" charset="0"/>
-                          </a:rPr>
-                        </m:ctrlPr>
-                      </m:sSubPr>
-                      <m:e>
-                        <m:r>
-                          <a:rPr lang="en-US" sz="2400" b="1" i="1" smtClean="0">
-                            <a:latin typeface="Cambria Math" panose="02040503050406030204" pitchFamily="18" charset="0"/>
-                          </a:rPr>
-                          <m:t>𝑨</m:t>
-                        </m:r>
-                      </m:e>
-                      <m:sub>
-                        <m:r>
-                          <a:rPr lang="en-US" sz="2400" b="1" i="1" smtClean="0">
-                            <a:latin typeface="Cambria Math" panose="02040503050406030204" pitchFamily="18" charset="0"/>
-                          </a:rPr>
-                          <m:t>𝟏</m:t>
-                        </m:r>
-                      </m:sub>
-                    </m:sSub>
-                    <m:r>
-                      <a:rPr lang="en-US" sz="2400" b="1" i="1" smtClean="0">
-                        <a:latin typeface="Cambria Math" panose="02040503050406030204" pitchFamily="18" charset="0"/>
-                      </a:rPr>
-                      <m:t>∧</m:t>
-                    </m:r>
-                    <m:sSub>
-                      <m:sSubPr>
-                        <m:ctrlPr>
-                          <a:rPr lang="en-US" sz="2400" b="1" i="1" smtClean="0">
-                            <a:latin typeface="Cambria Math" panose="02040503050406030204" pitchFamily="18" charset="0"/>
-                          </a:rPr>
-                        </m:ctrlPr>
-                      </m:sSubPr>
-                      <m:e>
-                        <m:r>
-                          <a:rPr lang="en-US" sz="2400" b="1" i="1" smtClean="0">
-                            <a:latin typeface="Cambria Math" panose="02040503050406030204" pitchFamily="18" charset="0"/>
-                          </a:rPr>
-                          <m:t>𝑨</m:t>
-                        </m:r>
-                      </m:e>
-                      <m:sub>
-                        <m:r>
-                          <a:rPr lang="en-US" sz="2400" b="1" i="1" smtClean="0">
-                            <a:latin typeface="Cambria Math" panose="02040503050406030204" pitchFamily="18" charset="0"/>
-                          </a:rPr>
-                          <m:t>𝟒</m:t>
-                        </m:r>
-                      </m:sub>
-                    </m:sSub>
-                    <m:r>
-                      <a:rPr lang="en-US" sz="2400" b="0" i="1" smtClean="0">
-                        <a:latin typeface="Cambria Math" panose="02040503050406030204" pitchFamily="18" charset="0"/>
-                      </a:rPr>
-                      <m:t>∧</m:t>
-                    </m:r>
-                    <m:r>
-                      <a:rPr lang="en-US" sz="2400" b="0" i="1" smtClean="0">
-                        <a:latin typeface="Cambria Math" panose="02040503050406030204" pitchFamily="18" charset="0"/>
-                      </a:rPr>
-                      <m:t>𝑎𝑥</m:t>
-                    </m:r>
-                    <m:r>
-                      <a:rPr lang="en-US" sz="2400" b="0" i="1" smtClean="0">
-                        <a:latin typeface="Cambria Math" panose="02040503050406030204" pitchFamily="18" charset="0"/>
-                      </a:rPr>
-                      <m:t>+</m:t>
-                    </m:r>
-                    <m:r>
-                      <a:rPr lang="en-US" sz="2400" b="0" i="1" smtClean="0">
-                        <a:latin typeface="Cambria Math" panose="02040503050406030204" pitchFamily="18" charset="0"/>
-                      </a:rPr>
-                      <m:t>𝑏𝑦</m:t>
-                    </m:r>
-                    <m:r>
-                      <a:rPr lang="en-US" sz="2400" b="0" i="1" smtClean="0">
-                        <a:latin typeface="Cambria Math" panose="02040503050406030204" pitchFamily="18" charset="0"/>
-                      </a:rPr>
-                      <m:t>+</m:t>
-                    </m:r>
-                    <m:r>
-                      <a:rPr lang="en-US" sz="2400" b="0" i="1" smtClean="0">
-                        <a:latin typeface="Cambria Math" panose="02040503050406030204" pitchFamily="18" charset="0"/>
-                      </a:rPr>
-                      <m:t>𝑐</m:t>
-                    </m:r>
-                    <m:r>
-                      <a:rPr lang="en-US" sz="2400" b="0" i="1" smtClean="0">
-                        <a:latin typeface="Cambria Math" panose="02040503050406030204" pitchFamily="18" charset="0"/>
-                      </a:rPr>
-                      <m:t>≤0⇒</m:t>
-                    </m:r>
-                    <m:r>
-                      <a:rPr lang="en-US" sz="2400" b="0" i="1" smtClean="0">
-                        <a:latin typeface="Cambria Math" panose="02040503050406030204" pitchFamily="18" charset="0"/>
-                      </a:rPr>
-                      <m:t>𝑃</m:t>
-                    </m:r>
-                  </m:oMath>
+                  <m:oMathPara xmlns:m="http://schemas.openxmlformats.org/officeDocument/2006/math">
+                    <m:oMathParaPr>
+                      <m:jc m:val="centerGroup"/>
+                    </m:oMathParaPr>
+                    <m:oMath xmlns:m="http://schemas.openxmlformats.org/officeDocument/2006/math">
+                      <m:sSub>
+                        <m:sSubPr>
+                          <m:ctrlPr>
+                            <a:rPr lang="en-US" sz="2400" b="1" i="1" smtClean="0">
+                              <a:latin typeface="Cambria Math" panose="02040503050406030204" pitchFamily="18" charset="0"/>
+                            </a:rPr>
+                          </m:ctrlPr>
+                        </m:sSubPr>
+                        <m:e>
+                          <m:r>
+                            <a:rPr lang="en-US" sz="2400" b="1" i="1" smtClean="0">
+                              <a:latin typeface="Cambria Math" panose="02040503050406030204" pitchFamily="18" charset="0"/>
+                            </a:rPr>
+                            <m:t>𝑨</m:t>
+                          </m:r>
+                        </m:e>
+                        <m:sub>
+                          <m:r>
+                            <a:rPr lang="en-US" sz="2400" b="1" i="1" smtClean="0">
+                              <a:latin typeface="Cambria Math" panose="02040503050406030204" pitchFamily="18" charset="0"/>
+                            </a:rPr>
+                            <m:t>𝟏</m:t>
+                          </m:r>
+                        </m:sub>
+                      </m:sSub>
+                      <m:r>
+                        <a:rPr lang="en-US" sz="2400" b="1" i="1" smtClean="0">
+                          <a:latin typeface="Cambria Math" panose="02040503050406030204" pitchFamily="18" charset="0"/>
+                        </a:rPr>
+                        <m:t>∧</m:t>
+                      </m:r>
+                      <m:sSub>
+                        <m:sSubPr>
+                          <m:ctrlPr>
+                            <a:rPr lang="en-US" sz="2400" b="1" i="1" smtClean="0">
+                              <a:latin typeface="Cambria Math" panose="02040503050406030204" pitchFamily="18" charset="0"/>
+                            </a:rPr>
+                          </m:ctrlPr>
+                        </m:sSubPr>
+                        <m:e>
+                          <m:r>
+                            <a:rPr lang="en-US" sz="2400" b="1" i="1" smtClean="0">
+                              <a:latin typeface="Cambria Math" panose="02040503050406030204" pitchFamily="18" charset="0"/>
+                            </a:rPr>
+                            <m:t>𝑨</m:t>
+                          </m:r>
+                        </m:e>
+                        <m:sub>
+                          <m:r>
+                            <a:rPr lang="en-US" sz="2400" b="1" i="1" smtClean="0">
+                              <a:latin typeface="Cambria Math" panose="02040503050406030204" pitchFamily="18" charset="0"/>
+                            </a:rPr>
+                            <m:t>𝟒</m:t>
+                          </m:r>
+                        </m:sub>
+                      </m:sSub>
+                      <m:r>
+                        <a:rPr lang="en-US" sz="2400" b="0" i="1" smtClean="0">
+                          <a:latin typeface="Cambria Math" panose="02040503050406030204" pitchFamily="18" charset="0"/>
+                        </a:rPr>
+                        <m:t>∧</m:t>
+                      </m:r>
+                      <m:r>
+                        <a:rPr lang="en-US" sz="2400" b="0" i="1" smtClean="0">
+                          <a:latin typeface="Cambria Math" panose="02040503050406030204" pitchFamily="18" charset="0"/>
+                        </a:rPr>
+                        <m:t>𝑎𝑥</m:t>
+                      </m:r>
+                      <m:r>
+                        <a:rPr lang="en-US" sz="2400" b="0" i="1" smtClean="0">
+                          <a:latin typeface="Cambria Math" panose="02040503050406030204" pitchFamily="18" charset="0"/>
+                        </a:rPr>
+                        <m:t>+</m:t>
+                      </m:r>
+                      <m:r>
+                        <a:rPr lang="en-US" sz="2400" b="0" i="1" smtClean="0">
+                          <a:latin typeface="Cambria Math" panose="02040503050406030204" pitchFamily="18" charset="0"/>
+                        </a:rPr>
+                        <m:t>𝑏𝑦</m:t>
+                      </m:r>
+                      <m:r>
+                        <a:rPr lang="en-US" sz="2400" b="0" i="1" smtClean="0">
+                          <a:latin typeface="Cambria Math" panose="02040503050406030204" pitchFamily="18" charset="0"/>
+                        </a:rPr>
+                        <m:t>+</m:t>
+                      </m:r>
+                      <m:r>
+                        <a:rPr lang="en-US" sz="2400" b="0" i="1" smtClean="0">
+                          <a:latin typeface="Cambria Math" panose="02040503050406030204" pitchFamily="18" charset="0"/>
+                        </a:rPr>
+                        <m:t>𝑐</m:t>
+                      </m:r>
+                      <m:r>
+                        <a:rPr lang="en-US" sz="2400" b="0" i="1" smtClean="0">
+                          <a:latin typeface="Cambria Math" panose="02040503050406030204" pitchFamily="18" charset="0"/>
+                        </a:rPr>
+                        <m:t>≤0</m:t>
+                      </m:r>
+                    </m:oMath>
+                  </m:oMathPara>
                 </a14:m>
-                <a:r>
-                  <a:rPr lang="en-US" sz="2400" dirty="0" smtClean="0"/>
-                  <a:t> </a:t>
-                </a:r>
                 <a:endParaRPr lang="en-US" sz="2400" dirty="0"/>
               </a:p>
             </p:txBody>
           </p:sp>
         </mc:Choice>
-        <mc:Fallback xmlns="">
+        <mc:Fallback>
           <p:sp>
             <p:nvSpPr>
               <p:cNvPr id="37" name="Rectangle 36"/>
@@ -13816,7 +13582,7 @@
         <p:spPr>
           <a:xfrm>
             <a:off x="3969159" y="4299713"/>
-            <a:ext cx="5234253" cy="430887"/>
+            <a:ext cx="3799438" cy="430887"/>
           </a:xfrm>
           <a:prstGeom prst="rect">
             <a:avLst/>
@@ -13834,7 +13600,7 @@
                   <a:schemeClr val="accent2"/>
                 </a:solidFill>
               </a:rPr>
-              <a:t>Pick a disjunct that violates the </a:t>
+              <a:t>Pick a disjunct that </a:t>
             </a:r>
             <a:r>
               <a:rPr lang="en-US" sz="2200" i="1" dirty="0" smtClean="0">
@@ -13842,8 +13608,13 @@
                   <a:schemeClr val="accent2"/>
                 </a:solidFill>
               </a:rPr>
-              <a:t>new solution</a:t>
-            </a:r>
+              <a:t>is satisfiable</a:t>
+            </a:r>
+            <a:endParaRPr lang="en-US" sz="2200" i="1" dirty="0" smtClean="0">
+              <a:solidFill>
+                <a:schemeClr val="accent2"/>
+              </a:solidFill>
+            </a:endParaRPr>
           </a:p>
         </p:txBody>
       </p:sp>
@@ -13883,8 +13654,8 @@
           </a:fontRef>
         </p:style>
       </p:cxnSp>
-      <mc:AlternateContent xmlns:mc="http://schemas.openxmlformats.org/markup-compatibility/2006">
-        <mc:Choice xmlns:a14="http://schemas.microsoft.com/office/drawing/2010/main" Requires="a14">
+      <mc:AlternateContent xmlns:mc="http://schemas.openxmlformats.org/markup-compatibility/2006" xmlns:a14="http://schemas.microsoft.com/office/drawing/2010/main">
+        <mc:Choice Requires="a14">
           <p:sp>
             <p:nvSpPr>
               <p:cNvPr id="47" name="Rectangle 46"/>
@@ -14034,7 +13805,7 @@
             </p:txBody>
           </p:sp>
         </mc:Choice>
-        <mc:Fallback>
+        <mc:Fallback xmlns="">
           <p:sp>
             <p:nvSpPr>
               <p:cNvPr id="47" name="Rectangle 46"/>
@@ -14976,7 +14747,7 @@
                 <a:latin typeface="Courier New" panose="02070309020205020404" pitchFamily="49" charset="0"/>
                 <a:cs typeface="Courier New" panose="02070309020205020404" pitchFamily="49" charset="0"/>
               </a:rPr>
-              <a:t>while(y &gt; 0){</a:t>
+              <a:t>while(*){</a:t>
             </a:r>
           </a:p>
           <a:p>
@@ -18639,15 +18410,7 @@
                   <a:schemeClr val="tx2"/>
                 </a:solidFill>
               </a:rPr>
-              <a:t>Treating all ‘</a:t>
-            </a:r>
-            <a:r>
-              <a:rPr lang="en-US" sz="2400" dirty="0" smtClean="0">
-                <a:solidFill>
-                  <a:schemeClr val="tx2"/>
-                </a:solidFill>
-              </a:rPr>
-              <a:t>foo’s as </a:t>
+              <a:t>Treating all ‘foo’s as </a:t>
             </a:r>
             <a:r>
               <a:rPr lang="en-US" sz="2400" b="1" dirty="0" smtClean="0">
@@ -20493,14 +20256,25 @@
           <a:p>
             <a:r>
               <a:rPr lang="en-US" sz="4000" dirty="0" smtClean="0"/>
-              <a:t>CEGS v2</a:t>
+              <a:t>Counter Example Guided Solving</a:t>
+            </a:r>
+            <a:br>
+              <a:rPr lang="en-US" sz="4000" dirty="0" smtClean="0"/>
+            </a:br>
+            <a:r>
+              <a:rPr lang="en-US" sz="4000" dirty="0" smtClean="0"/>
+              <a:t> </a:t>
+            </a:r>
+            <a:r>
+              <a:rPr lang="en-US" sz="4000" dirty="0" smtClean="0"/>
+              <a:t>v2</a:t>
             </a:r>
             <a:endParaRPr lang="en-US" sz="4000" dirty="0"/>
           </a:p>
         </p:txBody>
       </p:sp>
-      <mc:AlternateContent xmlns:mc="http://schemas.openxmlformats.org/markup-compatibility/2006" xmlns:a14="http://schemas.microsoft.com/office/drawing/2010/main">
-        <mc:Choice Requires="a14">
+      <mc:AlternateContent xmlns:mc="http://schemas.openxmlformats.org/markup-compatibility/2006">
+        <mc:Choice xmlns:a14="http://schemas.microsoft.com/office/drawing/2010/main" Requires="a14">
           <p:sp>
             <p:nvSpPr>
               <p:cNvPr id="4" name="Rectangle 3"/>
@@ -20509,8 +20283,8 @@
             </p:nvSpPr>
             <p:spPr>
               <a:xfrm>
-                <a:off x="965112" y="1191167"/>
-                <a:ext cx="5943600" cy="461665"/>
+                <a:off x="845696" y="1191519"/>
+                <a:ext cx="6148426" cy="461665"/>
               </a:xfrm>
               <a:prstGeom prst="rect">
                 <a:avLst/>
@@ -20522,198 +20296,188 @@
               </a:bodyPr>
               <a:lstStyle/>
               <a:p>
+                <a:pPr/>
                 <a14:m>
-                  <m:oMath xmlns:m="http://schemas.openxmlformats.org/officeDocument/2006/math">
-                    <m:r>
-                      <a:rPr lang="en-US" sz="2400" b="0" i="1" smtClean="0">
-                        <a:latin typeface="Cambria Math" panose="02040503050406030204" pitchFamily="18" charset="0"/>
-                      </a:rPr>
-                      <m:t>𝜙</m:t>
-                    </m:r>
-                    <m:r>
-                      <a:rPr lang="en-US" sz="2400" b="0" i="1" smtClean="0">
-                        <a:latin typeface="Cambria Math" panose="02040503050406030204" pitchFamily="18" charset="0"/>
-                      </a:rPr>
-                      <m:t>:  </m:t>
-                    </m:r>
-                    <m:sSub>
-                      <m:sSubPr>
-                        <m:ctrlPr>
-                          <a:rPr lang="en-US" sz="2400" b="0" i="1" smtClean="0">
-                            <a:latin typeface="Cambria Math" panose="02040503050406030204" pitchFamily="18" charset="0"/>
-                          </a:rPr>
-                        </m:ctrlPr>
-                      </m:sSubPr>
-                      <m:e>
-                        <m:r>
-                          <a:rPr lang="en-US" sz="2400" b="0" i="1" smtClean="0">
-                            <a:latin typeface="Cambria Math" panose="02040503050406030204" pitchFamily="18" charset="0"/>
-                          </a:rPr>
-                          <m:t>(</m:t>
-                        </m:r>
-                        <m:r>
-                          <a:rPr lang="en-US" sz="2400" b="0" i="1" smtClean="0">
-                            <a:latin typeface="Cambria Math" panose="02040503050406030204" pitchFamily="18" charset="0"/>
-                          </a:rPr>
-                          <m:t>𝐴</m:t>
-                        </m:r>
-                      </m:e>
-                      <m:sub>
-                        <m:r>
-                          <a:rPr lang="en-US" sz="2400" b="0" i="1" smtClean="0">
-                            <a:latin typeface="Cambria Math" panose="02040503050406030204" pitchFamily="18" charset="0"/>
-                          </a:rPr>
-                          <m:t>1</m:t>
-                        </m:r>
-                      </m:sub>
-                    </m:sSub>
-                    <m:r>
-                      <a:rPr lang="en-US" sz="2400" b="0" i="1" smtClean="0">
-                        <a:latin typeface="Cambria Math" panose="02040503050406030204" pitchFamily="18" charset="0"/>
-                      </a:rPr>
-                      <m:t>∨</m:t>
-                    </m:r>
-                    <m:sSub>
-                      <m:sSubPr>
-                        <m:ctrlPr>
-                          <a:rPr lang="en-US" sz="2400" b="0" i="1" smtClean="0">
-                            <a:latin typeface="Cambria Math" panose="02040503050406030204" pitchFamily="18" charset="0"/>
-                          </a:rPr>
-                        </m:ctrlPr>
-                      </m:sSubPr>
-                      <m:e>
-                        <m:r>
-                          <a:rPr lang="en-US" sz="2400" b="0" i="1" smtClean="0">
-                            <a:latin typeface="Cambria Math" panose="02040503050406030204" pitchFamily="18" charset="0"/>
-                          </a:rPr>
-                          <m:t>𝐴</m:t>
-                        </m:r>
-                      </m:e>
-                      <m:sub>
-                        <m:r>
-                          <a:rPr lang="en-US" sz="2400" b="0" i="1" smtClean="0">
-                            <a:latin typeface="Cambria Math" panose="02040503050406030204" pitchFamily="18" charset="0"/>
-                          </a:rPr>
-                          <m:t>2</m:t>
-                        </m:r>
-                      </m:sub>
-                    </m:sSub>
-                    <m:r>
-                      <a:rPr lang="en-US" sz="2400" b="0" i="1" smtClean="0">
-                        <a:latin typeface="Cambria Math" panose="02040503050406030204" pitchFamily="18" charset="0"/>
-                      </a:rPr>
-                      <m:t>)∧(</m:t>
-                    </m:r>
-                    <m:sSub>
-                      <m:sSubPr>
-                        <m:ctrlPr>
-                          <a:rPr lang="en-US" sz="2400" b="0" i="1" smtClean="0">
-                            <a:latin typeface="Cambria Math" panose="02040503050406030204" pitchFamily="18" charset="0"/>
-                          </a:rPr>
-                        </m:ctrlPr>
-                      </m:sSubPr>
-                      <m:e>
-                        <m:r>
-                          <a:rPr lang="en-US" sz="2400" b="0" i="1" smtClean="0">
-                            <a:latin typeface="Cambria Math" panose="02040503050406030204" pitchFamily="18" charset="0"/>
-                          </a:rPr>
-                          <m:t>𝐴</m:t>
-                        </m:r>
-                      </m:e>
-                      <m:sub>
-                        <m:r>
-                          <a:rPr lang="en-US" sz="2400" b="0" i="1" smtClean="0">
-                            <a:latin typeface="Cambria Math" panose="02040503050406030204" pitchFamily="18" charset="0"/>
-                          </a:rPr>
-                          <m:t>3</m:t>
-                        </m:r>
-                      </m:sub>
-                    </m:sSub>
-                    <m:r>
-                      <a:rPr lang="en-US" sz="2400" b="0" i="1" smtClean="0">
-                        <a:latin typeface="Cambria Math" panose="02040503050406030204" pitchFamily="18" charset="0"/>
-                      </a:rPr>
-                      <m:t>∨</m:t>
-                    </m:r>
-                    <m:sSub>
-                      <m:sSubPr>
-                        <m:ctrlPr>
-                          <a:rPr lang="en-US" sz="2400" b="0" i="1" smtClean="0">
-                            <a:latin typeface="Cambria Math" panose="02040503050406030204" pitchFamily="18" charset="0"/>
-                          </a:rPr>
-                        </m:ctrlPr>
-                      </m:sSubPr>
-                      <m:e>
-                        <m:r>
-                          <a:rPr lang="en-US" sz="2400" b="0" i="1" smtClean="0">
-                            <a:latin typeface="Cambria Math" panose="02040503050406030204" pitchFamily="18" charset="0"/>
-                          </a:rPr>
-                          <m:t>𝐴</m:t>
-                        </m:r>
-                      </m:e>
-                      <m:sub>
-                        <m:r>
-                          <a:rPr lang="en-US" sz="2400" b="0" i="1" smtClean="0">
-                            <a:latin typeface="Cambria Math" panose="02040503050406030204" pitchFamily="18" charset="0"/>
-                          </a:rPr>
-                          <m:t>4</m:t>
-                        </m:r>
-                      </m:sub>
-                    </m:sSub>
-                    <m:r>
-                      <a:rPr lang="en-US" sz="2400" b="0" i="1" smtClean="0">
-                        <a:latin typeface="Cambria Math" panose="02040503050406030204" pitchFamily="18" charset="0"/>
-                      </a:rPr>
-                      <m:t>)∧</m:t>
-                    </m:r>
-                    <m:r>
-                      <a:rPr lang="en-US" sz="2400" b="0" i="1" smtClean="0">
-                        <a:latin typeface="Cambria Math" panose="02040503050406030204" pitchFamily="18" charset="0"/>
-                      </a:rPr>
-                      <m:t>𝑎𝑥</m:t>
-                    </m:r>
-                    <m:r>
-                      <a:rPr lang="en-US" sz="2400" b="0" i="1" smtClean="0">
-                        <a:latin typeface="Cambria Math" panose="02040503050406030204" pitchFamily="18" charset="0"/>
-                      </a:rPr>
-                      <m:t>+</m:t>
-                    </m:r>
-                    <m:r>
-                      <a:rPr lang="en-US" sz="2400" b="0" i="1" smtClean="0">
-                        <a:latin typeface="Cambria Math" panose="02040503050406030204" pitchFamily="18" charset="0"/>
-                      </a:rPr>
-                      <m:t>𝑏𝑦</m:t>
-                    </m:r>
-                    <m:r>
-                      <a:rPr lang="en-US" sz="2400" b="0" i="1" smtClean="0">
-                        <a:latin typeface="Cambria Math" panose="02040503050406030204" pitchFamily="18" charset="0"/>
-                      </a:rPr>
-                      <m:t>+</m:t>
-                    </m:r>
-                    <m:r>
-                      <a:rPr lang="en-US" sz="2400" b="0" i="1" smtClean="0">
-                        <a:latin typeface="Cambria Math" panose="02040503050406030204" pitchFamily="18" charset="0"/>
-                      </a:rPr>
-                      <m:t>𝑐</m:t>
-                    </m:r>
-                    <m:r>
-                      <a:rPr lang="en-US" sz="2400" b="0" i="1" smtClean="0">
-                        <a:latin typeface="Cambria Math" panose="02040503050406030204" pitchFamily="18" charset="0"/>
-                      </a:rPr>
-                      <m:t>≤0</m:t>
-                    </m:r>
-                  </m:oMath>
+                  <m:oMathPara xmlns:m="http://schemas.openxmlformats.org/officeDocument/2006/math">
+                    <m:oMathParaPr>
+                      <m:jc m:val="centerGroup"/>
+                    </m:oMathParaPr>
+                    <m:oMath xmlns:m="http://schemas.openxmlformats.org/officeDocument/2006/math">
+                      <m:sSub>
+                        <m:sSubPr>
+                          <m:ctrlPr>
+                            <a:rPr lang="en-US" sz="2400" b="0" i="1" smtClean="0">
+                              <a:latin typeface="Cambria Math" panose="02040503050406030204" pitchFamily="18" charset="0"/>
+                            </a:rPr>
+                          </m:ctrlPr>
+                        </m:sSubPr>
+                        <m:e>
+                          <m:r>
+                            <a:rPr lang="en-US" sz="2400" b="0" i="1" smtClean="0">
+                              <a:latin typeface="Cambria Math" panose="02040503050406030204" pitchFamily="18" charset="0"/>
+                            </a:rPr>
+                            <m:t>(</m:t>
+                          </m:r>
+                          <m:r>
+                            <a:rPr lang="en-US" sz="2400" b="0" i="1" smtClean="0">
+                              <a:latin typeface="Cambria Math" panose="02040503050406030204" pitchFamily="18" charset="0"/>
+                            </a:rPr>
+                            <m:t>𝐴</m:t>
+                          </m:r>
+                        </m:e>
+                        <m:sub>
+                          <m:r>
+                            <a:rPr lang="en-US" sz="2400" b="0" i="1" smtClean="0">
+                              <a:latin typeface="Cambria Math" panose="02040503050406030204" pitchFamily="18" charset="0"/>
+                            </a:rPr>
+                            <m:t>1</m:t>
+                          </m:r>
+                        </m:sub>
+                      </m:sSub>
+                      <m:r>
+                        <a:rPr lang="en-US" sz="2400" b="0" i="1" smtClean="0">
+                          <a:latin typeface="Cambria Math" panose="02040503050406030204" pitchFamily="18" charset="0"/>
+                        </a:rPr>
+                        <m:t>∨</m:t>
+                      </m:r>
+                      <m:sSub>
+                        <m:sSubPr>
+                          <m:ctrlPr>
+                            <a:rPr lang="en-US" sz="2400" b="0" i="1" smtClean="0">
+                              <a:latin typeface="Cambria Math" panose="02040503050406030204" pitchFamily="18" charset="0"/>
+                            </a:rPr>
+                          </m:ctrlPr>
+                        </m:sSubPr>
+                        <m:e>
+                          <m:r>
+                            <a:rPr lang="en-US" sz="2400" b="0" i="1" smtClean="0">
+                              <a:latin typeface="Cambria Math" panose="02040503050406030204" pitchFamily="18" charset="0"/>
+                            </a:rPr>
+                            <m:t>𝐴</m:t>
+                          </m:r>
+                        </m:e>
+                        <m:sub>
+                          <m:r>
+                            <a:rPr lang="en-US" sz="2400" b="0" i="1" smtClean="0">
+                              <a:latin typeface="Cambria Math" panose="02040503050406030204" pitchFamily="18" charset="0"/>
+                            </a:rPr>
+                            <m:t>2</m:t>
+                          </m:r>
+                        </m:sub>
+                      </m:sSub>
+                      <m:r>
+                        <a:rPr lang="en-US" sz="2400" b="0" i="1" smtClean="0">
+                          <a:latin typeface="Cambria Math" panose="02040503050406030204" pitchFamily="18" charset="0"/>
+                        </a:rPr>
+                        <m:t>)∧(</m:t>
+                      </m:r>
+                      <m:sSub>
+                        <m:sSubPr>
+                          <m:ctrlPr>
+                            <a:rPr lang="en-US" sz="2400" b="0" i="1" smtClean="0">
+                              <a:latin typeface="Cambria Math" panose="02040503050406030204" pitchFamily="18" charset="0"/>
+                            </a:rPr>
+                          </m:ctrlPr>
+                        </m:sSubPr>
+                        <m:e>
+                          <m:r>
+                            <a:rPr lang="en-US" sz="2400" b="0" i="1" smtClean="0">
+                              <a:latin typeface="Cambria Math" panose="02040503050406030204" pitchFamily="18" charset="0"/>
+                            </a:rPr>
+                            <m:t>𝐴</m:t>
+                          </m:r>
+                        </m:e>
+                        <m:sub>
+                          <m:r>
+                            <a:rPr lang="en-US" sz="2400" b="0" i="1" smtClean="0">
+                              <a:latin typeface="Cambria Math" panose="02040503050406030204" pitchFamily="18" charset="0"/>
+                            </a:rPr>
+                            <m:t>3</m:t>
+                          </m:r>
+                        </m:sub>
+                      </m:sSub>
+                      <m:r>
+                        <a:rPr lang="en-US" sz="2400" b="0" i="1" smtClean="0">
+                          <a:latin typeface="Cambria Math" panose="02040503050406030204" pitchFamily="18" charset="0"/>
+                        </a:rPr>
+                        <m:t>∨</m:t>
+                      </m:r>
+                      <m:sSub>
+                        <m:sSubPr>
+                          <m:ctrlPr>
+                            <a:rPr lang="en-US" sz="2400" b="0" i="1" smtClean="0">
+                              <a:latin typeface="Cambria Math" panose="02040503050406030204" pitchFamily="18" charset="0"/>
+                            </a:rPr>
+                          </m:ctrlPr>
+                        </m:sSubPr>
+                        <m:e>
+                          <m:r>
+                            <a:rPr lang="en-US" sz="2400" b="0" i="1" smtClean="0">
+                              <a:latin typeface="Cambria Math" panose="02040503050406030204" pitchFamily="18" charset="0"/>
+                            </a:rPr>
+                            <m:t>𝐴</m:t>
+                          </m:r>
+                        </m:e>
+                        <m:sub>
+                          <m:r>
+                            <a:rPr lang="en-US" sz="2400" b="0" i="1" smtClean="0">
+                              <a:latin typeface="Cambria Math" panose="02040503050406030204" pitchFamily="18" charset="0"/>
+                            </a:rPr>
+                            <m:t>4</m:t>
+                          </m:r>
+                        </m:sub>
+                      </m:sSub>
+                      <m:r>
+                        <a:rPr lang="en-US" sz="2400" b="0" i="1" smtClean="0">
+                          <a:latin typeface="Cambria Math" panose="02040503050406030204" pitchFamily="18" charset="0"/>
+                        </a:rPr>
+                        <m:t>)∧</m:t>
+                      </m:r>
+                      <m:r>
+                        <a:rPr lang="en-US" sz="2400" b="0" i="1" smtClean="0">
+                          <a:latin typeface="Cambria Math" panose="02040503050406030204" pitchFamily="18" charset="0"/>
+                        </a:rPr>
+                        <m:t>𝑎𝑥</m:t>
+                      </m:r>
+                      <m:r>
+                        <a:rPr lang="en-US" sz="2400" b="0" i="1" smtClean="0">
+                          <a:latin typeface="Cambria Math" panose="02040503050406030204" pitchFamily="18" charset="0"/>
+                        </a:rPr>
+                        <m:t>+</m:t>
+                      </m:r>
+                      <m:r>
+                        <a:rPr lang="en-US" sz="2400" b="0" i="1" smtClean="0">
+                          <a:latin typeface="Cambria Math" panose="02040503050406030204" pitchFamily="18" charset="0"/>
+                        </a:rPr>
+                        <m:t>𝑏𝑦</m:t>
+                      </m:r>
+                      <m:r>
+                        <a:rPr lang="en-US" sz="2400" b="0" i="1" smtClean="0">
+                          <a:latin typeface="Cambria Math" panose="02040503050406030204" pitchFamily="18" charset="0"/>
+                        </a:rPr>
+                        <m:t>+</m:t>
+                      </m:r>
+                      <m:r>
+                        <a:rPr lang="en-US" sz="2400" b="0" i="1" smtClean="0">
+                          <a:latin typeface="Cambria Math" panose="02040503050406030204" pitchFamily="18" charset="0"/>
+                        </a:rPr>
+                        <m:t>𝑐</m:t>
+                      </m:r>
+                      <m:r>
+                        <a:rPr lang="en-US" sz="2400" b="0" i="1" smtClean="0">
+                          <a:latin typeface="Cambria Math" panose="02040503050406030204" pitchFamily="18" charset="0"/>
+                        </a:rPr>
+                        <m:t>≤0</m:t>
+                      </m:r>
+                    </m:oMath>
+                  </m:oMathPara>
                 </a14:m>
-                <a:r>
-                  <a:rPr lang="en-US" sz="2400" dirty="0" smtClean="0"/>
-                  <a:t> </a:t>
-                </a:r>
                 <a:endParaRPr lang="en-US" sz="2400" dirty="0"/>
               </a:p>
             </p:txBody>
           </p:sp>
         </mc:Choice>
-        <mc:Fallback xmlns="">
+        <mc:Fallback>
           <p:sp>
             <p:nvSpPr>
               <p:cNvPr id="4" name="Rectangle 3"/>
@@ -20724,8 +20488,8 @@
             </p:nvSpPr>
             <p:spPr>
               <a:xfrm>
-                <a:off x="965112" y="1191167"/>
-                <a:ext cx="5943600" cy="461665"/>
+                <a:off x="845696" y="1191519"/>
+                <a:ext cx="6148426" cy="461665"/>
               </a:xfrm>
               <a:prstGeom prst="rect">
                 <a:avLst/>
@@ -20733,7 +20497,7 @@
               <a:blipFill rotWithShape="0">
                 <a:blip r:embed="rId3"/>
                 <a:stretch>
-                  <a:fillRect l="-821" b="-17105"/>
+                  <a:fillRect b="-17105"/>
                 </a:stretch>
               </a:blipFill>
             </p:spPr>
@@ -20763,8 +20527,8 @@
         </p:nvCxnSpPr>
         <p:spPr>
           <a:xfrm flipH="1">
-            <a:off x="3935293" y="1652832"/>
-            <a:ext cx="1619" cy="864927"/>
+            <a:off x="3915164" y="1653184"/>
+            <a:ext cx="4745" cy="866366"/>
           </a:xfrm>
           <a:prstGeom prst="straightConnector1">
             <a:avLst/>
@@ -20788,18 +20552,86 @@
           </a:fontRef>
         </p:style>
       </p:cxnSp>
+      <p:sp>
+        <p:nvSpPr>
+          <p:cNvPr id="53" name="Rectangle 52"/>
+          <p:cNvSpPr/>
+          <p:nvPr/>
+        </p:nvSpPr>
+        <p:spPr>
+          <a:xfrm>
+            <a:off x="3915164" y="1674369"/>
+            <a:ext cx="5512076" cy="769441"/>
+          </a:xfrm>
+          <a:prstGeom prst="rect">
+            <a:avLst/>
+          </a:prstGeom>
+        </p:spPr>
+        <p:txBody>
+          <a:bodyPr wrap="square">
+            <a:spAutoFit/>
+          </a:bodyPr>
+          <a:lstStyle/>
+          <a:p>
+            <a:r>
+              <a:rPr lang="en-US" sz="2200" i="1" dirty="0" smtClean="0">
+                <a:solidFill>
+                  <a:schemeClr val="accent2"/>
+                </a:solidFill>
+              </a:rPr>
+              <a:t>Guess an assignment for </a:t>
+            </a:r>
+            <a:r>
+              <a:rPr lang="en-US" sz="2200" i="1" dirty="0" err="1" smtClean="0">
+                <a:solidFill>
+                  <a:schemeClr val="accent2"/>
+                </a:solidFill>
+              </a:rPr>
+              <a:t>a,b,c</a:t>
+            </a:r>
+            <a:endParaRPr lang="en-US" sz="2200" i="1" dirty="0" smtClean="0">
+              <a:solidFill>
+                <a:schemeClr val="accent2"/>
+              </a:solidFill>
+            </a:endParaRPr>
+          </a:p>
+          <a:p>
+            <a:r>
+              <a:rPr lang="en-US" sz="2200" i="1" dirty="0">
+                <a:solidFill>
+                  <a:schemeClr val="accent2"/>
+                </a:solidFill>
+              </a:rPr>
+              <a:t>Pick a disjunct that </a:t>
+            </a:r>
+            <a:r>
+              <a:rPr lang="en-US" sz="2200" i="1" dirty="0" smtClean="0">
+                <a:solidFill>
+                  <a:schemeClr val="accent2"/>
+                </a:solidFill>
+              </a:rPr>
+              <a:t>is satisfiable</a:t>
+            </a:r>
+            <a:endParaRPr lang="en-US" sz="2200" i="1" dirty="0">
+              <a:solidFill>
+                <a:schemeClr val="accent2"/>
+              </a:solidFill>
+            </a:endParaRPr>
+          </a:p>
+        </p:txBody>
+      </p:sp>
       <mc:AlternateContent xmlns:mc="http://schemas.openxmlformats.org/markup-compatibility/2006">
         <mc:Choice xmlns:a14="http://schemas.microsoft.com/office/drawing/2010/main" Requires="a14">
           <p:sp>
             <p:nvSpPr>
-              <p:cNvPr id="53" name="Rectangle 52"/>
+              <p:cNvPr id="42" name="Rectangle 41"/>
               <p:cNvSpPr/>
               <p:nvPr/>
             </p:nvSpPr>
             <p:spPr>
               <a:xfrm>
-                <a:off x="3915164" y="1674369"/>
-                <a:ext cx="5512076" cy="1107996"/>
+                <a:off x="1720384" y="2519550"/>
+                <a:ext cx="4389559" cy="461665"/>
               </a:xfrm>
               <a:prstGeom prst="rect">
                 <a:avLst/>
@@ -20811,66 +20643,115 @@
               </a:bodyPr>
               <a:lstStyle/>
               <a:p>
-                <a:r>
-                  <a:rPr lang="en-US" sz="2200" i="1" dirty="0" smtClean="0">
-                    <a:solidFill>
-                      <a:schemeClr val="accent2"/>
-                    </a:solidFill>
-                  </a:rPr>
-                  <a:t>Guess an assignment for </a:t>
-                </a:r>
-                <a:r>
-                  <a:rPr lang="en-US" sz="2200" i="1" dirty="0" err="1" smtClean="0">
-                    <a:solidFill>
-                      <a:schemeClr val="accent2"/>
-                    </a:solidFill>
-                  </a:rPr>
-                  <a:t>a,b,c</a:t>
-                </a:r>
-                <a:endParaRPr lang="en-US" sz="2200" i="1" dirty="0" smtClean="0">
-                  <a:solidFill>
-                    <a:schemeClr val="accent2"/>
-                  </a:solidFill>
-                </a:endParaRPr>
-              </a:p>
-              <a:p>
-                <a:r>
-                  <a:rPr lang="en-US" sz="2200" i="1" dirty="0">
-                    <a:solidFill>
-                      <a:schemeClr val="accent2"/>
-                    </a:solidFill>
-                  </a:rPr>
-                  <a:t>Pick a disjunct </a:t>
-                </a:r>
-                <a:r>
-                  <a:rPr lang="en-US" sz="2200" i="1" dirty="0" smtClean="0">
-                    <a:solidFill>
-                      <a:schemeClr val="accent2"/>
-                    </a:solidFill>
-                  </a:rPr>
-                  <a:t>satisfiable under the guess</a:t>
-                </a:r>
+                <a:pPr/>
                 <a14:m>
-                  <m:oMath xmlns:m="http://schemas.openxmlformats.org/officeDocument/2006/math">
-                    <m:r>
-                      <a:rPr lang="en-US" sz="2200" b="0" i="1" smtClean="0">
-                        <a:solidFill>
-                          <a:schemeClr val="accent2"/>
-                        </a:solidFill>
-                        <a:latin typeface="Cambria Math" panose="02040503050406030204" pitchFamily="18" charset="0"/>
-                      </a:rPr>
-                      <m:t> </m:t>
-                    </m:r>
-                  </m:oMath>
+                  <m:oMathPara xmlns:m="http://schemas.openxmlformats.org/officeDocument/2006/math">
+                    <m:oMathParaPr>
+                      <m:jc m:val="centerGroup"/>
+                    </m:oMathParaPr>
+                    <m:oMath xmlns:m="http://schemas.openxmlformats.org/officeDocument/2006/math">
+                      <m:sSub>
+                        <m:sSubPr>
+                          <m:ctrlPr>
+                            <a:rPr lang="en-US" sz="2400" b="1" i="1" smtClean="0">
+                              <a:latin typeface="Cambria Math" panose="02040503050406030204" pitchFamily="18" charset="0"/>
+                            </a:rPr>
+                          </m:ctrlPr>
+                        </m:sSubPr>
+                        <m:e>
+                          <m:r>
+                            <a:rPr lang="en-US" sz="2400" b="1" i="1" smtClean="0">
+                              <a:latin typeface="Cambria Math" panose="02040503050406030204" pitchFamily="18" charset="0"/>
+                            </a:rPr>
+                            <m:t>𝑨</m:t>
+                          </m:r>
+                        </m:e>
+                        <m:sub>
+                          <m:r>
+                            <a:rPr lang="en-US" sz="2400" b="1" i="1" smtClean="0">
+                              <a:latin typeface="Cambria Math" panose="02040503050406030204" pitchFamily="18" charset="0"/>
+                            </a:rPr>
+                            <m:t>𝟏</m:t>
+                          </m:r>
+                        </m:sub>
+                      </m:sSub>
+                      <m:r>
+                        <a:rPr lang="en-US" sz="2400" b="1" i="1" smtClean="0">
+                          <a:latin typeface="Cambria Math" panose="02040503050406030204" pitchFamily="18" charset="0"/>
+                        </a:rPr>
+                        <m:t>∧</m:t>
+                      </m:r>
+                      <m:sSub>
+                        <m:sSubPr>
+                          <m:ctrlPr>
+                            <a:rPr lang="en-US" sz="2400" b="1" i="1" smtClean="0">
+                              <a:latin typeface="Cambria Math" panose="02040503050406030204" pitchFamily="18" charset="0"/>
+                            </a:rPr>
+                          </m:ctrlPr>
+                        </m:sSubPr>
+                        <m:e>
+                          <m:r>
+                            <a:rPr lang="en-US" sz="2400" b="1" i="1" smtClean="0">
+                              <a:latin typeface="Cambria Math" panose="02040503050406030204" pitchFamily="18" charset="0"/>
+                            </a:rPr>
+                            <m:t>𝑨</m:t>
+                          </m:r>
+                        </m:e>
+                        <m:sub>
+                          <m:r>
+                            <a:rPr lang="en-US" sz="2400" b="1" i="1" smtClean="0">
+                              <a:latin typeface="Cambria Math" panose="02040503050406030204" pitchFamily="18" charset="0"/>
+                            </a:rPr>
+                            <m:t>𝟑</m:t>
+                          </m:r>
+                        </m:sub>
+                      </m:sSub>
+                      <m:r>
+                        <a:rPr lang="en-US" sz="2400" b="0" i="1" smtClean="0">
+                          <a:latin typeface="Cambria Math" panose="02040503050406030204" pitchFamily="18" charset="0"/>
+                        </a:rPr>
+                        <m:t>∧</m:t>
+                      </m:r>
+                      <m:r>
+                        <a:rPr lang="en-US" sz="2400" b="0" i="1" smtClean="0">
+                          <a:latin typeface="Cambria Math" panose="02040503050406030204" pitchFamily="18" charset="0"/>
+                        </a:rPr>
+                        <m:t>𝑎𝑥</m:t>
+                      </m:r>
+                      <m:r>
+                        <a:rPr lang="en-US" sz="2400" b="0" i="1" smtClean="0">
+                          <a:latin typeface="Cambria Math" panose="02040503050406030204" pitchFamily="18" charset="0"/>
+                        </a:rPr>
+                        <m:t>+</m:t>
+                      </m:r>
+                      <m:r>
+                        <a:rPr lang="en-US" sz="2400" b="0" i="1" smtClean="0">
+                          <a:latin typeface="Cambria Math" panose="02040503050406030204" pitchFamily="18" charset="0"/>
+                        </a:rPr>
+                        <m:t>𝑏𝑦</m:t>
+                      </m:r>
+                      <m:r>
+                        <a:rPr lang="en-US" sz="2400" b="0" i="1" smtClean="0">
+                          <a:latin typeface="Cambria Math" panose="02040503050406030204" pitchFamily="18" charset="0"/>
+                        </a:rPr>
+                        <m:t>+</m:t>
+                      </m:r>
+                      <m:r>
+                        <a:rPr lang="en-US" sz="2400" b="0" i="1" smtClean="0">
+                          <a:latin typeface="Cambria Math" panose="02040503050406030204" pitchFamily="18" charset="0"/>
+                        </a:rPr>
+                        <m:t>𝑐</m:t>
+                      </m:r>
+                      <m:r>
+                        <a:rPr lang="en-US" sz="2400" b="0" i="1" smtClean="0">
+                          <a:latin typeface="Cambria Math" panose="02040503050406030204" pitchFamily="18" charset="0"/>
+                        </a:rPr>
+                        <m:t>≤0</m:t>
+                      </m:r>
+                    </m:oMath>
+                  </m:oMathPara>
                 </a14:m>
-                <a:endParaRPr lang="en-US" sz="2200" i="1" dirty="0">
-                  <a:solidFill>
-                    <a:schemeClr val="accent2"/>
-                  </a:solidFill>
-                </a:endParaRPr>
-              </a:p>
-              <a:p>
-                <a:endParaRPr lang="en-US" sz="2200" i="1" dirty="0" smtClean="0"/>
+                <a:endParaRPr lang="en-US" sz="2400" dirty="0"/>
               </a:p>
             </p:txBody>
           </p:sp>
@@ -20878,7 +20759,7 @@
         <mc:Fallback>
           <p:sp>
             <p:nvSpPr>
-              <p:cNvPr id="53" name="Rectangle 52"/>
+              <p:cNvPr id="42" name="Rectangle 41"/>
               <p:cNvSpPr>
                 <a:spLocks noRot="1" noChangeAspect="1" noMove="1" noResize="1" noEditPoints="1" noAdjustHandles="1" noChangeArrowheads="1" noChangeShapeType="1" noTextEdit="1"/>
               </p:cNvSpPr>
@@ -20886,8 +20767,8 @@
             </p:nvSpPr>
             <p:spPr>
               <a:xfrm>
-                <a:off x="3915164" y="1674369"/>
-                <a:ext cx="5512076" cy="1107996"/>
+                <a:off x="1720384" y="2519550"/>
+                <a:ext cx="4389559" cy="461665"/>
               </a:xfrm>
               <a:prstGeom prst="rect">
                 <a:avLst/>
@@ -20895,7 +20776,7 @@
               <a:blipFill rotWithShape="0">
                 <a:blip r:embed="rId4"/>
                 <a:stretch>
-                  <a:fillRect l="-1438" t="-3867"/>
+                  <a:fillRect b="-17105"/>
                 </a:stretch>
               </a:blipFill>
             </p:spPr>
@@ -20914,18 +20795,18 @@
           </p:sp>
         </mc:Fallback>
       </mc:AlternateContent>
-      <mc:AlternateContent xmlns:mc="http://schemas.openxmlformats.org/markup-compatibility/2006" xmlns:a14="http://schemas.microsoft.com/office/drawing/2010/main">
-        <mc:Choice Requires="a14">
+      <mc:AlternateContent xmlns:mc="http://schemas.openxmlformats.org/markup-compatibility/2006">
+        <mc:Choice xmlns:a14="http://schemas.microsoft.com/office/drawing/2010/main" Requires="a14">
           <p:sp>
             <p:nvSpPr>
-              <p:cNvPr id="42" name="Rectangle 41"/>
+              <p:cNvPr id="43" name="Rectangle 42"/>
               <p:cNvSpPr/>
               <p:nvPr/>
             </p:nvSpPr>
             <p:spPr>
               <a:xfrm>
-                <a:off x="2087441" y="2517759"/>
-                <a:ext cx="3695703" cy="461665"/>
+                <a:off x="51568" y="3536115"/>
+                <a:ext cx="7767449" cy="461665"/>
               </a:xfrm>
               <a:prstGeom prst="rect">
                 <a:avLst/>
@@ -20937,426 +20818,260 @@
               </a:bodyPr>
               <a:lstStyle/>
               <a:p>
+                <a:pPr/>
                 <a14:m>
-                  <m:oMath xmlns:m="http://schemas.openxmlformats.org/officeDocument/2006/math">
-                    <m:sSub>
-                      <m:sSubPr>
-                        <m:ctrlPr>
-                          <a:rPr lang="en-US" sz="2400" b="1" i="1" smtClean="0">
-                            <a:latin typeface="Cambria Math" panose="02040503050406030204" pitchFamily="18" charset="0"/>
-                          </a:rPr>
-                        </m:ctrlPr>
-                      </m:sSubPr>
-                      <m:e>
-                        <m:r>
-                          <a:rPr lang="en-US" sz="2400" b="1" i="1" smtClean="0">
-                            <a:latin typeface="Cambria Math" panose="02040503050406030204" pitchFamily="18" charset="0"/>
-                          </a:rPr>
-                          <m:t>𝑨</m:t>
-                        </m:r>
-                      </m:e>
-                      <m:sub>
-                        <m:r>
-                          <a:rPr lang="en-US" sz="2400" b="1" i="1" smtClean="0">
-                            <a:latin typeface="Cambria Math" panose="02040503050406030204" pitchFamily="18" charset="0"/>
-                          </a:rPr>
-                          <m:t>𝟏</m:t>
-                        </m:r>
-                      </m:sub>
-                    </m:sSub>
-                    <m:r>
-                      <a:rPr lang="en-US" sz="2400" b="1" i="1" smtClean="0">
-                        <a:latin typeface="Cambria Math" panose="02040503050406030204" pitchFamily="18" charset="0"/>
-                      </a:rPr>
-                      <m:t>∧</m:t>
-                    </m:r>
-                    <m:sSub>
-                      <m:sSubPr>
-                        <m:ctrlPr>
-                          <a:rPr lang="en-US" sz="2400" b="1" i="1" smtClean="0">
-                            <a:latin typeface="Cambria Math" panose="02040503050406030204" pitchFamily="18" charset="0"/>
-                          </a:rPr>
-                        </m:ctrlPr>
-                      </m:sSubPr>
-                      <m:e>
-                        <m:r>
-                          <a:rPr lang="en-US" sz="2400" b="1" i="1" smtClean="0">
-                            <a:latin typeface="Cambria Math" panose="02040503050406030204" pitchFamily="18" charset="0"/>
-                          </a:rPr>
-                          <m:t>𝑨</m:t>
-                        </m:r>
-                      </m:e>
-                      <m:sub>
-                        <m:r>
-                          <a:rPr lang="en-US" sz="2400" b="1" i="1" smtClean="0">
-                            <a:latin typeface="Cambria Math" panose="02040503050406030204" pitchFamily="18" charset="0"/>
-                          </a:rPr>
-                          <m:t>𝟑</m:t>
-                        </m:r>
-                      </m:sub>
-                    </m:sSub>
-                    <m:r>
-                      <a:rPr lang="en-US" sz="2400" b="0" i="1" smtClean="0">
-                        <a:latin typeface="Cambria Math" panose="02040503050406030204" pitchFamily="18" charset="0"/>
-                      </a:rPr>
-                      <m:t>∧</m:t>
-                    </m:r>
-                    <m:r>
-                      <a:rPr lang="en-US" sz="2400" b="0" i="1" smtClean="0">
-                        <a:latin typeface="Cambria Math" panose="02040503050406030204" pitchFamily="18" charset="0"/>
-                      </a:rPr>
-                      <m:t>𝑎𝑥</m:t>
-                    </m:r>
-                    <m:r>
-                      <a:rPr lang="en-US" sz="2400" b="0" i="1" smtClean="0">
-                        <a:latin typeface="Cambria Math" panose="02040503050406030204" pitchFamily="18" charset="0"/>
-                      </a:rPr>
-                      <m:t>+</m:t>
-                    </m:r>
-                    <m:r>
-                      <a:rPr lang="en-US" sz="2400" b="0" i="1" smtClean="0">
-                        <a:latin typeface="Cambria Math" panose="02040503050406030204" pitchFamily="18" charset="0"/>
-                      </a:rPr>
-                      <m:t>𝑏𝑦</m:t>
-                    </m:r>
-                    <m:r>
-                      <a:rPr lang="en-US" sz="2400" b="0" i="1" smtClean="0">
-                        <a:latin typeface="Cambria Math" panose="02040503050406030204" pitchFamily="18" charset="0"/>
-                      </a:rPr>
-                      <m:t>+</m:t>
-                    </m:r>
-                    <m:r>
-                      <a:rPr lang="en-US" sz="2400" b="0" i="1" smtClean="0">
-                        <a:latin typeface="Cambria Math" panose="02040503050406030204" pitchFamily="18" charset="0"/>
-                      </a:rPr>
-                      <m:t>𝑐</m:t>
-                    </m:r>
-                    <m:r>
-                      <a:rPr lang="en-US" sz="2400" b="0" i="1" smtClean="0">
-                        <a:latin typeface="Cambria Math" panose="02040503050406030204" pitchFamily="18" charset="0"/>
-                      </a:rPr>
-                      <m:t>≤0</m:t>
-                    </m:r>
-                  </m:oMath>
+                  <m:oMathPara xmlns:m="http://schemas.openxmlformats.org/officeDocument/2006/math">
+                    <m:oMathParaPr>
+                      <m:jc m:val="centerGroup"/>
+                    </m:oMathParaPr>
+                    <m:oMath xmlns:m="http://schemas.openxmlformats.org/officeDocument/2006/math">
+                      <m:sSub>
+                        <m:sSubPr>
+                          <m:ctrlPr>
+                            <a:rPr lang="en-US" sz="2400" i="1" smtClean="0">
+                              <a:latin typeface="Cambria Math" panose="02040503050406030204" pitchFamily="18" charset="0"/>
+                            </a:rPr>
+                          </m:ctrlPr>
+                        </m:sSubPr>
+                        <m:e>
+                          <m:r>
+                            <a:rPr lang="en-US" sz="2400" i="1">
+                              <a:latin typeface="Cambria Math" panose="02040503050406030204" pitchFamily="18" charset="0"/>
+                            </a:rPr>
+                            <m:t>𝐴</m:t>
+                          </m:r>
+                        </m:e>
+                        <m:sub>
+                          <m:r>
+                            <a:rPr lang="en-US" sz="2400" i="1">
+                              <a:latin typeface="Cambria Math" panose="02040503050406030204" pitchFamily="18" charset="0"/>
+                            </a:rPr>
+                            <m:t>1</m:t>
+                          </m:r>
+                        </m:sub>
+                      </m:sSub>
+                      <m:r>
+                        <a:rPr lang="en-US" sz="2400" i="1">
+                          <a:latin typeface="Cambria Math" panose="02040503050406030204" pitchFamily="18" charset="0"/>
+                        </a:rPr>
+                        <m:t>∧</m:t>
+                      </m:r>
+                      <m:sSub>
+                        <m:sSubPr>
+                          <m:ctrlPr>
+                            <a:rPr lang="en-US" sz="2400" i="1">
+                              <a:latin typeface="Cambria Math" panose="02040503050406030204" pitchFamily="18" charset="0"/>
+                            </a:rPr>
+                          </m:ctrlPr>
+                        </m:sSubPr>
+                        <m:e>
+                          <m:r>
+                            <a:rPr lang="en-US" sz="2400" i="1">
+                              <a:latin typeface="Cambria Math" panose="02040503050406030204" pitchFamily="18" charset="0"/>
+                            </a:rPr>
+                            <m:t>𝐴</m:t>
+                          </m:r>
+                        </m:e>
+                        <m:sub>
+                          <m:r>
+                            <a:rPr lang="en-US" sz="2400" i="1">
+                              <a:latin typeface="Cambria Math" panose="02040503050406030204" pitchFamily="18" charset="0"/>
+                            </a:rPr>
+                            <m:t>3</m:t>
+                          </m:r>
+                        </m:sub>
+                      </m:sSub>
+                      <m:r>
+                        <a:rPr lang="en-US" sz="2400" i="1">
+                          <a:latin typeface="Cambria Math" panose="02040503050406030204" pitchFamily="18" charset="0"/>
+                        </a:rPr>
+                        <m:t>∧</m:t>
+                      </m:r>
+                      <m:r>
+                        <a:rPr lang="en-US" sz="2400" i="1">
+                          <a:latin typeface="Cambria Math" panose="02040503050406030204" pitchFamily="18" charset="0"/>
+                        </a:rPr>
+                        <m:t>𝑎𝑥</m:t>
+                      </m:r>
+                      <m:r>
+                        <a:rPr lang="en-US" sz="2400" i="1">
+                          <a:latin typeface="Cambria Math" panose="02040503050406030204" pitchFamily="18" charset="0"/>
+                        </a:rPr>
+                        <m:t>+</m:t>
+                      </m:r>
+                      <m:r>
+                        <a:rPr lang="en-US" sz="2400" i="1">
+                          <a:latin typeface="Cambria Math" panose="02040503050406030204" pitchFamily="18" charset="0"/>
+                        </a:rPr>
+                        <m:t>𝑏𝑦</m:t>
+                      </m:r>
+                      <m:r>
+                        <a:rPr lang="en-US" sz="2400" i="1">
+                          <a:latin typeface="Cambria Math" panose="02040503050406030204" pitchFamily="18" charset="0"/>
+                        </a:rPr>
+                        <m:t>+</m:t>
+                      </m:r>
+                      <m:r>
+                        <a:rPr lang="en-US" sz="2400" i="1">
+                          <a:latin typeface="Cambria Math" panose="02040503050406030204" pitchFamily="18" charset="0"/>
+                        </a:rPr>
+                        <m:t>𝑐</m:t>
+                      </m:r>
+                      <m:r>
+                        <a:rPr lang="en-US" sz="2400" i="1">
+                          <a:latin typeface="Cambria Math" panose="02040503050406030204" pitchFamily="18" charset="0"/>
+                        </a:rPr>
+                        <m:t>≤0∧</m:t>
+                      </m:r>
+                      <m:d>
+                        <m:dPr>
+                          <m:ctrlPr>
+                            <a:rPr lang="en-US" sz="2400" b="1" i="1" smtClean="0">
+                              <a:latin typeface="Cambria Math" panose="02040503050406030204" pitchFamily="18" charset="0"/>
+                            </a:rPr>
+                          </m:ctrlPr>
+                        </m:dPr>
+                        <m:e>
+                          <m:sSub>
+                            <m:sSubPr>
+                              <m:ctrlPr>
+                                <a:rPr lang="en-US" sz="2400" b="1" i="1" smtClean="0">
+                                  <a:latin typeface="Cambria Math" panose="02040503050406030204" pitchFamily="18" charset="0"/>
+                                </a:rPr>
+                              </m:ctrlPr>
+                            </m:sSubPr>
+                            <m:e>
+                              <m:r>
+                                <a:rPr lang="en-US" sz="2400" b="1" i="1" smtClean="0">
+                                  <a:latin typeface="Cambria Math" panose="02040503050406030204" pitchFamily="18" charset="0"/>
+                                </a:rPr>
+                                <m:t>𝑨</m:t>
+                              </m:r>
+                            </m:e>
+                            <m:sub>
+                              <m:r>
+                                <a:rPr lang="en-US" sz="2400" b="1" i="1" smtClean="0">
+                                  <a:latin typeface="Cambria Math" panose="02040503050406030204" pitchFamily="18" charset="0"/>
+                                </a:rPr>
+                                <m:t>𝟓</m:t>
+                              </m:r>
+                            </m:sub>
+                          </m:sSub>
+                          <m:r>
+                            <a:rPr lang="en-US" sz="2400" b="1" i="1" smtClean="0">
+                              <a:latin typeface="Cambria Math" panose="02040503050406030204" pitchFamily="18" charset="0"/>
+                            </a:rPr>
+                            <m:t>⇒</m:t>
+                          </m:r>
+                          <m:sSub>
+                            <m:sSubPr>
+                              <m:ctrlPr>
+                                <a:rPr lang="en-US" sz="2400" b="1" i="1" smtClean="0">
+                                  <a:latin typeface="Cambria Math" panose="02040503050406030204" pitchFamily="18" charset="0"/>
+                                </a:rPr>
+                              </m:ctrlPr>
+                            </m:sSubPr>
+                            <m:e>
+                              <m:r>
+                                <a:rPr lang="en-US" sz="2400" b="1" i="1" smtClean="0">
+                                  <a:latin typeface="Cambria Math" panose="02040503050406030204" pitchFamily="18" charset="0"/>
+                                </a:rPr>
+                                <m:t>𝑨</m:t>
+                              </m:r>
+                            </m:e>
+                            <m:sub>
+                              <m:r>
+                                <a:rPr lang="en-US" sz="2400" b="1" i="1" smtClean="0">
+                                  <a:latin typeface="Cambria Math" panose="02040503050406030204" pitchFamily="18" charset="0"/>
+                                </a:rPr>
+                                <m:t>𝟔</m:t>
+                              </m:r>
+                            </m:sub>
+                          </m:sSub>
+                        </m:e>
+                      </m:d>
+                      <m:r>
+                        <a:rPr lang="en-US" sz="2400" b="1" i="1" smtClean="0">
+                          <a:latin typeface="Cambria Math" panose="02040503050406030204" pitchFamily="18" charset="0"/>
+                        </a:rPr>
+                        <m:t>∧</m:t>
+                      </m:r>
+                      <m:d>
+                        <m:dPr>
+                          <m:ctrlPr>
+                            <a:rPr lang="en-US" sz="2400" b="1" i="1" smtClean="0">
+                              <a:latin typeface="Cambria Math" panose="02040503050406030204" pitchFamily="18" charset="0"/>
+                            </a:rPr>
+                          </m:ctrlPr>
+                        </m:dPr>
+                        <m:e>
+                          <m:sSub>
+                            <m:sSubPr>
+                              <m:ctrlPr>
+                                <a:rPr lang="en-US" sz="2400" b="1" i="1" smtClean="0">
+                                  <a:latin typeface="Cambria Math" panose="02040503050406030204" pitchFamily="18" charset="0"/>
+                                </a:rPr>
+                              </m:ctrlPr>
+                            </m:sSubPr>
+                            <m:e>
+                              <m:r>
+                                <a:rPr lang="en-US" sz="2400" b="1" i="1" smtClean="0">
+                                  <a:latin typeface="Cambria Math" panose="02040503050406030204" pitchFamily="18" charset="0"/>
+                                </a:rPr>
+                                <m:t>𝑨</m:t>
+                              </m:r>
+                            </m:e>
+                            <m:sub>
+                              <m:r>
+                                <a:rPr lang="en-US" sz="2400" b="1" i="1" smtClean="0">
+                                  <a:latin typeface="Cambria Math" panose="02040503050406030204" pitchFamily="18" charset="0"/>
+                                </a:rPr>
+                                <m:t>𝟕</m:t>
+                              </m:r>
+                            </m:sub>
+                          </m:sSub>
+                          <m:r>
+                            <a:rPr lang="en-US" sz="2400" b="1" i="1" smtClean="0">
+                              <a:latin typeface="Cambria Math" panose="02040503050406030204" pitchFamily="18" charset="0"/>
+                            </a:rPr>
+                            <m:t>⇔</m:t>
+                          </m:r>
+                          <m:sSub>
+                            <m:sSubPr>
+                              <m:ctrlPr>
+                                <a:rPr lang="en-US" sz="2400" b="1" i="1" smtClean="0">
+                                  <a:latin typeface="Cambria Math" panose="02040503050406030204" pitchFamily="18" charset="0"/>
+                                </a:rPr>
+                              </m:ctrlPr>
+                            </m:sSubPr>
+                            <m:e>
+                              <m:r>
+                                <a:rPr lang="en-US" sz="2400" b="1" i="1" smtClean="0">
+                                  <a:latin typeface="Cambria Math" panose="02040503050406030204" pitchFamily="18" charset="0"/>
+                                </a:rPr>
+                                <m:t>𝑨</m:t>
+                              </m:r>
+                            </m:e>
+                            <m:sub>
+                              <m:r>
+                                <a:rPr lang="en-US" sz="2400" b="1" i="1" smtClean="0">
+                                  <a:latin typeface="Cambria Math" panose="02040503050406030204" pitchFamily="18" charset="0"/>
+                                </a:rPr>
+                                <m:t>𝟖</m:t>
+                              </m:r>
+                            </m:sub>
+                          </m:sSub>
+                        </m:e>
+                      </m:d>
+                    </m:oMath>
+                  </m:oMathPara>
                 </a14:m>
-                <a:r>
-                  <a:rPr lang="en-US" sz="2400" dirty="0" smtClean="0"/>
-                  <a:t> </a:t>
-                </a:r>
                 <a:endParaRPr lang="en-US" sz="2400" dirty="0"/>
               </a:p>
             </p:txBody>
           </p:sp>
         </mc:Choice>
-        <mc:Fallback xmlns="">
-          <p:sp>
-            <p:nvSpPr>
-              <p:cNvPr id="42" name="Rectangle 41"/>
-              <p:cNvSpPr>
-                <a:spLocks noRot="1" noChangeAspect="1" noMove="1" noResize="1" noEditPoints="1" noAdjustHandles="1" noChangeArrowheads="1" noChangeShapeType="1" noTextEdit="1"/>
-              </p:cNvSpPr>
-              <p:nvPr/>
-            </p:nvSpPr>
-            <p:spPr>
-              <a:xfrm>
-                <a:off x="2087441" y="2517759"/>
-                <a:ext cx="3695703" cy="461665"/>
-              </a:xfrm>
-              <a:prstGeom prst="rect">
-                <a:avLst/>
-              </a:prstGeom>
-              <a:blipFill rotWithShape="0">
-                <a:blip r:embed="rId5"/>
-                <a:stretch>
-                  <a:fillRect l="-329" b="-17105"/>
-                </a:stretch>
-              </a:blipFill>
-            </p:spPr>
-            <p:txBody>
-              <a:bodyPr/>
-              <a:lstStyle/>
-              <a:p>
-                <a:r>
-                  <a:rPr lang="en-US">
-                    <a:noFill/>
-                  </a:rPr>
-                  <a:t> </a:t>
-                </a:r>
-              </a:p>
-            </p:txBody>
-          </p:sp>
-        </mc:Fallback>
-      </mc:AlternateContent>
-      <mc:AlternateContent xmlns:mc="http://schemas.openxmlformats.org/markup-compatibility/2006" xmlns:a14="http://schemas.microsoft.com/office/drawing/2010/main">
-        <mc:Choice Requires="a14">
-          <p:sp>
-            <p:nvSpPr>
-              <p:cNvPr id="43" name="Rectangle 42"/>
-              <p:cNvSpPr/>
-              <p:nvPr/>
-            </p:nvSpPr>
-            <p:spPr>
-              <a:xfrm>
-                <a:off x="353893" y="3535214"/>
-                <a:ext cx="7162800" cy="461665"/>
-              </a:xfrm>
-              <a:prstGeom prst="rect">
-                <a:avLst/>
-              </a:prstGeom>
-            </p:spPr>
-            <p:txBody>
-              <a:bodyPr wrap="square">
-                <a:spAutoFit/>
-              </a:bodyPr>
-              <a:lstStyle/>
-              <a:p>
-                <a14:m>
-                  <m:oMath xmlns:m="http://schemas.openxmlformats.org/officeDocument/2006/math">
-                    <m:sSub>
-                      <m:sSubPr>
-                        <m:ctrlPr>
-                          <a:rPr lang="en-US" sz="2400" i="1" smtClean="0">
-                            <a:latin typeface="Cambria Math" panose="02040503050406030204" pitchFamily="18" charset="0"/>
-                          </a:rPr>
-                        </m:ctrlPr>
-                      </m:sSubPr>
-                      <m:e>
-                        <m:r>
-                          <a:rPr lang="en-US" sz="2400" i="1">
-                            <a:latin typeface="Cambria Math" panose="02040503050406030204" pitchFamily="18" charset="0"/>
-                          </a:rPr>
-                          <m:t>𝐴</m:t>
-                        </m:r>
-                      </m:e>
-                      <m:sub>
-                        <m:r>
-                          <a:rPr lang="en-US" sz="2400" i="1">
-                            <a:latin typeface="Cambria Math" panose="02040503050406030204" pitchFamily="18" charset="0"/>
-                          </a:rPr>
-                          <m:t>1</m:t>
-                        </m:r>
-                      </m:sub>
-                    </m:sSub>
-                    <m:r>
-                      <a:rPr lang="en-US" sz="2400" i="1">
-                        <a:latin typeface="Cambria Math" panose="02040503050406030204" pitchFamily="18" charset="0"/>
-                      </a:rPr>
-                      <m:t>∧</m:t>
-                    </m:r>
-                    <m:sSub>
-                      <m:sSubPr>
-                        <m:ctrlPr>
-                          <a:rPr lang="en-US" sz="2400" i="1">
-                            <a:latin typeface="Cambria Math" panose="02040503050406030204" pitchFamily="18" charset="0"/>
-                          </a:rPr>
-                        </m:ctrlPr>
-                      </m:sSubPr>
-                      <m:e>
-                        <m:r>
-                          <a:rPr lang="en-US" sz="2400" i="1">
-                            <a:latin typeface="Cambria Math" panose="02040503050406030204" pitchFamily="18" charset="0"/>
-                          </a:rPr>
-                          <m:t>𝐴</m:t>
-                        </m:r>
-                      </m:e>
-                      <m:sub>
-                        <m:r>
-                          <a:rPr lang="en-US" sz="2400" i="1">
-                            <a:latin typeface="Cambria Math" panose="02040503050406030204" pitchFamily="18" charset="0"/>
-                          </a:rPr>
-                          <m:t>3</m:t>
-                        </m:r>
-                      </m:sub>
-                    </m:sSub>
-                    <m:r>
-                      <a:rPr lang="en-US" sz="2400" i="1">
-                        <a:latin typeface="Cambria Math" panose="02040503050406030204" pitchFamily="18" charset="0"/>
-                      </a:rPr>
-                      <m:t>∧</m:t>
-                    </m:r>
-                    <m:r>
-                      <a:rPr lang="en-US" sz="2400" i="1">
-                        <a:latin typeface="Cambria Math" panose="02040503050406030204" pitchFamily="18" charset="0"/>
-                      </a:rPr>
-                      <m:t>𝑎𝑥</m:t>
-                    </m:r>
-                    <m:r>
-                      <a:rPr lang="en-US" sz="2400" i="1">
-                        <a:latin typeface="Cambria Math" panose="02040503050406030204" pitchFamily="18" charset="0"/>
-                      </a:rPr>
-                      <m:t>+</m:t>
-                    </m:r>
-                    <m:r>
-                      <a:rPr lang="en-US" sz="2400" i="1">
-                        <a:latin typeface="Cambria Math" panose="02040503050406030204" pitchFamily="18" charset="0"/>
-                      </a:rPr>
-                      <m:t>𝑏𝑦</m:t>
-                    </m:r>
-                    <m:r>
-                      <a:rPr lang="en-US" sz="2400" i="1">
-                        <a:latin typeface="Cambria Math" panose="02040503050406030204" pitchFamily="18" charset="0"/>
-                      </a:rPr>
-                      <m:t>+</m:t>
-                    </m:r>
-                    <m:r>
-                      <a:rPr lang="en-US" sz="2400" i="1">
-                        <a:latin typeface="Cambria Math" panose="02040503050406030204" pitchFamily="18" charset="0"/>
-                      </a:rPr>
-                      <m:t>𝑐</m:t>
-                    </m:r>
-                    <m:r>
-                      <a:rPr lang="en-US" sz="2400" i="1">
-                        <a:latin typeface="Cambria Math" panose="02040503050406030204" pitchFamily="18" charset="0"/>
-                      </a:rPr>
-                      <m:t>≤0∧</m:t>
-                    </m:r>
-                    <m:d>
-                      <m:dPr>
-                        <m:ctrlPr>
-                          <a:rPr lang="en-US" sz="2400" b="1" i="1" smtClean="0">
-                            <a:latin typeface="Cambria Math" panose="02040503050406030204" pitchFamily="18" charset="0"/>
-                          </a:rPr>
-                        </m:ctrlPr>
-                      </m:dPr>
-                      <m:e>
-                        <m:sSub>
-                          <m:sSubPr>
-                            <m:ctrlPr>
-                              <a:rPr lang="en-US" sz="2400" b="1" i="1" smtClean="0">
-                                <a:latin typeface="Cambria Math" panose="02040503050406030204" pitchFamily="18" charset="0"/>
-                              </a:rPr>
-                            </m:ctrlPr>
-                          </m:sSubPr>
-                          <m:e>
-                            <m:r>
-                              <a:rPr lang="en-US" sz="2400" b="1" i="1" smtClean="0">
-                                <a:latin typeface="Cambria Math" panose="02040503050406030204" pitchFamily="18" charset="0"/>
-                              </a:rPr>
-                              <m:t>𝑨</m:t>
-                            </m:r>
-                          </m:e>
-                          <m:sub>
-                            <m:r>
-                              <a:rPr lang="en-US" sz="2400" b="1" i="1" smtClean="0">
-                                <a:latin typeface="Cambria Math" panose="02040503050406030204" pitchFamily="18" charset="0"/>
-                              </a:rPr>
-                              <m:t>𝟓</m:t>
-                            </m:r>
-                          </m:sub>
-                        </m:sSub>
-                        <m:r>
-                          <a:rPr lang="en-US" sz="2400" b="1" i="1" smtClean="0">
-                            <a:latin typeface="Cambria Math" panose="02040503050406030204" pitchFamily="18" charset="0"/>
-                          </a:rPr>
-                          <m:t>⇒</m:t>
-                        </m:r>
-                        <m:sSub>
-                          <m:sSubPr>
-                            <m:ctrlPr>
-                              <a:rPr lang="en-US" sz="2400" b="1" i="1" smtClean="0">
-                                <a:latin typeface="Cambria Math" panose="02040503050406030204" pitchFamily="18" charset="0"/>
-                              </a:rPr>
-                            </m:ctrlPr>
-                          </m:sSubPr>
-                          <m:e>
-                            <m:r>
-                              <a:rPr lang="en-US" sz="2400" b="1" i="1" smtClean="0">
-                                <a:latin typeface="Cambria Math" panose="02040503050406030204" pitchFamily="18" charset="0"/>
-                              </a:rPr>
-                              <m:t>𝑨</m:t>
-                            </m:r>
-                          </m:e>
-                          <m:sub>
-                            <m:r>
-                              <a:rPr lang="en-US" sz="2400" b="1" i="1" smtClean="0">
-                                <a:latin typeface="Cambria Math" panose="02040503050406030204" pitchFamily="18" charset="0"/>
-                              </a:rPr>
-                              <m:t>𝟔</m:t>
-                            </m:r>
-                          </m:sub>
-                        </m:sSub>
-                      </m:e>
-                    </m:d>
-                    <m:r>
-                      <a:rPr lang="en-US" sz="2400" b="1" i="1" smtClean="0">
-                        <a:latin typeface="Cambria Math" panose="02040503050406030204" pitchFamily="18" charset="0"/>
-                      </a:rPr>
-                      <m:t>∧(</m:t>
-                    </m:r>
-                    <m:sSub>
-                      <m:sSubPr>
-                        <m:ctrlPr>
-                          <a:rPr lang="en-US" sz="2400" b="1" i="1" smtClean="0">
-                            <a:latin typeface="Cambria Math" panose="02040503050406030204" pitchFamily="18" charset="0"/>
-                          </a:rPr>
-                        </m:ctrlPr>
-                      </m:sSubPr>
-                      <m:e>
-                        <m:r>
-                          <a:rPr lang="en-US" sz="2400" b="1" i="1" smtClean="0">
-                            <a:latin typeface="Cambria Math" panose="02040503050406030204" pitchFamily="18" charset="0"/>
-                          </a:rPr>
-                          <m:t>𝑨</m:t>
-                        </m:r>
-                      </m:e>
-                      <m:sub>
-                        <m:r>
-                          <a:rPr lang="en-US" sz="2400" b="1" i="1" smtClean="0">
-                            <a:latin typeface="Cambria Math" panose="02040503050406030204" pitchFamily="18" charset="0"/>
-                          </a:rPr>
-                          <m:t>𝟕</m:t>
-                        </m:r>
-                      </m:sub>
-                    </m:sSub>
-                    <m:r>
-                      <a:rPr lang="en-US" sz="2400" b="1" i="1" smtClean="0">
-                        <a:latin typeface="Cambria Math" panose="02040503050406030204" pitchFamily="18" charset="0"/>
-                      </a:rPr>
-                      <m:t>⇔</m:t>
-                    </m:r>
-                    <m:sSub>
-                      <m:sSubPr>
-                        <m:ctrlPr>
-                          <a:rPr lang="en-US" sz="2400" b="1" i="1" smtClean="0">
-                            <a:latin typeface="Cambria Math" panose="02040503050406030204" pitchFamily="18" charset="0"/>
-                          </a:rPr>
-                        </m:ctrlPr>
-                      </m:sSubPr>
-                      <m:e>
-                        <m:r>
-                          <a:rPr lang="en-US" sz="2400" b="1" i="1" smtClean="0">
-                            <a:latin typeface="Cambria Math" panose="02040503050406030204" pitchFamily="18" charset="0"/>
-                          </a:rPr>
-                          <m:t>𝑨</m:t>
-                        </m:r>
-                      </m:e>
-                      <m:sub>
-                        <m:r>
-                          <a:rPr lang="en-US" sz="2400" b="1" i="1" smtClean="0">
-                            <a:latin typeface="Cambria Math" panose="02040503050406030204" pitchFamily="18" charset="0"/>
-                          </a:rPr>
-                          <m:t>𝟖</m:t>
-                        </m:r>
-                      </m:sub>
-                    </m:sSub>
-                    <m:r>
-                      <a:rPr lang="en-US" sz="2400" b="1" i="1" smtClean="0">
-                        <a:latin typeface="Cambria Math" panose="02040503050406030204" pitchFamily="18" charset="0"/>
-                      </a:rPr>
-                      <m:t>) </m:t>
-                    </m:r>
-                  </m:oMath>
-                </a14:m>
-                <a:r>
-                  <a:rPr lang="en-US" sz="2400" b="1" dirty="0" smtClean="0"/>
-                  <a:t> </a:t>
-                </a:r>
-                <a:endParaRPr lang="en-US" sz="2400" b="1" dirty="0"/>
-              </a:p>
-            </p:txBody>
-          </p:sp>
-        </mc:Choice>
-        <mc:Fallback xmlns="">
+        <mc:Fallback>
           <p:sp>
             <p:nvSpPr>
               <p:cNvPr id="43" name="Rectangle 42"/>
@@ -21367,16 +21082,16 @@
             </p:nvSpPr>
             <p:spPr>
               <a:xfrm>
-                <a:off x="353893" y="3535214"/>
-                <a:ext cx="7162800" cy="461665"/>
+                <a:off x="51568" y="3536115"/>
+                <a:ext cx="7767449" cy="461665"/>
               </a:xfrm>
               <a:prstGeom prst="rect">
                 <a:avLst/>
               </a:prstGeom>
               <a:blipFill rotWithShape="0">
-                <a:blip r:embed="rId6"/>
+                <a:blip r:embed="rId5"/>
                 <a:stretch>
-                  <a:fillRect l="-170" b="-17105"/>
+                  <a:fillRect b="-17105"/>
                 </a:stretch>
               </a:blipFill>
             </p:spPr>
@@ -21406,8 +21121,8 @@
         </p:nvCxnSpPr>
         <p:spPr>
           <a:xfrm>
-            <a:off x="3935293" y="2979424"/>
-            <a:ext cx="0" cy="555790"/>
+            <a:off x="3915164" y="2981215"/>
+            <a:ext cx="20129" cy="554900"/>
           </a:xfrm>
           <a:prstGeom prst="straightConnector1">
             <a:avLst/>
@@ -21441,9 +21156,9 @@
           <p:nvPr/>
         </p:nvCxnSpPr>
         <p:spPr>
-          <a:xfrm>
-            <a:off x="3935293" y="3996879"/>
-            <a:ext cx="1" cy="665697"/>
+          <a:xfrm flipH="1">
+            <a:off x="3925228" y="3997780"/>
+            <a:ext cx="10065" cy="664391"/>
           </a:xfrm>
           <a:prstGeom prst="straightConnector1">
             <a:avLst/>
@@ -21526,12 +21241,20 @@
           <a:lstStyle/>
           <a:p>
             <a:r>
+              <a:rPr lang="en-US" sz="2200" i="1" dirty="0">
+                <a:solidFill>
+                  <a:schemeClr val="accent2"/>
+                </a:solidFill>
+              </a:rPr>
+              <a:t>Pick a disjunct that </a:t>
+            </a:r>
+            <a:r>
               <a:rPr lang="en-US" sz="2200" i="1" dirty="0" smtClean="0">
                 <a:solidFill>
                   <a:schemeClr val="accent2"/>
                 </a:solidFill>
               </a:rPr>
-              <a:t>Pick a disjunct satisfiable under the guess</a:t>
+              <a:t>is satisfiable</a:t>
             </a:r>
             <a:endParaRPr lang="en-US" sz="2200" i="1" dirty="0">
               <a:solidFill>
@@ -21541,8 +21264,8 @@
           </a:p>
         </p:txBody>
       </p:sp>
-      <mc:AlternateContent xmlns:mc="http://schemas.openxmlformats.org/markup-compatibility/2006" xmlns:a14="http://schemas.microsoft.com/office/drawing/2010/main">
-        <mc:Choice Requires="a14">
+      <mc:AlternateContent xmlns:mc="http://schemas.openxmlformats.org/markup-compatibility/2006">
+        <mc:Choice xmlns:a14="http://schemas.microsoft.com/office/drawing/2010/main" Requires="a14">
           <p:sp>
             <p:nvSpPr>
               <p:cNvPr id="51" name="Rectangle 50"/>
@@ -21551,8 +21274,8 @@
             </p:nvSpPr>
             <p:spPr>
               <a:xfrm>
-                <a:off x="1001594" y="4662576"/>
-                <a:ext cx="5867399" cy="461665"/>
+                <a:off x="692225" y="4662171"/>
+                <a:ext cx="6466006" cy="461665"/>
               </a:xfrm>
               <a:prstGeom prst="rect">
                 <a:avLst/>
@@ -21564,211 +21287,213 @@
               </a:bodyPr>
               <a:lstStyle/>
               <a:p>
+                <a:pPr/>
                 <a14:m>
-                  <m:oMath xmlns:m="http://schemas.openxmlformats.org/officeDocument/2006/math">
-                    <m:sSub>
-                      <m:sSubPr>
-                        <m:ctrlPr>
-                          <a:rPr lang="en-US" sz="2400" i="1" smtClean="0">
-                            <a:latin typeface="Cambria Math" panose="02040503050406030204" pitchFamily="18" charset="0"/>
-                          </a:rPr>
-                        </m:ctrlPr>
-                      </m:sSubPr>
-                      <m:e>
-                        <m:r>
-                          <a:rPr lang="en-US" sz="2400" i="1">
-                            <a:latin typeface="Cambria Math" panose="02040503050406030204" pitchFamily="18" charset="0"/>
-                          </a:rPr>
-                          <m:t>𝐴</m:t>
-                        </m:r>
-                      </m:e>
-                      <m:sub>
-                        <m:r>
-                          <a:rPr lang="en-US" sz="2400" i="1">
-                            <a:latin typeface="Cambria Math" panose="02040503050406030204" pitchFamily="18" charset="0"/>
-                          </a:rPr>
-                          <m:t>1</m:t>
-                        </m:r>
-                      </m:sub>
-                    </m:sSub>
-                    <m:r>
-                      <a:rPr lang="en-US" sz="2400" i="1">
-                        <a:latin typeface="Cambria Math" panose="02040503050406030204" pitchFamily="18" charset="0"/>
-                      </a:rPr>
-                      <m:t>∧</m:t>
-                    </m:r>
-                    <m:sSub>
-                      <m:sSubPr>
-                        <m:ctrlPr>
-                          <a:rPr lang="en-US" sz="2400" i="1">
-                            <a:latin typeface="Cambria Math" panose="02040503050406030204" pitchFamily="18" charset="0"/>
-                          </a:rPr>
-                        </m:ctrlPr>
-                      </m:sSubPr>
-                      <m:e>
-                        <m:r>
-                          <a:rPr lang="en-US" sz="2400" i="1">
-                            <a:latin typeface="Cambria Math" panose="02040503050406030204" pitchFamily="18" charset="0"/>
-                          </a:rPr>
-                          <m:t>𝐴</m:t>
-                        </m:r>
-                      </m:e>
-                      <m:sub>
-                        <m:r>
-                          <a:rPr lang="en-US" sz="2400" i="1">
-                            <a:latin typeface="Cambria Math" panose="02040503050406030204" pitchFamily="18" charset="0"/>
-                          </a:rPr>
-                          <m:t>3</m:t>
-                        </m:r>
-                      </m:sub>
-                    </m:sSub>
-                    <m:r>
-                      <a:rPr lang="en-US" sz="2400" i="1">
-                        <a:latin typeface="Cambria Math" panose="02040503050406030204" pitchFamily="18" charset="0"/>
-                      </a:rPr>
-                      <m:t>∧</m:t>
-                    </m:r>
-                    <m:r>
-                      <a:rPr lang="en-US" sz="2400" i="1">
-                        <a:latin typeface="Cambria Math" panose="02040503050406030204" pitchFamily="18" charset="0"/>
-                      </a:rPr>
-                      <m:t>𝑎𝑥</m:t>
-                    </m:r>
-                    <m:r>
-                      <a:rPr lang="en-US" sz="2400" i="1">
-                        <a:latin typeface="Cambria Math" panose="02040503050406030204" pitchFamily="18" charset="0"/>
-                      </a:rPr>
-                      <m:t>+</m:t>
-                    </m:r>
-                    <m:r>
-                      <a:rPr lang="en-US" sz="2400" i="1">
-                        <a:latin typeface="Cambria Math" panose="02040503050406030204" pitchFamily="18" charset="0"/>
-                      </a:rPr>
-                      <m:t>𝑏𝑦</m:t>
-                    </m:r>
-                    <m:r>
-                      <a:rPr lang="en-US" sz="2400" i="1">
-                        <a:latin typeface="Cambria Math" panose="02040503050406030204" pitchFamily="18" charset="0"/>
-                      </a:rPr>
-                      <m:t>+</m:t>
-                    </m:r>
-                    <m:r>
-                      <a:rPr lang="en-US" sz="2400" i="1">
-                        <a:latin typeface="Cambria Math" panose="02040503050406030204" pitchFamily="18" charset="0"/>
-                      </a:rPr>
-                      <m:t>𝑐</m:t>
-                    </m:r>
-                    <m:r>
-                      <a:rPr lang="en-US" sz="2400" i="1">
-                        <a:latin typeface="Cambria Math" panose="02040503050406030204" pitchFamily="18" charset="0"/>
-                      </a:rPr>
-                      <m:t>≤0∧</m:t>
-                    </m:r>
-                    <m:r>
-                      <a:rPr lang="en-US" sz="2400" b="1" i="1" smtClean="0">
-                        <a:latin typeface="Cambria Math" panose="02040503050406030204" pitchFamily="18" charset="0"/>
-                      </a:rPr>
-                      <m:t>¬</m:t>
-                    </m:r>
-                    <m:sSub>
-                      <m:sSubPr>
-                        <m:ctrlPr>
-                          <a:rPr lang="en-US" sz="2400" b="1" i="1" smtClean="0">
-                            <a:latin typeface="Cambria Math" panose="02040503050406030204" pitchFamily="18" charset="0"/>
-                          </a:rPr>
-                        </m:ctrlPr>
-                      </m:sSubPr>
-                      <m:e>
-                        <m:r>
-                          <a:rPr lang="en-US" sz="2400" b="1" i="1" smtClean="0">
-                            <a:latin typeface="Cambria Math" panose="02040503050406030204" pitchFamily="18" charset="0"/>
-                          </a:rPr>
-                          <m:t>𝑨</m:t>
-                        </m:r>
-                      </m:e>
-                      <m:sub>
-                        <m:r>
-                          <a:rPr lang="en-US" sz="2400" b="1" i="1" smtClean="0">
-                            <a:latin typeface="Cambria Math" panose="02040503050406030204" pitchFamily="18" charset="0"/>
-                          </a:rPr>
-                          <m:t>𝟓</m:t>
-                        </m:r>
-                      </m:sub>
-                    </m:sSub>
-                    <m:r>
-                      <a:rPr lang="en-US" sz="2400" b="1" i="1" smtClean="0">
-                        <a:latin typeface="Cambria Math" panose="02040503050406030204" pitchFamily="18" charset="0"/>
-                      </a:rPr>
-                      <m:t>∧</m:t>
-                    </m:r>
-                    <m:sSub>
-                      <m:sSubPr>
-                        <m:ctrlPr>
-                          <a:rPr lang="en-US" sz="2400" b="1" i="1" smtClean="0">
-                            <a:latin typeface="Cambria Math" panose="02040503050406030204" pitchFamily="18" charset="0"/>
-                          </a:rPr>
-                        </m:ctrlPr>
-                      </m:sSubPr>
-                      <m:e>
-                        <m:r>
-                          <a:rPr lang="en-US" sz="2400" b="1" i="1" smtClean="0">
-                            <a:latin typeface="Cambria Math" panose="02040503050406030204" pitchFamily="18" charset="0"/>
-                          </a:rPr>
-                          <m:t>𝑨</m:t>
-                        </m:r>
-                      </m:e>
-                      <m:sub>
-                        <m:r>
-                          <a:rPr lang="en-US" sz="2400" b="1" i="1" smtClean="0">
-                            <a:latin typeface="Cambria Math" panose="02040503050406030204" pitchFamily="18" charset="0"/>
-                          </a:rPr>
-                          <m:t>𝟕</m:t>
-                        </m:r>
-                      </m:sub>
-                    </m:sSub>
-                    <m:r>
-                      <a:rPr lang="en-US" sz="2400" b="1" i="1" smtClean="0">
-                        <a:latin typeface="Cambria Math" panose="02040503050406030204" pitchFamily="18" charset="0"/>
-                      </a:rPr>
-                      <m:t>∧</m:t>
-                    </m:r>
-                    <m:sSub>
-                      <m:sSubPr>
-                        <m:ctrlPr>
-                          <a:rPr lang="en-US" sz="2400" b="1" i="1" smtClean="0">
-                            <a:latin typeface="Cambria Math" panose="02040503050406030204" pitchFamily="18" charset="0"/>
-                          </a:rPr>
-                        </m:ctrlPr>
-                      </m:sSubPr>
-                      <m:e>
-                        <m:r>
-                          <a:rPr lang="en-US" sz="2400" b="1" i="1" smtClean="0">
-                            <a:latin typeface="Cambria Math" panose="02040503050406030204" pitchFamily="18" charset="0"/>
-                          </a:rPr>
-                          <m:t>𝑨</m:t>
-                        </m:r>
-                      </m:e>
-                      <m:sub>
-                        <m:r>
-                          <a:rPr lang="en-US" sz="2400" b="1" i="1" smtClean="0">
-                            <a:latin typeface="Cambria Math" panose="02040503050406030204" pitchFamily="18" charset="0"/>
-                          </a:rPr>
-                          <m:t>𝟖</m:t>
-                        </m:r>
-                      </m:sub>
-                    </m:sSub>
-                  </m:oMath>
+                  <m:oMathPara xmlns:m="http://schemas.openxmlformats.org/officeDocument/2006/math">
+                    <m:oMathParaPr>
+                      <m:jc m:val="centerGroup"/>
+                    </m:oMathParaPr>
+                    <m:oMath xmlns:m="http://schemas.openxmlformats.org/officeDocument/2006/math">
+                      <m:sSub>
+                        <m:sSubPr>
+                          <m:ctrlPr>
+                            <a:rPr lang="en-US" sz="2400" i="1" smtClean="0">
+                              <a:latin typeface="Cambria Math" panose="02040503050406030204" pitchFamily="18" charset="0"/>
+                            </a:rPr>
+                          </m:ctrlPr>
+                        </m:sSubPr>
+                        <m:e>
+                          <m:r>
+                            <a:rPr lang="en-US" sz="2400" i="1">
+                              <a:latin typeface="Cambria Math" panose="02040503050406030204" pitchFamily="18" charset="0"/>
+                            </a:rPr>
+                            <m:t>𝐴</m:t>
+                          </m:r>
+                        </m:e>
+                        <m:sub>
+                          <m:r>
+                            <a:rPr lang="en-US" sz="2400" i="1">
+                              <a:latin typeface="Cambria Math" panose="02040503050406030204" pitchFamily="18" charset="0"/>
+                            </a:rPr>
+                            <m:t>1</m:t>
+                          </m:r>
+                        </m:sub>
+                      </m:sSub>
+                      <m:r>
+                        <a:rPr lang="en-US" sz="2400" i="1">
+                          <a:latin typeface="Cambria Math" panose="02040503050406030204" pitchFamily="18" charset="0"/>
+                        </a:rPr>
+                        <m:t>∧</m:t>
+                      </m:r>
+                      <m:sSub>
+                        <m:sSubPr>
+                          <m:ctrlPr>
+                            <a:rPr lang="en-US" sz="2400" i="1">
+                              <a:latin typeface="Cambria Math" panose="02040503050406030204" pitchFamily="18" charset="0"/>
+                            </a:rPr>
+                          </m:ctrlPr>
+                        </m:sSubPr>
+                        <m:e>
+                          <m:r>
+                            <a:rPr lang="en-US" sz="2400" i="1">
+                              <a:latin typeface="Cambria Math" panose="02040503050406030204" pitchFamily="18" charset="0"/>
+                            </a:rPr>
+                            <m:t>𝐴</m:t>
+                          </m:r>
+                        </m:e>
+                        <m:sub>
+                          <m:r>
+                            <a:rPr lang="en-US" sz="2400" i="1">
+                              <a:latin typeface="Cambria Math" panose="02040503050406030204" pitchFamily="18" charset="0"/>
+                            </a:rPr>
+                            <m:t>3</m:t>
+                          </m:r>
+                        </m:sub>
+                      </m:sSub>
+                      <m:r>
+                        <a:rPr lang="en-US" sz="2400" i="1">
+                          <a:latin typeface="Cambria Math" panose="02040503050406030204" pitchFamily="18" charset="0"/>
+                        </a:rPr>
+                        <m:t>∧</m:t>
+                      </m:r>
+                      <m:r>
+                        <a:rPr lang="en-US" sz="2400" i="1">
+                          <a:latin typeface="Cambria Math" panose="02040503050406030204" pitchFamily="18" charset="0"/>
+                        </a:rPr>
+                        <m:t>𝑎𝑥</m:t>
+                      </m:r>
+                      <m:r>
+                        <a:rPr lang="en-US" sz="2400" i="1">
+                          <a:latin typeface="Cambria Math" panose="02040503050406030204" pitchFamily="18" charset="0"/>
+                        </a:rPr>
+                        <m:t>+</m:t>
+                      </m:r>
+                      <m:r>
+                        <a:rPr lang="en-US" sz="2400" i="1">
+                          <a:latin typeface="Cambria Math" panose="02040503050406030204" pitchFamily="18" charset="0"/>
+                        </a:rPr>
+                        <m:t>𝑏𝑦</m:t>
+                      </m:r>
+                      <m:r>
+                        <a:rPr lang="en-US" sz="2400" i="1">
+                          <a:latin typeface="Cambria Math" panose="02040503050406030204" pitchFamily="18" charset="0"/>
+                        </a:rPr>
+                        <m:t>+</m:t>
+                      </m:r>
+                      <m:r>
+                        <a:rPr lang="en-US" sz="2400" i="1">
+                          <a:latin typeface="Cambria Math" panose="02040503050406030204" pitchFamily="18" charset="0"/>
+                        </a:rPr>
+                        <m:t>𝑐</m:t>
+                      </m:r>
+                      <m:r>
+                        <a:rPr lang="en-US" sz="2400" i="1">
+                          <a:latin typeface="Cambria Math" panose="02040503050406030204" pitchFamily="18" charset="0"/>
+                        </a:rPr>
+                        <m:t>≤0∧</m:t>
+                      </m:r>
+                      <m:r>
+                        <a:rPr lang="en-US" sz="2400" b="1" i="1" smtClean="0">
+                          <a:latin typeface="Cambria Math" panose="02040503050406030204" pitchFamily="18" charset="0"/>
+                        </a:rPr>
+                        <m:t>¬</m:t>
+                      </m:r>
+                      <m:sSub>
+                        <m:sSubPr>
+                          <m:ctrlPr>
+                            <a:rPr lang="en-US" sz="2400" b="1" i="1" smtClean="0">
+                              <a:latin typeface="Cambria Math" panose="02040503050406030204" pitchFamily="18" charset="0"/>
+                            </a:rPr>
+                          </m:ctrlPr>
+                        </m:sSubPr>
+                        <m:e>
+                          <m:r>
+                            <a:rPr lang="en-US" sz="2400" b="1" i="1" smtClean="0">
+                              <a:latin typeface="Cambria Math" panose="02040503050406030204" pitchFamily="18" charset="0"/>
+                            </a:rPr>
+                            <m:t>𝑨</m:t>
+                          </m:r>
+                        </m:e>
+                        <m:sub>
+                          <m:r>
+                            <a:rPr lang="en-US" sz="2400" b="1" i="1" smtClean="0">
+                              <a:latin typeface="Cambria Math" panose="02040503050406030204" pitchFamily="18" charset="0"/>
+                            </a:rPr>
+                            <m:t>𝟓</m:t>
+                          </m:r>
+                        </m:sub>
+                      </m:sSub>
+                      <m:r>
+                        <a:rPr lang="en-US" sz="2400" b="1" i="1" smtClean="0">
+                          <a:latin typeface="Cambria Math" panose="02040503050406030204" pitchFamily="18" charset="0"/>
+                        </a:rPr>
+                        <m:t>∧</m:t>
+                      </m:r>
+                      <m:sSub>
+                        <m:sSubPr>
+                          <m:ctrlPr>
+                            <a:rPr lang="en-US" sz="2400" b="1" i="1" smtClean="0">
+                              <a:latin typeface="Cambria Math" panose="02040503050406030204" pitchFamily="18" charset="0"/>
+                            </a:rPr>
+                          </m:ctrlPr>
+                        </m:sSubPr>
+                        <m:e>
+                          <m:r>
+                            <a:rPr lang="en-US" sz="2400" b="1" i="1" smtClean="0">
+                              <a:latin typeface="Cambria Math" panose="02040503050406030204" pitchFamily="18" charset="0"/>
+                            </a:rPr>
+                            <m:t>𝑨</m:t>
+                          </m:r>
+                        </m:e>
+                        <m:sub>
+                          <m:r>
+                            <a:rPr lang="en-US" sz="2400" b="1" i="1" smtClean="0">
+                              <a:latin typeface="Cambria Math" panose="02040503050406030204" pitchFamily="18" charset="0"/>
+                            </a:rPr>
+                            <m:t>𝟕</m:t>
+                          </m:r>
+                        </m:sub>
+                      </m:sSub>
+                      <m:r>
+                        <a:rPr lang="en-US" sz="2400" b="1" i="1" smtClean="0">
+                          <a:latin typeface="Cambria Math" panose="02040503050406030204" pitchFamily="18" charset="0"/>
+                        </a:rPr>
+                        <m:t>∧</m:t>
+                      </m:r>
+                      <m:sSub>
+                        <m:sSubPr>
+                          <m:ctrlPr>
+                            <a:rPr lang="en-US" sz="2400" b="1" i="1" smtClean="0">
+                              <a:latin typeface="Cambria Math" panose="02040503050406030204" pitchFamily="18" charset="0"/>
+                            </a:rPr>
+                          </m:ctrlPr>
+                        </m:sSubPr>
+                        <m:e>
+                          <m:r>
+                            <a:rPr lang="en-US" sz="2400" b="1" i="1" smtClean="0">
+                              <a:latin typeface="Cambria Math" panose="02040503050406030204" pitchFamily="18" charset="0"/>
+                            </a:rPr>
+                            <m:t>𝑨</m:t>
+                          </m:r>
+                        </m:e>
+                        <m:sub>
+                          <m:r>
+                            <a:rPr lang="en-US" sz="2400" b="1" i="1" smtClean="0">
+                              <a:latin typeface="Cambria Math" panose="02040503050406030204" pitchFamily="18" charset="0"/>
+                            </a:rPr>
+                            <m:t>𝟖</m:t>
+                          </m:r>
+                        </m:sub>
+                      </m:sSub>
+                    </m:oMath>
+                  </m:oMathPara>
                 </a14:m>
-                <a:r>
-                  <a:rPr lang="en-US" sz="2400" dirty="0" smtClean="0"/>
-                  <a:t> </a:t>
-                </a:r>
                 <a:endParaRPr lang="en-US" sz="2400" dirty="0"/>
               </a:p>
             </p:txBody>
           </p:sp>
         </mc:Choice>
-        <mc:Fallback xmlns="">
+        <mc:Fallback>
           <p:sp>
             <p:nvSpPr>
               <p:cNvPr id="51" name="Rectangle 50"/>
@@ -21779,16 +21504,16 @@
             </p:nvSpPr>
             <p:spPr>
               <a:xfrm>
-                <a:off x="1001594" y="4662576"/>
-                <a:ext cx="5867399" cy="461665"/>
+                <a:off x="692225" y="4662171"/>
+                <a:ext cx="6466006" cy="461665"/>
               </a:xfrm>
               <a:prstGeom prst="rect">
                 <a:avLst/>
               </a:prstGeom>
               <a:blipFill rotWithShape="0">
-                <a:blip r:embed="rId7"/>
+                <a:blip r:embed="rId6"/>
                 <a:stretch>
-                  <a:fillRect l="-208" b="-17105"/>
+                  <a:fillRect b="-17105"/>
                 </a:stretch>
               </a:blipFill>
             </p:spPr>
@@ -21818,8 +21543,8 @@
         </p:nvCxnSpPr>
         <p:spPr>
           <a:xfrm>
-            <a:off x="3935294" y="5124241"/>
-            <a:ext cx="1" cy="498464"/>
+            <a:off x="3925228" y="5123836"/>
+            <a:ext cx="10067" cy="498869"/>
           </a:xfrm>
           <a:prstGeom prst="straightConnector1">
             <a:avLst/>
@@ -22033,13 +21758,13 @@
           <p:nvPr/>
         </p:nvCxnSpPr>
         <p:spPr>
-          <a:xfrm rot="10800000" flipH="1">
-            <a:off x="1851865" y="2748593"/>
-            <a:ext cx="235575" cy="3089557"/>
+          <a:xfrm rot="10800000">
+            <a:off x="1720384" y="2750383"/>
+            <a:ext cx="131482" cy="3087766"/>
           </a:xfrm>
           <a:prstGeom prst="bentConnector3">
             <a:avLst>
-              <a:gd name="adj1" fmla="val -658122"/>
+              <a:gd name="adj1" fmla="val 1294469"/>
             </a:avLst>
           </a:prstGeom>
           <a:ln w="28575">
@@ -31437,11 +31162,7 @@
             </a:r>
             <a:r>
               <a:rPr lang="en-US" sz="2400" smtClean="0"/>
-              <a:t>that </a:t>
-            </a:r>
-            <a:r>
-              <a:rPr lang="en-US" sz="2400" smtClean="0"/>
-              <a:t>manipulate </a:t>
+              <a:t>that manipulate </a:t>
             </a:r>
             <a:r>
               <a:rPr lang="en-US" sz="2400" dirty="0" smtClean="0"/>
@@ -31916,7 +31637,7 @@
                     <a:latin typeface="Courier New" panose="02070309020205020404" pitchFamily="49" charset="0"/>
                     <a:cs typeface="Courier New" panose="02070309020205020404" pitchFamily="49" charset="0"/>
                   </a:rPr>
-                  <a:t>//invariant: x &lt;= n </a:t>
+                  <a:t>//invariant: y&gt;=0 =&gt; x &lt;= n </a:t>
                 </a:r>
                 <a:endParaRPr lang="en-US" sz="2800" dirty="0">
                   <a:solidFill>
@@ -31975,7 +31696,7 @@
         </p:nvSpPr>
         <p:spPr>
           <a:xfrm>
-            <a:off x="5715000" y="5251960"/>
+            <a:off x="5715000" y="5029200"/>
             <a:ext cx="3157728" cy="954107"/>
           </a:xfrm>
           <a:prstGeom prst="rect">
@@ -32023,7 +31744,7 @@
         </p:nvSpPr>
         <p:spPr>
           <a:xfrm>
-            <a:off x="4876800" y="5697298"/>
+            <a:off x="4876800" y="5474538"/>
             <a:ext cx="685800" cy="474902"/>
           </a:xfrm>
           <a:custGeom>
@@ -34291,7 +34012,7 @@
                             <a:rPr lang="en-US" sz="2400" b="0" i="1" smtClean="0">
                               <a:latin typeface="Cambria Math" panose="02040503050406030204" pitchFamily="18" charset="0"/>
                             </a:rPr>
-                            <m:t>+1</m:t>
+                            <m:t>−1</m:t>
                           </m:r>
                         </m:e>
                       </m:d>
@@ -34703,12 +34424,28 @@
           <a:lstStyle/>
           <a:p>
             <a:r>
+              <a:rPr lang="en-US" sz="2800" smtClean="0">
+                <a:solidFill>
+                  <a:schemeClr val="tx2"/>
+                </a:solidFill>
+              </a:rPr>
+              <a:t>Generally </a:t>
+            </a:r>
+            <a:r>
+              <a:rPr lang="en-US" sz="2800" smtClean="0">
+                <a:solidFill>
+                  <a:schemeClr val="tx2"/>
+                </a:solidFill>
+              </a:rPr>
+              <a:t>referred </a:t>
+            </a:r>
+            <a:r>
               <a:rPr lang="en-US" sz="2800" dirty="0" smtClean="0">
                 <a:solidFill>
                   <a:schemeClr val="tx2"/>
                 </a:solidFill>
               </a:rPr>
-              <a:t>Generally Referred to as the verification condition (VC)</a:t>
+              <a:t>to as the verification condition (VC)</a:t>
             </a:r>
             <a:endParaRPr lang="en-US" sz="2800" dirty="0">
               <a:solidFill>

--- a/slides/Invariant&BoundInference.pptx
+++ b/slides/Invariant&BoundInference.pptx
@@ -5,7 +5,7 @@
     <p:sldMasterId id="2147483756" r:id="rId1"/>
   </p:sldMasterIdLst>
   <p:notesMasterIdLst>
-    <p:notesMasterId r:id="rId38"/>
+    <p:notesMasterId r:id="rId39"/>
   </p:notesMasterIdLst>
   <p:sldIdLst>
     <p:sldId id="256" r:id="rId2"/>
@@ -22,49 +22,50 @@
     <p:sldId id="422" r:id="rId13"/>
     <p:sldId id="404" r:id="rId14"/>
     <p:sldId id="405" r:id="rId15"/>
-    <p:sldId id="406" r:id="rId16"/>
-    <p:sldId id="407" r:id="rId17"/>
-    <p:sldId id="408" r:id="rId18"/>
-    <p:sldId id="409" r:id="rId19"/>
-    <p:sldId id="410" r:id="rId20"/>
-    <p:sldId id="411" r:id="rId21"/>
-    <p:sldId id="412" r:id="rId22"/>
-    <p:sldId id="413" r:id="rId23"/>
-    <p:sldId id="415" r:id="rId24"/>
-    <p:sldId id="386" r:id="rId25"/>
-    <p:sldId id="416" r:id="rId26"/>
-    <p:sldId id="375" r:id="rId27"/>
-    <p:sldId id="354" r:id="rId28"/>
-    <p:sldId id="378" r:id="rId29"/>
-    <p:sldId id="356" r:id="rId30"/>
-    <p:sldId id="418" r:id="rId31"/>
-    <p:sldId id="419" r:id="rId32"/>
-    <p:sldId id="387" r:id="rId33"/>
-    <p:sldId id="349" r:id="rId34"/>
-    <p:sldId id="355" r:id="rId35"/>
-    <p:sldId id="394" r:id="rId36"/>
-    <p:sldId id="393" r:id="rId37"/>
+    <p:sldId id="423" r:id="rId16"/>
+    <p:sldId id="406" r:id="rId17"/>
+    <p:sldId id="407" r:id="rId18"/>
+    <p:sldId id="408" r:id="rId19"/>
+    <p:sldId id="409" r:id="rId20"/>
+    <p:sldId id="410" r:id="rId21"/>
+    <p:sldId id="411" r:id="rId22"/>
+    <p:sldId id="412" r:id="rId23"/>
+    <p:sldId id="413" r:id="rId24"/>
+    <p:sldId id="415" r:id="rId25"/>
+    <p:sldId id="386" r:id="rId26"/>
+    <p:sldId id="416" r:id="rId27"/>
+    <p:sldId id="375" r:id="rId28"/>
+    <p:sldId id="354" r:id="rId29"/>
+    <p:sldId id="378" r:id="rId30"/>
+    <p:sldId id="356" r:id="rId31"/>
+    <p:sldId id="418" r:id="rId32"/>
+    <p:sldId id="419" r:id="rId33"/>
+    <p:sldId id="387" r:id="rId34"/>
+    <p:sldId id="349" r:id="rId35"/>
+    <p:sldId id="355" r:id="rId36"/>
+    <p:sldId id="394" r:id="rId37"/>
+    <p:sldId id="393" r:id="rId38"/>
   </p:sldIdLst>
   <p:sldSz cx="9144000" cy="6858000" type="screen4x3"/>
   <p:notesSz cx="6858000" cy="9144000"/>
   <p:embeddedFontLst>
     <p:embeddedFont>
       <p:font typeface="Calibri" panose="020F0502020204030204" pitchFamily="34" charset="0"/>
-      <p:regular r:id="rId39"/>
-      <p:bold r:id="rId40"/>
-      <p:italic r:id="rId41"/>
-      <p:boldItalic r:id="rId42"/>
+      <p:regular r:id="rId40"/>
+      <p:bold r:id="rId41"/>
+      <p:italic r:id="rId42"/>
+      <p:boldItalic r:id="rId43"/>
     </p:embeddedFont>
     <p:embeddedFont>
       <p:font typeface="Cambria Math" panose="02040503050406030204" pitchFamily="18" charset="0"/>
-      <p:regular r:id="rId43"/>
+      <p:regular r:id="rId44"/>
     </p:embeddedFont>
     <p:embeddedFont>
       <p:font typeface="Cambria" panose="02040503050406030204" pitchFamily="18" charset="0"/>
-      <p:regular r:id="rId44"/>
-      <p:bold r:id="rId45"/>
-      <p:italic r:id="rId46"/>
-      <p:boldItalic r:id="rId47"/>
+      <p:regular r:id="rId45"/>
+      <p:bold r:id="rId46"/>
+      <p:italic r:id="rId47"/>
+      <p:boldItalic r:id="rId48"/>
     </p:embeddedFont>
   </p:embeddedFontLst>
   <p:defaultTextStyle>
@@ -1141,7 +1142,7 @@
     </p:spTree>
     <p:extLst>
       <p:ext uri="{BB962C8B-B14F-4D97-AF65-F5344CB8AC3E}">
-        <p14:creationId xmlns:p14="http://schemas.microsoft.com/office/powerpoint/2010/main" val="114071903"/>
+        <p14:creationId xmlns:p14="http://schemas.microsoft.com/office/powerpoint/2010/main" val="3428100189"/>
       </p:ext>
     </p:extLst>
   </p:cSld>
@@ -1228,7 +1229,7 @@
     </p:spTree>
     <p:extLst>
       <p:ext uri="{BB962C8B-B14F-4D97-AF65-F5344CB8AC3E}">
-        <p14:creationId xmlns:p14="http://schemas.microsoft.com/office/powerpoint/2010/main" val="2667344892"/>
+        <p14:creationId xmlns:p14="http://schemas.microsoft.com/office/powerpoint/2010/main" val="114071903"/>
       </p:ext>
     </p:extLst>
   </p:cSld>
@@ -1282,11 +1283,10 @@
           <a:bodyPr/>
           <a:lstStyle/>
           <a:p>
-            <a:r>
-              <a:rPr lang="en-US" dirty="0" smtClean="0"/>
-              <a:t>a) A1 .. A4 do not have any parameters</a:t>
-            </a:r>
-            <a:endParaRPr lang="en-US" dirty="0"/>
+            <a:pPr marL="514350" indent="-514350">
+              <a:buAutoNum type="alphaLcParenR"/>
+            </a:pPr>
+            <a:endParaRPr lang="en-US" sz="3000" dirty="0" smtClean="0"/>
           </a:p>
         </p:txBody>
       </p:sp>
@@ -1316,7 +1316,7 @@
     </p:spTree>
     <p:extLst>
       <p:ext uri="{BB962C8B-B14F-4D97-AF65-F5344CB8AC3E}">
-        <p14:creationId xmlns:p14="http://schemas.microsoft.com/office/powerpoint/2010/main" val="3628015444"/>
+        <p14:creationId xmlns:p14="http://schemas.microsoft.com/office/powerpoint/2010/main" val="2667344892"/>
       </p:ext>
     </p:extLst>
   </p:cSld>
@@ -1370,10 +1370,11 @@
           <a:bodyPr/>
           <a:lstStyle/>
           <a:p>
-            <a:pPr marL="514350" indent="-514350">
-              <a:buAutoNum type="alphaLcParenR"/>
-            </a:pPr>
-            <a:endParaRPr lang="en-US" sz="3000" dirty="0" smtClean="0"/>
+            <a:r>
+              <a:rPr lang="en-US" dirty="0" smtClean="0"/>
+              <a:t>a) A1 .. A4 do not have any parameters</a:t>
+            </a:r>
+            <a:endParaRPr lang="en-US" dirty="0"/>
           </a:p>
         </p:txBody>
       </p:sp>
@@ -1403,7 +1404,7 @@
     </p:spTree>
     <p:extLst>
       <p:ext uri="{BB962C8B-B14F-4D97-AF65-F5344CB8AC3E}">
-        <p14:creationId xmlns:p14="http://schemas.microsoft.com/office/powerpoint/2010/main" val="338911006"/>
+        <p14:creationId xmlns:p14="http://schemas.microsoft.com/office/powerpoint/2010/main" val="3628015444"/>
       </p:ext>
     </p:extLst>
   </p:cSld>
@@ -1490,7 +1491,7 @@
     </p:spTree>
     <p:extLst>
       <p:ext uri="{BB962C8B-B14F-4D97-AF65-F5344CB8AC3E}">
-        <p14:creationId xmlns:p14="http://schemas.microsoft.com/office/powerpoint/2010/main" val="937188256"/>
+        <p14:creationId xmlns:p14="http://schemas.microsoft.com/office/powerpoint/2010/main" val="338911006"/>
       </p:ext>
     </p:extLst>
   </p:cSld>
@@ -1664,7 +1665,7 @@
     </p:spTree>
     <p:extLst>
       <p:ext uri="{BB962C8B-B14F-4D97-AF65-F5344CB8AC3E}">
-        <p14:creationId xmlns:p14="http://schemas.microsoft.com/office/powerpoint/2010/main" val="4257234660"/>
+        <p14:creationId xmlns:p14="http://schemas.microsoft.com/office/powerpoint/2010/main" val="937188256"/>
       </p:ext>
     </p:extLst>
   </p:cSld>
@@ -1751,7 +1752,7 @@
     </p:spTree>
     <p:extLst>
       <p:ext uri="{BB962C8B-B14F-4D97-AF65-F5344CB8AC3E}">
-        <p14:creationId xmlns:p14="http://schemas.microsoft.com/office/powerpoint/2010/main" val="536643422"/>
+        <p14:creationId xmlns:p14="http://schemas.microsoft.com/office/powerpoint/2010/main" val="4257234660"/>
       </p:ext>
     </p:extLst>
   </p:cSld>
@@ -1805,11 +1806,10 @@
           <a:bodyPr/>
           <a:lstStyle/>
           <a:p>
-            <a:r>
-              <a:rPr lang="en-US" dirty="0" smtClean="0"/>
-              <a:t>a) A1 .. A4 do not have any parameters</a:t>
-            </a:r>
-            <a:endParaRPr lang="en-US" dirty="0"/>
+            <a:pPr marL="514350" indent="-514350">
+              <a:buAutoNum type="alphaLcParenR"/>
+            </a:pPr>
+            <a:endParaRPr lang="en-US" sz="3000" dirty="0" smtClean="0"/>
           </a:p>
         </p:txBody>
       </p:sp>
@@ -1839,7 +1839,7 @@
     </p:spTree>
     <p:extLst>
       <p:ext uri="{BB962C8B-B14F-4D97-AF65-F5344CB8AC3E}">
-        <p14:creationId xmlns:p14="http://schemas.microsoft.com/office/powerpoint/2010/main" val="2109533485"/>
+        <p14:creationId xmlns:p14="http://schemas.microsoft.com/office/powerpoint/2010/main" val="536643422"/>
       </p:ext>
     </p:extLst>
   </p:cSld>
@@ -1878,148 +1878,29 @@
         </p:nvSpPr>
         <p:spPr/>
       </p:sp>
-      <mc:AlternateContent xmlns:mc="http://schemas.openxmlformats.org/markup-compatibility/2006" xmlns:a14="http://schemas.microsoft.com/office/drawing/2010/main">
-        <mc:Choice Requires="a14">
-          <p:sp>
-            <p:nvSpPr>
-              <p:cNvPr id="3" name="Notes Placeholder 2"/>
-              <p:cNvSpPr>
-                <a:spLocks noGrp="1"/>
-              </p:cNvSpPr>
-              <p:nvPr>
-                <p:ph type="body" idx="1"/>
-              </p:nvPr>
-            </p:nvSpPr>
-            <p:spPr/>
-            <p:txBody>
-              <a:bodyPr/>
-              <a:lstStyle/>
-              <a:p>
-                <a:r>
-                  <a:rPr lang="en-US" sz="2400" dirty="0" smtClean="0"/>
-                  <a:t>Completeness is non-trivial. </a:t>
-                </a:r>
-                <a:r>
-                  <a:rPr lang="en-US" sz="2400" dirty="0"/>
-                  <a:t>I</a:t>
-                </a:r>
-                <a:r>
-                  <a:rPr lang="en-US" sz="2400" dirty="0" smtClean="0"/>
-                  <a:t>ntuitively, it holds because:</a:t>
-                </a:r>
-              </a:p>
-              <a:p>
-                <a:pPr lvl="1"/>
-                <a:r>
-                  <a:rPr lang="en-US" dirty="0" smtClean="0"/>
-                  <a:t>The input disjunct </a:t>
-                </a:r>
-                <a14:m>
-                  <m:oMath xmlns:m="http://schemas.openxmlformats.org/officeDocument/2006/math">
-                    <m:r>
-                      <a:rPr lang="en-US" i="1">
-                        <a:latin typeface="Cambria Math" panose="02040503050406030204" pitchFamily="18" charset="0"/>
-                      </a:rPr>
-                      <m:t>𝑑</m:t>
-                    </m:r>
-                  </m:oMath>
-                </a14:m>
-                <a:r>
-                  <a:rPr lang="en-US" dirty="0" smtClean="0"/>
-                  <a:t> is satisfiable =&gt; there exists a model for the ADT part</a:t>
-                </a:r>
-              </a:p>
-              <a:p>
-                <a:pPr lvl="1"/>
-                <a:r>
-                  <a:rPr lang="en-US" dirty="0" smtClean="0"/>
-                  <a:t>The holes (or parameters</a:t>
-                </a:r>
-                <a:r>
-                  <a:rPr lang="en-US" dirty="0"/>
-                  <a:t>)</a:t>
-                </a:r>
-                <a:r>
-                  <a:rPr lang="en-US" dirty="0" smtClean="0"/>
-                  <a:t> in the formula are numerical =&gt; they affect only the numerical values in the model for ADTs</a:t>
-                </a:r>
-                <a:endParaRPr lang="en-US" dirty="0"/>
-              </a:p>
-              <a:p>
-                <a:endParaRPr lang="en-US" dirty="0"/>
-              </a:p>
-            </p:txBody>
-          </p:sp>
-        </mc:Choice>
-        <mc:Fallback xmlns="">
-          <p:sp>
-            <p:nvSpPr>
-              <p:cNvPr id="3" name="Notes Placeholder 2"/>
-              <p:cNvSpPr>
-                <a:spLocks noGrp="1"/>
-              </p:cNvSpPr>
-              <p:nvPr>
-                <p:ph type="body" idx="1"/>
-              </p:nvPr>
-            </p:nvSpPr>
-            <p:spPr/>
-            <p:txBody>
-              <a:bodyPr/>
-              <a:lstStyle/>
-              <a:p>
-                <a:r>
-                  <a:rPr lang="en-US" sz="2400" dirty="0" smtClean="0"/>
-                  <a:t>Completeness is non-trivial. </a:t>
-                </a:r>
-                <a:r>
-                  <a:rPr lang="en-US" sz="2400" dirty="0"/>
-                  <a:t>I</a:t>
-                </a:r>
-                <a:r>
-                  <a:rPr lang="en-US" sz="2400" dirty="0" smtClean="0"/>
-                  <a:t>ntuitively, it holds because:</a:t>
-                </a:r>
-              </a:p>
-              <a:p>
-                <a:pPr lvl="1"/>
-                <a:r>
-                  <a:rPr lang="en-US" dirty="0" smtClean="0"/>
-                  <a:t>The input disjunct </a:t>
-                </a:r>
-                <a:r>
-                  <a:rPr lang="en-US" i="0">
-                    <a:latin typeface="Cambria Math" panose="02040503050406030204" pitchFamily="18" charset="0"/>
-                  </a:rPr>
-                  <a:t>𝑑</a:t>
-                </a:r>
-                <a:r>
-                  <a:rPr lang="en-US" dirty="0" smtClean="0"/>
-                  <a:t> is satisfiable =&gt; there exists a model for the ADT part</a:t>
-                </a:r>
-              </a:p>
-              <a:p>
-                <a:pPr lvl="1"/>
-                <a:r>
-                  <a:rPr lang="en-US" dirty="0" smtClean="0"/>
-                  <a:t>The holes (or parameters</a:t>
-                </a:r>
-                <a:r>
-                  <a:rPr lang="en-US" dirty="0"/>
-                  <a:t>)</a:t>
-                </a:r>
-                <a:r>
-                  <a:rPr lang="en-US" dirty="0" smtClean="0"/>
-                  <a:t> in the formula are numerical =&gt; they affect only the numerical values in the model for ADTs</a:t>
-                </a:r>
-                <a:endParaRPr lang="en-US" dirty="0"/>
-              </a:p>
-              <a:p>
-                <a:endParaRPr lang="en-US" dirty="0"/>
-              </a:p>
-            </p:txBody>
-          </p:sp>
-        </mc:Fallback>
-      </mc:AlternateContent>
+      <p:sp>
+        <p:nvSpPr>
+          <p:cNvPr id="3" name="Notes Placeholder 2"/>
+          <p:cNvSpPr>
+            <a:spLocks noGrp="1"/>
+          </p:cNvSpPr>
+          <p:nvPr>
+            <p:ph type="body" idx="1"/>
+          </p:nvPr>
+        </p:nvSpPr>
+        <p:spPr/>
+        <p:txBody>
+          <a:bodyPr/>
+          <a:lstStyle/>
+          <a:p>
+            <a:r>
+              <a:rPr lang="en-US" dirty="0" smtClean="0"/>
+              <a:t>a) A1 .. A4 do not have any parameters</a:t>
+            </a:r>
+            <a:endParaRPr lang="en-US" dirty="0"/>
+          </a:p>
+        </p:txBody>
+      </p:sp>
       <p:sp>
         <p:nvSpPr>
           <p:cNvPr id="4" name="Slide Number Placeholder 3"/>
@@ -2046,7 +1927,7 @@
     </p:spTree>
     <p:extLst>
       <p:ext uri="{BB962C8B-B14F-4D97-AF65-F5344CB8AC3E}">
-        <p14:creationId xmlns:p14="http://schemas.microsoft.com/office/powerpoint/2010/main" val="1414205660"/>
+        <p14:creationId xmlns:p14="http://schemas.microsoft.com/office/powerpoint/2010/main" val="2109533485"/>
       </p:ext>
     </p:extLst>
   </p:cSld>
@@ -2253,7 +2134,7 @@
     </p:spTree>
     <p:extLst>
       <p:ext uri="{BB962C8B-B14F-4D97-AF65-F5344CB8AC3E}">
-        <p14:creationId xmlns:p14="http://schemas.microsoft.com/office/powerpoint/2010/main" val="12966942"/>
+        <p14:creationId xmlns:p14="http://schemas.microsoft.com/office/powerpoint/2010/main" val="1414205660"/>
       </p:ext>
     </p:extLst>
   </p:cSld>
@@ -2460,7 +2341,7 @@
     </p:spTree>
     <p:extLst>
       <p:ext uri="{BB962C8B-B14F-4D97-AF65-F5344CB8AC3E}">
-        <p14:creationId xmlns:p14="http://schemas.microsoft.com/office/powerpoint/2010/main" val="2210560935"/>
+        <p14:creationId xmlns:p14="http://schemas.microsoft.com/office/powerpoint/2010/main" val="12966942"/>
       </p:ext>
     </p:extLst>
   </p:cSld>
@@ -2499,40 +2380,148 @@
         </p:nvSpPr>
         <p:spPr/>
       </p:sp>
-      <p:sp>
-        <p:nvSpPr>
-          <p:cNvPr id="3" name="Notes Placeholder 2"/>
-          <p:cNvSpPr>
-            <a:spLocks noGrp="1"/>
-          </p:cNvSpPr>
-          <p:nvPr>
-            <p:ph type="body" idx="1"/>
-          </p:nvPr>
-        </p:nvSpPr>
-        <p:spPr/>
-        <p:txBody>
-          <a:bodyPr/>
-          <a:lstStyle/>
-          <a:p>
-            <a:pPr marL="228600" indent="-228600">
-              <a:buAutoNum type="alphaLcParenR"/>
-            </a:pPr>
-            <a:r>
-              <a:rPr lang="en-US" baseline="0" dirty="0" smtClean="0"/>
-              <a:t>Resource (time)</a:t>
-            </a:r>
-          </a:p>
-          <a:p>
-            <a:pPr marL="228600" indent="-228600">
-              <a:buAutoNum type="alphaLcParenR"/>
-            </a:pPr>
-            <a:r>
-              <a:rPr lang="en-US" baseline="0" dirty="0" smtClean="0"/>
-              <a:t>The bounds are as strong as possible for the given template in an asymptotic sense.</a:t>
-            </a:r>
-          </a:p>
-        </p:txBody>
-      </p:sp>
+      <mc:AlternateContent xmlns:mc="http://schemas.openxmlformats.org/markup-compatibility/2006" xmlns:a14="http://schemas.microsoft.com/office/drawing/2010/main">
+        <mc:Choice Requires="a14">
+          <p:sp>
+            <p:nvSpPr>
+              <p:cNvPr id="3" name="Notes Placeholder 2"/>
+              <p:cNvSpPr>
+                <a:spLocks noGrp="1"/>
+              </p:cNvSpPr>
+              <p:nvPr>
+                <p:ph type="body" idx="1"/>
+              </p:nvPr>
+            </p:nvSpPr>
+            <p:spPr/>
+            <p:txBody>
+              <a:bodyPr/>
+              <a:lstStyle/>
+              <a:p>
+                <a:r>
+                  <a:rPr lang="en-US" sz="2400" dirty="0" smtClean="0"/>
+                  <a:t>Completeness is non-trivial. </a:t>
+                </a:r>
+                <a:r>
+                  <a:rPr lang="en-US" sz="2400" dirty="0"/>
+                  <a:t>I</a:t>
+                </a:r>
+                <a:r>
+                  <a:rPr lang="en-US" sz="2400" dirty="0" smtClean="0"/>
+                  <a:t>ntuitively, it holds because:</a:t>
+                </a:r>
+              </a:p>
+              <a:p>
+                <a:pPr lvl="1"/>
+                <a:r>
+                  <a:rPr lang="en-US" dirty="0" smtClean="0"/>
+                  <a:t>The input disjunct </a:t>
+                </a:r>
+                <a14:m>
+                  <m:oMath xmlns:m="http://schemas.openxmlformats.org/officeDocument/2006/math">
+                    <m:r>
+                      <a:rPr lang="en-US" i="1">
+                        <a:latin typeface="Cambria Math" panose="02040503050406030204" pitchFamily="18" charset="0"/>
+                      </a:rPr>
+                      <m:t>𝑑</m:t>
+                    </m:r>
+                  </m:oMath>
+                </a14:m>
+                <a:r>
+                  <a:rPr lang="en-US" dirty="0" smtClean="0"/>
+                  <a:t> is satisfiable =&gt; there exists a model for the ADT part</a:t>
+                </a:r>
+              </a:p>
+              <a:p>
+                <a:pPr lvl="1"/>
+                <a:r>
+                  <a:rPr lang="en-US" dirty="0" smtClean="0"/>
+                  <a:t>The holes (or parameters</a:t>
+                </a:r>
+                <a:r>
+                  <a:rPr lang="en-US" dirty="0"/>
+                  <a:t>)</a:t>
+                </a:r>
+                <a:r>
+                  <a:rPr lang="en-US" dirty="0" smtClean="0"/>
+                  <a:t> in the formula are numerical =&gt; they affect only the numerical values in the model for ADTs</a:t>
+                </a:r>
+                <a:endParaRPr lang="en-US" dirty="0"/>
+              </a:p>
+              <a:p>
+                <a:endParaRPr lang="en-US" dirty="0"/>
+              </a:p>
+            </p:txBody>
+          </p:sp>
+        </mc:Choice>
+        <mc:Fallback xmlns="">
+          <p:sp>
+            <p:nvSpPr>
+              <p:cNvPr id="3" name="Notes Placeholder 2"/>
+              <p:cNvSpPr>
+                <a:spLocks noGrp="1"/>
+              </p:cNvSpPr>
+              <p:nvPr>
+                <p:ph type="body" idx="1"/>
+              </p:nvPr>
+            </p:nvSpPr>
+            <p:spPr/>
+            <p:txBody>
+              <a:bodyPr/>
+              <a:lstStyle/>
+              <a:p>
+                <a:r>
+                  <a:rPr lang="en-US" sz="2400" dirty="0" smtClean="0"/>
+                  <a:t>Completeness is non-trivial. </a:t>
+                </a:r>
+                <a:r>
+                  <a:rPr lang="en-US" sz="2400" dirty="0"/>
+                  <a:t>I</a:t>
+                </a:r>
+                <a:r>
+                  <a:rPr lang="en-US" sz="2400" dirty="0" smtClean="0"/>
+                  <a:t>ntuitively, it holds because:</a:t>
+                </a:r>
+              </a:p>
+              <a:p>
+                <a:pPr lvl="1"/>
+                <a:r>
+                  <a:rPr lang="en-US" dirty="0" smtClean="0"/>
+                  <a:t>The input disjunct </a:t>
+                </a:r>
+                <a:r>
+                  <a:rPr lang="en-US" i="0">
+                    <a:latin typeface="Cambria Math" panose="02040503050406030204" pitchFamily="18" charset="0"/>
+                  </a:rPr>
+                  <a:t>𝑑</a:t>
+                </a:r>
+                <a:r>
+                  <a:rPr lang="en-US" dirty="0" smtClean="0"/>
+                  <a:t> is satisfiable =&gt; there exists a model for the ADT part</a:t>
+                </a:r>
+              </a:p>
+              <a:p>
+                <a:pPr lvl="1"/>
+                <a:r>
+                  <a:rPr lang="en-US" dirty="0" smtClean="0"/>
+                  <a:t>The holes (or parameters</a:t>
+                </a:r>
+                <a:r>
+                  <a:rPr lang="en-US" dirty="0"/>
+                  <a:t>)</a:t>
+                </a:r>
+                <a:r>
+                  <a:rPr lang="en-US" dirty="0" smtClean="0"/>
+                  <a:t> in the formula are numerical =&gt; they affect only the numerical values in the model for ADTs</a:t>
+                </a:r>
+                <a:endParaRPr lang="en-US" dirty="0"/>
+              </a:p>
+              <a:p>
+                <a:endParaRPr lang="en-US" dirty="0"/>
+              </a:p>
+            </p:txBody>
+          </p:sp>
+        </mc:Fallback>
+      </mc:AlternateContent>
       <p:sp>
         <p:nvSpPr>
           <p:cNvPr id="4" name="Slide Number Placeholder 3"/>
@@ -2559,7 +2548,7 @@
     </p:spTree>
     <p:extLst>
       <p:ext uri="{BB962C8B-B14F-4D97-AF65-F5344CB8AC3E}">
-        <p14:creationId xmlns:p14="http://schemas.microsoft.com/office/powerpoint/2010/main" val="577191576"/>
+        <p14:creationId xmlns:p14="http://schemas.microsoft.com/office/powerpoint/2010/main" val="2210560935"/>
       </p:ext>
     </p:extLst>
   </p:cSld>
@@ -2614,50 +2603,20 @@
           <a:lstStyle/>
           <a:p>
             <a:pPr marL="228600" indent="-228600">
-              <a:buFontTx/>
               <a:buAutoNum type="alphaLcParenR"/>
             </a:pPr>
             <a:r>
-              <a:rPr lang="en-US" sz="1200" kern="1200" baseline="0" dirty="0" smtClean="0">
-                <a:solidFill>
-                  <a:schemeClr val="tx1"/>
-                </a:solidFill>
-                <a:effectLst/>
-                <a:latin typeface="+mn-lt"/>
-                <a:ea typeface="+mn-ea"/>
-                <a:cs typeface="+mn-cs"/>
-              </a:rPr>
-              <a:t>These bounds are precise</a:t>
+              <a:rPr lang="en-US" baseline="0" dirty="0" smtClean="0"/>
+              <a:t>Resource (time)</a:t>
             </a:r>
           </a:p>
           <a:p>
             <a:pPr marL="228600" indent="-228600">
-              <a:buFontTx/>
               <a:buAutoNum type="alphaLcParenR"/>
             </a:pPr>
             <a:r>
-              <a:rPr lang="en-US" sz="1200" kern="1200" baseline="0" dirty="0" err="1" smtClean="0">
-                <a:solidFill>
-                  <a:schemeClr val="tx1"/>
-                </a:solidFill>
-                <a:effectLst/>
-                <a:latin typeface="+mn-lt"/>
-                <a:ea typeface="+mn-ea"/>
-                <a:cs typeface="+mn-cs"/>
-              </a:rPr>
-              <a:t>minChildren</a:t>
-            </a:r>
-            <a:r>
-              <a:rPr lang="en-US" sz="1200" kern="1200" baseline="0" dirty="0" smtClean="0">
-                <a:solidFill>
-                  <a:schemeClr val="tx1"/>
-                </a:solidFill>
-                <a:effectLst/>
-                <a:latin typeface="+mn-lt"/>
-                <a:ea typeface="+mn-ea"/>
-                <a:cs typeface="+mn-cs"/>
-              </a:rPr>
-              <a:t> – number of children of the tree containing the minimum element</a:t>
+              <a:rPr lang="en-US" baseline="0" dirty="0" smtClean="0"/>
+              <a:t>The bounds are as strong as possible for the given template in an asymptotic sense.</a:t>
             </a:r>
           </a:p>
         </p:txBody>
@@ -2688,7 +2647,7 @@
     </p:spTree>
     <p:extLst>
       <p:ext uri="{BB962C8B-B14F-4D97-AF65-F5344CB8AC3E}">
-        <p14:creationId xmlns:p14="http://schemas.microsoft.com/office/powerpoint/2010/main" val="3466573510"/>
+        <p14:creationId xmlns:p14="http://schemas.microsoft.com/office/powerpoint/2010/main" val="577191576"/>
       </p:ext>
     </p:extLst>
   </p:cSld>
@@ -2756,8 +2715,14 @@
                 <a:ea typeface="+mn-ea"/>
                 <a:cs typeface="+mn-cs"/>
               </a:rPr>
-              <a:t>Note that the constants are not small. It is 178 times </a:t>
-            </a:r>
+              <a:t>These bounds are precise</a:t>
+            </a:r>
+          </a:p>
+          <a:p>
+            <a:pPr marL="228600" indent="-228600">
+              <a:buFontTx/>
+              <a:buAutoNum type="alphaLcParenR"/>
+            </a:pPr>
             <a:r>
               <a:rPr lang="en-US" sz="1200" kern="1200" baseline="0" dirty="0" err="1" smtClean="0">
                 <a:solidFill>
@@ -2768,7 +2733,7 @@
                 <a:ea typeface="+mn-ea"/>
                 <a:cs typeface="+mn-cs"/>
               </a:rPr>
-              <a:t>blackHeight</a:t>
+              <a:t>minChildren</a:t>
             </a:r>
             <a:r>
               <a:rPr lang="en-US" sz="1200" kern="1200" baseline="0" dirty="0" smtClean="0">
@@ -2780,87 +2745,8 @@
                 <a:ea typeface="+mn-ea"/>
                 <a:cs typeface="+mn-cs"/>
               </a:rPr>
-              <a:t>() for  Red black tree</a:t>
-            </a:r>
-          </a:p>
-          <a:p>
-            <a:pPr marL="228600" indent="-228600">
-              <a:buFontTx/>
-              <a:buAutoNum type="alphaLcParenR"/>
-            </a:pPr>
-            <a:r>
-              <a:rPr lang="en-US" sz="1200" kern="1200" baseline="0" dirty="0" smtClean="0">
-                <a:solidFill>
-                  <a:schemeClr val="tx1"/>
-                </a:solidFill>
-                <a:effectLst/>
-                <a:latin typeface="+mn-lt"/>
-                <a:ea typeface="+mn-ea"/>
-                <a:cs typeface="+mn-cs"/>
-              </a:rPr>
-              <a:t>Also note that we infer strong bounds. For many cases decreasing the bounds yields a counter examples</a:t>
-            </a:r>
-          </a:p>
-          <a:p>
-            <a:pPr marL="228600" marR="0" indent="-228600" algn="l" defTabSz="914400" rtl="0" eaLnBrk="1" fontAlgn="auto" latinLnBrk="0" hangingPunct="1">
-              <a:lnSpc>
-                <a:spcPct val="100000"/>
-              </a:lnSpc>
-              <a:spcBef>
-                <a:spcPts val="0"/>
-              </a:spcBef>
-              <a:spcAft>
-                <a:spcPts val="0"/>
-              </a:spcAft>
-              <a:buClrTx/>
-              <a:buSzTx/>
-              <a:buFontTx/>
-              <a:buAutoNum type="alphaLcParenR"/>
-              <a:tabLst/>
-              <a:defRPr/>
-            </a:pPr>
-            <a:r>
-              <a:rPr lang="en-US" sz="1200" kern="1200" baseline="0" dirty="0" smtClean="0">
-                <a:solidFill>
-                  <a:schemeClr val="tx1"/>
-                </a:solidFill>
-                <a:effectLst/>
-                <a:latin typeface="+mn-lt"/>
-                <a:ea typeface="+mn-ea"/>
-                <a:cs typeface="+mn-cs"/>
-              </a:rPr>
-              <a:t>The constants are implementation dependent</a:t>
-            </a:r>
-          </a:p>
-          <a:p>
-            <a:pPr marL="228600" indent="-228600">
-              <a:buFontTx/>
-              <a:buAutoNum type="alphaLcParenR"/>
-            </a:pPr>
-            <a:endParaRPr lang="en-US" sz="1200" kern="1200" baseline="0" dirty="0" smtClean="0">
-              <a:solidFill>
-                <a:schemeClr val="tx1"/>
-              </a:solidFill>
-              <a:effectLst/>
-              <a:latin typeface="+mn-lt"/>
-              <a:ea typeface="+mn-ea"/>
-              <a:cs typeface="+mn-cs"/>
-            </a:endParaRPr>
-          </a:p>
-          <a:p>
-            <a:pPr marL="228600" indent="-228600">
-              <a:buFontTx/>
-              <a:buAutoNum type="alphaLcParenR"/>
-            </a:pPr>
-            <a:endParaRPr lang="en-US" sz="1200" kern="1200" baseline="0" dirty="0" smtClean="0">
-              <a:solidFill>
-                <a:schemeClr val="tx1"/>
-              </a:solidFill>
-              <a:effectLst/>
-              <a:latin typeface="+mn-lt"/>
-              <a:ea typeface="+mn-ea"/>
-              <a:cs typeface="+mn-cs"/>
-            </a:endParaRPr>
+              <a:t> – number of children of the tree containing the minimum element</a:t>
+            </a:r>
           </a:p>
         </p:txBody>
       </p:sp>
@@ -2890,7 +2776,7 @@
     </p:spTree>
     <p:extLst>
       <p:ext uri="{BB962C8B-B14F-4D97-AF65-F5344CB8AC3E}">
-        <p14:creationId xmlns:p14="http://schemas.microsoft.com/office/powerpoint/2010/main" val="1906403218"/>
+        <p14:creationId xmlns:p14="http://schemas.microsoft.com/office/powerpoint/2010/main" val="3466573510"/>
       </p:ext>
     </p:extLst>
   </p:cSld>
@@ -2944,13 +2830,125 @@
           <a:bodyPr/>
           <a:lstStyle/>
           <a:p>
-            <a:pPr marL="0" indent="0">
-              <a:buNone/>
+            <a:pPr marL="228600" indent="-228600">
+              <a:buFontTx/>
+              <a:buAutoNum type="alphaLcParenR"/>
             </a:pPr>
             <a:r>
-              <a:rPr lang="en-US" baseline="0" dirty="0" smtClean="0"/>
-              <a:t>a) Instrument the program to track resource usage. Convert bounds on resources to invariants of programs</a:t>
-            </a:r>
+              <a:rPr lang="en-US" sz="1200" kern="1200" baseline="0" dirty="0" smtClean="0">
+                <a:solidFill>
+                  <a:schemeClr val="tx1"/>
+                </a:solidFill>
+                <a:effectLst/>
+                <a:latin typeface="+mn-lt"/>
+                <a:ea typeface="+mn-ea"/>
+                <a:cs typeface="+mn-cs"/>
+              </a:rPr>
+              <a:t>Note that the constants are not small. It is 178 times </a:t>
+            </a:r>
+            <a:r>
+              <a:rPr lang="en-US" sz="1200" kern="1200" baseline="0" dirty="0" err="1" smtClean="0">
+                <a:solidFill>
+                  <a:schemeClr val="tx1"/>
+                </a:solidFill>
+                <a:effectLst/>
+                <a:latin typeface="+mn-lt"/>
+                <a:ea typeface="+mn-ea"/>
+                <a:cs typeface="+mn-cs"/>
+              </a:rPr>
+              <a:t>blackHeight</a:t>
+            </a:r>
+            <a:r>
+              <a:rPr lang="en-US" sz="1200" kern="1200" baseline="0" dirty="0" smtClean="0">
+                <a:solidFill>
+                  <a:schemeClr val="tx1"/>
+                </a:solidFill>
+                <a:effectLst/>
+                <a:latin typeface="+mn-lt"/>
+                <a:ea typeface="+mn-ea"/>
+                <a:cs typeface="+mn-cs"/>
+              </a:rPr>
+              <a:t>() for  Red black tree</a:t>
+            </a:r>
+          </a:p>
+          <a:p>
+            <a:pPr marL="228600" indent="-228600">
+              <a:buFontTx/>
+              <a:buAutoNum type="alphaLcParenR"/>
+            </a:pPr>
+            <a:r>
+              <a:rPr lang="en-US" sz="1200" kern="1200" baseline="0" dirty="0" smtClean="0">
+                <a:solidFill>
+                  <a:schemeClr val="tx1"/>
+                </a:solidFill>
+                <a:effectLst/>
+                <a:latin typeface="+mn-lt"/>
+                <a:ea typeface="+mn-ea"/>
+                <a:cs typeface="+mn-cs"/>
+              </a:rPr>
+              <a:t>Also note that we infer strong bounds. For many cases decreasing the bounds yields a counter examples</a:t>
+            </a:r>
+          </a:p>
+          <a:p>
+            <a:pPr marL="228600" marR="0" indent="-228600" algn="l" defTabSz="914400" rtl="0" eaLnBrk="1" fontAlgn="auto" latinLnBrk="0" hangingPunct="1">
+              <a:lnSpc>
+                <a:spcPct val="100000"/>
+              </a:lnSpc>
+              <a:spcBef>
+                <a:spcPts val="0"/>
+              </a:spcBef>
+              <a:spcAft>
+                <a:spcPts val="0"/>
+              </a:spcAft>
+              <a:buClrTx/>
+              <a:buSzTx/>
+              <a:buFontTx/>
+              <a:buAutoNum type="alphaLcParenR"/>
+              <a:tabLst/>
+              <a:defRPr/>
+            </a:pPr>
+            <a:r>
+              <a:rPr lang="en-US" sz="1200" kern="1200" baseline="0" dirty="0" smtClean="0">
+                <a:solidFill>
+                  <a:schemeClr val="tx1"/>
+                </a:solidFill>
+                <a:effectLst/>
+                <a:latin typeface="+mn-lt"/>
+                <a:ea typeface="+mn-ea"/>
+                <a:cs typeface="+mn-cs"/>
+              </a:rPr>
+              <a:t>The constants are implementation dependent</a:t>
+            </a:r>
+          </a:p>
+          <a:p>
+            <a:pPr marL="228600" indent="-228600">
+              <a:buFontTx/>
+              <a:buAutoNum type="alphaLcParenR"/>
+            </a:pPr>
+            <a:endParaRPr lang="en-US" sz="1200" kern="1200" baseline="0" dirty="0" smtClean="0">
+              <a:solidFill>
+                <a:schemeClr val="tx1"/>
+              </a:solidFill>
+              <a:effectLst/>
+              <a:latin typeface="+mn-lt"/>
+              <a:ea typeface="+mn-ea"/>
+              <a:cs typeface="+mn-cs"/>
+            </a:endParaRPr>
+          </a:p>
+          <a:p>
+            <a:pPr marL="228600" indent="-228600">
+              <a:buFontTx/>
+              <a:buAutoNum type="alphaLcParenR"/>
+            </a:pPr>
+            <a:endParaRPr lang="en-US" sz="1200" kern="1200" baseline="0" dirty="0" smtClean="0">
+              <a:solidFill>
+                <a:schemeClr val="tx1"/>
+              </a:solidFill>
+              <a:effectLst/>
+              <a:latin typeface="+mn-lt"/>
+              <a:ea typeface="+mn-ea"/>
+              <a:cs typeface="+mn-cs"/>
+            </a:endParaRPr>
           </a:p>
         </p:txBody>
       </p:sp>
@@ -2980,7 +2978,7 @@
     </p:spTree>
     <p:extLst>
       <p:ext uri="{BB962C8B-B14F-4D97-AF65-F5344CB8AC3E}">
-        <p14:creationId xmlns:p14="http://schemas.microsoft.com/office/powerpoint/2010/main" val="3545206188"/>
+        <p14:creationId xmlns:p14="http://schemas.microsoft.com/office/powerpoint/2010/main" val="1906403218"/>
       </p:ext>
     </p:extLst>
   </p:cSld>
@@ -3121,41 +3119,13 @@
           <a:bodyPr/>
           <a:lstStyle/>
           <a:p>
-            <a:r>
-              <a:rPr lang="en-US" sz="1200" dirty="0" smtClean="0"/>
-              <a:t>Simple and extensible to other resource bounds: space, network usage etc. </a:t>
-            </a:r>
-          </a:p>
-          <a:p>
-            <a:r>
-              <a:rPr lang="en-US" sz="1200" dirty="0" smtClean="0"/>
-              <a:t>Unfortunately</a:t>
-            </a:r>
-            <a:r>
-              <a:rPr lang="en-US" sz="1200" baseline="0" dirty="0" smtClean="0"/>
-              <a:t> m</a:t>
-            </a:r>
-            <a:r>
-              <a:rPr lang="en-US" sz="1200" dirty="0" smtClean="0"/>
-              <a:t>akes programs bigger and more complicated</a:t>
-            </a:r>
-            <a:r>
-              <a:rPr lang="en-US" sz="1200" baseline="0" dirty="0" smtClean="0"/>
-              <a:t> and r</a:t>
-            </a:r>
-            <a:r>
-              <a:rPr lang="en-US" sz="1200" dirty="0" smtClean="0"/>
-              <a:t>equires efficient inference algorithms</a:t>
-            </a:r>
-          </a:p>
-          <a:p>
-            <a:pPr marL="114300" indent="0">
+            <a:pPr marL="0" indent="0">
               <a:buNone/>
             </a:pPr>
-            <a:endParaRPr lang="en-US" sz="1200" dirty="0" smtClean="0"/>
-          </a:p>
-          <a:p>
-            <a:endParaRPr lang="en-US" dirty="0"/>
+            <a:r>
+              <a:rPr lang="en-US" baseline="0" dirty="0" smtClean="0"/>
+              <a:t>a) Instrument the program to track resource usage. Convert bounds on resources to invariants of programs</a:t>
+            </a:r>
           </a:p>
         </p:txBody>
       </p:sp>
@@ -3176,7 +3146,7 @@
           <a:p>
             <a:fld id="{12D8DD10-78C8-4C38-AE3F-73F58199D530}" type="slidenum">
               <a:rPr lang="en-US" smtClean="0"/>
-              <a:t>31</a:t>
+              <a:t>30</a:t>
             </a:fld>
             <a:endParaRPr lang="en-US" dirty="0"/>
           </a:p>
@@ -3185,7 +3155,7 @@
     </p:spTree>
     <p:extLst>
       <p:ext uri="{BB962C8B-B14F-4D97-AF65-F5344CB8AC3E}">
-        <p14:creationId xmlns:p14="http://schemas.microsoft.com/office/powerpoint/2010/main" val="1158041186"/>
+        <p14:creationId xmlns:p14="http://schemas.microsoft.com/office/powerpoint/2010/main" val="3545206188"/>
       </p:ext>
     </p:extLst>
   </p:cSld>
@@ -3240,13 +3210,39 @@
           <a:lstStyle/>
           <a:p>
             <a:r>
-              <a:rPr lang="en-US" dirty="0" smtClean="0"/>
-              <a:t>The two that were not solved</a:t>
-            </a:r>
-            <a:r>
-              <a:rPr lang="en-US" baseline="0" dirty="0" smtClean="0"/>
-              <a:t> were due to incompleteness in the handling of nonlinearity.</a:t>
-            </a:r>
+              <a:rPr lang="en-US" sz="1200" dirty="0" smtClean="0"/>
+              <a:t>Simple and extensible to other resource bounds: space, network usage etc. </a:t>
+            </a:r>
+          </a:p>
+          <a:p>
+            <a:r>
+              <a:rPr lang="en-US" sz="1200" dirty="0" smtClean="0"/>
+              <a:t>Unfortunately</a:t>
+            </a:r>
+            <a:r>
+              <a:rPr lang="en-US" sz="1200" baseline="0" dirty="0" smtClean="0"/>
+              <a:t> m</a:t>
+            </a:r>
+            <a:r>
+              <a:rPr lang="en-US" sz="1200" dirty="0" smtClean="0"/>
+              <a:t>akes programs bigger and more complicated</a:t>
+            </a:r>
+            <a:r>
+              <a:rPr lang="en-US" sz="1200" baseline="0" dirty="0" smtClean="0"/>
+              <a:t> and r</a:t>
+            </a:r>
+            <a:r>
+              <a:rPr lang="en-US" sz="1200" dirty="0" smtClean="0"/>
+              <a:t>equires efficient inference algorithms</a:t>
+            </a:r>
+          </a:p>
+          <a:p>
+            <a:pPr marL="114300" indent="0">
+              <a:buNone/>
+            </a:pPr>
+            <a:endParaRPr lang="en-US" sz="1200" dirty="0" smtClean="0"/>
+          </a:p>
+          <a:p>
             <a:endParaRPr lang="en-US" dirty="0"/>
           </a:p>
         </p:txBody>
@@ -3268,7 +3264,7 @@
           <a:p>
             <a:fld id="{12D8DD10-78C8-4C38-AE3F-73F58199D530}" type="slidenum">
               <a:rPr lang="en-US" smtClean="0"/>
-              <a:t>33</a:t>
+              <a:t>32</a:t>
             </a:fld>
             <a:endParaRPr lang="en-US" dirty="0"/>
           </a:p>
@@ -3277,7 +3273,7 @@
     </p:spTree>
     <p:extLst>
       <p:ext uri="{BB962C8B-B14F-4D97-AF65-F5344CB8AC3E}">
-        <p14:creationId xmlns:p14="http://schemas.microsoft.com/office/powerpoint/2010/main" val="3005221133"/>
+        <p14:creationId xmlns:p14="http://schemas.microsoft.com/office/powerpoint/2010/main" val="1158041186"/>
       </p:ext>
     </p:extLst>
   </p:cSld>
@@ -3331,40 +3327,15 @@
           <a:bodyPr/>
           <a:lstStyle/>
           <a:p>
-            <a:pPr marL="228600" indent="-228600">
-              <a:buFontTx/>
-              <a:buAutoNum type="alphaLcParenR"/>
-            </a:pPr>
-            <a:r>
-              <a:rPr lang="en-US" sz="1200" kern="1200" baseline="0" dirty="0" smtClean="0">
-                <a:solidFill>
-                  <a:schemeClr val="tx1"/>
-                </a:solidFill>
-                <a:effectLst/>
-                <a:latin typeface="+mn-lt"/>
-                <a:ea typeface="+mn-ea"/>
-                <a:cs typeface="+mn-cs"/>
-              </a:rPr>
-              <a:t>Highlight the negative and zero coefficients</a:t>
-            </a:r>
-          </a:p>
-          <a:p>
-            <a:pPr marL="228600" indent="-228600">
-              <a:buFontTx/>
-              <a:buAutoNum type="alphaLcParenR"/>
-            </a:pPr>
-            <a:r>
-              <a:rPr lang="en-US" sz="1200" kern="1200" baseline="0" dirty="0" smtClean="0">
-                <a:solidFill>
-                  <a:schemeClr val="tx1"/>
-                </a:solidFill>
-                <a:effectLst/>
-                <a:latin typeface="+mn-lt"/>
-                <a:ea typeface="+mn-ea"/>
-                <a:cs typeface="+mn-cs"/>
-              </a:rPr>
-              <a:t>The templates specified need  not be precise as the tool looks for tight solutions. They can be over-approximations</a:t>
-            </a:r>
+            <a:r>
+              <a:rPr lang="en-US" dirty="0" smtClean="0"/>
+              <a:t>The two that were not solved</a:t>
+            </a:r>
+            <a:r>
+              <a:rPr lang="en-US" baseline="0" dirty="0" smtClean="0"/>
+              <a:t> were due to incompleteness in the handling of nonlinearity.</a:t>
+            </a:r>
+            <a:endParaRPr lang="en-US" dirty="0"/>
           </a:p>
         </p:txBody>
       </p:sp>
@@ -3394,7 +3365,7 @@
     </p:spTree>
     <p:extLst>
       <p:ext uri="{BB962C8B-B14F-4D97-AF65-F5344CB8AC3E}">
-        <p14:creationId xmlns:p14="http://schemas.microsoft.com/office/powerpoint/2010/main" val="3488068150"/>
+        <p14:creationId xmlns:p14="http://schemas.microsoft.com/office/powerpoint/2010/main" val="3005221133"/>
       </p:ext>
     </p:extLst>
   </p:cSld>
@@ -3462,20 +3433,14 @@
                 <a:ea typeface="+mn-ea"/>
                 <a:cs typeface="+mn-cs"/>
               </a:rPr>
-              <a:t>Note that the constants are not small. It is 178 times </a:t>
-            </a:r>
-            <a:r>
-              <a:rPr lang="en-US" sz="1200" kern="1200" baseline="0" dirty="0" err="1" smtClean="0">
-                <a:solidFill>
-                  <a:schemeClr val="tx1"/>
-                </a:solidFill>
-                <a:effectLst/>
-                <a:latin typeface="+mn-lt"/>
-                <a:ea typeface="+mn-ea"/>
-                <a:cs typeface="+mn-cs"/>
-              </a:rPr>
-              <a:t>blackHeight</a:t>
-            </a:r>
+              <a:t>Highlight the negative and zero coefficients</a:t>
+            </a:r>
+          </a:p>
+          <a:p>
+            <a:pPr marL="228600" indent="-228600">
+              <a:buFontTx/>
+              <a:buAutoNum type="alphaLcParenR"/>
+            </a:pPr>
             <a:r>
               <a:rPr lang="en-US" sz="1200" kern="1200" baseline="0" dirty="0" smtClean="0">
                 <a:solidFill>
@@ -3486,87 +3451,8 @@
                 <a:ea typeface="+mn-ea"/>
                 <a:cs typeface="+mn-cs"/>
               </a:rPr>
-              <a:t>() for  Red black tree</a:t>
-            </a:r>
-          </a:p>
-          <a:p>
-            <a:pPr marL="228600" indent="-228600">
-              <a:buFontTx/>
-              <a:buAutoNum type="alphaLcParenR"/>
-            </a:pPr>
-            <a:r>
-              <a:rPr lang="en-US" sz="1200" kern="1200" baseline="0" dirty="0" smtClean="0">
-                <a:solidFill>
-                  <a:schemeClr val="tx1"/>
-                </a:solidFill>
-                <a:effectLst/>
-                <a:latin typeface="+mn-lt"/>
-                <a:ea typeface="+mn-ea"/>
-                <a:cs typeface="+mn-cs"/>
-              </a:rPr>
-              <a:t>Also note that we infer strong bounds. For many cases decreasing the bounds yields a counter examples</a:t>
-            </a:r>
-          </a:p>
-          <a:p>
-            <a:pPr marL="228600" marR="0" indent="-228600" algn="l" defTabSz="914400" rtl="0" eaLnBrk="1" fontAlgn="auto" latinLnBrk="0" hangingPunct="1">
-              <a:lnSpc>
-                <a:spcPct val="100000"/>
-              </a:lnSpc>
-              <a:spcBef>
-                <a:spcPts val="0"/>
-              </a:spcBef>
-              <a:spcAft>
-                <a:spcPts val="0"/>
-              </a:spcAft>
-              <a:buClrTx/>
-              <a:buSzTx/>
-              <a:buFontTx/>
-              <a:buAutoNum type="alphaLcParenR"/>
-              <a:tabLst/>
-              <a:defRPr/>
-            </a:pPr>
-            <a:r>
-              <a:rPr lang="en-US" sz="1200" kern="1200" baseline="0" dirty="0" smtClean="0">
-                <a:solidFill>
-                  <a:schemeClr val="tx1"/>
-                </a:solidFill>
-                <a:effectLst/>
-                <a:latin typeface="+mn-lt"/>
-                <a:ea typeface="+mn-ea"/>
-                <a:cs typeface="+mn-cs"/>
-              </a:rPr>
-              <a:t>The constants are implementation dependent</a:t>
-            </a:r>
-          </a:p>
-          <a:p>
-            <a:pPr marL="228600" indent="-228600">
-              <a:buFontTx/>
-              <a:buAutoNum type="alphaLcParenR"/>
-            </a:pPr>
-            <a:endParaRPr lang="en-US" sz="1200" kern="1200" baseline="0" dirty="0" smtClean="0">
-              <a:solidFill>
-                <a:schemeClr val="tx1"/>
-              </a:solidFill>
-              <a:effectLst/>
-              <a:latin typeface="+mn-lt"/>
-              <a:ea typeface="+mn-ea"/>
-              <a:cs typeface="+mn-cs"/>
-            </a:endParaRPr>
-          </a:p>
-          <a:p>
-            <a:pPr marL="228600" indent="-228600">
-              <a:buFontTx/>
-              <a:buAutoNum type="alphaLcParenR"/>
-            </a:pPr>
-            <a:endParaRPr lang="en-US" sz="1200" kern="1200" baseline="0" dirty="0" smtClean="0">
-              <a:solidFill>
-                <a:schemeClr val="tx1"/>
-              </a:solidFill>
-              <a:effectLst/>
-              <a:latin typeface="+mn-lt"/>
-              <a:ea typeface="+mn-ea"/>
-              <a:cs typeface="+mn-cs"/>
-            </a:endParaRPr>
+              <a:t>The templates specified need  not be precise as the tool looks for tight solutions. They can be over-approximations</a:t>
+            </a:r>
           </a:p>
         </p:txBody>
       </p:sp>
@@ -3596,7 +3482,7 @@
     </p:spTree>
     <p:extLst>
       <p:ext uri="{BB962C8B-B14F-4D97-AF65-F5344CB8AC3E}">
-        <p14:creationId xmlns:p14="http://schemas.microsoft.com/office/powerpoint/2010/main" val="1369094861"/>
+        <p14:creationId xmlns:p14="http://schemas.microsoft.com/office/powerpoint/2010/main" val="3488068150"/>
       </p:ext>
     </p:extLst>
   </p:cSld>
@@ -3650,7 +3536,125 @@
           <a:bodyPr/>
           <a:lstStyle/>
           <a:p>
-            <a:endParaRPr lang="en-US" dirty="0"/>
+            <a:pPr marL="228600" indent="-228600">
+              <a:buFontTx/>
+              <a:buAutoNum type="alphaLcParenR"/>
+            </a:pPr>
+            <a:r>
+              <a:rPr lang="en-US" sz="1200" kern="1200" baseline="0" dirty="0" smtClean="0">
+                <a:solidFill>
+                  <a:schemeClr val="tx1"/>
+                </a:solidFill>
+                <a:effectLst/>
+                <a:latin typeface="+mn-lt"/>
+                <a:ea typeface="+mn-ea"/>
+                <a:cs typeface="+mn-cs"/>
+              </a:rPr>
+              <a:t>Note that the constants are not small. It is 178 times </a:t>
+            </a:r>
+            <a:r>
+              <a:rPr lang="en-US" sz="1200" kern="1200" baseline="0" dirty="0" err="1" smtClean="0">
+                <a:solidFill>
+                  <a:schemeClr val="tx1"/>
+                </a:solidFill>
+                <a:effectLst/>
+                <a:latin typeface="+mn-lt"/>
+                <a:ea typeface="+mn-ea"/>
+                <a:cs typeface="+mn-cs"/>
+              </a:rPr>
+              <a:t>blackHeight</a:t>
+            </a:r>
+            <a:r>
+              <a:rPr lang="en-US" sz="1200" kern="1200" baseline="0" dirty="0" smtClean="0">
+                <a:solidFill>
+                  <a:schemeClr val="tx1"/>
+                </a:solidFill>
+                <a:effectLst/>
+                <a:latin typeface="+mn-lt"/>
+                <a:ea typeface="+mn-ea"/>
+                <a:cs typeface="+mn-cs"/>
+              </a:rPr>
+              <a:t>() for  Red black tree</a:t>
+            </a:r>
+          </a:p>
+          <a:p>
+            <a:pPr marL="228600" indent="-228600">
+              <a:buFontTx/>
+              <a:buAutoNum type="alphaLcParenR"/>
+            </a:pPr>
+            <a:r>
+              <a:rPr lang="en-US" sz="1200" kern="1200" baseline="0" dirty="0" smtClean="0">
+                <a:solidFill>
+                  <a:schemeClr val="tx1"/>
+                </a:solidFill>
+                <a:effectLst/>
+                <a:latin typeface="+mn-lt"/>
+                <a:ea typeface="+mn-ea"/>
+                <a:cs typeface="+mn-cs"/>
+              </a:rPr>
+              <a:t>Also note that we infer strong bounds. For many cases decreasing the bounds yields a counter examples</a:t>
+            </a:r>
+          </a:p>
+          <a:p>
+            <a:pPr marL="228600" marR="0" indent="-228600" algn="l" defTabSz="914400" rtl="0" eaLnBrk="1" fontAlgn="auto" latinLnBrk="0" hangingPunct="1">
+              <a:lnSpc>
+                <a:spcPct val="100000"/>
+              </a:lnSpc>
+              <a:spcBef>
+                <a:spcPts val="0"/>
+              </a:spcBef>
+              <a:spcAft>
+                <a:spcPts val="0"/>
+              </a:spcAft>
+              <a:buClrTx/>
+              <a:buSzTx/>
+              <a:buFontTx/>
+              <a:buAutoNum type="alphaLcParenR"/>
+              <a:tabLst/>
+              <a:defRPr/>
+            </a:pPr>
+            <a:r>
+              <a:rPr lang="en-US" sz="1200" kern="1200" baseline="0" dirty="0" smtClean="0">
+                <a:solidFill>
+                  <a:schemeClr val="tx1"/>
+                </a:solidFill>
+                <a:effectLst/>
+                <a:latin typeface="+mn-lt"/>
+                <a:ea typeface="+mn-ea"/>
+                <a:cs typeface="+mn-cs"/>
+              </a:rPr>
+              <a:t>The constants are implementation dependent</a:t>
+            </a:r>
+          </a:p>
+          <a:p>
+            <a:pPr marL="228600" indent="-228600">
+              <a:buFontTx/>
+              <a:buAutoNum type="alphaLcParenR"/>
+            </a:pPr>
+            <a:endParaRPr lang="en-US" sz="1200" kern="1200" baseline="0" dirty="0" smtClean="0">
+              <a:solidFill>
+                <a:schemeClr val="tx1"/>
+              </a:solidFill>
+              <a:effectLst/>
+              <a:latin typeface="+mn-lt"/>
+              <a:ea typeface="+mn-ea"/>
+              <a:cs typeface="+mn-cs"/>
+            </a:endParaRPr>
+          </a:p>
+          <a:p>
+            <a:pPr marL="228600" indent="-228600">
+              <a:buFontTx/>
+              <a:buAutoNum type="alphaLcParenR"/>
+            </a:pPr>
+            <a:endParaRPr lang="en-US" sz="1200" kern="1200" baseline="0" dirty="0" smtClean="0">
+              <a:solidFill>
+                <a:schemeClr val="tx1"/>
+              </a:solidFill>
+              <a:effectLst/>
+              <a:latin typeface="+mn-lt"/>
+              <a:ea typeface="+mn-ea"/>
+              <a:cs typeface="+mn-cs"/>
+            </a:endParaRPr>
           </a:p>
         </p:txBody>
       </p:sp>
@@ -3672,6 +3676,90 @@
             <a:fld id="{12D8DD10-78C8-4C38-AE3F-73F58199D530}" type="slidenum">
               <a:rPr lang="en-US" smtClean="0"/>
               <a:t>36</a:t>
+            </a:fld>
+            <a:endParaRPr lang="en-US" dirty="0"/>
+          </a:p>
+        </p:txBody>
+      </p:sp>
+    </p:spTree>
+    <p:extLst>
+      <p:ext uri="{BB962C8B-B14F-4D97-AF65-F5344CB8AC3E}">
+        <p14:creationId xmlns:p14="http://schemas.microsoft.com/office/powerpoint/2010/main" val="1369094861"/>
+      </p:ext>
+    </p:extLst>
+  </p:cSld>
+  <p:clrMapOvr>
+    <a:masterClrMapping/>
+  </p:clrMapOvr>
+</p:notes>
+</file>
+
+<file path=ppt/notesSlides/notesSlide35.xml><?xml version="1.0" encoding="utf-8"?>
+<p:notes xmlns:a="http://schemas.openxmlformats.org/drawingml/2006/main" xmlns:r="http://schemas.openxmlformats.org/officeDocument/2006/relationships" xmlns:p="http://schemas.openxmlformats.org/presentationml/2006/main">
+  <p:cSld>
+    <p:spTree>
+      <p:nvGrpSpPr>
+        <p:cNvPr id="1" name=""/>
+        <p:cNvGrpSpPr/>
+        <p:nvPr/>
+      </p:nvGrpSpPr>
+      <p:grpSpPr>
+        <a:xfrm>
+          <a:off x="0" y="0"/>
+          <a:ext cx="0" cy="0"/>
+          <a:chOff x="0" y="0"/>
+          <a:chExt cx="0" cy="0"/>
+        </a:xfrm>
+      </p:grpSpPr>
+      <p:sp>
+        <p:nvSpPr>
+          <p:cNvPr id="2" name="Slide Image Placeholder 1"/>
+          <p:cNvSpPr>
+            <a:spLocks noGrp="1" noRot="1" noChangeAspect="1"/>
+          </p:cNvSpPr>
+          <p:nvPr>
+            <p:ph type="sldImg"/>
+          </p:nvPr>
+        </p:nvSpPr>
+        <p:spPr/>
+      </p:sp>
+      <p:sp>
+        <p:nvSpPr>
+          <p:cNvPr id="3" name="Notes Placeholder 2"/>
+          <p:cNvSpPr>
+            <a:spLocks noGrp="1"/>
+          </p:cNvSpPr>
+          <p:nvPr>
+            <p:ph type="body" idx="1"/>
+          </p:nvPr>
+        </p:nvSpPr>
+        <p:spPr/>
+        <p:txBody>
+          <a:bodyPr/>
+          <a:lstStyle/>
+          <a:p>
+            <a:endParaRPr lang="en-US" dirty="0"/>
+          </a:p>
+        </p:txBody>
+      </p:sp>
+      <p:sp>
+        <p:nvSpPr>
+          <p:cNvPr id="4" name="Slide Number Placeholder 3"/>
+          <p:cNvSpPr>
+            <a:spLocks noGrp="1"/>
+          </p:cNvSpPr>
+          <p:nvPr>
+            <p:ph type="sldNum" sz="quarter" idx="10"/>
+          </p:nvPr>
+        </p:nvSpPr>
+        <p:spPr/>
+        <p:txBody>
+          <a:bodyPr/>
+          <a:lstStyle/>
+          <a:p>
+            <a:fld id="{12D8DD10-78C8-4C38-AE3F-73F58199D530}" type="slidenum">
+              <a:rPr lang="en-US" smtClean="0"/>
+              <a:t>37</a:t>
             </a:fld>
             <a:endParaRPr lang="en-US" dirty="0"/>
           </a:p>
@@ -7868,8 +7956,8 @@
         </p:nvSpPr>
         <p:spPr>
           <a:xfrm>
-            <a:off x="169483" y="4648200"/>
-            <a:ext cx="8737072" cy="1938992"/>
+            <a:off x="169483" y="4566499"/>
+            <a:ext cx="8737072" cy="2308324"/>
           </a:xfrm>
           <a:prstGeom prst="rect">
             <a:avLst/>
@@ -7896,7 +7984,7 @@
                   <a:schemeClr val="tx2"/>
                 </a:solidFill>
               </a:rPr>
-              <a:t>A conjunction of linear inequalities </a:t>
+              <a:t>A conjunction of </a:t>
             </a:r>
             <a:r>
               <a:rPr lang="en-US" sz="2400" dirty="0" smtClean="0">
@@ -7904,15 +7992,32 @@
                   <a:schemeClr val="tx2"/>
                 </a:solidFill>
               </a:rPr>
-              <a:t>is unsatisfiable</a:t>
-            </a:r>
-            <a:endParaRPr lang="en-US" sz="2400" dirty="0" smtClean="0">
-              <a:solidFill>
-                <a:schemeClr val="tx2"/>
-              </a:solidFill>
-            </a:endParaRPr>
-          </a:p>
-          <a:p>
+              <a:t>linear </a:t>
+            </a:r>
+            <a:r>
+              <a:rPr lang="en-US" sz="2400" dirty="0" smtClean="0">
+                <a:solidFill>
+                  <a:schemeClr val="tx2"/>
+                </a:solidFill>
+              </a:rPr>
+              <a:t>inequalities </a:t>
+            </a:r>
+            <a:r>
+              <a:rPr lang="en-US" sz="2400" dirty="0" smtClean="0">
+                <a:solidFill>
+                  <a:schemeClr val="tx2"/>
+                </a:solidFill>
+              </a:rPr>
+              <a:t>(over reals) is unsatisfiable</a:t>
+            </a:r>
+            <a:r>
+              <a:rPr lang="en-US" sz="2400" dirty="0">
+                <a:solidFill>
+                  <a:schemeClr val="tx2"/>
+                </a:solidFill>
+              </a:rPr>
+              <a:t> </a:t>
+            </a:r>
             <a:r>
               <a:rPr lang="en-US" sz="2400" dirty="0" err="1" smtClean="0">
                 <a:solidFill>
@@ -7927,7 +8032,15 @@
                   <a:schemeClr val="tx2"/>
                 </a:solidFill>
               </a:rPr>
-              <a:t> we can derive </a:t>
+              <a:t> </a:t>
+            </a:r>
+            <a:r>
+              <a:rPr lang="en-US" sz="2400" dirty="0" smtClean="0">
+                <a:solidFill>
+                  <a:schemeClr val="tx2"/>
+                </a:solidFill>
+              </a:rPr>
+              <a:t>we can derive </a:t>
             </a:r>
             <a:r>
               <a:rPr lang="en-US" sz="2400" b="1" dirty="0" smtClean="0">
@@ -8541,8 +8654,8 @@
         </p:nvSpPr>
         <p:spPr>
           <a:xfrm>
-            <a:off x="6070460" y="1212672"/>
-            <a:ext cx="3157728" cy="1200329"/>
+            <a:off x="6820971" y="1494624"/>
+            <a:ext cx="3157728" cy="461665"/>
           </a:xfrm>
           <a:prstGeom prst="rect">
             <a:avLst/>
@@ -8561,7 +8674,7 @@
                   <a:schemeClr val="tx2"/>
                 </a:solidFill>
               </a:rPr>
-              <a:t>Find values for </a:t>
+              <a:t>Prove </a:t>
             </a:r>
             <a:r>
               <a:rPr lang="en-US" sz="2400" dirty="0" err="1" smtClean="0">
@@ -8569,33 +8682,7 @@
                   <a:schemeClr val="tx2"/>
                 </a:solidFill>
               </a:rPr>
-              <a:t>a,b,c</a:t>
-            </a:r>
-            <a:r>
-              <a:rPr lang="en-US" sz="2400" dirty="0" smtClean="0">
-                <a:solidFill>
-                  <a:schemeClr val="tx2"/>
-                </a:solidFill>
-              </a:rPr>
-              <a:t> </a:t>
-            </a:r>
-          </a:p>
-          <a:p>
-            <a:r>
-              <a:rPr lang="en-US" sz="2400" dirty="0" err="1" smtClean="0">
-                <a:solidFill>
-                  <a:schemeClr val="tx2"/>
-                </a:solidFill>
-              </a:rPr>
-              <a:t>s.t.</a:t>
-            </a:r>
-            <a:r>
-              <a:rPr lang="en-US" sz="2400" dirty="0" smtClean="0">
-                <a:solidFill>
-                  <a:schemeClr val="tx2"/>
-                </a:solidFill>
-              </a:rPr>
-              <a:t> the formula becomes unsatisfiable</a:t>
+              <a:t>unsat</a:t>
             </a:r>
             <a:endParaRPr lang="en-US" sz="2400" dirty="0">
               <a:solidFill>
@@ -9083,7 +9170,7 @@
         </p:nvSpPr>
         <p:spPr>
           <a:xfrm>
-            <a:off x="5477793" y="1572413"/>
+            <a:off x="6258784" y="1524990"/>
             <a:ext cx="592667" cy="240423"/>
           </a:xfrm>
           <a:custGeom>
@@ -9359,7 +9446,7 @@
             <p:spPr>
               <a:xfrm>
                 <a:off x="141733" y="4605491"/>
-                <a:ext cx="7104061" cy="369332"/>
+                <a:ext cx="6779805" cy="369332"/>
               </a:xfrm>
               <a:prstGeom prst="rect">
                 <a:avLst/>
@@ -9524,12 +9611,6 @@
                               </m:r>
                             </m:sub>
                           </m:sSub>
-                          <m:r>
-                            <a:rPr lang="en-US" sz="2400" b="0" i="1" smtClean="0">
-                              <a:latin typeface="Cambria Math" panose="02040503050406030204" pitchFamily="18" charset="0"/>
-                            </a:rPr>
-                            <m:t>𝑏</m:t>
-                          </m:r>
                         </m:e>
                       </m:d>
                       <m:r>
@@ -9671,7 +9752,7 @@
             <p:spPr>
               <a:xfrm>
                 <a:off x="141733" y="4605491"/>
-                <a:ext cx="7104061" cy="369332"/>
+                <a:ext cx="6779805" cy="369332"/>
               </a:xfrm>
               <a:prstGeom prst="rect">
                 <a:avLst/>
@@ -9679,7 +9760,7 @@
               <a:blipFill rotWithShape="0">
                 <a:blip r:embed="rId5"/>
                 <a:stretch>
-                  <a:fillRect b="-37705"/>
+                  <a:fillRect l="-1079" r="-719" b="-37705"/>
                 </a:stretch>
               </a:blipFill>
             </p:spPr>
@@ -9950,12 +10031,6 @@
                               </m:r>
                             </m:sub>
                           </m:sSub>
-                          <m:r>
-                            <a:rPr lang="en-US" sz="2400" i="1">
-                              <a:latin typeface="Cambria Math" panose="02040503050406030204" pitchFamily="18" charset="0"/>
-                            </a:rPr>
-                            <m:t>𝑏</m:t>
-                          </m:r>
                         </m:e>
                       </m:d>
                       <m:r>
@@ -12489,12 +12564,16 @@
           <a:lstStyle/>
           <a:p>
             <a:r>
-              <a:rPr lang="en-US" dirty="0" err="1" smtClean="0"/>
-              <a:t>Farkas</a:t>
-            </a:r>
-            <a:r>
               <a:rPr lang="en-US" dirty="0" smtClean="0"/>
-              <a:t>’ Constraints</a:t>
+              <a:t>Template-based </a:t>
+            </a:r>
+            <a:r>
+              <a:rPr lang="en-US" dirty="0"/>
+              <a:t>I</a:t>
+            </a:r>
+            <a:r>
+              <a:rPr lang="en-US" dirty="0" smtClean="0"/>
+              <a:t>nvariant Inference</a:t>
             </a:r>
             <a:endParaRPr lang="en-US" dirty="0"/>
           </a:p>
@@ -16077,6 +16156,258 @@
           </a:p>
         </p:txBody>
       </p:sp>
+      <mc:AlternateContent xmlns:mc="http://schemas.openxmlformats.org/markup-compatibility/2006">
+        <mc:Choice xmlns:a14="http://schemas.microsoft.com/office/drawing/2010/main" Requires="a14">
+          <p:sp>
+            <p:nvSpPr>
+              <p:cNvPr id="9" name="TextBox 8"/>
+              <p:cNvSpPr txBox="1"/>
+              <p:nvPr/>
+            </p:nvSpPr>
+            <p:spPr>
+              <a:xfrm>
+                <a:off x="1905000" y="5543253"/>
+                <a:ext cx="3971097" cy="1090940"/>
+              </a:xfrm>
+              <a:prstGeom prst="rect">
+                <a:avLst/>
+              </a:prstGeom>
+              <a:noFill/>
+            </p:spPr>
+            <p:txBody>
+              <a:bodyPr wrap="square" lIns="0" tIns="0" rIns="0" bIns="0" rtlCol="0">
+                <a:spAutoFit/>
+              </a:bodyPr>
+              <a:lstStyle/>
+              <a:p>
+                <a:pPr/>
+                <a14:m>
+                  <m:oMathPara xmlns:m="http://schemas.openxmlformats.org/officeDocument/2006/math">
+                    <m:oMathParaPr>
+                      <m:jc m:val="centerGroup"/>
+                    </m:oMathParaPr>
+                    <m:oMath xmlns:m="http://schemas.openxmlformats.org/officeDocument/2006/math">
+                      <m:r>
+                        <a:rPr lang="en-US" sz="2400" b="0" i="1" smtClean="0">
+                          <a:latin typeface="Cambria Math" panose="02040503050406030204" pitchFamily="18" charset="0"/>
+                        </a:rPr>
+                        <m:t>𝑏</m:t>
+                      </m:r>
+                      <m:r>
+                        <a:rPr lang="en-US" sz="2400" b="0" i="1" smtClean="0">
+                          <a:latin typeface="Cambria Math" panose="02040503050406030204" pitchFamily="18" charset="0"/>
+                        </a:rPr>
+                        <m:t>=0, </m:t>
+                      </m:r>
+                      <m:r>
+                        <a:rPr lang="en-US" sz="2400" b="0" i="1" smtClean="0">
+                          <a:latin typeface="Cambria Math" panose="02040503050406030204" pitchFamily="18" charset="0"/>
+                        </a:rPr>
+                        <m:t>𝑎</m:t>
+                      </m:r>
+                      <m:r>
+                        <a:rPr lang="en-US" sz="2400" b="0" i="1" smtClean="0">
+                          <a:latin typeface="Cambria Math" panose="02040503050406030204" pitchFamily="18" charset="0"/>
+                        </a:rPr>
+                        <m:t>=−1, </m:t>
+                      </m:r>
+                      <m:r>
+                        <a:rPr lang="en-US" sz="2400" b="0" i="1" smtClean="0">
+                          <a:latin typeface="Cambria Math" panose="02040503050406030204" pitchFamily="18" charset="0"/>
+                        </a:rPr>
+                        <m:t>𝑐</m:t>
+                      </m:r>
+                      <m:r>
+                        <a:rPr lang="en-US" sz="2400" b="0" i="1" smtClean="0">
+                          <a:latin typeface="Cambria Math" panose="02040503050406030204" pitchFamily="18" charset="0"/>
+                        </a:rPr>
+                        <m:t>=−1,  </m:t>
+                      </m:r>
+                      <m:sSub>
+                        <m:sSubPr>
+                          <m:ctrlPr>
+                            <a:rPr lang="en-US" sz="2400" b="0" i="1" smtClean="0">
+                              <a:latin typeface="Cambria Math" panose="02040503050406030204" pitchFamily="18" charset="0"/>
+                            </a:rPr>
+                          </m:ctrlPr>
+                        </m:sSubPr>
+                        <m:e>
+                          <m:r>
+                            <a:rPr lang="en-US" sz="2400" b="0" i="1" smtClean="0">
+                              <a:latin typeface="Cambria Math" panose="02040503050406030204" pitchFamily="18" charset="0"/>
+                            </a:rPr>
+                            <m:t>𝜆</m:t>
+                          </m:r>
+                        </m:e>
+                        <m:sub>
+                          <m:r>
+                            <a:rPr lang="en-US" sz="2400" b="0" i="1" smtClean="0">
+                              <a:latin typeface="Cambria Math" panose="02040503050406030204" pitchFamily="18" charset="0"/>
+                            </a:rPr>
+                            <m:t>1</m:t>
+                          </m:r>
+                        </m:sub>
+                      </m:sSub>
+                      <m:r>
+                        <a:rPr lang="en-US" sz="2400" b="0" i="1" smtClean="0">
+                          <a:latin typeface="Cambria Math" panose="02040503050406030204" pitchFamily="18" charset="0"/>
+                        </a:rPr>
+                        <m:t>=1 , </m:t>
+                      </m:r>
+                      <m:sSub>
+                        <m:sSubPr>
+                          <m:ctrlPr>
+                            <a:rPr lang="en-US" sz="2400" b="0" i="1" smtClean="0">
+                              <a:latin typeface="Cambria Math" panose="02040503050406030204" pitchFamily="18" charset="0"/>
+                            </a:rPr>
+                          </m:ctrlPr>
+                        </m:sSubPr>
+                        <m:e>
+                          <m:r>
+                            <a:rPr lang="en-US" sz="2400" b="0" i="1" smtClean="0">
+                              <a:latin typeface="Cambria Math" panose="02040503050406030204" pitchFamily="18" charset="0"/>
+                            </a:rPr>
+                            <m:t> </m:t>
+                          </m:r>
+                          <m:r>
+                            <a:rPr lang="en-US" sz="2400" b="0" i="1" smtClean="0">
+                              <a:latin typeface="Cambria Math" panose="02040503050406030204" pitchFamily="18" charset="0"/>
+                            </a:rPr>
+                            <m:t>𝜆</m:t>
+                          </m:r>
+                        </m:e>
+                        <m:sub>
+                          <m:r>
+                            <a:rPr lang="en-US" sz="2400" b="0" i="1" smtClean="0">
+                              <a:latin typeface="Cambria Math" panose="02040503050406030204" pitchFamily="18" charset="0"/>
+                            </a:rPr>
+                            <m:t>2</m:t>
+                          </m:r>
+                        </m:sub>
+                      </m:sSub>
+                      <m:r>
+                        <a:rPr lang="en-US" sz="2400" b="0" i="1" smtClean="0">
+                          <a:latin typeface="Cambria Math" panose="02040503050406030204" pitchFamily="18" charset="0"/>
+                        </a:rPr>
+                        <m:t>=</m:t>
+                      </m:r>
+                      <m:r>
+                        <a:rPr lang="en-US" sz="2400" b="0" i="1" smtClean="0">
+                          <a:latin typeface="Cambria Math" panose="02040503050406030204" pitchFamily="18" charset="0"/>
+                        </a:rPr>
+                        <m:t>0 ,  </m:t>
+                      </m:r>
+                      <m:sSub>
+                        <m:sSubPr>
+                          <m:ctrlPr>
+                            <a:rPr lang="en-US" sz="2400" b="0" i="1" smtClean="0">
+                              <a:latin typeface="Cambria Math" panose="02040503050406030204" pitchFamily="18" charset="0"/>
+                            </a:rPr>
+                          </m:ctrlPr>
+                        </m:sSubPr>
+                        <m:e>
+                          <m:r>
+                            <a:rPr lang="en-US" sz="2400" b="0" i="1" smtClean="0">
+                              <a:latin typeface="Cambria Math" panose="02040503050406030204" pitchFamily="18" charset="0"/>
+                            </a:rPr>
+                            <m:t>𝜆</m:t>
+                          </m:r>
+                        </m:e>
+                        <m:sub>
+                          <m:r>
+                            <a:rPr lang="en-US" sz="2400" b="0" i="1" smtClean="0">
+                              <a:latin typeface="Cambria Math" panose="02040503050406030204" pitchFamily="18" charset="0"/>
+                            </a:rPr>
+                            <m:t>3</m:t>
+                          </m:r>
+                        </m:sub>
+                      </m:sSub>
+                      <m:r>
+                        <a:rPr lang="en-US" sz="2400" b="0" i="1" smtClean="0">
+                          <a:latin typeface="Cambria Math" panose="02040503050406030204" pitchFamily="18" charset="0"/>
+                        </a:rPr>
+                        <m:t>=1, </m:t>
+                      </m:r>
+                      <m:sSub>
+                        <m:sSubPr>
+                          <m:ctrlPr>
+                            <a:rPr lang="en-US" sz="2400" b="0" i="1" smtClean="0">
+                              <a:latin typeface="Cambria Math" panose="02040503050406030204" pitchFamily="18" charset="0"/>
+                            </a:rPr>
+                          </m:ctrlPr>
+                        </m:sSubPr>
+                        <m:e>
+                          <m:r>
+                            <a:rPr lang="en-US" sz="2400" b="0" i="1" smtClean="0">
+                              <a:latin typeface="Cambria Math" panose="02040503050406030204" pitchFamily="18" charset="0"/>
+                            </a:rPr>
+                            <m:t>𝜆</m:t>
+                          </m:r>
+                        </m:e>
+                        <m:sub>
+                          <m:r>
+                            <a:rPr lang="en-US" sz="2400" b="0" i="1" smtClean="0">
+                              <a:latin typeface="Cambria Math" panose="02040503050406030204" pitchFamily="18" charset="0"/>
+                            </a:rPr>
+                            <m:t>4</m:t>
+                          </m:r>
+                        </m:sub>
+                      </m:sSub>
+                      <m:r>
+                        <a:rPr lang="en-US" sz="2400" b="0" i="1" smtClean="0">
+                          <a:latin typeface="Cambria Math" panose="02040503050406030204" pitchFamily="18" charset="0"/>
+                        </a:rPr>
+                        <m:t>=0</m:t>
+                      </m:r>
+                    </m:oMath>
+                  </m:oMathPara>
+                </a14:m>
+                <a:endParaRPr lang="en-US" sz="2400" i="1" dirty="0" smtClean="0">
+                  <a:latin typeface="Cambria Math" panose="02040503050406030204" pitchFamily="18" charset="0"/>
+                </a:endParaRPr>
+              </a:p>
+            </p:txBody>
+          </p:sp>
+        </mc:Choice>
+        <mc:Fallback>
+          <p:sp>
+            <p:nvSpPr>
+              <p:cNvPr id="9" name="TextBox 8"/>
+              <p:cNvSpPr txBox="1">
+                <a:spLocks noRot="1" noChangeAspect="1" noMove="1" noResize="1" noEditPoints="1" noAdjustHandles="1" noChangeArrowheads="1" noChangeShapeType="1" noTextEdit="1"/>
+              </p:cNvSpPr>
+              <p:nvPr/>
+            </p:nvSpPr>
+            <p:spPr>
+              <a:xfrm>
+                <a:off x="1905000" y="5543253"/>
+                <a:ext cx="3971097" cy="1090940"/>
+              </a:xfrm>
+              <a:prstGeom prst="rect">
+                <a:avLst/>
+              </a:prstGeom>
+              <a:blipFill rotWithShape="0">
+                <a:blip r:embed="rId6"/>
+                <a:stretch>
+                  <a:fillRect b="-5028"/>
+                </a:stretch>
+              </a:blipFill>
+            </p:spPr>
+            <p:txBody>
+              <a:bodyPr/>
+              <a:lstStyle/>
+              <a:p>
+                <a:r>
+                  <a:rPr lang="en-US">
+                    <a:noFill/>
+                  </a:rPr>
+                  <a:t> </a:t>
+                </a:r>
+              </a:p>
+            </p:txBody>
+          </p:sp>
+        </mc:Fallback>
+      </mc:AlternateContent>
     </p:spTree>
     <p:extLst>
       <p:ext uri="{BB962C8B-B14F-4D97-AF65-F5344CB8AC3E}">
@@ -16202,6 +16533,51 @@
                       </p:childTnLst>
                     </p:cTn>
                   </p:par>
+                  <p:par>
+                    <p:cTn id="11" fill="hold">
+                      <p:stCondLst>
+                        <p:cond delay="indefinite"/>
+                      </p:stCondLst>
+                      <p:childTnLst>
+                        <p:par>
+                          <p:cTn id="12" fill="hold">
+                            <p:stCondLst>
+                              <p:cond delay="0"/>
+                            </p:stCondLst>
+                            <p:childTnLst>
+                              <p:par>
+                                <p:cTn id="13" presetID="1" presetClass="entr" presetSubtype="0" fill="hold" grpId="0" nodeType="clickEffect">
+                                  <p:stCondLst>
+                                    <p:cond delay="0"/>
+                                  </p:stCondLst>
+                                  <p:childTnLst>
+                                    <p:set>
+                                      <p:cBhvr>
+                                        <p:cTn id="14" dur="1" fill="hold">
+                                          <p:stCondLst>
+                                            <p:cond delay="0"/>
+                                          </p:stCondLst>
+                                        </p:cTn>
+                                        <p:tgtEl>
+                                          <p:spTgt spid="9"/>
+                                        </p:tgtEl>
+                                        <p:attrNameLst>
+                                          <p:attrName>style.visibility</p:attrName>
+                                        </p:attrNameLst>
+                                      </p:cBhvr>
+                                      <p:to>
+                                        <p:strVal val="visible"/>
+                                      </p:to>
+                                    </p:set>
+                                  </p:childTnLst>
+                                </p:cTn>
+                              </p:par>
+                            </p:childTnLst>
+                          </p:cTn>
+                        </p:par>
+                      </p:childTnLst>
+                    </p:cTn>
+                  </p:par>
                 </p:childTnLst>
               </p:cTn>
               <p:prevCondLst>
@@ -16227,6 +16603,7 @@
       <p:bldP spid="28" grpId="0"/>
       <p:bldP spid="21" grpId="0"/>
       <p:bldP spid="23" grpId="0" animBg="1"/>
+      <p:bldP spid="9" grpId="0"/>
     </p:bldLst>
   </p:timing>
 </p:sld>
@@ -16272,6 +16649,316 @@
           </a:p>
         </p:txBody>
       </p:sp>
+      <mc:AlternateContent xmlns:mc="http://schemas.openxmlformats.org/markup-compatibility/2006">
+        <mc:Choice xmlns:a14="http://schemas.microsoft.com/office/drawing/2010/main" Requires="a14">
+          <p:sp>
+            <p:nvSpPr>
+              <p:cNvPr id="3" name="Content Placeholder 2"/>
+              <p:cNvSpPr>
+                <a:spLocks noGrp="1"/>
+              </p:cNvSpPr>
+              <p:nvPr>
+                <p:ph idx="1"/>
+              </p:nvPr>
+            </p:nvSpPr>
+            <p:spPr/>
+            <p:txBody>
+              <a:bodyPr>
+                <a:normAutofit/>
+              </a:bodyPr>
+              <a:lstStyle/>
+              <a:p>
+                <a:pPr marL="114300" indent="0">
+                  <a:buNone/>
+                </a:pPr>
+                <a:endParaRPr lang="en-US" sz="2400" dirty="0" smtClean="0"/>
+              </a:p>
+              <a:p>
+                <a:r>
+                  <a:rPr lang="en-US" sz="2400" dirty="0" smtClean="0"/>
+                  <a:t>We had a formula of the form:  </a:t>
+                </a:r>
+                <a14:m>
+                  <m:oMath xmlns:m="http://schemas.openxmlformats.org/officeDocument/2006/math">
+                    <m:r>
+                      <m:rPr>
+                        <m:sty m:val="p"/>
+                      </m:rPr>
+                      <a:rPr lang="en-US" sz="2400" b="0" i="0" dirty="0" smtClean="0">
+                        <a:latin typeface="Cambria Math" panose="02040503050406030204" pitchFamily="18" charset="0"/>
+                      </a:rPr>
+                      <m:t>A</m:t>
+                    </m:r>
+                    <m:d>
+                      <m:dPr>
+                        <m:begChr m:val="["/>
+                        <m:endChr m:val="]"/>
+                        <m:ctrlPr>
+                          <a:rPr lang="en-US" sz="2400" b="0" i="0" dirty="0" smtClean="0">
+                            <a:latin typeface="Cambria Math" panose="02040503050406030204" pitchFamily="18" charset="0"/>
+                          </a:rPr>
+                        </m:ctrlPr>
+                      </m:dPr>
+                      <m:e>
+                        <m:r>
+                          <a:rPr lang="en-US" sz="2400" b="1" i="0" dirty="0" smtClean="0">
+                            <a:latin typeface="Cambria Math" panose="02040503050406030204" pitchFamily="18" charset="0"/>
+                          </a:rPr>
+                          <m:t>𝐱</m:t>
+                        </m:r>
+                      </m:e>
+                    </m:d>
+                    <m:r>
+                      <a:rPr lang="en-US" sz="2400" b="1" i="1" dirty="0" smtClean="0">
+                        <a:latin typeface="Cambria Math" panose="02040503050406030204" pitchFamily="18" charset="0"/>
+                      </a:rPr>
+                      <m:t>∧</m:t>
+                    </m:r>
+                    <m:r>
+                      <a:rPr lang="en-US" sz="2400" b="0" i="1" dirty="0" smtClean="0">
+                        <a:latin typeface="Cambria Math" panose="02040503050406030204" pitchFamily="18" charset="0"/>
+                      </a:rPr>
+                      <m:t>𝐵</m:t>
+                    </m:r>
+                    <m:r>
+                      <a:rPr lang="en-US" sz="2400" b="0" i="1" dirty="0" smtClean="0">
+                        <a:latin typeface="Cambria Math" panose="02040503050406030204" pitchFamily="18" charset="0"/>
+                      </a:rPr>
+                      <m:t>[</m:t>
+                    </m:r>
+                    <m:r>
+                      <a:rPr lang="en-US" sz="2400" b="1" i="1" dirty="0" smtClean="0">
+                        <a:latin typeface="Cambria Math" panose="02040503050406030204" pitchFamily="18" charset="0"/>
+                      </a:rPr>
+                      <m:t>𝒂</m:t>
+                    </m:r>
+                    <m:r>
+                      <a:rPr lang="en-US" sz="2400" b="1" i="1" dirty="0" smtClean="0">
+                        <a:latin typeface="Cambria Math" panose="02040503050406030204" pitchFamily="18" charset="0"/>
+                      </a:rPr>
+                      <m:t>,</m:t>
+                    </m:r>
+                    <m:r>
+                      <a:rPr lang="en-US" sz="2400" b="1" i="1" dirty="0" smtClean="0">
+                        <a:latin typeface="Cambria Math" panose="02040503050406030204" pitchFamily="18" charset="0"/>
+                      </a:rPr>
+                      <m:t>𝒙</m:t>
+                    </m:r>
+                    <m:r>
+                      <a:rPr lang="en-US" sz="2400" b="0" i="1" dirty="0" smtClean="0">
+                        <a:latin typeface="Cambria Math" panose="02040503050406030204" pitchFamily="18" charset="0"/>
+                      </a:rPr>
+                      <m:t>]⇒</m:t>
+                    </m:r>
+                    <m:r>
+                      <a:rPr lang="en-US" sz="2400" b="0" i="1" dirty="0" smtClean="0">
+                        <a:latin typeface="Cambria Math" panose="02040503050406030204" pitchFamily="18" charset="0"/>
+                      </a:rPr>
+                      <m:t>𝐶</m:t>
+                    </m:r>
+                    <m:r>
+                      <a:rPr lang="en-US" sz="2400" b="1" i="1" dirty="0" smtClean="0">
+                        <a:latin typeface="Cambria Math" panose="02040503050406030204" pitchFamily="18" charset="0"/>
+                      </a:rPr>
+                      <m:t>[</m:t>
+                    </m:r>
+                    <m:r>
+                      <a:rPr lang="en-US" sz="2400" b="1" i="1" dirty="0" smtClean="0">
+                        <a:latin typeface="Cambria Math" panose="02040503050406030204" pitchFamily="18" charset="0"/>
+                      </a:rPr>
+                      <m:t>𝒂</m:t>
+                    </m:r>
+                    <m:r>
+                      <a:rPr lang="en-US" sz="2400" b="1" i="1" dirty="0" smtClean="0">
+                        <a:latin typeface="Cambria Math" panose="02040503050406030204" pitchFamily="18" charset="0"/>
+                      </a:rPr>
+                      <m:t>,</m:t>
+                    </m:r>
+                    <m:r>
+                      <a:rPr lang="en-US" sz="2400" b="1" i="1" dirty="0" smtClean="0">
+                        <a:latin typeface="Cambria Math" panose="02040503050406030204" pitchFamily="18" charset="0"/>
+                      </a:rPr>
+                      <m:t>𝒙</m:t>
+                    </m:r>
+                    <m:r>
+                      <a:rPr lang="en-US" sz="2400" b="1" i="1" dirty="0" smtClean="0">
+                        <a:latin typeface="Cambria Math" panose="02040503050406030204" pitchFamily="18" charset="0"/>
+                      </a:rPr>
+                      <m:t>]</m:t>
+                    </m:r>
+                  </m:oMath>
+                </a14:m>
+                <a:endParaRPr lang="en-US" sz="2400" b="1" dirty="0" smtClean="0"/>
+              </a:p>
+              <a:p>
+                <a:r>
+                  <a:rPr lang="en-US" sz="2400" dirty="0" smtClean="0"/>
+                  <a:t>We wanted to find a value for </a:t>
+                </a:r>
+                <a14:m>
+                  <m:oMath xmlns:m="http://schemas.openxmlformats.org/officeDocument/2006/math">
+                    <m:r>
+                      <a:rPr lang="en-US" sz="2400" b="1" i="1" dirty="0">
+                        <a:latin typeface="Cambria Math" panose="02040503050406030204" pitchFamily="18" charset="0"/>
+                      </a:rPr>
+                      <m:t>𝒂</m:t>
+                    </m:r>
+                  </m:oMath>
+                </a14:m>
+                <a:r>
+                  <a:rPr lang="en-US" sz="2400" b="1" dirty="0" smtClean="0"/>
+                  <a:t> </a:t>
+                </a:r>
+                <a:r>
+                  <a:rPr lang="en-US" sz="2400" dirty="0" smtClean="0"/>
+                  <a:t>that will make the implication hold for all </a:t>
+                </a:r>
+                <a14:m>
+                  <m:oMath xmlns:m="http://schemas.openxmlformats.org/officeDocument/2006/math">
+                    <m:r>
+                      <a:rPr lang="en-US" sz="2400" b="1" dirty="0">
+                        <a:latin typeface="Cambria Math" panose="02040503050406030204" pitchFamily="18" charset="0"/>
+                      </a:rPr>
+                      <m:t>𝐱</m:t>
+                    </m:r>
+                  </m:oMath>
+                </a14:m>
+                <a:endParaRPr lang="en-US" sz="2400" dirty="0" smtClean="0"/>
+              </a:p>
+              <a:p>
+                <a:r>
+                  <a:rPr lang="en-US" sz="2400" dirty="0" smtClean="0"/>
+                  <a:t>In other words, we are trying to find a satisfiable assignment for a quantified formula.</a:t>
+                </a:r>
+              </a:p>
+              <a:p>
+                <a:r>
+                  <a:rPr lang="en-US" sz="2400" dirty="0" smtClean="0"/>
+                  <a:t>Farkas’ Lemma converts it to </a:t>
+                </a:r>
+                <a:r>
+                  <a:rPr lang="en-US" sz="2400" dirty="0" err="1" smtClean="0"/>
+                  <a:t>satisfiability</a:t>
+                </a:r>
+                <a:r>
+                  <a:rPr lang="en-US" sz="2400" dirty="0" smtClean="0"/>
+                  <a:t> of quantifier-free non-linea</a:t>
+                </a:r>
+                <a:r>
+                  <a:rPr lang="en-US" sz="2400" dirty="0"/>
+                  <a:t>r</a:t>
+                </a:r>
+                <a:r>
+                  <a:rPr lang="en-US" sz="2400" dirty="0" smtClean="0"/>
+                  <a:t> real constraints</a:t>
+                </a:r>
+                <a:endParaRPr lang="en-US" sz="2400" dirty="0"/>
+              </a:p>
+            </p:txBody>
+          </p:sp>
+        </mc:Choice>
+        <mc:Fallback>
+          <p:sp>
+            <p:nvSpPr>
+              <p:cNvPr id="3" name="Content Placeholder 2"/>
+              <p:cNvSpPr>
+                <a:spLocks noGrp="1" noRot="1" noChangeAspect="1" noMove="1" noResize="1" noEditPoints="1" noAdjustHandles="1" noChangeArrowheads="1" noChangeShapeType="1" noTextEdit="1"/>
+              </p:cNvSpPr>
+              <p:nvPr>
+                <p:ph idx="1"/>
+              </p:nvPr>
+            </p:nvSpPr>
+            <p:spPr>
+              <a:blipFill rotWithShape="0">
+                <a:blip r:embed="rId3"/>
+                <a:stretch>
+                  <a:fillRect r="-75"/>
+                </a:stretch>
+              </a:blipFill>
+            </p:spPr>
+            <p:txBody>
+              <a:bodyPr/>
+              <a:lstStyle/>
+              <a:p>
+                <a:r>
+                  <a:rPr lang="en-US">
+                    <a:noFill/>
+                  </a:rPr>
+                  <a:t> </a:t>
+                </a:r>
+              </a:p>
+            </p:txBody>
+          </p:sp>
+        </mc:Fallback>
+      </mc:AlternateContent>
+    </p:spTree>
+    <p:extLst>
+      <p:ext uri="{BB962C8B-B14F-4D97-AF65-F5344CB8AC3E}">
+        <p14:creationId xmlns:p14="http://schemas.microsoft.com/office/powerpoint/2010/main" val="281222104"/>
+      </p:ext>
+    </p:extLst>
+  </p:cSld>
+  <p:clrMapOvr>
+    <a:masterClrMapping/>
+  </p:clrMapOvr>
+  <mc:AlternateContent xmlns:mc="http://schemas.openxmlformats.org/markup-compatibility/2006">
+    <mc:Choice xmlns:p14="http://schemas.microsoft.com/office/powerpoint/2010/main" Requires="p14">
+      <p:transition p14:dur="0"/>
+    </mc:Choice>
+    <mc:Fallback>
+      <p:transition/>
+    </mc:Fallback>
+  </mc:AlternateContent>
+  <p:timing>
+    <p:tnLst>
+      <p:par>
+        <p:cTn id="1" dur="indefinite" restart="never" nodeType="tmRoot"/>
+      </p:par>
+    </p:tnLst>
+  </p:timing>
+</p:sld>
+</file>
+
+<file path=ppt/slides/slide16.xml><?xml version="1.0" encoding="utf-8"?>
+<p:sld xmlns:a="http://schemas.openxmlformats.org/drawingml/2006/main" xmlns:r="http://schemas.openxmlformats.org/officeDocument/2006/relationships" xmlns:p="http://schemas.openxmlformats.org/presentationml/2006/main">
+  <p:cSld>
+    <p:spTree>
+      <p:nvGrpSpPr>
+        <p:cNvPr id="1" name=""/>
+        <p:cNvGrpSpPr/>
+        <p:nvPr/>
+      </p:nvGrpSpPr>
+      <p:grpSpPr>
+        <a:xfrm>
+          <a:off x="0" y="0"/>
+          <a:ext cx="0" cy="0"/>
+          <a:chOff x="0" y="0"/>
+          <a:chExt cx="0" cy="0"/>
+        </a:xfrm>
+      </p:grpSpPr>
+      <p:sp>
+        <p:nvSpPr>
+          <p:cNvPr id="2" name="Title 1"/>
+          <p:cNvSpPr>
+            <a:spLocks noGrp="1"/>
+          </p:cNvSpPr>
+          <p:nvPr>
+            <p:ph type="title"/>
+          </p:nvPr>
+        </p:nvSpPr>
+        <p:spPr/>
+        <p:txBody>
+          <a:bodyPr/>
+          <a:lstStyle/>
+          <a:p>
+            <a:r>
+              <a:rPr lang="en-US" dirty="0" smtClean="0"/>
+              <a:t>Limitations</a:t>
+            </a:r>
+            <a:endParaRPr lang="en-US" dirty="0"/>
+          </a:p>
+        </p:txBody>
+      </p:sp>
       <p:sp>
         <p:nvSpPr>
           <p:cNvPr id="3" name="Content Placeholder 2"/>
@@ -16294,15 +16981,7 @@
             </a:pPr>
             <a:r>
               <a:rPr lang="en-US" sz="2400" dirty="0" smtClean="0"/>
-              <a:t>The </a:t>
-            </a:r>
-            <a:r>
-              <a:rPr lang="en-US" sz="2400" dirty="0" err="1" smtClean="0"/>
-              <a:t>Farkas</a:t>
-            </a:r>
-            <a:r>
-              <a:rPr lang="en-US" sz="2400" dirty="0" smtClean="0"/>
-              <a:t>’ approach provides a way to find linear invariants for programs that</a:t>
+              <a:t>The Farkas’ approach provides a way to find linear invariants for programs that</a:t>
             </a:r>
           </a:p>
           <a:p>
@@ -16375,7 +17054,7 @@
 </p:sld>
 </file>
 
-<file path=ppt/slides/slide16.xml><?xml version="1.0" encoding="utf-8"?>
+<file path=ppt/slides/slide17.xml><?xml version="1.0" encoding="utf-8"?>
 <p:sld xmlns:a="http://schemas.openxmlformats.org/drawingml/2006/main" xmlns:r="http://schemas.openxmlformats.org/officeDocument/2006/relationships" xmlns:p="http://schemas.openxmlformats.org/presentationml/2006/main">
   <p:cSld>
     <p:spTree>
@@ -17507,12 +18186,28 @@
           <a:lstStyle/>
           <a:p>
             <a:r>
+              <a:rPr lang="en-US" sz="2400" dirty="0">
+                <a:solidFill>
+                  <a:schemeClr val="tx2"/>
+                </a:solidFill>
+              </a:rPr>
+              <a:t>E</a:t>
+            </a:r>
+            <a:r>
               <a:rPr lang="en-US" sz="2400" dirty="0" smtClean="0">
                 <a:solidFill>
                   <a:schemeClr val="tx2"/>
                 </a:solidFill>
               </a:rPr>
-              <a:t>We explore disjuncts using counter-examples</a:t>
+              <a:t>xplore </a:t>
+            </a:r>
+            <a:r>
+              <a:rPr lang="en-US" sz="2400" dirty="0" smtClean="0">
+                <a:solidFill>
+                  <a:schemeClr val="tx2"/>
+                </a:solidFill>
+              </a:rPr>
+              <a:t>disjuncts using counter-examples</a:t>
             </a:r>
             <a:endParaRPr lang="en-US" sz="2400" dirty="0">
               <a:solidFill>
@@ -17722,7 +18417,7 @@
 </p:sld>
 </file>
 
-<file path=ppt/slides/slide17.xml><?xml version="1.0" encoding="utf-8"?>
+<file path=ppt/slides/slide18.xml><?xml version="1.0" encoding="utf-8"?>
 <p:sld xmlns:a="http://schemas.openxmlformats.org/drawingml/2006/main" xmlns:r="http://schemas.openxmlformats.org/officeDocument/2006/relationships" xmlns:p="http://schemas.openxmlformats.org/presentationml/2006/main">
   <p:cSld>
     <p:spTree>
@@ -19851,7 +20546,7 @@
 </p:sld>
 </file>
 
-<file path=ppt/slides/slide18.xml><?xml version="1.0" encoding="utf-8"?>
+<file path=ppt/slides/slide19.xml><?xml version="1.0" encoding="utf-8"?>
 <p:sld xmlns:a="http://schemas.openxmlformats.org/drawingml/2006/main" xmlns:r="http://schemas.openxmlformats.org/officeDocument/2006/relationships" xmlns:p="http://schemas.openxmlformats.org/presentationml/2006/main">
   <p:cSld>
     <p:spTree>
@@ -20511,7 +21206,396 @@
 </p:sld>
 </file>
 
-<file path=ppt/slides/slide19.xml><?xml version="1.0" encoding="utf-8"?>
+<file path=ppt/slides/slide2.xml><?xml version="1.0" encoding="utf-8"?>
+<p:sld xmlns:a="http://schemas.openxmlformats.org/drawingml/2006/main" xmlns:r="http://schemas.openxmlformats.org/officeDocument/2006/relationships" xmlns:p="http://schemas.openxmlformats.org/presentationml/2006/main">
+  <p:cSld>
+    <p:spTree>
+      <p:nvGrpSpPr>
+        <p:cNvPr id="1" name=""/>
+        <p:cNvGrpSpPr/>
+        <p:nvPr/>
+      </p:nvGrpSpPr>
+      <p:grpSpPr>
+        <a:xfrm>
+          <a:off x="0" y="0"/>
+          <a:ext cx="0" cy="0"/>
+          <a:chOff x="0" y="0"/>
+          <a:chExt cx="0" cy="0"/>
+        </a:xfrm>
+      </p:grpSpPr>
+      <p:sp>
+        <p:nvSpPr>
+          <p:cNvPr id="2" name="Title 1"/>
+          <p:cNvSpPr>
+            <a:spLocks noGrp="1"/>
+          </p:cNvSpPr>
+          <p:nvPr>
+            <p:ph type="title"/>
+          </p:nvPr>
+        </p:nvSpPr>
+        <p:spPr/>
+        <p:txBody>
+          <a:bodyPr/>
+          <a:lstStyle/>
+          <a:p>
+            <a:r>
+              <a:rPr lang="en-US" dirty="0" smtClean="0"/>
+              <a:t>Invariants</a:t>
+            </a:r>
+            <a:endParaRPr lang="en-US" dirty="0"/>
+          </a:p>
+        </p:txBody>
+      </p:sp>
+      <p:sp>
+        <p:nvSpPr>
+          <p:cNvPr id="3" name="Content Placeholder 2"/>
+          <p:cNvSpPr>
+            <a:spLocks noGrp="1"/>
+          </p:cNvSpPr>
+          <p:nvPr>
+            <p:ph idx="1"/>
+          </p:nvPr>
+        </p:nvSpPr>
+        <p:spPr>
+          <a:xfrm>
+            <a:off x="457200" y="1600200"/>
+            <a:ext cx="7620000" cy="4953000"/>
+          </a:xfrm>
+        </p:spPr>
+        <p:txBody>
+          <a:bodyPr>
+            <a:normAutofit/>
+          </a:bodyPr>
+          <a:lstStyle/>
+          <a:p>
+            <a:pPr marL="114300" indent="0">
+              <a:buNone/>
+            </a:pPr>
+            <a:r>
+              <a:rPr lang="en-US" sz="2800" dirty="0">
+                <a:solidFill>
+                  <a:srgbClr val="000000"/>
+                </a:solidFill>
+                <a:latin typeface="Courier New" panose="02070309020205020404" pitchFamily="49" charset="0"/>
+                <a:cs typeface="Courier New" panose="02070309020205020404" pitchFamily="49" charset="0"/>
+              </a:rPr>
+              <a:t>x</a:t>
+            </a:r>
+            <a:r>
+              <a:rPr lang="en-US" sz="2800" dirty="0" smtClean="0">
+                <a:solidFill>
+                  <a:srgbClr val="000000"/>
+                </a:solidFill>
+                <a:latin typeface="Courier New" panose="02070309020205020404" pitchFamily="49" charset="0"/>
+                <a:cs typeface="Courier New" panose="02070309020205020404" pitchFamily="49" charset="0"/>
+              </a:rPr>
+              <a:t> = 0</a:t>
+            </a:r>
+          </a:p>
+          <a:p>
+            <a:pPr marL="114300" indent="0">
+              <a:buNone/>
+            </a:pPr>
+            <a:r>
+              <a:rPr lang="en-US" sz="2800" dirty="0">
+                <a:solidFill>
+                  <a:srgbClr val="000000"/>
+                </a:solidFill>
+                <a:latin typeface="Courier New" panose="02070309020205020404" pitchFamily="49" charset="0"/>
+                <a:cs typeface="Courier New" panose="02070309020205020404" pitchFamily="49" charset="0"/>
+              </a:rPr>
+              <a:t>y</a:t>
+            </a:r>
+            <a:r>
+              <a:rPr lang="en-US" sz="2800" dirty="0" smtClean="0">
+                <a:solidFill>
+                  <a:srgbClr val="000000"/>
+                </a:solidFill>
+                <a:latin typeface="Courier New" panose="02070309020205020404" pitchFamily="49" charset="0"/>
+                <a:cs typeface="Courier New" panose="02070309020205020404" pitchFamily="49" charset="0"/>
+              </a:rPr>
+              <a:t> = n</a:t>
+            </a:r>
+          </a:p>
+          <a:p>
+            <a:pPr marL="114300" indent="0">
+              <a:buNone/>
+            </a:pPr>
+            <a:r>
+              <a:rPr lang="en-US" sz="2800" dirty="0" smtClean="0">
+                <a:solidFill>
+                  <a:srgbClr val="000000"/>
+                </a:solidFill>
+                <a:latin typeface="Courier New" panose="02070309020205020404" pitchFamily="49" charset="0"/>
+                <a:cs typeface="Courier New" panose="02070309020205020404" pitchFamily="49" charset="0"/>
+              </a:rPr>
+              <a:t>while(y &gt; 0){</a:t>
+            </a:r>
+          </a:p>
+          <a:p>
+            <a:pPr marL="114300" indent="0">
+              <a:buNone/>
+            </a:pPr>
+            <a:r>
+              <a:rPr lang="en-US" sz="2800" dirty="0">
+                <a:solidFill>
+                  <a:srgbClr val="000000"/>
+                </a:solidFill>
+                <a:latin typeface="Courier New" panose="02070309020205020404" pitchFamily="49" charset="0"/>
+                <a:cs typeface="Courier New" panose="02070309020205020404" pitchFamily="49" charset="0"/>
+              </a:rPr>
+              <a:t> </a:t>
+            </a:r>
+            <a:r>
+              <a:rPr lang="en-US" sz="2800" dirty="0" smtClean="0">
+                <a:solidFill>
+                  <a:srgbClr val="000000"/>
+                </a:solidFill>
+                <a:latin typeface="Courier New" panose="02070309020205020404" pitchFamily="49" charset="0"/>
+                <a:cs typeface="Courier New" panose="02070309020205020404" pitchFamily="49" charset="0"/>
+              </a:rPr>
+              <a:t>   x = x + 1</a:t>
+            </a:r>
+            <a:endParaRPr lang="en-US" sz="2800" dirty="0">
+              <a:solidFill>
+                <a:srgbClr val="000000"/>
+              </a:solidFill>
+              <a:latin typeface="Courier New" panose="02070309020205020404" pitchFamily="49" charset="0"/>
+              <a:cs typeface="Courier New" panose="02070309020205020404" pitchFamily="49" charset="0"/>
+            </a:endParaRPr>
+          </a:p>
+          <a:p>
+            <a:pPr marL="114300" indent="0">
+              <a:buNone/>
+            </a:pPr>
+            <a:r>
+              <a:rPr lang="en-US" sz="2800" dirty="0" smtClean="0">
+                <a:solidFill>
+                  <a:srgbClr val="000000"/>
+                </a:solidFill>
+                <a:latin typeface="Courier New" panose="02070309020205020404" pitchFamily="49" charset="0"/>
+                <a:cs typeface="Courier New" panose="02070309020205020404" pitchFamily="49" charset="0"/>
+              </a:rPr>
+              <a:t>    y = y - 1</a:t>
+            </a:r>
+          </a:p>
+          <a:p>
+            <a:pPr marL="114300" indent="0">
+              <a:buNone/>
+            </a:pPr>
+            <a:r>
+              <a:rPr lang="en-US" sz="2800" dirty="0" smtClean="0">
+                <a:solidFill>
+                  <a:srgbClr val="000000"/>
+                </a:solidFill>
+                <a:latin typeface="Courier New" panose="02070309020205020404" pitchFamily="49" charset="0"/>
+                <a:cs typeface="Courier New" panose="02070309020205020404" pitchFamily="49" charset="0"/>
+              </a:rPr>
+              <a:t>} </a:t>
+            </a:r>
+          </a:p>
+          <a:p>
+            <a:pPr marL="114300" indent="0">
+              <a:buNone/>
+            </a:pPr>
+            <a:r>
+              <a:rPr lang="en-US" sz="2800" dirty="0" smtClean="0">
+                <a:solidFill>
+                  <a:srgbClr val="000000"/>
+                </a:solidFill>
+                <a:latin typeface="Courier New" panose="02070309020205020404" pitchFamily="49" charset="0"/>
+                <a:cs typeface="Courier New" panose="02070309020205020404" pitchFamily="49" charset="0"/>
+              </a:rPr>
+              <a:t>//invariant: </a:t>
+            </a:r>
+            <a:r>
+              <a:rPr lang="en-US" sz="2800" dirty="0" err="1" smtClean="0">
+                <a:solidFill>
+                  <a:srgbClr val="000000"/>
+                </a:solidFill>
+                <a:latin typeface="Courier New" panose="02070309020205020404" pitchFamily="49" charset="0"/>
+                <a:cs typeface="Courier New" panose="02070309020205020404" pitchFamily="49" charset="0"/>
+              </a:rPr>
+              <a:t>x+y</a:t>
+            </a:r>
+            <a:r>
+              <a:rPr lang="en-US" sz="2800" dirty="0" smtClean="0">
+                <a:solidFill>
+                  <a:srgbClr val="000000"/>
+                </a:solidFill>
+                <a:latin typeface="Courier New" panose="02070309020205020404" pitchFamily="49" charset="0"/>
+                <a:cs typeface="Courier New" panose="02070309020205020404" pitchFamily="49" charset="0"/>
+              </a:rPr>
+              <a:t> = n</a:t>
+            </a:r>
+          </a:p>
+          <a:p>
+            <a:pPr marL="114300" indent="0">
+              <a:buNone/>
+            </a:pPr>
+            <a:r>
+              <a:rPr lang="en-US" sz="2800" dirty="0" smtClean="0">
+                <a:solidFill>
+                  <a:srgbClr val="000000"/>
+                </a:solidFill>
+                <a:latin typeface="Courier New" panose="02070309020205020404" pitchFamily="49" charset="0"/>
+                <a:cs typeface="Courier New" panose="02070309020205020404" pitchFamily="49" charset="0"/>
+              </a:rPr>
+              <a:t>//invariant: y&gt;=0 =&gt; x&lt;=n</a:t>
+            </a:r>
+          </a:p>
+        </p:txBody>
+      </p:sp>
+    </p:spTree>
+    <p:extLst>
+      <p:ext uri="{BB962C8B-B14F-4D97-AF65-F5344CB8AC3E}">
+        <p14:creationId xmlns:p14="http://schemas.microsoft.com/office/powerpoint/2010/main" val="1775653891"/>
+      </p:ext>
+    </p:extLst>
+  </p:cSld>
+  <p:clrMapOvr>
+    <a:masterClrMapping/>
+  </p:clrMapOvr>
+  <mc:AlternateContent xmlns:mc="http://schemas.openxmlformats.org/markup-compatibility/2006" xmlns:p14="http://schemas.microsoft.com/office/powerpoint/2010/main">
+    <mc:Choice Requires="p14">
+      <p:transition p14:dur="0"/>
+    </mc:Choice>
+    <mc:Fallback xmlns="">
+      <p:transition/>
+    </mc:Fallback>
+  </mc:AlternateContent>
+  <p:timing>
+    <p:tnLst>
+      <p:par>
+        <p:cTn id="1" dur="indefinite" restart="never" nodeType="tmRoot">
+          <p:childTnLst>
+            <p:seq concurrent="1" nextAc="seek">
+              <p:cTn id="2" dur="indefinite" nodeType="mainSeq">
+                <p:childTnLst>
+                  <p:par>
+                    <p:cTn id="3" fill="hold">
+                      <p:stCondLst>
+                        <p:cond delay="indefinite"/>
+                      </p:stCondLst>
+                      <p:childTnLst>
+                        <p:par>
+                          <p:cTn id="4" fill="hold">
+                            <p:stCondLst>
+                              <p:cond delay="0"/>
+                            </p:stCondLst>
+                            <p:childTnLst>
+                              <p:par>
+                                <p:cTn id="5" presetID="1" presetClass="entr" presetSubtype="0" fill="hold" nodeType="clickEffect">
+                                  <p:stCondLst>
+                                    <p:cond delay="0"/>
+                                  </p:stCondLst>
+                                  <p:childTnLst>
+                                    <p:set>
+                                      <p:cBhvr>
+                                        <p:cTn id="6" dur="1" fill="hold">
+                                          <p:stCondLst>
+                                            <p:cond delay="0"/>
+                                          </p:stCondLst>
+                                        </p:cTn>
+                                        <p:tgtEl>
+                                          <p:spTgt spid="3">
+                                            <p:txEl>
+                                              <p:pRg st="6" end="6"/>
+                                            </p:txEl>
+                                          </p:spTgt>
+                                        </p:tgtEl>
+                                        <p:attrNameLst>
+                                          <p:attrName>style.visibility</p:attrName>
+                                        </p:attrNameLst>
+                                      </p:cBhvr>
+                                      <p:to>
+                                        <p:strVal val="visible"/>
+                                      </p:to>
+                                    </p:set>
+                                  </p:childTnLst>
+                                </p:cTn>
+                              </p:par>
+                            </p:childTnLst>
+                          </p:cTn>
+                        </p:par>
+                      </p:childTnLst>
+                    </p:cTn>
+                  </p:par>
+                  <p:par>
+                    <p:cTn id="7" fill="hold">
+                      <p:stCondLst>
+                        <p:cond delay="indefinite"/>
+                      </p:stCondLst>
+                      <p:childTnLst>
+                        <p:par>
+                          <p:cTn id="8" fill="hold">
+                            <p:stCondLst>
+                              <p:cond delay="0"/>
+                            </p:stCondLst>
+                            <p:childTnLst>
+                              <p:par>
+                                <p:cTn id="9" presetID="1" presetClass="entr" presetSubtype="0" fill="hold" nodeType="clickEffect">
+                                  <p:stCondLst>
+                                    <p:cond delay="0"/>
+                                  </p:stCondLst>
+                                  <p:childTnLst>
+                                    <p:set>
+                                      <p:cBhvr>
+                                        <p:cTn id="10" dur="1" fill="hold">
+                                          <p:stCondLst>
+                                            <p:cond delay="0"/>
+                                          </p:stCondLst>
+                                        </p:cTn>
+                                        <p:tgtEl>
+                                          <p:spTgt spid="3">
+                                            <p:txEl>
+                                              <p:pRg st="7" end="7"/>
+                                            </p:txEl>
+                                          </p:spTgt>
+                                        </p:tgtEl>
+                                        <p:attrNameLst>
+                                          <p:attrName>style.visibility</p:attrName>
+                                        </p:attrNameLst>
+                                      </p:cBhvr>
+                                      <p:to>
+                                        <p:strVal val="visible"/>
+                                      </p:to>
+                                    </p:set>
+                                  </p:childTnLst>
+                                </p:cTn>
+                              </p:par>
+                            </p:childTnLst>
+                          </p:cTn>
+                        </p:par>
+                      </p:childTnLst>
+                    </p:cTn>
+                  </p:par>
+                </p:childTnLst>
+              </p:cTn>
+              <p:prevCondLst>
+                <p:cond evt="onPrev" delay="0">
+                  <p:tgtEl>
+                    <p:sldTgt/>
+                  </p:tgtEl>
+                </p:cond>
+              </p:prevCondLst>
+              <p:nextCondLst>
+                <p:cond evt="onNext" delay="0">
+                  <p:tgtEl>
+                    <p:sldTgt/>
+                  </p:tgtEl>
+                </p:cond>
+              </p:nextCondLst>
+            </p:seq>
+          </p:childTnLst>
+        </p:cTn>
+      </p:par>
+    </p:tnLst>
+  </p:timing>
+</p:sld>
+</file>
+
+<file path=ppt/slides/slide20.xml><?xml version="1.0" encoding="utf-8"?>
 <p:sld xmlns:a="http://schemas.openxmlformats.org/drawingml/2006/main" xmlns:r="http://schemas.openxmlformats.org/officeDocument/2006/relationships" xmlns:p="http://schemas.openxmlformats.org/presentationml/2006/main">
   <p:cSld>
     <p:spTree>
@@ -22257,396 +23341,7 @@
 </p:sld>
 </file>
 
-<file path=ppt/slides/slide2.xml><?xml version="1.0" encoding="utf-8"?>
-<p:sld xmlns:a="http://schemas.openxmlformats.org/drawingml/2006/main" xmlns:r="http://schemas.openxmlformats.org/officeDocument/2006/relationships" xmlns:p="http://schemas.openxmlformats.org/presentationml/2006/main">
-  <p:cSld>
-    <p:spTree>
-      <p:nvGrpSpPr>
-        <p:cNvPr id="1" name=""/>
-        <p:cNvGrpSpPr/>
-        <p:nvPr/>
-      </p:nvGrpSpPr>
-      <p:grpSpPr>
-        <a:xfrm>
-          <a:off x="0" y="0"/>
-          <a:ext cx="0" cy="0"/>
-          <a:chOff x="0" y="0"/>
-          <a:chExt cx="0" cy="0"/>
-        </a:xfrm>
-      </p:grpSpPr>
-      <p:sp>
-        <p:nvSpPr>
-          <p:cNvPr id="2" name="Title 1"/>
-          <p:cNvSpPr>
-            <a:spLocks noGrp="1"/>
-          </p:cNvSpPr>
-          <p:nvPr>
-            <p:ph type="title"/>
-          </p:nvPr>
-        </p:nvSpPr>
-        <p:spPr/>
-        <p:txBody>
-          <a:bodyPr/>
-          <a:lstStyle/>
-          <a:p>
-            <a:r>
-              <a:rPr lang="en-US" dirty="0" smtClean="0"/>
-              <a:t>Invariants</a:t>
-            </a:r>
-            <a:endParaRPr lang="en-US" dirty="0"/>
-          </a:p>
-        </p:txBody>
-      </p:sp>
-      <p:sp>
-        <p:nvSpPr>
-          <p:cNvPr id="3" name="Content Placeholder 2"/>
-          <p:cNvSpPr>
-            <a:spLocks noGrp="1"/>
-          </p:cNvSpPr>
-          <p:nvPr>
-            <p:ph idx="1"/>
-          </p:nvPr>
-        </p:nvSpPr>
-        <p:spPr>
-          <a:xfrm>
-            <a:off x="457200" y="1600200"/>
-            <a:ext cx="7620000" cy="4953000"/>
-          </a:xfrm>
-        </p:spPr>
-        <p:txBody>
-          <a:bodyPr>
-            <a:normAutofit/>
-          </a:bodyPr>
-          <a:lstStyle/>
-          <a:p>
-            <a:pPr marL="114300" indent="0">
-              <a:buNone/>
-            </a:pPr>
-            <a:r>
-              <a:rPr lang="en-US" sz="2800" dirty="0">
-                <a:solidFill>
-                  <a:srgbClr val="000000"/>
-                </a:solidFill>
-                <a:latin typeface="Courier New" panose="02070309020205020404" pitchFamily="49" charset="0"/>
-                <a:cs typeface="Courier New" panose="02070309020205020404" pitchFamily="49" charset="0"/>
-              </a:rPr>
-              <a:t>x</a:t>
-            </a:r>
-            <a:r>
-              <a:rPr lang="en-US" sz="2800" dirty="0" smtClean="0">
-                <a:solidFill>
-                  <a:srgbClr val="000000"/>
-                </a:solidFill>
-                <a:latin typeface="Courier New" panose="02070309020205020404" pitchFamily="49" charset="0"/>
-                <a:cs typeface="Courier New" panose="02070309020205020404" pitchFamily="49" charset="0"/>
-              </a:rPr>
-              <a:t> = 0</a:t>
-            </a:r>
-          </a:p>
-          <a:p>
-            <a:pPr marL="114300" indent="0">
-              <a:buNone/>
-            </a:pPr>
-            <a:r>
-              <a:rPr lang="en-US" sz="2800" dirty="0">
-                <a:solidFill>
-                  <a:srgbClr val="000000"/>
-                </a:solidFill>
-                <a:latin typeface="Courier New" panose="02070309020205020404" pitchFamily="49" charset="0"/>
-                <a:cs typeface="Courier New" panose="02070309020205020404" pitchFamily="49" charset="0"/>
-              </a:rPr>
-              <a:t>y</a:t>
-            </a:r>
-            <a:r>
-              <a:rPr lang="en-US" sz="2800" dirty="0" smtClean="0">
-                <a:solidFill>
-                  <a:srgbClr val="000000"/>
-                </a:solidFill>
-                <a:latin typeface="Courier New" panose="02070309020205020404" pitchFamily="49" charset="0"/>
-                <a:cs typeface="Courier New" panose="02070309020205020404" pitchFamily="49" charset="0"/>
-              </a:rPr>
-              <a:t> = n</a:t>
-            </a:r>
-          </a:p>
-          <a:p>
-            <a:pPr marL="114300" indent="0">
-              <a:buNone/>
-            </a:pPr>
-            <a:r>
-              <a:rPr lang="en-US" sz="2800" dirty="0" smtClean="0">
-                <a:solidFill>
-                  <a:srgbClr val="000000"/>
-                </a:solidFill>
-                <a:latin typeface="Courier New" panose="02070309020205020404" pitchFamily="49" charset="0"/>
-                <a:cs typeface="Courier New" panose="02070309020205020404" pitchFamily="49" charset="0"/>
-              </a:rPr>
-              <a:t>while(y &gt; 0){</a:t>
-            </a:r>
-          </a:p>
-          <a:p>
-            <a:pPr marL="114300" indent="0">
-              <a:buNone/>
-            </a:pPr>
-            <a:r>
-              <a:rPr lang="en-US" sz="2800" dirty="0">
-                <a:solidFill>
-                  <a:srgbClr val="000000"/>
-                </a:solidFill>
-                <a:latin typeface="Courier New" panose="02070309020205020404" pitchFamily="49" charset="0"/>
-                <a:cs typeface="Courier New" panose="02070309020205020404" pitchFamily="49" charset="0"/>
-              </a:rPr>
-              <a:t> </a:t>
-            </a:r>
-            <a:r>
-              <a:rPr lang="en-US" sz="2800" dirty="0" smtClean="0">
-                <a:solidFill>
-                  <a:srgbClr val="000000"/>
-                </a:solidFill>
-                <a:latin typeface="Courier New" panose="02070309020205020404" pitchFamily="49" charset="0"/>
-                <a:cs typeface="Courier New" panose="02070309020205020404" pitchFamily="49" charset="0"/>
-              </a:rPr>
-              <a:t>   x = x + 1</a:t>
-            </a:r>
-            <a:endParaRPr lang="en-US" sz="2800" dirty="0">
-              <a:solidFill>
-                <a:srgbClr val="000000"/>
-              </a:solidFill>
-              <a:latin typeface="Courier New" panose="02070309020205020404" pitchFamily="49" charset="0"/>
-              <a:cs typeface="Courier New" panose="02070309020205020404" pitchFamily="49" charset="0"/>
-            </a:endParaRPr>
-          </a:p>
-          <a:p>
-            <a:pPr marL="114300" indent="0">
-              <a:buNone/>
-            </a:pPr>
-            <a:r>
-              <a:rPr lang="en-US" sz="2800" dirty="0" smtClean="0">
-                <a:solidFill>
-                  <a:srgbClr val="000000"/>
-                </a:solidFill>
-                <a:latin typeface="Courier New" panose="02070309020205020404" pitchFamily="49" charset="0"/>
-                <a:cs typeface="Courier New" panose="02070309020205020404" pitchFamily="49" charset="0"/>
-              </a:rPr>
-              <a:t>    y = y - 1</a:t>
-            </a:r>
-          </a:p>
-          <a:p>
-            <a:pPr marL="114300" indent="0">
-              <a:buNone/>
-            </a:pPr>
-            <a:r>
-              <a:rPr lang="en-US" sz="2800" dirty="0" smtClean="0">
-                <a:solidFill>
-                  <a:srgbClr val="000000"/>
-                </a:solidFill>
-                <a:latin typeface="Courier New" panose="02070309020205020404" pitchFamily="49" charset="0"/>
-                <a:cs typeface="Courier New" panose="02070309020205020404" pitchFamily="49" charset="0"/>
-              </a:rPr>
-              <a:t>} </a:t>
-            </a:r>
-          </a:p>
-          <a:p>
-            <a:pPr marL="114300" indent="0">
-              <a:buNone/>
-            </a:pPr>
-            <a:r>
-              <a:rPr lang="en-US" sz="2800" dirty="0" smtClean="0">
-                <a:solidFill>
-                  <a:srgbClr val="000000"/>
-                </a:solidFill>
-                <a:latin typeface="Courier New" panose="02070309020205020404" pitchFamily="49" charset="0"/>
-                <a:cs typeface="Courier New" panose="02070309020205020404" pitchFamily="49" charset="0"/>
-              </a:rPr>
-              <a:t>//invariant: </a:t>
-            </a:r>
-            <a:r>
-              <a:rPr lang="en-US" sz="2800" dirty="0" err="1" smtClean="0">
-                <a:solidFill>
-                  <a:srgbClr val="000000"/>
-                </a:solidFill>
-                <a:latin typeface="Courier New" panose="02070309020205020404" pitchFamily="49" charset="0"/>
-                <a:cs typeface="Courier New" panose="02070309020205020404" pitchFamily="49" charset="0"/>
-              </a:rPr>
-              <a:t>x+y</a:t>
-            </a:r>
-            <a:r>
-              <a:rPr lang="en-US" sz="2800" dirty="0" smtClean="0">
-                <a:solidFill>
-                  <a:srgbClr val="000000"/>
-                </a:solidFill>
-                <a:latin typeface="Courier New" panose="02070309020205020404" pitchFamily="49" charset="0"/>
-                <a:cs typeface="Courier New" panose="02070309020205020404" pitchFamily="49" charset="0"/>
-              </a:rPr>
-              <a:t> = n</a:t>
-            </a:r>
-          </a:p>
-          <a:p>
-            <a:pPr marL="114300" indent="0">
-              <a:buNone/>
-            </a:pPr>
-            <a:r>
-              <a:rPr lang="en-US" sz="2800" dirty="0" smtClean="0">
-                <a:solidFill>
-                  <a:srgbClr val="000000"/>
-                </a:solidFill>
-                <a:latin typeface="Courier New" panose="02070309020205020404" pitchFamily="49" charset="0"/>
-                <a:cs typeface="Courier New" panose="02070309020205020404" pitchFamily="49" charset="0"/>
-              </a:rPr>
-              <a:t>//invariant: y&gt;=0 =&gt; x&lt;=n</a:t>
-            </a:r>
-          </a:p>
-        </p:txBody>
-      </p:sp>
-    </p:spTree>
-    <p:extLst>
-      <p:ext uri="{BB962C8B-B14F-4D97-AF65-F5344CB8AC3E}">
-        <p14:creationId xmlns:p14="http://schemas.microsoft.com/office/powerpoint/2010/main" val="1775653891"/>
-      </p:ext>
-    </p:extLst>
-  </p:cSld>
-  <p:clrMapOvr>
-    <a:masterClrMapping/>
-  </p:clrMapOvr>
-  <mc:AlternateContent xmlns:mc="http://schemas.openxmlformats.org/markup-compatibility/2006" xmlns:p14="http://schemas.microsoft.com/office/powerpoint/2010/main">
-    <mc:Choice Requires="p14">
-      <p:transition p14:dur="0"/>
-    </mc:Choice>
-    <mc:Fallback xmlns="">
-      <p:transition/>
-    </mc:Fallback>
-  </mc:AlternateContent>
-  <p:timing>
-    <p:tnLst>
-      <p:par>
-        <p:cTn id="1" dur="indefinite" restart="never" nodeType="tmRoot">
-          <p:childTnLst>
-            <p:seq concurrent="1" nextAc="seek">
-              <p:cTn id="2" dur="indefinite" nodeType="mainSeq">
-                <p:childTnLst>
-                  <p:par>
-                    <p:cTn id="3" fill="hold">
-                      <p:stCondLst>
-                        <p:cond delay="indefinite"/>
-                      </p:stCondLst>
-                      <p:childTnLst>
-                        <p:par>
-                          <p:cTn id="4" fill="hold">
-                            <p:stCondLst>
-                              <p:cond delay="0"/>
-                            </p:stCondLst>
-                            <p:childTnLst>
-                              <p:par>
-                                <p:cTn id="5" presetID="1" presetClass="entr" presetSubtype="0" fill="hold" nodeType="clickEffect">
-                                  <p:stCondLst>
-                                    <p:cond delay="0"/>
-                                  </p:stCondLst>
-                                  <p:childTnLst>
-                                    <p:set>
-                                      <p:cBhvr>
-                                        <p:cTn id="6" dur="1" fill="hold">
-                                          <p:stCondLst>
-                                            <p:cond delay="0"/>
-                                          </p:stCondLst>
-                                        </p:cTn>
-                                        <p:tgtEl>
-                                          <p:spTgt spid="3">
-                                            <p:txEl>
-                                              <p:pRg st="6" end="6"/>
-                                            </p:txEl>
-                                          </p:spTgt>
-                                        </p:tgtEl>
-                                        <p:attrNameLst>
-                                          <p:attrName>style.visibility</p:attrName>
-                                        </p:attrNameLst>
-                                      </p:cBhvr>
-                                      <p:to>
-                                        <p:strVal val="visible"/>
-                                      </p:to>
-                                    </p:set>
-                                  </p:childTnLst>
-                                </p:cTn>
-                              </p:par>
-                            </p:childTnLst>
-                          </p:cTn>
-                        </p:par>
-                      </p:childTnLst>
-                    </p:cTn>
-                  </p:par>
-                  <p:par>
-                    <p:cTn id="7" fill="hold">
-                      <p:stCondLst>
-                        <p:cond delay="indefinite"/>
-                      </p:stCondLst>
-                      <p:childTnLst>
-                        <p:par>
-                          <p:cTn id="8" fill="hold">
-                            <p:stCondLst>
-                              <p:cond delay="0"/>
-                            </p:stCondLst>
-                            <p:childTnLst>
-                              <p:par>
-                                <p:cTn id="9" presetID="1" presetClass="entr" presetSubtype="0" fill="hold" nodeType="clickEffect">
-                                  <p:stCondLst>
-                                    <p:cond delay="0"/>
-                                  </p:stCondLst>
-                                  <p:childTnLst>
-                                    <p:set>
-                                      <p:cBhvr>
-                                        <p:cTn id="10" dur="1" fill="hold">
-                                          <p:stCondLst>
-                                            <p:cond delay="0"/>
-                                          </p:stCondLst>
-                                        </p:cTn>
-                                        <p:tgtEl>
-                                          <p:spTgt spid="3">
-                                            <p:txEl>
-                                              <p:pRg st="7" end="7"/>
-                                            </p:txEl>
-                                          </p:spTgt>
-                                        </p:tgtEl>
-                                        <p:attrNameLst>
-                                          <p:attrName>style.visibility</p:attrName>
-                                        </p:attrNameLst>
-                                      </p:cBhvr>
-                                      <p:to>
-                                        <p:strVal val="visible"/>
-                                      </p:to>
-                                    </p:set>
-                                  </p:childTnLst>
-                                </p:cTn>
-                              </p:par>
-                            </p:childTnLst>
-                          </p:cTn>
-                        </p:par>
-                      </p:childTnLst>
-                    </p:cTn>
-                  </p:par>
-                </p:childTnLst>
-              </p:cTn>
-              <p:prevCondLst>
-                <p:cond evt="onPrev" delay="0">
-                  <p:tgtEl>
-                    <p:sldTgt/>
-                  </p:tgtEl>
-                </p:cond>
-              </p:prevCondLst>
-              <p:nextCondLst>
-                <p:cond evt="onNext" delay="0">
-                  <p:tgtEl>
-                    <p:sldTgt/>
-                  </p:tgtEl>
-                </p:cond>
-              </p:nextCondLst>
-            </p:seq>
-          </p:childTnLst>
-        </p:cTn>
-      </p:par>
-    </p:tnLst>
-  </p:timing>
-</p:sld>
-</file>
-
-<file path=ppt/slides/slide20.xml><?xml version="1.0" encoding="utf-8"?>
+<file path=ppt/slides/slide21.xml><?xml version="1.0" encoding="utf-8"?>
 <p:sld xmlns:a="http://schemas.openxmlformats.org/drawingml/2006/main" xmlns:r="http://schemas.openxmlformats.org/officeDocument/2006/relationships" xmlns:p="http://schemas.openxmlformats.org/presentationml/2006/main">
   <p:cSld>
     <p:spTree>
@@ -24101,7 +24796,7 @@
 </p:sld>
 </file>
 
-<file path=ppt/slides/slide21.xml><?xml version="1.0" encoding="utf-8"?>
+<file path=ppt/slides/slide22.xml><?xml version="1.0" encoding="utf-8"?>
 <p:sld xmlns:a="http://schemas.openxmlformats.org/drawingml/2006/main" xmlns:r="http://schemas.openxmlformats.org/officeDocument/2006/relationships" xmlns:p="http://schemas.openxmlformats.org/presentationml/2006/main">
   <p:cSld>
     <p:spTree>
@@ -25862,7 +26557,7 @@
 </p:sld>
 </file>
 
-<file path=ppt/slides/slide22.xml><?xml version="1.0" encoding="utf-8"?>
+<file path=ppt/slides/slide23.xml><?xml version="1.0" encoding="utf-8"?>
 <p:sld xmlns:a="http://schemas.openxmlformats.org/drawingml/2006/main" xmlns:r="http://schemas.openxmlformats.org/officeDocument/2006/relationships" xmlns:p="http://schemas.openxmlformats.org/presentationml/2006/main">
   <p:cSld>
     <p:spTree>
@@ -28076,7 +28771,7 @@
 </p:sld>
 </file>
 
-<file path=ppt/slides/slide23.xml><?xml version="1.0" encoding="utf-8"?>
+<file path=ppt/slides/slide24.xml><?xml version="1.0" encoding="utf-8"?>
 <p:sld xmlns:a="http://schemas.openxmlformats.org/drawingml/2006/main" xmlns:r="http://schemas.openxmlformats.org/officeDocument/2006/relationships" xmlns:p="http://schemas.openxmlformats.org/presentationml/2006/main">
   <p:cSld>
     <p:spTree>
@@ -28697,7 +29392,7 @@
 </p:sld>
 </file>
 
-<file path=ppt/slides/slide24.xml><?xml version="1.0" encoding="utf-8"?>
+<file path=ppt/slides/slide25.xml><?xml version="1.0" encoding="utf-8"?>
 <p:sld xmlns:a="http://schemas.openxmlformats.org/drawingml/2006/main" xmlns:r="http://schemas.openxmlformats.org/officeDocument/2006/relationships" xmlns:p="http://schemas.openxmlformats.org/presentationml/2006/main">
   <p:cSld>
     <p:spTree>
@@ -29181,496 +29876,6 @@
 </p:sld>
 </file>
 
-<file path=ppt/slides/slide25.xml><?xml version="1.0" encoding="utf-8"?>
-<p:sld xmlns:a="http://schemas.openxmlformats.org/drawingml/2006/main" xmlns:r="http://schemas.openxmlformats.org/officeDocument/2006/relationships" xmlns:p="http://schemas.openxmlformats.org/presentationml/2006/main">
-  <p:cSld>
-    <p:spTree>
-      <p:nvGrpSpPr>
-        <p:cNvPr id="1" name=""/>
-        <p:cNvGrpSpPr/>
-        <p:nvPr/>
-      </p:nvGrpSpPr>
-      <p:grpSpPr>
-        <a:xfrm>
-          <a:off x="0" y="0"/>
-          <a:ext cx="0" cy="0"/>
-          <a:chOff x="0" y="0"/>
-          <a:chExt cx="0" cy="0"/>
-        </a:xfrm>
-      </p:grpSpPr>
-      <p:sp>
-        <p:nvSpPr>
-          <p:cNvPr id="2" name="Title 1"/>
-          <p:cNvSpPr>
-            <a:spLocks noGrp="1"/>
-          </p:cNvSpPr>
-          <p:nvPr>
-            <p:ph type="title"/>
-          </p:nvPr>
-        </p:nvSpPr>
-        <p:spPr/>
-        <p:txBody>
-          <a:bodyPr/>
-          <a:lstStyle/>
-          <a:p>
-            <a:r>
-              <a:rPr lang="en-US" sz="4100" dirty="0" smtClean="0"/>
-              <a:t>Application to Resource Bounds Inference </a:t>
-            </a:r>
-            <a:endParaRPr lang="en-US" sz="4100" dirty="0"/>
-          </a:p>
-        </p:txBody>
-      </p:sp>
-      <p:sp>
-        <p:nvSpPr>
-          <p:cNvPr id="8" name="Content Placeholder 7"/>
-          <p:cNvSpPr>
-            <a:spLocks noGrp="1"/>
-          </p:cNvSpPr>
-          <p:nvPr>
-            <p:ph idx="1"/>
-          </p:nvPr>
-        </p:nvSpPr>
-        <p:spPr/>
-        <p:txBody>
-          <a:bodyPr>
-            <a:normAutofit/>
-          </a:bodyPr>
-          <a:lstStyle/>
-          <a:p>
-            <a:r>
-              <a:rPr lang="en-US" sz="2400" dirty="0" smtClean="0"/>
-              <a:t>We can specify resource bounds as </a:t>
-            </a:r>
-            <a:r>
-              <a:rPr lang="en-US" sz="2400" i="1" dirty="0"/>
-              <a:t>templates </a:t>
-            </a:r>
-            <a:r>
-              <a:rPr lang="en-US" sz="2400" dirty="0"/>
-              <a:t>: expressions with numerical holes </a:t>
-            </a:r>
-          </a:p>
-          <a:p>
-            <a:endParaRPr lang="en-US" sz="2400" dirty="0"/>
-          </a:p>
-          <a:p>
-            <a:endParaRPr lang="en-US" sz="2400" dirty="0"/>
-          </a:p>
-          <a:p>
-            <a:pPr marL="114300" indent="0">
-              <a:buNone/>
-            </a:pPr>
-            <a:endParaRPr lang="en-US" sz="2400" dirty="0"/>
-          </a:p>
-          <a:p>
-            <a:pPr marL="342900" lvl="1">
-              <a:buClr>
-                <a:schemeClr val="accent1"/>
-              </a:buClr>
-            </a:pPr>
-            <a:endParaRPr lang="en-US" sz="2400" i="1" dirty="0">
-              <a:solidFill>
-                <a:srgbClr val="000000"/>
-              </a:solidFill>
-            </a:endParaRPr>
-          </a:p>
-          <a:p>
-            <a:pPr marL="708660" lvl="2">
-              <a:buClr>
-                <a:schemeClr val="accent1"/>
-              </a:buClr>
-            </a:pPr>
-            <a:endParaRPr lang="en-US" sz="2400" b="1" i="1" dirty="0" smtClean="0">
-              <a:solidFill>
-                <a:srgbClr val="000000"/>
-              </a:solidFill>
-            </a:endParaRPr>
-          </a:p>
-          <a:p>
-            <a:pPr marL="708660" lvl="2">
-              <a:buClr>
-                <a:schemeClr val="accent1"/>
-              </a:buClr>
-            </a:pPr>
-            <a:r>
-              <a:rPr lang="en-US" sz="2400" b="1" i="1" dirty="0" smtClean="0">
-                <a:solidFill>
-                  <a:srgbClr val="000000"/>
-                </a:solidFill>
-              </a:rPr>
-              <a:t>a</a:t>
-            </a:r>
-            <a:r>
-              <a:rPr lang="en-US" sz="2400" dirty="0" smtClean="0">
-                <a:solidFill>
-                  <a:srgbClr val="000000"/>
-                </a:solidFill>
-              </a:rPr>
-              <a:t> </a:t>
-            </a:r>
-            <a:r>
-              <a:rPr lang="en-US" sz="2400" dirty="0">
-                <a:solidFill>
-                  <a:srgbClr val="000000"/>
-                </a:solidFill>
-              </a:rPr>
-              <a:t>and </a:t>
-            </a:r>
-            <a:r>
-              <a:rPr lang="en-US" sz="2400" b="1" i="1" dirty="0">
-                <a:solidFill>
-                  <a:srgbClr val="000000"/>
-                </a:solidFill>
-              </a:rPr>
-              <a:t>b</a:t>
-            </a:r>
-            <a:r>
-              <a:rPr lang="en-US" sz="2400" dirty="0">
-                <a:solidFill>
-                  <a:srgbClr val="000000"/>
-                </a:solidFill>
-              </a:rPr>
-              <a:t> are numerical holes</a:t>
-            </a:r>
-          </a:p>
-          <a:p>
-            <a:pPr marL="708660" lvl="2">
-              <a:buClr>
-                <a:schemeClr val="accent1"/>
-              </a:buClr>
-            </a:pPr>
-            <a:r>
-              <a:rPr lang="en-US" sz="2400" i="1" dirty="0">
-                <a:solidFill>
-                  <a:srgbClr val="000000"/>
-                </a:solidFill>
-              </a:rPr>
-              <a:t>size</a:t>
-            </a:r>
-            <a:r>
-              <a:rPr lang="en-US" sz="2400" dirty="0">
-                <a:solidFill>
-                  <a:srgbClr val="000000"/>
-                </a:solidFill>
-              </a:rPr>
-              <a:t> and </a:t>
-            </a:r>
-            <a:r>
-              <a:rPr lang="en-US" sz="2400" i="1" dirty="0">
-                <a:solidFill>
-                  <a:srgbClr val="000000"/>
-                </a:solidFill>
-              </a:rPr>
-              <a:t>height</a:t>
-            </a:r>
-            <a:r>
-              <a:rPr lang="en-US" sz="2400" dirty="0">
-                <a:solidFill>
-                  <a:srgbClr val="000000"/>
-                </a:solidFill>
-              </a:rPr>
-              <a:t> are recursive functions</a:t>
-            </a:r>
-            <a:endParaRPr lang="en-US" sz="2400" dirty="0"/>
-          </a:p>
-          <a:p>
-            <a:endParaRPr lang="en-US" sz="2400" dirty="0"/>
-          </a:p>
-        </p:txBody>
-      </p:sp>
-      <p:sp>
-        <p:nvSpPr>
-          <p:cNvPr id="10" name="Rectangle 9"/>
-          <p:cNvSpPr/>
-          <p:nvPr/>
-        </p:nvSpPr>
-        <p:spPr>
-          <a:xfrm>
-            <a:off x="1066800" y="2819400"/>
-            <a:ext cx="6858000" cy="1569660"/>
-          </a:xfrm>
-          <a:prstGeom prst="rect">
-            <a:avLst/>
-          </a:prstGeom>
-        </p:spPr>
-        <p:txBody>
-          <a:bodyPr wrap="square">
-            <a:spAutoFit/>
-          </a:bodyPr>
-          <a:lstStyle/>
-          <a:p>
-            <a:r>
-              <a:rPr lang="en-US" sz="2400" dirty="0" smtClean="0">
-                <a:solidFill>
-                  <a:srgbClr val="000000"/>
-                </a:solidFill>
-                <a:latin typeface="Courier New" panose="02070309020205020404" pitchFamily="49" charset="0"/>
-                <a:cs typeface="Courier New" panose="02070309020205020404" pitchFamily="49" charset="0"/>
-              </a:rPr>
-              <a:t>traverse(t</a:t>
-            </a:r>
-            <a:r>
-              <a:rPr lang="en-US" sz="2400" dirty="0">
-                <a:solidFill>
-                  <a:srgbClr val="000000"/>
-                </a:solidFill>
-                <a:latin typeface="Courier New" panose="02070309020205020404" pitchFamily="49" charset="0"/>
-                <a:cs typeface="Courier New" panose="02070309020205020404" pitchFamily="49" charset="0"/>
-              </a:rPr>
-              <a:t>: Tree): </a:t>
-            </a:r>
-            <a:r>
-              <a:rPr lang="en-US" sz="2400" dirty="0" err="1" smtClean="0">
-                <a:solidFill>
-                  <a:srgbClr val="000000"/>
-                </a:solidFill>
-                <a:latin typeface="Courier New" panose="02070309020205020404" pitchFamily="49" charset="0"/>
-                <a:cs typeface="Courier New" panose="02070309020205020404" pitchFamily="49" charset="0"/>
-              </a:rPr>
-              <a:t>Int</a:t>
-            </a:r>
-            <a:r>
-              <a:rPr lang="en-US" sz="2400" dirty="0" smtClean="0">
-                <a:solidFill>
-                  <a:srgbClr val="000000"/>
-                </a:solidFill>
-                <a:latin typeface="Courier New" panose="02070309020205020404" pitchFamily="49" charset="0"/>
-                <a:cs typeface="Courier New" panose="02070309020205020404" pitchFamily="49" charset="0"/>
-              </a:rPr>
-              <a:t> </a:t>
-            </a:r>
-            <a:r>
-              <a:rPr lang="en-US" sz="2400" dirty="0">
-                <a:solidFill>
-                  <a:srgbClr val="000000"/>
-                </a:solidFill>
-                <a:latin typeface="Courier New" panose="02070309020205020404" pitchFamily="49" charset="0"/>
-                <a:cs typeface="Courier New" panose="02070309020205020404" pitchFamily="49" charset="0"/>
-              </a:rPr>
-              <a:t>= </a:t>
-            </a:r>
-            <a:r>
-              <a:rPr lang="en-US" sz="2400" dirty="0" smtClean="0">
-                <a:solidFill>
-                  <a:srgbClr val="000000"/>
-                </a:solidFill>
-                <a:latin typeface="Courier New" panose="02070309020205020404" pitchFamily="49" charset="0"/>
-                <a:cs typeface="Courier New" panose="02070309020205020404" pitchFamily="49" charset="0"/>
-              </a:rPr>
-              <a:t>{</a:t>
-            </a:r>
-          </a:p>
-          <a:p>
-            <a:r>
-              <a:rPr lang="en-US" sz="2400" dirty="0" smtClean="0">
-                <a:solidFill>
-                  <a:srgbClr val="000000"/>
-                </a:solidFill>
-                <a:latin typeface="Courier New" panose="02070309020205020404" pitchFamily="49" charset="0"/>
-                <a:cs typeface="Courier New" panose="02070309020205020404" pitchFamily="49" charset="0"/>
-              </a:rPr>
-              <a:t>     …</a:t>
-            </a:r>
-            <a:endParaRPr lang="en-US" sz="2400" dirty="0">
-              <a:solidFill>
-                <a:srgbClr val="000000"/>
-              </a:solidFill>
-              <a:latin typeface="Courier New" panose="02070309020205020404" pitchFamily="49" charset="0"/>
-              <a:cs typeface="Courier New" panose="02070309020205020404" pitchFamily="49" charset="0"/>
-            </a:endParaRPr>
-          </a:p>
-          <a:p>
-            <a:r>
-              <a:rPr lang="en-US" sz="2400" dirty="0">
-                <a:solidFill>
-                  <a:srgbClr val="000000"/>
-                </a:solidFill>
-                <a:latin typeface="Courier New" panose="02070309020205020404" pitchFamily="49" charset="0"/>
-                <a:cs typeface="Courier New" panose="02070309020205020404" pitchFamily="49" charset="0"/>
-              </a:rPr>
-              <a:t>}</a:t>
-            </a:r>
-            <a:r>
-              <a:rPr lang="en-US" sz="2400" dirty="0" smtClean="0">
-                <a:solidFill>
-                  <a:srgbClr val="000000"/>
-                </a:solidFill>
-                <a:latin typeface="Courier New" panose="02070309020205020404" pitchFamily="49" charset="0"/>
-                <a:cs typeface="Courier New" panose="02070309020205020404" pitchFamily="49" charset="0"/>
-              </a:rPr>
-              <a:t> ensuring(</a:t>
-            </a:r>
-            <a:r>
-              <a:rPr lang="en-US" sz="2400" b="1" dirty="0" smtClean="0">
-                <a:latin typeface="Courier New" panose="02070309020205020404" pitchFamily="49" charset="0"/>
-                <a:cs typeface="Courier New" panose="02070309020205020404" pitchFamily="49" charset="0"/>
-              </a:rPr>
-              <a:t>time </a:t>
-            </a:r>
-            <a:r>
-              <a:rPr lang="en-US" sz="2400" dirty="0" smtClean="0">
-                <a:solidFill>
-                  <a:srgbClr val="000000"/>
-                </a:solidFill>
-                <a:latin typeface="Courier New" panose="02070309020205020404" pitchFamily="49" charset="0"/>
-                <a:cs typeface="Courier New" panose="02070309020205020404" pitchFamily="49" charset="0"/>
-              </a:rPr>
-              <a:t>&lt;= </a:t>
-            </a:r>
-            <a:r>
-              <a:rPr lang="en-US" sz="2400" b="1" dirty="0" smtClean="0">
-                <a:solidFill>
-                  <a:srgbClr val="000000"/>
-                </a:solidFill>
-                <a:latin typeface="Courier New" panose="02070309020205020404" pitchFamily="49" charset="0"/>
-                <a:cs typeface="Courier New" panose="02070309020205020404" pitchFamily="49" charset="0"/>
-              </a:rPr>
-              <a:t>a</a:t>
-            </a:r>
-            <a:r>
-              <a:rPr lang="en-US" sz="2400" dirty="0" smtClean="0">
-                <a:solidFill>
-                  <a:srgbClr val="000000"/>
-                </a:solidFill>
-                <a:latin typeface="Courier New" panose="02070309020205020404" pitchFamily="49" charset="0"/>
-                <a:cs typeface="Courier New" panose="02070309020205020404" pitchFamily="49" charset="0"/>
-              </a:rPr>
-              <a:t>*size(t)+</a:t>
-            </a:r>
-            <a:r>
-              <a:rPr lang="en-US" sz="2400" b="1" dirty="0" smtClean="0">
-                <a:solidFill>
-                  <a:srgbClr val="000000"/>
-                </a:solidFill>
-                <a:latin typeface="Courier New" panose="02070309020205020404" pitchFamily="49" charset="0"/>
-                <a:cs typeface="Courier New" panose="02070309020205020404" pitchFamily="49" charset="0"/>
-              </a:rPr>
-              <a:t>b</a:t>
-            </a:r>
-            <a:r>
-              <a:rPr lang="en-US" sz="2400" dirty="0" smtClean="0">
-                <a:solidFill>
-                  <a:srgbClr val="000000"/>
-                </a:solidFill>
-                <a:latin typeface="Courier New" panose="02070309020205020404" pitchFamily="49" charset="0"/>
-                <a:cs typeface="Courier New" panose="02070309020205020404" pitchFamily="49" charset="0"/>
-              </a:rPr>
-              <a:t> &amp;&amp;</a:t>
-            </a:r>
-          </a:p>
-          <a:p>
-            <a:r>
-              <a:rPr lang="en-US" sz="2400" dirty="0" smtClean="0">
-                <a:solidFill>
-                  <a:srgbClr val="000000"/>
-                </a:solidFill>
-                <a:latin typeface="Courier New" panose="02070309020205020404" pitchFamily="49" charset="0"/>
-                <a:cs typeface="Courier New" panose="02070309020205020404" pitchFamily="49" charset="0"/>
-              </a:rPr>
-              <a:t>    </a:t>
-            </a:r>
-            <a:r>
-              <a:rPr lang="en-US" sz="2400" dirty="0">
-                <a:solidFill>
-                  <a:srgbClr val="000000"/>
-                </a:solidFill>
-                <a:latin typeface="Courier New" panose="02070309020205020404" pitchFamily="49" charset="0"/>
-                <a:cs typeface="Courier New" panose="02070309020205020404" pitchFamily="49" charset="0"/>
-              </a:rPr>
-              <a:t>	</a:t>
-            </a:r>
-            <a:r>
-              <a:rPr lang="en-US" sz="2400" b="1" dirty="0" smtClean="0">
-                <a:solidFill>
-                  <a:srgbClr val="000000"/>
-                </a:solidFill>
-                <a:latin typeface="Courier New" panose="02070309020205020404" pitchFamily="49" charset="0"/>
-                <a:cs typeface="Courier New" panose="02070309020205020404" pitchFamily="49" charset="0"/>
-              </a:rPr>
-              <a:t>parallel-time </a:t>
-            </a:r>
-            <a:r>
-              <a:rPr lang="en-US" sz="2400" dirty="0" smtClean="0">
-                <a:solidFill>
-                  <a:srgbClr val="000000"/>
-                </a:solidFill>
-                <a:latin typeface="Courier New" panose="02070309020205020404" pitchFamily="49" charset="0"/>
-                <a:cs typeface="Courier New" panose="02070309020205020404" pitchFamily="49" charset="0"/>
-              </a:rPr>
-              <a:t>&lt;= </a:t>
-            </a:r>
-            <a:r>
-              <a:rPr lang="en-US" sz="2400" b="1" dirty="0" smtClean="0">
-                <a:solidFill>
-                  <a:srgbClr val="000000"/>
-                </a:solidFill>
-                <a:latin typeface="Courier New" panose="02070309020205020404" pitchFamily="49" charset="0"/>
-                <a:cs typeface="Courier New" panose="02070309020205020404" pitchFamily="49" charset="0"/>
-              </a:rPr>
-              <a:t>a</a:t>
-            </a:r>
-            <a:r>
-              <a:rPr lang="en-US" sz="2400" dirty="0" smtClean="0">
-                <a:solidFill>
-                  <a:srgbClr val="000000"/>
-                </a:solidFill>
-                <a:latin typeface="Courier New" panose="02070309020205020404" pitchFamily="49" charset="0"/>
-                <a:cs typeface="Courier New" panose="02070309020205020404" pitchFamily="49" charset="0"/>
-              </a:rPr>
-              <a:t>*height(t)+</a:t>
-            </a:r>
-            <a:r>
-              <a:rPr lang="en-US" sz="2400" b="1" dirty="0" smtClean="0">
-                <a:solidFill>
-                  <a:srgbClr val="000000"/>
-                </a:solidFill>
-                <a:latin typeface="Courier New" panose="02070309020205020404" pitchFamily="49" charset="0"/>
-                <a:cs typeface="Courier New" panose="02070309020205020404" pitchFamily="49" charset="0"/>
-              </a:rPr>
-              <a:t>b</a:t>
-            </a:r>
-            <a:r>
-              <a:rPr lang="en-US" sz="2400" dirty="0">
-                <a:solidFill>
-                  <a:srgbClr val="000000"/>
-                </a:solidFill>
-                <a:latin typeface="Courier New" panose="02070309020205020404" pitchFamily="49" charset="0"/>
-                <a:cs typeface="Courier New" panose="02070309020205020404" pitchFamily="49" charset="0"/>
-              </a:rPr>
-              <a:t>)       </a:t>
-            </a:r>
-          </a:p>
-        </p:txBody>
-      </p:sp>
-    </p:spTree>
-    <p:extLst>
-      <p:ext uri="{BB962C8B-B14F-4D97-AF65-F5344CB8AC3E}">
-        <p14:creationId xmlns:p14="http://schemas.microsoft.com/office/powerpoint/2010/main" val="1918683707"/>
-      </p:ext>
-    </p:extLst>
-  </p:cSld>
-  <p:clrMapOvr>
-    <a:masterClrMapping/>
-  </p:clrMapOvr>
-  <mc:AlternateContent xmlns:mc="http://schemas.openxmlformats.org/markup-compatibility/2006" xmlns:p14="http://schemas.microsoft.com/office/powerpoint/2010/main">
-    <mc:Choice Requires="p14">
-      <p:transition spd="slow" p14:dur="2000"/>
-    </mc:Choice>
-    <mc:Fallback xmlns="">
-      <p:transition spd="slow"/>
-    </mc:Fallback>
-  </mc:AlternateContent>
-  <p:timing>
-    <p:tnLst>
-      <p:par>
-        <p:cTn id="1" dur="indefinite" restart="never" nodeType="tmRoot"/>
-      </p:par>
-    </p:tnLst>
-  </p:timing>
-</p:sld>
-</file>
-
 <file path=ppt/slides/slide26.xml><?xml version="1.0" encoding="utf-8"?>
 <p:sld xmlns:a="http://schemas.openxmlformats.org/drawingml/2006/main" xmlns:r="http://schemas.openxmlformats.org/officeDocument/2006/relationships" xmlns:p="http://schemas.openxmlformats.org/presentationml/2006/main">
   <p:cSld>
@@ -29704,6 +29909,496 @@
           <a:lstStyle/>
           <a:p>
             <a:r>
+              <a:rPr lang="en-US" sz="4100" dirty="0" smtClean="0"/>
+              <a:t>Application to Resource Bounds Inference </a:t>
+            </a:r>
+            <a:endParaRPr lang="en-US" sz="4100" dirty="0"/>
+          </a:p>
+        </p:txBody>
+      </p:sp>
+      <p:sp>
+        <p:nvSpPr>
+          <p:cNvPr id="8" name="Content Placeholder 7"/>
+          <p:cNvSpPr>
+            <a:spLocks noGrp="1"/>
+          </p:cNvSpPr>
+          <p:nvPr>
+            <p:ph idx="1"/>
+          </p:nvPr>
+        </p:nvSpPr>
+        <p:spPr/>
+        <p:txBody>
+          <a:bodyPr>
+            <a:normAutofit/>
+          </a:bodyPr>
+          <a:lstStyle/>
+          <a:p>
+            <a:r>
+              <a:rPr lang="en-US" sz="2400" dirty="0" smtClean="0"/>
+              <a:t>We can specify resource bounds as </a:t>
+            </a:r>
+            <a:r>
+              <a:rPr lang="en-US" sz="2400" i="1" dirty="0"/>
+              <a:t>templates </a:t>
+            </a:r>
+            <a:r>
+              <a:rPr lang="en-US" sz="2400" dirty="0"/>
+              <a:t>: expressions with numerical holes </a:t>
+            </a:r>
+          </a:p>
+          <a:p>
+            <a:endParaRPr lang="en-US" sz="2400" dirty="0"/>
+          </a:p>
+          <a:p>
+            <a:endParaRPr lang="en-US" sz="2400" dirty="0"/>
+          </a:p>
+          <a:p>
+            <a:pPr marL="114300" indent="0">
+              <a:buNone/>
+            </a:pPr>
+            <a:endParaRPr lang="en-US" sz="2400" dirty="0"/>
+          </a:p>
+          <a:p>
+            <a:pPr marL="342900" lvl="1">
+              <a:buClr>
+                <a:schemeClr val="accent1"/>
+              </a:buClr>
+            </a:pPr>
+            <a:endParaRPr lang="en-US" sz="2400" i="1" dirty="0">
+              <a:solidFill>
+                <a:srgbClr val="000000"/>
+              </a:solidFill>
+            </a:endParaRPr>
+          </a:p>
+          <a:p>
+            <a:pPr marL="708660" lvl="2">
+              <a:buClr>
+                <a:schemeClr val="accent1"/>
+              </a:buClr>
+            </a:pPr>
+            <a:endParaRPr lang="en-US" sz="2400" b="1" i="1" dirty="0" smtClean="0">
+              <a:solidFill>
+                <a:srgbClr val="000000"/>
+              </a:solidFill>
+            </a:endParaRPr>
+          </a:p>
+          <a:p>
+            <a:pPr marL="708660" lvl="2">
+              <a:buClr>
+                <a:schemeClr val="accent1"/>
+              </a:buClr>
+            </a:pPr>
+            <a:r>
+              <a:rPr lang="en-US" sz="2400" b="1" i="1" dirty="0" smtClean="0">
+                <a:solidFill>
+                  <a:srgbClr val="000000"/>
+                </a:solidFill>
+              </a:rPr>
+              <a:t>a</a:t>
+            </a:r>
+            <a:r>
+              <a:rPr lang="en-US" sz="2400" dirty="0" smtClean="0">
+                <a:solidFill>
+                  <a:srgbClr val="000000"/>
+                </a:solidFill>
+              </a:rPr>
+              <a:t> </a:t>
+            </a:r>
+            <a:r>
+              <a:rPr lang="en-US" sz="2400" dirty="0">
+                <a:solidFill>
+                  <a:srgbClr val="000000"/>
+                </a:solidFill>
+              </a:rPr>
+              <a:t>and </a:t>
+            </a:r>
+            <a:r>
+              <a:rPr lang="en-US" sz="2400" b="1" i="1" dirty="0">
+                <a:solidFill>
+                  <a:srgbClr val="000000"/>
+                </a:solidFill>
+              </a:rPr>
+              <a:t>b</a:t>
+            </a:r>
+            <a:r>
+              <a:rPr lang="en-US" sz="2400" dirty="0">
+                <a:solidFill>
+                  <a:srgbClr val="000000"/>
+                </a:solidFill>
+              </a:rPr>
+              <a:t> are numerical holes</a:t>
+            </a:r>
+          </a:p>
+          <a:p>
+            <a:pPr marL="708660" lvl="2">
+              <a:buClr>
+                <a:schemeClr val="accent1"/>
+              </a:buClr>
+            </a:pPr>
+            <a:r>
+              <a:rPr lang="en-US" sz="2400" i="1" dirty="0">
+                <a:solidFill>
+                  <a:srgbClr val="000000"/>
+                </a:solidFill>
+              </a:rPr>
+              <a:t>size</a:t>
+            </a:r>
+            <a:r>
+              <a:rPr lang="en-US" sz="2400" dirty="0">
+                <a:solidFill>
+                  <a:srgbClr val="000000"/>
+                </a:solidFill>
+              </a:rPr>
+              <a:t> and </a:t>
+            </a:r>
+            <a:r>
+              <a:rPr lang="en-US" sz="2400" i="1" dirty="0">
+                <a:solidFill>
+                  <a:srgbClr val="000000"/>
+                </a:solidFill>
+              </a:rPr>
+              <a:t>height</a:t>
+            </a:r>
+            <a:r>
+              <a:rPr lang="en-US" sz="2400" dirty="0">
+                <a:solidFill>
+                  <a:srgbClr val="000000"/>
+                </a:solidFill>
+              </a:rPr>
+              <a:t> are recursive functions</a:t>
+            </a:r>
+            <a:endParaRPr lang="en-US" sz="2400" dirty="0"/>
+          </a:p>
+          <a:p>
+            <a:endParaRPr lang="en-US" sz="2400" dirty="0"/>
+          </a:p>
+        </p:txBody>
+      </p:sp>
+      <p:sp>
+        <p:nvSpPr>
+          <p:cNvPr id="10" name="Rectangle 9"/>
+          <p:cNvSpPr/>
+          <p:nvPr/>
+        </p:nvSpPr>
+        <p:spPr>
+          <a:xfrm>
+            <a:off x="1066800" y="2819400"/>
+            <a:ext cx="6858000" cy="1569660"/>
+          </a:xfrm>
+          <a:prstGeom prst="rect">
+            <a:avLst/>
+          </a:prstGeom>
+        </p:spPr>
+        <p:txBody>
+          <a:bodyPr wrap="square">
+            <a:spAutoFit/>
+          </a:bodyPr>
+          <a:lstStyle/>
+          <a:p>
+            <a:r>
+              <a:rPr lang="en-US" sz="2400" dirty="0" smtClean="0">
+                <a:solidFill>
+                  <a:srgbClr val="000000"/>
+                </a:solidFill>
+                <a:latin typeface="Courier New" panose="02070309020205020404" pitchFamily="49" charset="0"/>
+                <a:cs typeface="Courier New" panose="02070309020205020404" pitchFamily="49" charset="0"/>
+              </a:rPr>
+              <a:t>traverse(t</a:t>
+            </a:r>
+            <a:r>
+              <a:rPr lang="en-US" sz="2400" dirty="0">
+                <a:solidFill>
+                  <a:srgbClr val="000000"/>
+                </a:solidFill>
+                <a:latin typeface="Courier New" panose="02070309020205020404" pitchFamily="49" charset="0"/>
+                <a:cs typeface="Courier New" panose="02070309020205020404" pitchFamily="49" charset="0"/>
+              </a:rPr>
+              <a:t>: Tree): </a:t>
+            </a:r>
+            <a:r>
+              <a:rPr lang="en-US" sz="2400" dirty="0" err="1" smtClean="0">
+                <a:solidFill>
+                  <a:srgbClr val="000000"/>
+                </a:solidFill>
+                <a:latin typeface="Courier New" panose="02070309020205020404" pitchFamily="49" charset="0"/>
+                <a:cs typeface="Courier New" panose="02070309020205020404" pitchFamily="49" charset="0"/>
+              </a:rPr>
+              <a:t>Int</a:t>
+            </a:r>
+            <a:r>
+              <a:rPr lang="en-US" sz="2400" dirty="0" smtClean="0">
+                <a:solidFill>
+                  <a:srgbClr val="000000"/>
+                </a:solidFill>
+                <a:latin typeface="Courier New" panose="02070309020205020404" pitchFamily="49" charset="0"/>
+                <a:cs typeface="Courier New" panose="02070309020205020404" pitchFamily="49" charset="0"/>
+              </a:rPr>
+              <a:t> </a:t>
+            </a:r>
+            <a:r>
+              <a:rPr lang="en-US" sz="2400" dirty="0">
+                <a:solidFill>
+                  <a:srgbClr val="000000"/>
+                </a:solidFill>
+                <a:latin typeface="Courier New" panose="02070309020205020404" pitchFamily="49" charset="0"/>
+                <a:cs typeface="Courier New" panose="02070309020205020404" pitchFamily="49" charset="0"/>
+              </a:rPr>
+              <a:t>= </a:t>
+            </a:r>
+            <a:r>
+              <a:rPr lang="en-US" sz="2400" dirty="0" smtClean="0">
+                <a:solidFill>
+                  <a:srgbClr val="000000"/>
+                </a:solidFill>
+                <a:latin typeface="Courier New" panose="02070309020205020404" pitchFamily="49" charset="0"/>
+                <a:cs typeface="Courier New" panose="02070309020205020404" pitchFamily="49" charset="0"/>
+              </a:rPr>
+              <a:t>{</a:t>
+            </a:r>
+          </a:p>
+          <a:p>
+            <a:r>
+              <a:rPr lang="en-US" sz="2400" dirty="0" smtClean="0">
+                <a:solidFill>
+                  <a:srgbClr val="000000"/>
+                </a:solidFill>
+                <a:latin typeface="Courier New" panose="02070309020205020404" pitchFamily="49" charset="0"/>
+                <a:cs typeface="Courier New" panose="02070309020205020404" pitchFamily="49" charset="0"/>
+              </a:rPr>
+              <a:t>     …</a:t>
+            </a:r>
+            <a:endParaRPr lang="en-US" sz="2400" dirty="0">
+              <a:solidFill>
+                <a:srgbClr val="000000"/>
+              </a:solidFill>
+              <a:latin typeface="Courier New" panose="02070309020205020404" pitchFamily="49" charset="0"/>
+              <a:cs typeface="Courier New" panose="02070309020205020404" pitchFamily="49" charset="0"/>
+            </a:endParaRPr>
+          </a:p>
+          <a:p>
+            <a:r>
+              <a:rPr lang="en-US" sz="2400" dirty="0">
+                <a:solidFill>
+                  <a:srgbClr val="000000"/>
+                </a:solidFill>
+                <a:latin typeface="Courier New" panose="02070309020205020404" pitchFamily="49" charset="0"/>
+                <a:cs typeface="Courier New" panose="02070309020205020404" pitchFamily="49" charset="0"/>
+              </a:rPr>
+              <a:t>}</a:t>
+            </a:r>
+            <a:r>
+              <a:rPr lang="en-US" sz="2400" dirty="0" smtClean="0">
+                <a:solidFill>
+                  <a:srgbClr val="000000"/>
+                </a:solidFill>
+                <a:latin typeface="Courier New" panose="02070309020205020404" pitchFamily="49" charset="0"/>
+                <a:cs typeface="Courier New" panose="02070309020205020404" pitchFamily="49" charset="0"/>
+              </a:rPr>
+              <a:t> ensuring(</a:t>
+            </a:r>
+            <a:r>
+              <a:rPr lang="en-US" sz="2400" b="1" dirty="0" smtClean="0">
+                <a:latin typeface="Courier New" panose="02070309020205020404" pitchFamily="49" charset="0"/>
+                <a:cs typeface="Courier New" panose="02070309020205020404" pitchFamily="49" charset="0"/>
+              </a:rPr>
+              <a:t>time </a:t>
+            </a:r>
+            <a:r>
+              <a:rPr lang="en-US" sz="2400" dirty="0" smtClean="0">
+                <a:solidFill>
+                  <a:srgbClr val="000000"/>
+                </a:solidFill>
+                <a:latin typeface="Courier New" panose="02070309020205020404" pitchFamily="49" charset="0"/>
+                <a:cs typeface="Courier New" panose="02070309020205020404" pitchFamily="49" charset="0"/>
+              </a:rPr>
+              <a:t>&lt;= </a:t>
+            </a:r>
+            <a:r>
+              <a:rPr lang="en-US" sz="2400" b="1" dirty="0" smtClean="0">
+                <a:solidFill>
+                  <a:srgbClr val="000000"/>
+                </a:solidFill>
+                <a:latin typeface="Courier New" panose="02070309020205020404" pitchFamily="49" charset="0"/>
+                <a:cs typeface="Courier New" panose="02070309020205020404" pitchFamily="49" charset="0"/>
+              </a:rPr>
+              <a:t>a</a:t>
+            </a:r>
+            <a:r>
+              <a:rPr lang="en-US" sz="2400" dirty="0" smtClean="0">
+                <a:solidFill>
+                  <a:srgbClr val="000000"/>
+                </a:solidFill>
+                <a:latin typeface="Courier New" panose="02070309020205020404" pitchFamily="49" charset="0"/>
+                <a:cs typeface="Courier New" panose="02070309020205020404" pitchFamily="49" charset="0"/>
+              </a:rPr>
+              <a:t>*size(t)+</a:t>
+            </a:r>
+            <a:r>
+              <a:rPr lang="en-US" sz="2400" b="1" dirty="0" smtClean="0">
+                <a:solidFill>
+                  <a:srgbClr val="000000"/>
+                </a:solidFill>
+                <a:latin typeface="Courier New" panose="02070309020205020404" pitchFamily="49" charset="0"/>
+                <a:cs typeface="Courier New" panose="02070309020205020404" pitchFamily="49" charset="0"/>
+              </a:rPr>
+              <a:t>b</a:t>
+            </a:r>
+            <a:r>
+              <a:rPr lang="en-US" sz="2400" dirty="0" smtClean="0">
+                <a:solidFill>
+                  <a:srgbClr val="000000"/>
+                </a:solidFill>
+                <a:latin typeface="Courier New" panose="02070309020205020404" pitchFamily="49" charset="0"/>
+                <a:cs typeface="Courier New" panose="02070309020205020404" pitchFamily="49" charset="0"/>
+              </a:rPr>
+              <a:t> &amp;&amp;</a:t>
+            </a:r>
+          </a:p>
+          <a:p>
+            <a:r>
+              <a:rPr lang="en-US" sz="2400" dirty="0" smtClean="0">
+                <a:solidFill>
+                  <a:srgbClr val="000000"/>
+                </a:solidFill>
+                <a:latin typeface="Courier New" panose="02070309020205020404" pitchFamily="49" charset="0"/>
+                <a:cs typeface="Courier New" panose="02070309020205020404" pitchFamily="49" charset="0"/>
+              </a:rPr>
+              <a:t>    </a:t>
+            </a:r>
+            <a:r>
+              <a:rPr lang="en-US" sz="2400" dirty="0">
+                <a:solidFill>
+                  <a:srgbClr val="000000"/>
+                </a:solidFill>
+                <a:latin typeface="Courier New" panose="02070309020205020404" pitchFamily="49" charset="0"/>
+                <a:cs typeface="Courier New" panose="02070309020205020404" pitchFamily="49" charset="0"/>
+              </a:rPr>
+              <a:t>	</a:t>
+            </a:r>
+            <a:r>
+              <a:rPr lang="en-US" sz="2400" b="1" dirty="0" smtClean="0">
+                <a:solidFill>
+                  <a:srgbClr val="000000"/>
+                </a:solidFill>
+                <a:latin typeface="Courier New" panose="02070309020205020404" pitchFamily="49" charset="0"/>
+                <a:cs typeface="Courier New" panose="02070309020205020404" pitchFamily="49" charset="0"/>
+              </a:rPr>
+              <a:t>parallel-time </a:t>
+            </a:r>
+            <a:r>
+              <a:rPr lang="en-US" sz="2400" dirty="0" smtClean="0">
+                <a:solidFill>
+                  <a:srgbClr val="000000"/>
+                </a:solidFill>
+                <a:latin typeface="Courier New" panose="02070309020205020404" pitchFamily="49" charset="0"/>
+                <a:cs typeface="Courier New" panose="02070309020205020404" pitchFamily="49" charset="0"/>
+              </a:rPr>
+              <a:t>&lt;= </a:t>
+            </a:r>
+            <a:r>
+              <a:rPr lang="en-US" sz="2400" b="1" dirty="0" smtClean="0">
+                <a:solidFill>
+                  <a:srgbClr val="000000"/>
+                </a:solidFill>
+                <a:latin typeface="Courier New" panose="02070309020205020404" pitchFamily="49" charset="0"/>
+                <a:cs typeface="Courier New" panose="02070309020205020404" pitchFamily="49" charset="0"/>
+              </a:rPr>
+              <a:t>a</a:t>
+            </a:r>
+            <a:r>
+              <a:rPr lang="en-US" sz="2400" dirty="0" smtClean="0">
+                <a:solidFill>
+                  <a:srgbClr val="000000"/>
+                </a:solidFill>
+                <a:latin typeface="Courier New" panose="02070309020205020404" pitchFamily="49" charset="0"/>
+                <a:cs typeface="Courier New" panose="02070309020205020404" pitchFamily="49" charset="0"/>
+              </a:rPr>
+              <a:t>*height(t)+</a:t>
+            </a:r>
+            <a:r>
+              <a:rPr lang="en-US" sz="2400" b="1" dirty="0" smtClean="0">
+                <a:solidFill>
+                  <a:srgbClr val="000000"/>
+                </a:solidFill>
+                <a:latin typeface="Courier New" panose="02070309020205020404" pitchFamily="49" charset="0"/>
+                <a:cs typeface="Courier New" panose="02070309020205020404" pitchFamily="49" charset="0"/>
+              </a:rPr>
+              <a:t>b</a:t>
+            </a:r>
+            <a:r>
+              <a:rPr lang="en-US" sz="2400" dirty="0">
+                <a:solidFill>
+                  <a:srgbClr val="000000"/>
+                </a:solidFill>
+                <a:latin typeface="Courier New" panose="02070309020205020404" pitchFamily="49" charset="0"/>
+                <a:cs typeface="Courier New" panose="02070309020205020404" pitchFamily="49" charset="0"/>
+              </a:rPr>
+              <a:t>)       </a:t>
+            </a:r>
+          </a:p>
+        </p:txBody>
+      </p:sp>
+    </p:spTree>
+    <p:extLst>
+      <p:ext uri="{BB962C8B-B14F-4D97-AF65-F5344CB8AC3E}">
+        <p14:creationId xmlns:p14="http://schemas.microsoft.com/office/powerpoint/2010/main" val="1918683707"/>
+      </p:ext>
+    </p:extLst>
+  </p:cSld>
+  <p:clrMapOvr>
+    <a:masterClrMapping/>
+  </p:clrMapOvr>
+  <mc:AlternateContent xmlns:mc="http://schemas.openxmlformats.org/markup-compatibility/2006" xmlns:p14="http://schemas.microsoft.com/office/powerpoint/2010/main">
+    <mc:Choice Requires="p14">
+      <p:transition spd="slow" p14:dur="2000"/>
+    </mc:Choice>
+    <mc:Fallback xmlns="">
+      <p:transition spd="slow"/>
+    </mc:Fallback>
+  </mc:AlternateContent>
+  <p:timing>
+    <p:tnLst>
+      <p:par>
+        <p:cTn id="1" dur="indefinite" restart="never" nodeType="tmRoot"/>
+      </p:par>
+    </p:tnLst>
+  </p:timing>
+</p:sld>
+</file>
+
+<file path=ppt/slides/slide27.xml><?xml version="1.0" encoding="utf-8"?>
+<p:sld xmlns:a="http://schemas.openxmlformats.org/drawingml/2006/main" xmlns:r="http://schemas.openxmlformats.org/officeDocument/2006/relationships" xmlns:p="http://schemas.openxmlformats.org/presentationml/2006/main">
+  <p:cSld>
+    <p:spTree>
+      <p:nvGrpSpPr>
+        <p:cNvPr id="1" name=""/>
+        <p:cNvGrpSpPr/>
+        <p:nvPr/>
+      </p:nvGrpSpPr>
+      <p:grpSpPr>
+        <a:xfrm>
+          <a:off x="0" y="0"/>
+          <a:ext cx="0" cy="0"/>
+          <a:chOff x="0" y="0"/>
+          <a:chExt cx="0" cy="0"/>
+        </a:xfrm>
+      </p:grpSpPr>
+      <p:sp>
+        <p:nvSpPr>
+          <p:cNvPr id="2" name="Title 1"/>
+          <p:cNvSpPr>
+            <a:spLocks noGrp="1"/>
+          </p:cNvSpPr>
+          <p:nvPr>
+            <p:ph type="title"/>
+          </p:nvPr>
+        </p:nvSpPr>
+        <p:spPr/>
+        <p:txBody>
+          <a:bodyPr/>
+          <a:lstStyle/>
+          <a:p>
+            <a:r>
               <a:rPr lang="en-US" dirty="0" smtClean="0"/>
               <a:t>The Problem</a:t>
             </a:r>
@@ -29815,7 +30510,7 @@
 </p:sld>
 </file>
 
-<file path=ppt/slides/slide27.xml><?xml version="1.0" encoding="utf-8"?>
+<file path=ppt/slides/slide28.xml><?xml version="1.0" encoding="utf-8"?>
 <p:sld xmlns:a="http://schemas.openxmlformats.org/drawingml/2006/main" xmlns:r="http://schemas.openxmlformats.org/officeDocument/2006/relationships" xmlns:p="http://schemas.openxmlformats.org/presentationml/2006/main">
   <p:cSld>
     <p:spTree>
@@ -30772,7 +31467,7 @@
 </p:sld>
 </file>
 
-<file path=ppt/slides/slide28.xml><?xml version="1.0" encoding="utf-8"?>
+<file path=ppt/slides/slide29.xml><?xml version="1.0" encoding="utf-8"?>
 <p:sld xmlns:a="http://schemas.openxmlformats.org/drawingml/2006/main" xmlns:r="http://schemas.openxmlformats.org/officeDocument/2006/relationships" xmlns:p="http://schemas.openxmlformats.org/presentationml/2006/main">
   <p:cSld>
     <p:spTree>
@@ -31811,1135 +32506,6 @@
     <p:extLst>
       <p:ext uri="{BB962C8B-B14F-4D97-AF65-F5344CB8AC3E}">
         <p14:creationId xmlns:p14="http://schemas.microsoft.com/office/powerpoint/2010/main" val="1896320721"/>
-      </p:ext>
-    </p:extLst>
-  </p:cSld>
-  <p:clrMapOvr>
-    <a:masterClrMapping/>
-  </p:clrMapOvr>
-  <mc:AlternateContent xmlns:mc="http://schemas.openxmlformats.org/markup-compatibility/2006" xmlns:p14="http://schemas.microsoft.com/office/powerpoint/2010/main">
-    <mc:Choice Requires="p14">
-      <p:transition p14:dur="0"/>
-    </mc:Choice>
-    <mc:Fallback xmlns="">
-      <p:transition/>
-    </mc:Fallback>
-  </mc:AlternateContent>
-  <p:timing>
-    <p:tnLst>
-      <p:par>
-        <p:cTn id="1" dur="indefinite" restart="never" nodeType="tmRoot"/>
-      </p:par>
-    </p:tnLst>
-  </p:timing>
-</p:sld>
-</file>
-
-<file path=ppt/slides/slide29.xml><?xml version="1.0" encoding="utf-8"?>
-<p:sld xmlns:a="http://schemas.openxmlformats.org/drawingml/2006/main" xmlns:r="http://schemas.openxmlformats.org/officeDocument/2006/relationships" xmlns:p="http://schemas.openxmlformats.org/presentationml/2006/main">
-  <p:cSld>
-    <p:spTree>
-      <p:nvGrpSpPr>
-        <p:cNvPr id="1" name=""/>
-        <p:cNvGrpSpPr/>
-        <p:nvPr/>
-      </p:nvGrpSpPr>
-      <p:grpSpPr>
-        <a:xfrm>
-          <a:off x="0" y="0"/>
-          <a:ext cx="0" cy="0"/>
-          <a:chOff x="0" y="0"/>
-          <a:chExt cx="0" cy="0"/>
-        </a:xfrm>
-      </p:grpSpPr>
-      <p:sp>
-        <p:nvSpPr>
-          <p:cNvPr id="2" name="Title 1"/>
-          <p:cNvSpPr>
-            <a:spLocks noGrp="1"/>
-          </p:cNvSpPr>
-          <p:nvPr>
-            <p:ph type="title"/>
-          </p:nvPr>
-        </p:nvSpPr>
-        <p:spPr>
-          <a:xfrm>
-            <a:off x="457200" y="274638"/>
-            <a:ext cx="7620000" cy="444791"/>
-          </a:xfrm>
-        </p:spPr>
-        <p:txBody>
-          <a:bodyPr/>
-          <a:lstStyle/>
-          <a:p>
-            <a:r>
-              <a:rPr lang="en-US" dirty="0" smtClean="0"/>
-              <a:t>Overview</a:t>
-            </a:r>
-            <a:endParaRPr lang="en-US" dirty="0"/>
-          </a:p>
-        </p:txBody>
-      </p:sp>
-      <p:sp>
-        <p:nvSpPr>
-          <p:cNvPr id="8" name="Rounded Rectangle 7"/>
-          <p:cNvSpPr/>
-          <p:nvPr/>
-        </p:nvSpPr>
-        <p:spPr>
-          <a:xfrm>
-            <a:off x="3131846" y="1123267"/>
-            <a:ext cx="2038624" cy="609600"/>
-          </a:xfrm>
-          <a:prstGeom prst="roundRect">
-            <a:avLst/>
-          </a:prstGeom>
-        </p:spPr>
-        <p:style>
-          <a:lnRef idx="2">
-            <a:schemeClr val="accent1">
-              <a:shade val="50000"/>
-            </a:schemeClr>
-          </a:lnRef>
-          <a:fillRef idx="1">
-            <a:schemeClr val="accent1"/>
-          </a:fillRef>
-          <a:effectRef idx="0">
-            <a:schemeClr val="accent1"/>
-          </a:effectRef>
-          <a:fontRef idx="minor">
-            <a:schemeClr val="lt1"/>
-          </a:fontRef>
-        </p:style>
-        <p:txBody>
-          <a:bodyPr rtlCol="0" anchor="ctr"/>
-          <a:lstStyle/>
-          <a:p>
-            <a:pPr algn="ctr"/>
-            <a:r>
-              <a:rPr lang="en-US" sz="2000" dirty="0" smtClean="0"/>
-              <a:t>Instrumentation phase </a:t>
-            </a:r>
-            <a:endParaRPr lang="en-US" sz="2000" dirty="0"/>
-          </a:p>
-        </p:txBody>
-      </p:sp>
-      <p:sp>
-        <p:nvSpPr>
-          <p:cNvPr id="9" name="Rounded Rectangle 8"/>
-          <p:cNvSpPr/>
-          <p:nvPr/>
-        </p:nvSpPr>
-        <p:spPr>
-          <a:xfrm>
-            <a:off x="3226354" y="2203492"/>
-            <a:ext cx="1849609" cy="477639"/>
-          </a:xfrm>
-          <a:prstGeom prst="roundRect">
-            <a:avLst/>
-          </a:prstGeom>
-        </p:spPr>
-        <p:style>
-          <a:lnRef idx="2">
-            <a:schemeClr val="accent1">
-              <a:shade val="50000"/>
-            </a:schemeClr>
-          </a:lnRef>
-          <a:fillRef idx="1">
-            <a:schemeClr val="accent1"/>
-          </a:fillRef>
-          <a:effectRef idx="0">
-            <a:schemeClr val="accent1"/>
-          </a:effectRef>
-          <a:fontRef idx="minor">
-            <a:schemeClr val="lt1"/>
-          </a:fontRef>
-        </p:style>
-        <p:txBody>
-          <a:bodyPr rtlCol="0" anchor="ctr"/>
-          <a:lstStyle/>
-          <a:p>
-            <a:pPr algn="ctr"/>
-            <a:r>
-              <a:rPr lang="en-US" sz="2000" dirty="0" smtClean="0"/>
-              <a:t>VC Generation</a:t>
-            </a:r>
-            <a:endParaRPr lang="en-US" sz="2000" dirty="0"/>
-          </a:p>
-        </p:txBody>
-      </p:sp>
-      <p:cxnSp>
-        <p:nvCxnSpPr>
-          <p:cNvPr id="13" name="Curved Connector 12"/>
-          <p:cNvCxnSpPr>
-            <a:stCxn id="8" idx="2"/>
-            <a:endCxn id="9" idx="0"/>
-          </p:cNvCxnSpPr>
-          <p:nvPr/>
-        </p:nvCxnSpPr>
-        <p:spPr>
-          <a:xfrm>
-            <a:off x="4151158" y="1732867"/>
-            <a:ext cx="1" cy="470625"/>
-          </a:xfrm>
-          <a:prstGeom prst="straightConnector1">
-            <a:avLst/>
-          </a:prstGeom>
-          <a:ln w="38100">
-            <a:tailEnd type="triangle"/>
-          </a:ln>
-        </p:spPr>
-        <p:style>
-          <a:lnRef idx="1">
-            <a:schemeClr val="accent1"/>
-          </a:lnRef>
-          <a:fillRef idx="0">
-            <a:schemeClr val="accent1"/>
-          </a:fillRef>
-          <a:effectRef idx="0">
-            <a:schemeClr val="accent1"/>
-          </a:effectRef>
-          <a:fontRef idx="minor">
-            <a:schemeClr val="tx1"/>
-          </a:fontRef>
-        </p:style>
-      </p:cxnSp>
-      <p:sp>
-        <p:nvSpPr>
-          <p:cNvPr id="14" name="TextBox 13"/>
-          <p:cNvSpPr txBox="1"/>
-          <p:nvPr/>
-        </p:nvSpPr>
-        <p:spPr>
-          <a:xfrm>
-            <a:off x="5227345" y="946692"/>
-            <a:ext cx="2963440" cy="646331"/>
-          </a:xfrm>
-          <a:prstGeom prst="rect">
-            <a:avLst/>
-          </a:prstGeom>
-          <a:noFill/>
-        </p:spPr>
-        <p:txBody>
-          <a:bodyPr wrap="none" rtlCol="0">
-            <a:spAutoFit/>
-          </a:bodyPr>
-          <a:lstStyle/>
-          <a:p>
-            <a:r>
-              <a:rPr lang="en-US" dirty="0" smtClean="0"/>
-              <a:t>Converts bound inference to </a:t>
-            </a:r>
-          </a:p>
-          <a:p>
-            <a:r>
-              <a:rPr lang="en-US" i="1" dirty="0" smtClean="0"/>
-              <a:t>inductive invariant</a:t>
-            </a:r>
-            <a:r>
-              <a:rPr lang="en-US" dirty="0" smtClean="0"/>
-              <a:t> inference</a:t>
-            </a:r>
-            <a:endParaRPr lang="en-US" dirty="0"/>
-          </a:p>
-        </p:txBody>
-      </p:sp>
-      <mc:AlternateContent xmlns:mc="http://schemas.openxmlformats.org/markup-compatibility/2006" xmlns:a14="http://schemas.microsoft.com/office/drawing/2010/main">
-        <mc:Choice Requires="a14">
-          <p:sp>
-            <p:nvSpPr>
-              <p:cNvPr id="17" name="TextBox 16"/>
-              <p:cNvSpPr txBox="1"/>
-              <p:nvPr/>
-            </p:nvSpPr>
-            <p:spPr>
-              <a:xfrm>
-                <a:off x="5170470" y="1793508"/>
-                <a:ext cx="3193977" cy="1200329"/>
-              </a:xfrm>
-              <a:prstGeom prst="rect">
-                <a:avLst/>
-              </a:prstGeom>
-              <a:noFill/>
-            </p:spPr>
-            <p:txBody>
-              <a:bodyPr wrap="square" rtlCol="0">
-                <a:spAutoFit/>
-              </a:bodyPr>
-              <a:lstStyle/>
-              <a:p>
-                <a:r>
-                  <a:rPr lang="en-US" sz="2400" dirty="0" smtClean="0"/>
-                  <a:t>A formula </a:t>
-                </a:r>
-                <a14:m>
-                  <m:oMath xmlns:m="http://schemas.openxmlformats.org/officeDocument/2006/math">
-                    <m:r>
-                      <a:rPr lang="en-US" sz="2400" b="0" i="1" smtClean="0">
-                        <a:solidFill>
-                          <a:schemeClr val="tx1"/>
-                        </a:solidFill>
-                        <a:latin typeface="Cambria Math" panose="02040503050406030204" pitchFamily="18" charset="0"/>
-                      </a:rPr>
-                      <m:t>∀</m:t>
-                    </m:r>
-                    <m:r>
-                      <a:rPr lang="en-US" sz="2400" b="0" i="1" smtClean="0">
-                        <a:solidFill>
-                          <a:schemeClr val="tx1"/>
-                        </a:solidFill>
-                        <a:latin typeface="Cambria Math" panose="02040503050406030204" pitchFamily="18" charset="0"/>
-                      </a:rPr>
-                      <m:t>𝑥</m:t>
-                    </m:r>
-                    <m:r>
-                      <a:rPr lang="en-US" sz="2400" b="0" i="1" smtClean="0">
-                        <a:solidFill>
-                          <a:schemeClr val="tx1"/>
-                        </a:solidFill>
-                        <a:latin typeface="Cambria Math" panose="02040503050406030204" pitchFamily="18" charset="0"/>
-                      </a:rPr>
-                      <m:t>. </m:t>
-                    </m:r>
-                    <m:r>
-                      <a:rPr lang="en-US" sz="2400" b="0" i="1" smtClean="0">
-                        <a:solidFill>
-                          <a:schemeClr val="tx1"/>
-                        </a:solidFill>
-                        <a:latin typeface="Cambria Math" panose="02040503050406030204" pitchFamily="18" charset="0"/>
-                      </a:rPr>
-                      <m:t>𝜓</m:t>
-                    </m:r>
-                    <m:r>
-                      <a:rPr lang="en-US" sz="2400" b="0" i="1">
-                        <a:solidFill>
-                          <a:srgbClr val="FF0000"/>
-                        </a:solidFill>
-                        <a:latin typeface="Cambria Math" panose="02040503050406030204" pitchFamily="18" charset="0"/>
-                      </a:rPr>
-                      <m:t> </m:t>
-                    </m:r>
-                  </m:oMath>
-                </a14:m>
-                <a:r>
-                  <a:rPr lang="en-US" sz="2400" dirty="0" smtClean="0"/>
-                  <a:t>with </a:t>
-                </a:r>
-              </a:p>
-              <a:p>
-                <a:r>
-                  <a:rPr lang="en-US" sz="2400" i="1" dirty="0" smtClean="0"/>
-                  <a:t>free </a:t>
-                </a:r>
-                <a:r>
-                  <a:rPr lang="en-US" sz="2400" i="1" dirty="0" err="1" smtClean="0"/>
-                  <a:t>vars</a:t>
-                </a:r>
-                <a:r>
-                  <a:rPr lang="en-US" sz="2400" i="1" dirty="0" smtClean="0"/>
-                  <a:t>, uninterpreted functions and ADTs</a:t>
-                </a:r>
-                <a:endParaRPr lang="en-US" sz="2400" i="1" dirty="0"/>
-              </a:p>
-            </p:txBody>
-          </p:sp>
-        </mc:Choice>
-        <mc:Fallback xmlns="">
-          <p:sp>
-            <p:nvSpPr>
-              <p:cNvPr id="17" name="TextBox 16"/>
-              <p:cNvSpPr txBox="1">
-                <a:spLocks noRot="1" noChangeAspect="1" noMove="1" noResize="1" noEditPoints="1" noAdjustHandles="1" noChangeArrowheads="1" noChangeShapeType="1" noTextEdit="1"/>
-              </p:cNvSpPr>
-              <p:nvPr/>
-            </p:nvSpPr>
-            <p:spPr>
-              <a:xfrm>
-                <a:off x="5170470" y="1793508"/>
-                <a:ext cx="3193977" cy="1200329"/>
-              </a:xfrm>
-              <a:prstGeom prst="rect">
-                <a:avLst/>
-              </a:prstGeom>
-              <a:blipFill rotWithShape="0">
-                <a:blip r:embed="rId3"/>
-                <a:stretch>
-                  <a:fillRect l="-2863" t="-4061" r="-2290" b="-10660"/>
-                </a:stretch>
-              </a:blipFill>
-            </p:spPr>
-            <p:txBody>
-              <a:bodyPr/>
-              <a:lstStyle/>
-              <a:p>
-                <a:r>
-                  <a:rPr lang="en-US">
-                    <a:noFill/>
-                  </a:rPr>
-                  <a:t> </a:t>
-                </a:r>
-              </a:p>
-            </p:txBody>
-          </p:sp>
-        </mc:Fallback>
-      </mc:AlternateContent>
-      <p:cxnSp>
-        <p:nvCxnSpPr>
-          <p:cNvPr id="18" name="Curved Connector 17"/>
-          <p:cNvCxnSpPr>
-            <a:stCxn id="9" idx="2"/>
-            <a:endCxn id="16" idx="0"/>
-          </p:cNvCxnSpPr>
-          <p:nvPr/>
-        </p:nvCxnSpPr>
-        <p:spPr>
-          <a:xfrm flipH="1">
-            <a:off x="4151158" y="2681131"/>
-            <a:ext cx="1" cy="415417"/>
-          </a:xfrm>
-          <a:prstGeom prst="straightConnector1">
-            <a:avLst/>
-          </a:prstGeom>
-          <a:ln w="38100">
-            <a:tailEnd type="triangle"/>
-          </a:ln>
-        </p:spPr>
-        <p:style>
-          <a:lnRef idx="1">
-            <a:schemeClr val="accent1"/>
-          </a:lnRef>
-          <a:fillRef idx="0">
-            <a:schemeClr val="accent1"/>
-          </a:fillRef>
-          <a:effectRef idx="0">
-            <a:schemeClr val="accent1"/>
-          </a:effectRef>
-          <a:fontRef idx="minor">
-            <a:schemeClr val="tx1"/>
-          </a:fontRef>
-        </p:style>
-      </p:cxnSp>
-      <p:sp>
-        <p:nvSpPr>
-          <p:cNvPr id="25" name="Rounded Rectangle 24"/>
-          <p:cNvSpPr/>
-          <p:nvPr/>
-        </p:nvSpPr>
-        <p:spPr>
-          <a:xfrm>
-            <a:off x="4407218" y="4912767"/>
-            <a:ext cx="1936144" cy="904203"/>
-          </a:xfrm>
-          <a:prstGeom prst="roundRect">
-            <a:avLst/>
-          </a:prstGeom>
-          <a:solidFill>
-            <a:schemeClr val="tx2"/>
-          </a:solidFill>
-        </p:spPr>
-        <p:style>
-          <a:lnRef idx="2">
-            <a:schemeClr val="accent1">
-              <a:shade val="50000"/>
-            </a:schemeClr>
-          </a:lnRef>
-          <a:fillRef idx="1">
-            <a:schemeClr val="accent1"/>
-          </a:fillRef>
-          <a:effectRef idx="0">
-            <a:schemeClr val="accent1"/>
-          </a:effectRef>
-          <a:fontRef idx="minor">
-            <a:schemeClr val="lt1"/>
-          </a:fontRef>
-        </p:style>
-        <p:txBody>
-          <a:bodyPr rtlCol="0" anchor="ctr"/>
-          <a:lstStyle/>
-          <a:p>
-            <a:pPr algn="ctr"/>
-            <a:r>
-              <a:rPr lang="en-US" sz="2400" dirty="0" smtClean="0"/>
-              <a:t>Minimization of solutions</a:t>
-            </a:r>
-            <a:endParaRPr lang="en-US" sz="2400" dirty="0"/>
-          </a:p>
-        </p:txBody>
-      </p:sp>
-      <p:sp>
-        <p:nvSpPr>
-          <p:cNvPr id="26" name="Rounded Rectangle 25"/>
-          <p:cNvSpPr/>
-          <p:nvPr/>
-        </p:nvSpPr>
-        <p:spPr>
-          <a:xfrm>
-            <a:off x="2065975" y="4954968"/>
-            <a:ext cx="2170106" cy="944523"/>
-          </a:xfrm>
-          <a:prstGeom prst="roundRect">
-            <a:avLst/>
-          </a:prstGeom>
-          <a:solidFill>
-            <a:schemeClr val="tx2"/>
-          </a:solidFill>
-        </p:spPr>
-        <p:style>
-          <a:lnRef idx="2">
-            <a:schemeClr val="accent1">
-              <a:shade val="50000"/>
-            </a:schemeClr>
-          </a:lnRef>
-          <a:fillRef idx="1">
-            <a:schemeClr val="accent1"/>
-          </a:fillRef>
-          <a:effectRef idx="0">
-            <a:schemeClr val="accent1"/>
-          </a:effectRef>
-          <a:fontRef idx="minor">
-            <a:schemeClr val="lt1"/>
-          </a:fontRef>
-        </p:style>
-        <p:txBody>
-          <a:bodyPr rtlCol="0" anchor="ctr"/>
-          <a:lstStyle/>
-          <a:p>
-            <a:pPr algn="ctr"/>
-            <a:r>
-              <a:rPr lang="en-US" sz="2400" dirty="0" smtClean="0"/>
-              <a:t>Elimination of </a:t>
-            </a:r>
-          </a:p>
-          <a:p>
-            <a:pPr algn="ctr"/>
-            <a:r>
-              <a:rPr lang="en-US" sz="2400" dirty="0" smtClean="0"/>
-              <a:t>UF + ADT</a:t>
-            </a:r>
-            <a:endParaRPr lang="en-US" sz="2400" dirty="0"/>
-          </a:p>
-        </p:txBody>
-      </p:sp>
-      <p:sp>
-        <p:nvSpPr>
-          <p:cNvPr id="27" name="Rounded Rectangle 26"/>
-          <p:cNvSpPr/>
-          <p:nvPr/>
-        </p:nvSpPr>
-        <p:spPr>
-          <a:xfrm>
-            <a:off x="52195" y="4954968"/>
-            <a:ext cx="1951815" cy="954272"/>
-          </a:xfrm>
-          <a:prstGeom prst="roundRect">
-            <a:avLst/>
-          </a:prstGeom>
-          <a:solidFill>
-            <a:schemeClr val="tx2"/>
-          </a:solidFill>
-        </p:spPr>
-        <p:style>
-          <a:lnRef idx="2">
-            <a:schemeClr val="accent1">
-              <a:shade val="50000"/>
-            </a:schemeClr>
-          </a:lnRef>
-          <a:fillRef idx="1">
-            <a:schemeClr val="accent1"/>
-          </a:fillRef>
-          <a:effectRef idx="0">
-            <a:schemeClr val="accent1"/>
-          </a:effectRef>
-          <a:fontRef idx="minor">
-            <a:schemeClr val="lt1"/>
-          </a:fontRef>
-        </p:style>
-        <p:txBody>
-          <a:bodyPr rtlCol="0" anchor="ctr"/>
-          <a:lstStyle/>
-          <a:p>
-            <a:pPr algn="ctr"/>
-            <a:r>
-              <a:rPr lang="en-US" sz="2400" dirty="0" smtClean="0"/>
-              <a:t>Instantiation of Axioms</a:t>
-            </a:r>
-            <a:endParaRPr lang="en-US" sz="2400" dirty="0"/>
-          </a:p>
-        </p:txBody>
-      </p:sp>
-      <p:sp>
-        <p:nvSpPr>
-          <p:cNvPr id="16" name="Rounded Rectangle 15"/>
-          <p:cNvSpPr/>
-          <p:nvPr/>
-        </p:nvSpPr>
-        <p:spPr>
-          <a:xfrm>
-            <a:off x="3074970" y="3096548"/>
-            <a:ext cx="2152375" cy="838200"/>
-          </a:xfrm>
-          <a:prstGeom prst="roundRect">
-            <a:avLst/>
-          </a:prstGeom>
-        </p:spPr>
-        <p:style>
-          <a:lnRef idx="2">
-            <a:schemeClr val="accent1">
-              <a:shade val="50000"/>
-            </a:schemeClr>
-          </a:lnRef>
-          <a:fillRef idx="1">
-            <a:schemeClr val="accent1"/>
-          </a:fillRef>
-          <a:effectRef idx="0">
-            <a:schemeClr val="accent1"/>
-          </a:effectRef>
-          <a:fontRef idx="minor">
-            <a:schemeClr val="lt1"/>
-          </a:fontRef>
-        </p:style>
-        <p:txBody>
-          <a:bodyPr rtlCol="0" anchor="ctr"/>
-          <a:lstStyle/>
-          <a:p>
-            <a:pPr algn="ctr"/>
-            <a:r>
-              <a:rPr lang="en-US" sz="2000" dirty="0" smtClean="0"/>
-              <a:t>Counter-example </a:t>
-            </a:r>
-            <a:r>
-              <a:rPr lang="en-US" sz="2000" dirty="0"/>
-              <a:t>g</a:t>
-            </a:r>
-            <a:r>
-              <a:rPr lang="en-US" sz="2000" dirty="0" smtClean="0"/>
-              <a:t>uided </a:t>
-            </a:r>
-            <a:r>
-              <a:rPr lang="en-US" sz="2000" dirty="0"/>
-              <a:t>S</a:t>
-            </a:r>
-            <a:r>
-              <a:rPr lang="en-US" sz="2000" dirty="0" smtClean="0"/>
-              <a:t>olving</a:t>
-            </a:r>
-            <a:endParaRPr lang="en-US" sz="2000" dirty="0"/>
-          </a:p>
-        </p:txBody>
-      </p:sp>
-      <p:cxnSp>
-        <p:nvCxnSpPr>
-          <p:cNvPr id="40" name="Curved Connector 39"/>
-          <p:cNvCxnSpPr>
-            <a:stCxn id="16" idx="2"/>
-            <a:endCxn id="27" idx="0"/>
-          </p:cNvCxnSpPr>
-          <p:nvPr/>
-        </p:nvCxnSpPr>
-        <p:spPr>
-          <a:xfrm rot="5400000">
-            <a:off x="2079521" y="2883331"/>
-            <a:ext cx="1020220" cy="3123055"/>
-          </a:xfrm>
-          <a:prstGeom prst="curvedConnector3">
-            <a:avLst>
-              <a:gd name="adj1" fmla="val 50000"/>
-            </a:avLst>
-          </a:prstGeom>
-          <a:ln w="38100">
-            <a:headEnd type="triangle"/>
-            <a:tailEnd type="triangle"/>
-          </a:ln>
-        </p:spPr>
-        <p:style>
-          <a:lnRef idx="1">
-            <a:schemeClr val="accent1"/>
-          </a:lnRef>
-          <a:fillRef idx="0">
-            <a:schemeClr val="accent1"/>
-          </a:fillRef>
-          <a:effectRef idx="0">
-            <a:schemeClr val="accent1"/>
-          </a:effectRef>
-          <a:fontRef idx="minor">
-            <a:schemeClr val="tx1"/>
-          </a:fontRef>
-        </p:style>
-      </p:cxnSp>
-      <p:cxnSp>
-        <p:nvCxnSpPr>
-          <p:cNvPr id="43" name="Curved Connector 42"/>
-          <p:cNvCxnSpPr>
-            <a:stCxn id="16" idx="0"/>
-            <a:endCxn id="49" idx="0"/>
-          </p:cNvCxnSpPr>
-          <p:nvPr/>
-        </p:nvCxnSpPr>
-        <p:spPr>
-          <a:xfrm rot="16200000" flipH="1" flipV="1">
-            <a:off x="2750202" y="1879919"/>
-            <a:ext cx="184327" cy="2617584"/>
-          </a:xfrm>
-          <a:prstGeom prst="curvedConnector3">
-            <a:avLst>
-              <a:gd name="adj1" fmla="val -124019"/>
-            </a:avLst>
-          </a:prstGeom>
-          <a:ln w="38100">
-            <a:headEnd type="triangle"/>
-            <a:tailEnd type="none"/>
-          </a:ln>
-        </p:spPr>
-        <p:style>
-          <a:lnRef idx="1">
-            <a:schemeClr val="accent1"/>
-          </a:lnRef>
-          <a:fillRef idx="0">
-            <a:schemeClr val="accent1"/>
-          </a:fillRef>
-          <a:effectRef idx="0">
-            <a:schemeClr val="accent1"/>
-          </a:effectRef>
-          <a:fontRef idx="minor">
-            <a:schemeClr val="tx1"/>
-          </a:fontRef>
-        </p:style>
-      </p:cxnSp>
-      <p:cxnSp>
-        <p:nvCxnSpPr>
-          <p:cNvPr id="46" name="Curved Connector 45"/>
-          <p:cNvCxnSpPr>
-            <a:stCxn id="16" idx="2"/>
-            <a:endCxn id="25" idx="0"/>
-          </p:cNvCxnSpPr>
-          <p:nvPr/>
-        </p:nvCxnSpPr>
-        <p:spPr>
-          <a:xfrm rot="16200000" flipH="1">
-            <a:off x="4274215" y="3811691"/>
-            <a:ext cx="978019" cy="1224132"/>
-          </a:xfrm>
-          <a:prstGeom prst="curvedConnector3">
-            <a:avLst>
-              <a:gd name="adj1" fmla="val 50000"/>
-            </a:avLst>
-          </a:prstGeom>
-          <a:ln w="38100">
-            <a:headEnd type="triangle"/>
-            <a:tailEnd type="triangle"/>
-          </a:ln>
-        </p:spPr>
-        <p:style>
-          <a:lnRef idx="1">
-            <a:schemeClr val="accent1"/>
-          </a:lnRef>
-          <a:fillRef idx="0">
-            <a:schemeClr val="accent1"/>
-          </a:fillRef>
-          <a:effectRef idx="0">
-            <a:schemeClr val="accent1"/>
-          </a:effectRef>
-          <a:fontRef idx="minor">
-            <a:schemeClr val="tx1"/>
-          </a:fontRef>
-        </p:style>
-      </p:cxnSp>
-      <p:cxnSp>
-        <p:nvCxnSpPr>
-          <p:cNvPr id="50" name="Curved Connector 49"/>
-          <p:cNvCxnSpPr>
-            <a:stCxn id="16" idx="1"/>
-            <a:endCxn id="49" idx="3"/>
-          </p:cNvCxnSpPr>
-          <p:nvPr/>
-        </p:nvCxnSpPr>
-        <p:spPr>
-          <a:xfrm flipH="1">
-            <a:off x="2480012" y="3515648"/>
-            <a:ext cx="594958" cy="24539"/>
-          </a:xfrm>
-          <a:prstGeom prst="straightConnector1">
-            <a:avLst/>
-          </a:prstGeom>
-          <a:ln w="38100">
-            <a:tailEnd type="triangle"/>
-          </a:ln>
-        </p:spPr>
-        <p:style>
-          <a:lnRef idx="1">
-            <a:schemeClr val="accent1"/>
-          </a:lnRef>
-          <a:fillRef idx="0">
-            <a:schemeClr val="accent1"/>
-          </a:fillRef>
-          <a:effectRef idx="0">
-            <a:schemeClr val="accent1"/>
-          </a:effectRef>
-          <a:fontRef idx="minor">
-            <a:schemeClr val="tx1"/>
-          </a:fontRef>
-        </p:style>
-      </p:cxnSp>
-      <p:sp>
-        <p:nvSpPr>
-          <p:cNvPr id="22" name="TextBox 21"/>
-          <p:cNvSpPr txBox="1"/>
-          <p:nvPr/>
-        </p:nvSpPr>
-        <p:spPr>
-          <a:xfrm>
-            <a:off x="233984" y="6009968"/>
-            <a:ext cx="1317990" cy="646331"/>
-          </a:xfrm>
-          <a:prstGeom prst="rect">
-            <a:avLst/>
-          </a:prstGeom>
-          <a:noFill/>
-        </p:spPr>
-        <p:txBody>
-          <a:bodyPr wrap="none" rtlCol="0">
-            <a:spAutoFit/>
-          </a:bodyPr>
-          <a:lstStyle/>
-          <a:p>
-            <a:r>
-              <a:rPr lang="en-US" dirty="0" smtClean="0"/>
-              <a:t>Handles</a:t>
-            </a:r>
-          </a:p>
-          <a:p>
-            <a:r>
-              <a:rPr lang="en-US" i="1" dirty="0" smtClean="0"/>
-              <a:t>nonlinearity</a:t>
-            </a:r>
-          </a:p>
-        </p:txBody>
-      </p:sp>
-      <p:sp>
-        <p:nvSpPr>
-          <p:cNvPr id="23" name="TextBox 22"/>
-          <p:cNvSpPr txBox="1"/>
-          <p:nvPr/>
-        </p:nvSpPr>
-        <p:spPr>
-          <a:xfrm>
-            <a:off x="4601008" y="5899491"/>
-            <a:ext cx="1548565" cy="646331"/>
-          </a:xfrm>
-          <a:prstGeom prst="rect">
-            <a:avLst/>
-          </a:prstGeom>
-          <a:noFill/>
-        </p:spPr>
-        <p:txBody>
-          <a:bodyPr wrap="none" rtlCol="0">
-            <a:spAutoFit/>
-          </a:bodyPr>
-          <a:lstStyle/>
-          <a:p>
-            <a:r>
-              <a:rPr lang="en-US" dirty="0" smtClean="0"/>
-              <a:t>Computes</a:t>
-            </a:r>
-          </a:p>
-          <a:p>
-            <a:r>
-              <a:rPr lang="en-US" i="1" dirty="0"/>
-              <a:t>s</a:t>
-            </a:r>
-            <a:r>
-              <a:rPr lang="en-US" i="1" dirty="0" smtClean="0"/>
-              <a:t>trong bounds</a:t>
-            </a:r>
-          </a:p>
-        </p:txBody>
-      </p:sp>
-      <p:sp>
-        <p:nvSpPr>
-          <p:cNvPr id="49" name="Rounded Rectangle 48"/>
-          <p:cNvSpPr/>
-          <p:nvPr/>
-        </p:nvSpPr>
-        <p:spPr>
-          <a:xfrm>
-            <a:off x="587135" y="3280875"/>
-            <a:ext cx="1892877" cy="518623"/>
-          </a:xfrm>
-          <a:prstGeom prst="roundRect">
-            <a:avLst/>
-          </a:prstGeom>
-        </p:spPr>
-        <p:style>
-          <a:lnRef idx="2">
-            <a:schemeClr val="accent1">
-              <a:shade val="50000"/>
-            </a:schemeClr>
-          </a:lnRef>
-          <a:fillRef idx="1">
-            <a:schemeClr val="accent1"/>
-          </a:fillRef>
-          <a:effectRef idx="0">
-            <a:schemeClr val="accent1"/>
-          </a:effectRef>
-          <a:fontRef idx="minor">
-            <a:schemeClr val="lt1"/>
-          </a:fontRef>
-        </p:style>
-        <p:txBody>
-          <a:bodyPr rtlCol="0" anchor="ctr"/>
-          <a:lstStyle/>
-          <a:p>
-            <a:pPr algn="ctr"/>
-            <a:r>
-              <a:rPr lang="en-US" dirty="0" smtClean="0"/>
-              <a:t>VC Refinement</a:t>
-            </a:r>
-            <a:endParaRPr lang="en-US" dirty="0"/>
-          </a:p>
-        </p:txBody>
-      </p:sp>
-      <p:sp>
-        <p:nvSpPr>
-          <p:cNvPr id="28" name="Rounded Rectangle 27"/>
-          <p:cNvSpPr/>
-          <p:nvPr/>
-        </p:nvSpPr>
-        <p:spPr>
-          <a:xfrm>
-            <a:off x="6529309" y="4810056"/>
-            <a:ext cx="1835138" cy="1199912"/>
-          </a:xfrm>
-          <a:prstGeom prst="roundRect">
-            <a:avLst/>
-          </a:prstGeom>
-          <a:solidFill>
-            <a:schemeClr val="tx2"/>
-          </a:solidFill>
-        </p:spPr>
-        <p:style>
-          <a:lnRef idx="2">
-            <a:schemeClr val="accent1">
-              <a:shade val="50000"/>
-            </a:schemeClr>
-          </a:lnRef>
-          <a:fillRef idx="1">
-            <a:schemeClr val="accent1"/>
-          </a:fillRef>
-          <a:effectRef idx="0">
-            <a:schemeClr val="accent1"/>
-          </a:effectRef>
-          <a:fontRef idx="minor">
-            <a:schemeClr val="lt1"/>
-          </a:fontRef>
-        </p:style>
-        <p:txBody>
-          <a:bodyPr rtlCol="0" anchor="ctr"/>
-          <a:lstStyle/>
-          <a:p>
-            <a:pPr algn="ctr"/>
-            <a:r>
-              <a:rPr lang="en-US" sz="2400" dirty="0" smtClean="0"/>
-              <a:t>Solving Nonlinear Constraints</a:t>
-            </a:r>
-            <a:endParaRPr lang="en-US" sz="2400" dirty="0"/>
-          </a:p>
-        </p:txBody>
-      </p:sp>
-      <p:cxnSp>
-        <p:nvCxnSpPr>
-          <p:cNvPr id="29" name="Curved Connector 28"/>
-          <p:cNvCxnSpPr>
-            <a:stCxn id="16" idx="2"/>
-            <a:endCxn id="28" idx="0"/>
-          </p:cNvCxnSpPr>
-          <p:nvPr/>
-        </p:nvCxnSpPr>
-        <p:spPr>
-          <a:xfrm rot="16200000" flipH="1">
-            <a:off x="5361364" y="2724542"/>
-            <a:ext cx="875308" cy="3295720"/>
-          </a:xfrm>
-          <a:prstGeom prst="curvedConnector3">
-            <a:avLst>
-              <a:gd name="adj1" fmla="val 50000"/>
-            </a:avLst>
-          </a:prstGeom>
-          <a:ln w="38100">
-            <a:headEnd type="triangle"/>
-            <a:tailEnd type="triangle"/>
-          </a:ln>
-        </p:spPr>
-        <p:style>
-          <a:lnRef idx="1">
-            <a:schemeClr val="accent1"/>
-          </a:lnRef>
-          <a:fillRef idx="0">
-            <a:schemeClr val="accent1"/>
-          </a:fillRef>
-          <a:effectRef idx="0">
-            <a:schemeClr val="accent1"/>
-          </a:effectRef>
-          <a:fontRef idx="minor">
-            <a:schemeClr val="tx1"/>
-          </a:fontRef>
-        </p:style>
-      </p:cxnSp>
-      <p:cxnSp>
-        <p:nvCxnSpPr>
-          <p:cNvPr id="82" name="Curved Connector 81"/>
-          <p:cNvCxnSpPr>
-            <a:stCxn id="16" idx="2"/>
-            <a:endCxn id="26" idx="0"/>
-          </p:cNvCxnSpPr>
-          <p:nvPr/>
-        </p:nvCxnSpPr>
-        <p:spPr>
-          <a:xfrm rot="5400000">
-            <a:off x="3140983" y="3944793"/>
-            <a:ext cx="1020220" cy="1000130"/>
-          </a:xfrm>
-          <a:prstGeom prst="curvedConnector3">
-            <a:avLst>
-              <a:gd name="adj1" fmla="val 50000"/>
-            </a:avLst>
-          </a:prstGeom>
-          <a:ln w="38100">
-            <a:headEnd type="triangle"/>
-            <a:tailEnd type="triangle"/>
-          </a:ln>
-        </p:spPr>
-        <p:style>
-          <a:lnRef idx="1">
-            <a:schemeClr val="accent1"/>
-          </a:lnRef>
-          <a:fillRef idx="0">
-            <a:schemeClr val="accent1"/>
-          </a:fillRef>
-          <a:effectRef idx="0">
-            <a:schemeClr val="accent1"/>
-          </a:effectRef>
-          <a:fontRef idx="minor">
-            <a:schemeClr val="tx1"/>
-          </a:fontRef>
-        </p:style>
-      </p:cxnSp>
-      <p:sp>
-        <p:nvSpPr>
-          <p:cNvPr id="94" name="TextBox 93"/>
-          <p:cNvSpPr txBox="1"/>
-          <p:nvPr/>
-        </p:nvSpPr>
-        <p:spPr>
-          <a:xfrm>
-            <a:off x="6690488" y="6090616"/>
-            <a:ext cx="1473865" cy="646331"/>
-          </a:xfrm>
-          <a:prstGeom prst="rect">
-            <a:avLst/>
-          </a:prstGeom>
-          <a:noFill/>
-        </p:spPr>
-        <p:txBody>
-          <a:bodyPr wrap="none" rtlCol="0">
-            <a:spAutoFit/>
-          </a:bodyPr>
-          <a:lstStyle/>
-          <a:p>
-            <a:r>
-              <a:rPr lang="en-US" dirty="0" smtClean="0"/>
-              <a:t>Solves </a:t>
-            </a:r>
-            <a:r>
-              <a:rPr lang="en-US" i="1" dirty="0" err="1" smtClean="0"/>
-              <a:t>Farkas</a:t>
-            </a:r>
-            <a:r>
-              <a:rPr lang="en-US" i="1" dirty="0" smtClean="0"/>
-              <a:t>’</a:t>
-            </a:r>
-          </a:p>
-          <a:p>
-            <a:r>
-              <a:rPr lang="en-US" i="1" dirty="0" smtClean="0"/>
-              <a:t>Constraints</a:t>
-            </a:r>
-          </a:p>
-        </p:txBody>
-      </p:sp>
-      <p:sp>
-        <p:nvSpPr>
-          <p:cNvPr id="95" name="TextBox 94"/>
-          <p:cNvSpPr txBox="1"/>
-          <p:nvPr/>
-        </p:nvSpPr>
-        <p:spPr>
-          <a:xfrm>
-            <a:off x="2213191" y="6013454"/>
-            <a:ext cx="1937966" cy="646331"/>
-          </a:xfrm>
-          <a:prstGeom prst="rect">
-            <a:avLst/>
-          </a:prstGeom>
-          <a:noFill/>
-        </p:spPr>
-        <p:txBody>
-          <a:bodyPr wrap="none" rtlCol="0">
-            <a:spAutoFit/>
-          </a:bodyPr>
-          <a:lstStyle/>
-          <a:p>
-            <a:r>
-              <a:rPr lang="en-US" dirty="0" smtClean="0"/>
-              <a:t>Produces a </a:t>
-            </a:r>
-          </a:p>
-          <a:p>
-            <a:r>
-              <a:rPr lang="en-US" i="1" dirty="0" smtClean="0"/>
-              <a:t>Numerical formula</a:t>
-            </a:r>
-          </a:p>
-        </p:txBody>
-      </p:sp>
-      <p:sp>
-        <p:nvSpPr>
-          <p:cNvPr id="110" name="Rectangle 109"/>
-          <p:cNvSpPr/>
-          <p:nvPr/>
-        </p:nvSpPr>
-        <p:spPr>
-          <a:xfrm>
-            <a:off x="540593" y="2526070"/>
-            <a:ext cx="1932214" cy="646331"/>
-          </a:xfrm>
-          <a:prstGeom prst="rect">
-            <a:avLst/>
-          </a:prstGeom>
-        </p:spPr>
-        <p:txBody>
-          <a:bodyPr wrap="square">
-            <a:spAutoFit/>
-          </a:bodyPr>
-          <a:lstStyle/>
-          <a:p>
-            <a:r>
-              <a:rPr lang="en-US" dirty="0" smtClean="0"/>
-              <a:t>Unfolds functions </a:t>
-            </a:r>
-          </a:p>
-          <a:p>
-            <a:r>
-              <a:rPr lang="en-US" dirty="0" smtClean="0"/>
-              <a:t>in the VC</a:t>
-            </a:r>
-            <a:endParaRPr lang="en-US" dirty="0"/>
-          </a:p>
-        </p:txBody>
-      </p:sp>
-    </p:spTree>
-    <p:extLst>
-      <p:ext uri="{BB962C8B-B14F-4D97-AF65-F5344CB8AC3E}">
-        <p14:creationId xmlns:p14="http://schemas.microsoft.com/office/powerpoint/2010/main" val="1294953702"/>
       </p:ext>
     </p:extLst>
   </p:cSld>
@@ -33697,6 +33263,1135 @@
             <p:ph type="title"/>
           </p:nvPr>
         </p:nvSpPr>
+        <p:spPr>
+          <a:xfrm>
+            <a:off x="457200" y="274638"/>
+            <a:ext cx="7620000" cy="444791"/>
+          </a:xfrm>
+        </p:spPr>
+        <p:txBody>
+          <a:bodyPr/>
+          <a:lstStyle/>
+          <a:p>
+            <a:r>
+              <a:rPr lang="en-US" dirty="0" smtClean="0"/>
+              <a:t>Overview</a:t>
+            </a:r>
+            <a:endParaRPr lang="en-US" dirty="0"/>
+          </a:p>
+        </p:txBody>
+      </p:sp>
+      <p:sp>
+        <p:nvSpPr>
+          <p:cNvPr id="8" name="Rounded Rectangle 7"/>
+          <p:cNvSpPr/>
+          <p:nvPr/>
+        </p:nvSpPr>
+        <p:spPr>
+          <a:xfrm>
+            <a:off x="3131846" y="1123267"/>
+            <a:ext cx="2038624" cy="609600"/>
+          </a:xfrm>
+          <a:prstGeom prst="roundRect">
+            <a:avLst/>
+          </a:prstGeom>
+        </p:spPr>
+        <p:style>
+          <a:lnRef idx="2">
+            <a:schemeClr val="accent1">
+              <a:shade val="50000"/>
+            </a:schemeClr>
+          </a:lnRef>
+          <a:fillRef idx="1">
+            <a:schemeClr val="accent1"/>
+          </a:fillRef>
+          <a:effectRef idx="0">
+            <a:schemeClr val="accent1"/>
+          </a:effectRef>
+          <a:fontRef idx="minor">
+            <a:schemeClr val="lt1"/>
+          </a:fontRef>
+        </p:style>
+        <p:txBody>
+          <a:bodyPr rtlCol="0" anchor="ctr"/>
+          <a:lstStyle/>
+          <a:p>
+            <a:pPr algn="ctr"/>
+            <a:r>
+              <a:rPr lang="en-US" sz="2000" dirty="0" smtClean="0"/>
+              <a:t>Instrumentation phase </a:t>
+            </a:r>
+            <a:endParaRPr lang="en-US" sz="2000" dirty="0"/>
+          </a:p>
+        </p:txBody>
+      </p:sp>
+      <p:sp>
+        <p:nvSpPr>
+          <p:cNvPr id="9" name="Rounded Rectangle 8"/>
+          <p:cNvSpPr/>
+          <p:nvPr/>
+        </p:nvSpPr>
+        <p:spPr>
+          <a:xfrm>
+            <a:off x="3226354" y="2203492"/>
+            <a:ext cx="1849609" cy="477639"/>
+          </a:xfrm>
+          <a:prstGeom prst="roundRect">
+            <a:avLst/>
+          </a:prstGeom>
+        </p:spPr>
+        <p:style>
+          <a:lnRef idx="2">
+            <a:schemeClr val="accent1">
+              <a:shade val="50000"/>
+            </a:schemeClr>
+          </a:lnRef>
+          <a:fillRef idx="1">
+            <a:schemeClr val="accent1"/>
+          </a:fillRef>
+          <a:effectRef idx="0">
+            <a:schemeClr val="accent1"/>
+          </a:effectRef>
+          <a:fontRef idx="minor">
+            <a:schemeClr val="lt1"/>
+          </a:fontRef>
+        </p:style>
+        <p:txBody>
+          <a:bodyPr rtlCol="0" anchor="ctr"/>
+          <a:lstStyle/>
+          <a:p>
+            <a:pPr algn="ctr"/>
+            <a:r>
+              <a:rPr lang="en-US" sz="2000" dirty="0" smtClean="0"/>
+              <a:t>VC Generation</a:t>
+            </a:r>
+            <a:endParaRPr lang="en-US" sz="2000" dirty="0"/>
+          </a:p>
+        </p:txBody>
+      </p:sp>
+      <p:cxnSp>
+        <p:nvCxnSpPr>
+          <p:cNvPr id="13" name="Curved Connector 12"/>
+          <p:cNvCxnSpPr>
+            <a:stCxn id="8" idx="2"/>
+            <a:endCxn id="9" idx="0"/>
+          </p:cNvCxnSpPr>
+          <p:nvPr/>
+        </p:nvCxnSpPr>
+        <p:spPr>
+          <a:xfrm>
+            <a:off x="4151158" y="1732867"/>
+            <a:ext cx="1" cy="470625"/>
+          </a:xfrm>
+          <a:prstGeom prst="straightConnector1">
+            <a:avLst/>
+          </a:prstGeom>
+          <a:ln w="38100">
+            <a:tailEnd type="triangle"/>
+          </a:ln>
+        </p:spPr>
+        <p:style>
+          <a:lnRef idx="1">
+            <a:schemeClr val="accent1"/>
+          </a:lnRef>
+          <a:fillRef idx="0">
+            <a:schemeClr val="accent1"/>
+          </a:fillRef>
+          <a:effectRef idx="0">
+            <a:schemeClr val="accent1"/>
+          </a:effectRef>
+          <a:fontRef idx="minor">
+            <a:schemeClr val="tx1"/>
+          </a:fontRef>
+        </p:style>
+      </p:cxnSp>
+      <p:sp>
+        <p:nvSpPr>
+          <p:cNvPr id="14" name="TextBox 13"/>
+          <p:cNvSpPr txBox="1"/>
+          <p:nvPr/>
+        </p:nvSpPr>
+        <p:spPr>
+          <a:xfrm>
+            <a:off x="5227345" y="946692"/>
+            <a:ext cx="2963440" cy="646331"/>
+          </a:xfrm>
+          <a:prstGeom prst="rect">
+            <a:avLst/>
+          </a:prstGeom>
+          <a:noFill/>
+        </p:spPr>
+        <p:txBody>
+          <a:bodyPr wrap="none" rtlCol="0">
+            <a:spAutoFit/>
+          </a:bodyPr>
+          <a:lstStyle/>
+          <a:p>
+            <a:r>
+              <a:rPr lang="en-US" dirty="0" smtClean="0"/>
+              <a:t>Converts bound inference to </a:t>
+            </a:r>
+          </a:p>
+          <a:p>
+            <a:r>
+              <a:rPr lang="en-US" i="1" dirty="0" smtClean="0"/>
+              <a:t>inductive invariant</a:t>
+            </a:r>
+            <a:r>
+              <a:rPr lang="en-US" dirty="0" smtClean="0"/>
+              <a:t> inference</a:t>
+            </a:r>
+            <a:endParaRPr lang="en-US" dirty="0"/>
+          </a:p>
+        </p:txBody>
+      </p:sp>
+      <mc:AlternateContent xmlns:mc="http://schemas.openxmlformats.org/markup-compatibility/2006" xmlns:a14="http://schemas.microsoft.com/office/drawing/2010/main">
+        <mc:Choice Requires="a14">
+          <p:sp>
+            <p:nvSpPr>
+              <p:cNvPr id="17" name="TextBox 16"/>
+              <p:cNvSpPr txBox="1"/>
+              <p:nvPr/>
+            </p:nvSpPr>
+            <p:spPr>
+              <a:xfrm>
+                <a:off x="5170470" y="1793508"/>
+                <a:ext cx="3193977" cy="1200329"/>
+              </a:xfrm>
+              <a:prstGeom prst="rect">
+                <a:avLst/>
+              </a:prstGeom>
+              <a:noFill/>
+            </p:spPr>
+            <p:txBody>
+              <a:bodyPr wrap="square" rtlCol="0">
+                <a:spAutoFit/>
+              </a:bodyPr>
+              <a:lstStyle/>
+              <a:p>
+                <a:r>
+                  <a:rPr lang="en-US" sz="2400" dirty="0" smtClean="0"/>
+                  <a:t>A formula </a:t>
+                </a:r>
+                <a14:m>
+                  <m:oMath xmlns:m="http://schemas.openxmlformats.org/officeDocument/2006/math">
+                    <m:r>
+                      <a:rPr lang="en-US" sz="2400" b="0" i="1" smtClean="0">
+                        <a:solidFill>
+                          <a:schemeClr val="tx1"/>
+                        </a:solidFill>
+                        <a:latin typeface="Cambria Math" panose="02040503050406030204" pitchFamily="18" charset="0"/>
+                      </a:rPr>
+                      <m:t>∀</m:t>
+                    </m:r>
+                    <m:r>
+                      <a:rPr lang="en-US" sz="2400" b="0" i="1" smtClean="0">
+                        <a:solidFill>
+                          <a:schemeClr val="tx1"/>
+                        </a:solidFill>
+                        <a:latin typeface="Cambria Math" panose="02040503050406030204" pitchFamily="18" charset="0"/>
+                      </a:rPr>
+                      <m:t>𝑥</m:t>
+                    </m:r>
+                    <m:r>
+                      <a:rPr lang="en-US" sz="2400" b="0" i="1" smtClean="0">
+                        <a:solidFill>
+                          <a:schemeClr val="tx1"/>
+                        </a:solidFill>
+                        <a:latin typeface="Cambria Math" panose="02040503050406030204" pitchFamily="18" charset="0"/>
+                      </a:rPr>
+                      <m:t>. </m:t>
+                    </m:r>
+                    <m:r>
+                      <a:rPr lang="en-US" sz="2400" b="0" i="1" smtClean="0">
+                        <a:solidFill>
+                          <a:schemeClr val="tx1"/>
+                        </a:solidFill>
+                        <a:latin typeface="Cambria Math" panose="02040503050406030204" pitchFamily="18" charset="0"/>
+                      </a:rPr>
+                      <m:t>𝜓</m:t>
+                    </m:r>
+                    <m:r>
+                      <a:rPr lang="en-US" sz="2400" b="0" i="1">
+                        <a:solidFill>
+                          <a:srgbClr val="FF0000"/>
+                        </a:solidFill>
+                        <a:latin typeface="Cambria Math" panose="02040503050406030204" pitchFamily="18" charset="0"/>
+                      </a:rPr>
+                      <m:t> </m:t>
+                    </m:r>
+                  </m:oMath>
+                </a14:m>
+                <a:r>
+                  <a:rPr lang="en-US" sz="2400" dirty="0" smtClean="0"/>
+                  <a:t>with </a:t>
+                </a:r>
+              </a:p>
+              <a:p>
+                <a:r>
+                  <a:rPr lang="en-US" sz="2400" i="1" dirty="0" smtClean="0"/>
+                  <a:t>free </a:t>
+                </a:r>
+                <a:r>
+                  <a:rPr lang="en-US" sz="2400" i="1" dirty="0" err="1" smtClean="0"/>
+                  <a:t>vars</a:t>
+                </a:r>
+                <a:r>
+                  <a:rPr lang="en-US" sz="2400" i="1" dirty="0" smtClean="0"/>
+                  <a:t>, uninterpreted functions and ADTs</a:t>
+                </a:r>
+                <a:endParaRPr lang="en-US" sz="2400" i="1" dirty="0"/>
+              </a:p>
+            </p:txBody>
+          </p:sp>
+        </mc:Choice>
+        <mc:Fallback xmlns="">
+          <p:sp>
+            <p:nvSpPr>
+              <p:cNvPr id="17" name="TextBox 16"/>
+              <p:cNvSpPr txBox="1">
+                <a:spLocks noRot="1" noChangeAspect="1" noMove="1" noResize="1" noEditPoints="1" noAdjustHandles="1" noChangeArrowheads="1" noChangeShapeType="1" noTextEdit="1"/>
+              </p:cNvSpPr>
+              <p:nvPr/>
+            </p:nvSpPr>
+            <p:spPr>
+              <a:xfrm>
+                <a:off x="5170470" y="1793508"/>
+                <a:ext cx="3193977" cy="1200329"/>
+              </a:xfrm>
+              <a:prstGeom prst="rect">
+                <a:avLst/>
+              </a:prstGeom>
+              <a:blipFill rotWithShape="0">
+                <a:blip r:embed="rId3"/>
+                <a:stretch>
+                  <a:fillRect l="-2863" t="-4061" r="-2290" b="-10660"/>
+                </a:stretch>
+              </a:blipFill>
+            </p:spPr>
+            <p:txBody>
+              <a:bodyPr/>
+              <a:lstStyle/>
+              <a:p>
+                <a:r>
+                  <a:rPr lang="en-US">
+                    <a:noFill/>
+                  </a:rPr>
+                  <a:t> </a:t>
+                </a:r>
+              </a:p>
+            </p:txBody>
+          </p:sp>
+        </mc:Fallback>
+      </mc:AlternateContent>
+      <p:cxnSp>
+        <p:nvCxnSpPr>
+          <p:cNvPr id="18" name="Curved Connector 17"/>
+          <p:cNvCxnSpPr>
+            <a:stCxn id="9" idx="2"/>
+            <a:endCxn id="16" idx="0"/>
+          </p:cNvCxnSpPr>
+          <p:nvPr/>
+        </p:nvCxnSpPr>
+        <p:spPr>
+          <a:xfrm flipH="1">
+            <a:off x="4151158" y="2681131"/>
+            <a:ext cx="1" cy="415417"/>
+          </a:xfrm>
+          <a:prstGeom prst="straightConnector1">
+            <a:avLst/>
+          </a:prstGeom>
+          <a:ln w="38100">
+            <a:tailEnd type="triangle"/>
+          </a:ln>
+        </p:spPr>
+        <p:style>
+          <a:lnRef idx="1">
+            <a:schemeClr val="accent1"/>
+          </a:lnRef>
+          <a:fillRef idx="0">
+            <a:schemeClr val="accent1"/>
+          </a:fillRef>
+          <a:effectRef idx="0">
+            <a:schemeClr val="accent1"/>
+          </a:effectRef>
+          <a:fontRef idx="minor">
+            <a:schemeClr val="tx1"/>
+          </a:fontRef>
+        </p:style>
+      </p:cxnSp>
+      <p:sp>
+        <p:nvSpPr>
+          <p:cNvPr id="25" name="Rounded Rectangle 24"/>
+          <p:cNvSpPr/>
+          <p:nvPr/>
+        </p:nvSpPr>
+        <p:spPr>
+          <a:xfrm>
+            <a:off x="4407218" y="4912767"/>
+            <a:ext cx="1936144" cy="904203"/>
+          </a:xfrm>
+          <a:prstGeom prst="roundRect">
+            <a:avLst/>
+          </a:prstGeom>
+          <a:solidFill>
+            <a:schemeClr val="tx2"/>
+          </a:solidFill>
+        </p:spPr>
+        <p:style>
+          <a:lnRef idx="2">
+            <a:schemeClr val="accent1">
+              <a:shade val="50000"/>
+            </a:schemeClr>
+          </a:lnRef>
+          <a:fillRef idx="1">
+            <a:schemeClr val="accent1"/>
+          </a:fillRef>
+          <a:effectRef idx="0">
+            <a:schemeClr val="accent1"/>
+          </a:effectRef>
+          <a:fontRef idx="minor">
+            <a:schemeClr val="lt1"/>
+          </a:fontRef>
+        </p:style>
+        <p:txBody>
+          <a:bodyPr rtlCol="0" anchor="ctr"/>
+          <a:lstStyle/>
+          <a:p>
+            <a:pPr algn="ctr"/>
+            <a:r>
+              <a:rPr lang="en-US" sz="2400" dirty="0" smtClean="0"/>
+              <a:t>Minimization of solutions</a:t>
+            </a:r>
+            <a:endParaRPr lang="en-US" sz="2400" dirty="0"/>
+          </a:p>
+        </p:txBody>
+      </p:sp>
+      <p:sp>
+        <p:nvSpPr>
+          <p:cNvPr id="26" name="Rounded Rectangle 25"/>
+          <p:cNvSpPr/>
+          <p:nvPr/>
+        </p:nvSpPr>
+        <p:spPr>
+          <a:xfrm>
+            <a:off x="2065975" y="4954968"/>
+            <a:ext cx="2170106" cy="944523"/>
+          </a:xfrm>
+          <a:prstGeom prst="roundRect">
+            <a:avLst/>
+          </a:prstGeom>
+          <a:solidFill>
+            <a:schemeClr val="tx2"/>
+          </a:solidFill>
+        </p:spPr>
+        <p:style>
+          <a:lnRef idx="2">
+            <a:schemeClr val="accent1">
+              <a:shade val="50000"/>
+            </a:schemeClr>
+          </a:lnRef>
+          <a:fillRef idx="1">
+            <a:schemeClr val="accent1"/>
+          </a:fillRef>
+          <a:effectRef idx="0">
+            <a:schemeClr val="accent1"/>
+          </a:effectRef>
+          <a:fontRef idx="minor">
+            <a:schemeClr val="lt1"/>
+          </a:fontRef>
+        </p:style>
+        <p:txBody>
+          <a:bodyPr rtlCol="0" anchor="ctr"/>
+          <a:lstStyle/>
+          <a:p>
+            <a:pPr algn="ctr"/>
+            <a:r>
+              <a:rPr lang="en-US" sz="2400" dirty="0" smtClean="0"/>
+              <a:t>Elimination of </a:t>
+            </a:r>
+          </a:p>
+          <a:p>
+            <a:pPr algn="ctr"/>
+            <a:r>
+              <a:rPr lang="en-US" sz="2400" dirty="0" smtClean="0"/>
+              <a:t>UF + ADT</a:t>
+            </a:r>
+            <a:endParaRPr lang="en-US" sz="2400" dirty="0"/>
+          </a:p>
+        </p:txBody>
+      </p:sp>
+      <p:sp>
+        <p:nvSpPr>
+          <p:cNvPr id="27" name="Rounded Rectangle 26"/>
+          <p:cNvSpPr/>
+          <p:nvPr/>
+        </p:nvSpPr>
+        <p:spPr>
+          <a:xfrm>
+            <a:off x="52195" y="4954968"/>
+            <a:ext cx="1951815" cy="954272"/>
+          </a:xfrm>
+          <a:prstGeom prst="roundRect">
+            <a:avLst/>
+          </a:prstGeom>
+          <a:solidFill>
+            <a:schemeClr val="tx2"/>
+          </a:solidFill>
+        </p:spPr>
+        <p:style>
+          <a:lnRef idx="2">
+            <a:schemeClr val="accent1">
+              <a:shade val="50000"/>
+            </a:schemeClr>
+          </a:lnRef>
+          <a:fillRef idx="1">
+            <a:schemeClr val="accent1"/>
+          </a:fillRef>
+          <a:effectRef idx="0">
+            <a:schemeClr val="accent1"/>
+          </a:effectRef>
+          <a:fontRef idx="minor">
+            <a:schemeClr val="lt1"/>
+          </a:fontRef>
+        </p:style>
+        <p:txBody>
+          <a:bodyPr rtlCol="0" anchor="ctr"/>
+          <a:lstStyle/>
+          <a:p>
+            <a:pPr algn="ctr"/>
+            <a:r>
+              <a:rPr lang="en-US" sz="2400" dirty="0" smtClean="0"/>
+              <a:t>Instantiation of Axioms</a:t>
+            </a:r>
+            <a:endParaRPr lang="en-US" sz="2400" dirty="0"/>
+          </a:p>
+        </p:txBody>
+      </p:sp>
+      <p:sp>
+        <p:nvSpPr>
+          <p:cNvPr id="16" name="Rounded Rectangle 15"/>
+          <p:cNvSpPr/>
+          <p:nvPr/>
+        </p:nvSpPr>
+        <p:spPr>
+          <a:xfrm>
+            <a:off x="3074970" y="3096548"/>
+            <a:ext cx="2152375" cy="838200"/>
+          </a:xfrm>
+          <a:prstGeom prst="roundRect">
+            <a:avLst/>
+          </a:prstGeom>
+        </p:spPr>
+        <p:style>
+          <a:lnRef idx="2">
+            <a:schemeClr val="accent1">
+              <a:shade val="50000"/>
+            </a:schemeClr>
+          </a:lnRef>
+          <a:fillRef idx="1">
+            <a:schemeClr val="accent1"/>
+          </a:fillRef>
+          <a:effectRef idx="0">
+            <a:schemeClr val="accent1"/>
+          </a:effectRef>
+          <a:fontRef idx="minor">
+            <a:schemeClr val="lt1"/>
+          </a:fontRef>
+        </p:style>
+        <p:txBody>
+          <a:bodyPr rtlCol="0" anchor="ctr"/>
+          <a:lstStyle/>
+          <a:p>
+            <a:pPr algn="ctr"/>
+            <a:r>
+              <a:rPr lang="en-US" sz="2000" dirty="0" smtClean="0"/>
+              <a:t>Counter-example </a:t>
+            </a:r>
+            <a:r>
+              <a:rPr lang="en-US" sz="2000" dirty="0"/>
+              <a:t>g</a:t>
+            </a:r>
+            <a:r>
+              <a:rPr lang="en-US" sz="2000" dirty="0" smtClean="0"/>
+              <a:t>uided </a:t>
+            </a:r>
+            <a:r>
+              <a:rPr lang="en-US" sz="2000" dirty="0"/>
+              <a:t>S</a:t>
+            </a:r>
+            <a:r>
+              <a:rPr lang="en-US" sz="2000" dirty="0" smtClean="0"/>
+              <a:t>olving</a:t>
+            </a:r>
+            <a:endParaRPr lang="en-US" sz="2000" dirty="0"/>
+          </a:p>
+        </p:txBody>
+      </p:sp>
+      <p:cxnSp>
+        <p:nvCxnSpPr>
+          <p:cNvPr id="40" name="Curved Connector 39"/>
+          <p:cNvCxnSpPr>
+            <a:stCxn id="16" idx="2"/>
+            <a:endCxn id="27" idx="0"/>
+          </p:cNvCxnSpPr>
+          <p:nvPr/>
+        </p:nvCxnSpPr>
+        <p:spPr>
+          <a:xfrm rot="5400000">
+            <a:off x="2079521" y="2883331"/>
+            <a:ext cx="1020220" cy="3123055"/>
+          </a:xfrm>
+          <a:prstGeom prst="curvedConnector3">
+            <a:avLst>
+              <a:gd name="adj1" fmla="val 50000"/>
+            </a:avLst>
+          </a:prstGeom>
+          <a:ln w="38100">
+            <a:headEnd type="triangle"/>
+            <a:tailEnd type="triangle"/>
+          </a:ln>
+        </p:spPr>
+        <p:style>
+          <a:lnRef idx="1">
+            <a:schemeClr val="accent1"/>
+          </a:lnRef>
+          <a:fillRef idx="0">
+            <a:schemeClr val="accent1"/>
+          </a:fillRef>
+          <a:effectRef idx="0">
+            <a:schemeClr val="accent1"/>
+          </a:effectRef>
+          <a:fontRef idx="minor">
+            <a:schemeClr val="tx1"/>
+          </a:fontRef>
+        </p:style>
+      </p:cxnSp>
+      <p:cxnSp>
+        <p:nvCxnSpPr>
+          <p:cNvPr id="43" name="Curved Connector 42"/>
+          <p:cNvCxnSpPr>
+            <a:stCxn id="16" idx="0"/>
+            <a:endCxn id="49" idx="0"/>
+          </p:cNvCxnSpPr>
+          <p:nvPr/>
+        </p:nvCxnSpPr>
+        <p:spPr>
+          <a:xfrm rot="16200000" flipH="1" flipV="1">
+            <a:off x="2750202" y="1879919"/>
+            <a:ext cx="184327" cy="2617584"/>
+          </a:xfrm>
+          <a:prstGeom prst="curvedConnector3">
+            <a:avLst>
+              <a:gd name="adj1" fmla="val -124019"/>
+            </a:avLst>
+          </a:prstGeom>
+          <a:ln w="38100">
+            <a:headEnd type="triangle"/>
+            <a:tailEnd type="none"/>
+          </a:ln>
+        </p:spPr>
+        <p:style>
+          <a:lnRef idx="1">
+            <a:schemeClr val="accent1"/>
+          </a:lnRef>
+          <a:fillRef idx="0">
+            <a:schemeClr val="accent1"/>
+          </a:fillRef>
+          <a:effectRef idx="0">
+            <a:schemeClr val="accent1"/>
+          </a:effectRef>
+          <a:fontRef idx="minor">
+            <a:schemeClr val="tx1"/>
+          </a:fontRef>
+        </p:style>
+      </p:cxnSp>
+      <p:cxnSp>
+        <p:nvCxnSpPr>
+          <p:cNvPr id="46" name="Curved Connector 45"/>
+          <p:cNvCxnSpPr>
+            <a:stCxn id="16" idx="2"/>
+            <a:endCxn id="25" idx="0"/>
+          </p:cNvCxnSpPr>
+          <p:nvPr/>
+        </p:nvCxnSpPr>
+        <p:spPr>
+          <a:xfrm rot="16200000" flipH="1">
+            <a:off x="4274215" y="3811691"/>
+            <a:ext cx="978019" cy="1224132"/>
+          </a:xfrm>
+          <a:prstGeom prst="curvedConnector3">
+            <a:avLst>
+              <a:gd name="adj1" fmla="val 50000"/>
+            </a:avLst>
+          </a:prstGeom>
+          <a:ln w="38100">
+            <a:headEnd type="triangle"/>
+            <a:tailEnd type="triangle"/>
+          </a:ln>
+        </p:spPr>
+        <p:style>
+          <a:lnRef idx="1">
+            <a:schemeClr val="accent1"/>
+          </a:lnRef>
+          <a:fillRef idx="0">
+            <a:schemeClr val="accent1"/>
+          </a:fillRef>
+          <a:effectRef idx="0">
+            <a:schemeClr val="accent1"/>
+          </a:effectRef>
+          <a:fontRef idx="minor">
+            <a:schemeClr val="tx1"/>
+          </a:fontRef>
+        </p:style>
+      </p:cxnSp>
+      <p:cxnSp>
+        <p:nvCxnSpPr>
+          <p:cNvPr id="50" name="Curved Connector 49"/>
+          <p:cNvCxnSpPr>
+            <a:stCxn id="16" idx="1"/>
+            <a:endCxn id="49" idx="3"/>
+          </p:cNvCxnSpPr>
+          <p:nvPr/>
+        </p:nvCxnSpPr>
+        <p:spPr>
+          <a:xfrm flipH="1">
+            <a:off x="2480012" y="3515648"/>
+            <a:ext cx="594958" cy="24539"/>
+          </a:xfrm>
+          <a:prstGeom prst="straightConnector1">
+            <a:avLst/>
+          </a:prstGeom>
+          <a:ln w="38100">
+            <a:tailEnd type="triangle"/>
+          </a:ln>
+        </p:spPr>
+        <p:style>
+          <a:lnRef idx="1">
+            <a:schemeClr val="accent1"/>
+          </a:lnRef>
+          <a:fillRef idx="0">
+            <a:schemeClr val="accent1"/>
+          </a:fillRef>
+          <a:effectRef idx="0">
+            <a:schemeClr val="accent1"/>
+          </a:effectRef>
+          <a:fontRef idx="minor">
+            <a:schemeClr val="tx1"/>
+          </a:fontRef>
+        </p:style>
+      </p:cxnSp>
+      <p:sp>
+        <p:nvSpPr>
+          <p:cNvPr id="22" name="TextBox 21"/>
+          <p:cNvSpPr txBox="1"/>
+          <p:nvPr/>
+        </p:nvSpPr>
+        <p:spPr>
+          <a:xfrm>
+            <a:off x="233984" y="6009968"/>
+            <a:ext cx="1317990" cy="646331"/>
+          </a:xfrm>
+          <a:prstGeom prst="rect">
+            <a:avLst/>
+          </a:prstGeom>
+          <a:noFill/>
+        </p:spPr>
+        <p:txBody>
+          <a:bodyPr wrap="none" rtlCol="0">
+            <a:spAutoFit/>
+          </a:bodyPr>
+          <a:lstStyle/>
+          <a:p>
+            <a:r>
+              <a:rPr lang="en-US" dirty="0" smtClean="0"/>
+              <a:t>Handles</a:t>
+            </a:r>
+          </a:p>
+          <a:p>
+            <a:r>
+              <a:rPr lang="en-US" i="1" dirty="0" smtClean="0"/>
+              <a:t>nonlinearity</a:t>
+            </a:r>
+          </a:p>
+        </p:txBody>
+      </p:sp>
+      <p:sp>
+        <p:nvSpPr>
+          <p:cNvPr id="23" name="TextBox 22"/>
+          <p:cNvSpPr txBox="1"/>
+          <p:nvPr/>
+        </p:nvSpPr>
+        <p:spPr>
+          <a:xfrm>
+            <a:off x="4601008" y="5899491"/>
+            <a:ext cx="1548565" cy="646331"/>
+          </a:xfrm>
+          <a:prstGeom prst="rect">
+            <a:avLst/>
+          </a:prstGeom>
+          <a:noFill/>
+        </p:spPr>
+        <p:txBody>
+          <a:bodyPr wrap="none" rtlCol="0">
+            <a:spAutoFit/>
+          </a:bodyPr>
+          <a:lstStyle/>
+          <a:p>
+            <a:r>
+              <a:rPr lang="en-US" dirty="0" smtClean="0"/>
+              <a:t>Computes</a:t>
+            </a:r>
+          </a:p>
+          <a:p>
+            <a:r>
+              <a:rPr lang="en-US" i="1" dirty="0"/>
+              <a:t>s</a:t>
+            </a:r>
+            <a:r>
+              <a:rPr lang="en-US" i="1" dirty="0" smtClean="0"/>
+              <a:t>trong bounds</a:t>
+            </a:r>
+          </a:p>
+        </p:txBody>
+      </p:sp>
+      <p:sp>
+        <p:nvSpPr>
+          <p:cNvPr id="49" name="Rounded Rectangle 48"/>
+          <p:cNvSpPr/>
+          <p:nvPr/>
+        </p:nvSpPr>
+        <p:spPr>
+          <a:xfrm>
+            <a:off x="587135" y="3280875"/>
+            <a:ext cx="1892877" cy="518623"/>
+          </a:xfrm>
+          <a:prstGeom prst="roundRect">
+            <a:avLst/>
+          </a:prstGeom>
+        </p:spPr>
+        <p:style>
+          <a:lnRef idx="2">
+            <a:schemeClr val="accent1">
+              <a:shade val="50000"/>
+            </a:schemeClr>
+          </a:lnRef>
+          <a:fillRef idx="1">
+            <a:schemeClr val="accent1"/>
+          </a:fillRef>
+          <a:effectRef idx="0">
+            <a:schemeClr val="accent1"/>
+          </a:effectRef>
+          <a:fontRef idx="minor">
+            <a:schemeClr val="lt1"/>
+          </a:fontRef>
+        </p:style>
+        <p:txBody>
+          <a:bodyPr rtlCol="0" anchor="ctr"/>
+          <a:lstStyle/>
+          <a:p>
+            <a:pPr algn="ctr"/>
+            <a:r>
+              <a:rPr lang="en-US" dirty="0" smtClean="0"/>
+              <a:t>VC Refinement</a:t>
+            </a:r>
+            <a:endParaRPr lang="en-US" dirty="0"/>
+          </a:p>
+        </p:txBody>
+      </p:sp>
+      <p:sp>
+        <p:nvSpPr>
+          <p:cNvPr id="28" name="Rounded Rectangle 27"/>
+          <p:cNvSpPr/>
+          <p:nvPr/>
+        </p:nvSpPr>
+        <p:spPr>
+          <a:xfrm>
+            <a:off x="6529309" y="4810056"/>
+            <a:ext cx="1835138" cy="1199912"/>
+          </a:xfrm>
+          <a:prstGeom prst="roundRect">
+            <a:avLst/>
+          </a:prstGeom>
+          <a:solidFill>
+            <a:schemeClr val="tx2"/>
+          </a:solidFill>
+        </p:spPr>
+        <p:style>
+          <a:lnRef idx="2">
+            <a:schemeClr val="accent1">
+              <a:shade val="50000"/>
+            </a:schemeClr>
+          </a:lnRef>
+          <a:fillRef idx="1">
+            <a:schemeClr val="accent1"/>
+          </a:fillRef>
+          <a:effectRef idx="0">
+            <a:schemeClr val="accent1"/>
+          </a:effectRef>
+          <a:fontRef idx="minor">
+            <a:schemeClr val="lt1"/>
+          </a:fontRef>
+        </p:style>
+        <p:txBody>
+          <a:bodyPr rtlCol="0" anchor="ctr"/>
+          <a:lstStyle/>
+          <a:p>
+            <a:pPr algn="ctr"/>
+            <a:r>
+              <a:rPr lang="en-US" sz="2400" dirty="0" smtClean="0"/>
+              <a:t>Solving Nonlinear Constraints</a:t>
+            </a:r>
+            <a:endParaRPr lang="en-US" sz="2400" dirty="0"/>
+          </a:p>
+        </p:txBody>
+      </p:sp>
+      <p:cxnSp>
+        <p:nvCxnSpPr>
+          <p:cNvPr id="29" name="Curved Connector 28"/>
+          <p:cNvCxnSpPr>
+            <a:stCxn id="16" idx="2"/>
+            <a:endCxn id="28" idx="0"/>
+          </p:cNvCxnSpPr>
+          <p:nvPr/>
+        </p:nvCxnSpPr>
+        <p:spPr>
+          <a:xfrm rot="16200000" flipH="1">
+            <a:off x="5361364" y="2724542"/>
+            <a:ext cx="875308" cy="3295720"/>
+          </a:xfrm>
+          <a:prstGeom prst="curvedConnector3">
+            <a:avLst>
+              <a:gd name="adj1" fmla="val 50000"/>
+            </a:avLst>
+          </a:prstGeom>
+          <a:ln w="38100">
+            <a:headEnd type="triangle"/>
+            <a:tailEnd type="triangle"/>
+          </a:ln>
+        </p:spPr>
+        <p:style>
+          <a:lnRef idx="1">
+            <a:schemeClr val="accent1"/>
+          </a:lnRef>
+          <a:fillRef idx="0">
+            <a:schemeClr val="accent1"/>
+          </a:fillRef>
+          <a:effectRef idx="0">
+            <a:schemeClr val="accent1"/>
+          </a:effectRef>
+          <a:fontRef idx="minor">
+            <a:schemeClr val="tx1"/>
+          </a:fontRef>
+        </p:style>
+      </p:cxnSp>
+      <p:cxnSp>
+        <p:nvCxnSpPr>
+          <p:cNvPr id="82" name="Curved Connector 81"/>
+          <p:cNvCxnSpPr>
+            <a:stCxn id="16" idx="2"/>
+            <a:endCxn id="26" idx="0"/>
+          </p:cNvCxnSpPr>
+          <p:nvPr/>
+        </p:nvCxnSpPr>
+        <p:spPr>
+          <a:xfrm rot="5400000">
+            <a:off x="3140983" y="3944793"/>
+            <a:ext cx="1020220" cy="1000130"/>
+          </a:xfrm>
+          <a:prstGeom prst="curvedConnector3">
+            <a:avLst>
+              <a:gd name="adj1" fmla="val 50000"/>
+            </a:avLst>
+          </a:prstGeom>
+          <a:ln w="38100">
+            <a:headEnd type="triangle"/>
+            <a:tailEnd type="triangle"/>
+          </a:ln>
+        </p:spPr>
+        <p:style>
+          <a:lnRef idx="1">
+            <a:schemeClr val="accent1"/>
+          </a:lnRef>
+          <a:fillRef idx="0">
+            <a:schemeClr val="accent1"/>
+          </a:fillRef>
+          <a:effectRef idx="0">
+            <a:schemeClr val="accent1"/>
+          </a:effectRef>
+          <a:fontRef idx="minor">
+            <a:schemeClr val="tx1"/>
+          </a:fontRef>
+        </p:style>
+      </p:cxnSp>
+      <p:sp>
+        <p:nvSpPr>
+          <p:cNvPr id="94" name="TextBox 93"/>
+          <p:cNvSpPr txBox="1"/>
+          <p:nvPr/>
+        </p:nvSpPr>
+        <p:spPr>
+          <a:xfrm>
+            <a:off x="6690488" y="6090616"/>
+            <a:ext cx="1473865" cy="646331"/>
+          </a:xfrm>
+          <a:prstGeom prst="rect">
+            <a:avLst/>
+          </a:prstGeom>
+          <a:noFill/>
+        </p:spPr>
+        <p:txBody>
+          <a:bodyPr wrap="none" rtlCol="0">
+            <a:spAutoFit/>
+          </a:bodyPr>
+          <a:lstStyle/>
+          <a:p>
+            <a:r>
+              <a:rPr lang="en-US" dirty="0" smtClean="0"/>
+              <a:t>Solves </a:t>
+            </a:r>
+            <a:r>
+              <a:rPr lang="en-US" i="1" dirty="0" err="1" smtClean="0"/>
+              <a:t>Farkas</a:t>
+            </a:r>
+            <a:r>
+              <a:rPr lang="en-US" i="1" dirty="0" smtClean="0"/>
+              <a:t>’</a:t>
+            </a:r>
+          </a:p>
+          <a:p>
+            <a:r>
+              <a:rPr lang="en-US" i="1" dirty="0" smtClean="0"/>
+              <a:t>Constraints</a:t>
+            </a:r>
+          </a:p>
+        </p:txBody>
+      </p:sp>
+      <p:sp>
+        <p:nvSpPr>
+          <p:cNvPr id="95" name="TextBox 94"/>
+          <p:cNvSpPr txBox="1"/>
+          <p:nvPr/>
+        </p:nvSpPr>
+        <p:spPr>
+          <a:xfrm>
+            <a:off x="2213191" y="6013454"/>
+            <a:ext cx="1937966" cy="646331"/>
+          </a:xfrm>
+          <a:prstGeom prst="rect">
+            <a:avLst/>
+          </a:prstGeom>
+          <a:noFill/>
+        </p:spPr>
+        <p:txBody>
+          <a:bodyPr wrap="none" rtlCol="0">
+            <a:spAutoFit/>
+          </a:bodyPr>
+          <a:lstStyle/>
+          <a:p>
+            <a:r>
+              <a:rPr lang="en-US" dirty="0" smtClean="0"/>
+              <a:t>Produces a </a:t>
+            </a:r>
+          </a:p>
+          <a:p>
+            <a:r>
+              <a:rPr lang="en-US" i="1" dirty="0" smtClean="0"/>
+              <a:t>Numerical formula</a:t>
+            </a:r>
+          </a:p>
+        </p:txBody>
+      </p:sp>
+      <p:sp>
+        <p:nvSpPr>
+          <p:cNvPr id="110" name="Rectangle 109"/>
+          <p:cNvSpPr/>
+          <p:nvPr/>
+        </p:nvSpPr>
+        <p:spPr>
+          <a:xfrm>
+            <a:off x="540593" y="2526070"/>
+            <a:ext cx="1932214" cy="646331"/>
+          </a:xfrm>
+          <a:prstGeom prst="rect">
+            <a:avLst/>
+          </a:prstGeom>
+        </p:spPr>
+        <p:txBody>
+          <a:bodyPr wrap="square">
+            <a:spAutoFit/>
+          </a:bodyPr>
+          <a:lstStyle/>
+          <a:p>
+            <a:r>
+              <a:rPr lang="en-US" dirty="0" smtClean="0"/>
+              <a:t>Unfolds functions </a:t>
+            </a:r>
+          </a:p>
+          <a:p>
+            <a:r>
+              <a:rPr lang="en-US" dirty="0" smtClean="0"/>
+              <a:t>in the VC</a:t>
+            </a:r>
+            <a:endParaRPr lang="en-US" dirty="0"/>
+          </a:p>
+        </p:txBody>
+      </p:sp>
+    </p:spTree>
+    <p:extLst>
+      <p:ext uri="{BB962C8B-B14F-4D97-AF65-F5344CB8AC3E}">
+        <p14:creationId xmlns:p14="http://schemas.microsoft.com/office/powerpoint/2010/main" val="1294953702"/>
+      </p:ext>
+    </p:extLst>
+  </p:cSld>
+  <p:clrMapOvr>
+    <a:masterClrMapping/>
+  </p:clrMapOvr>
+  <mc:AlternateContent xmlns:mc="http://schemas.openxmlformats.org/markup-compatibility/2006" xmlns:p14="http://schemas.microsoft.com/office/powerpoint/2010/main">
+    <mc:Choice Requires="p14">
+      <p:transition p14:dur="0"/>
+    </mc:Choice>
+    <mc:Fallback xmlns="">
+      <p:transition/>
+    </mc:Fallback>
+  </mc:AlternateContent>
+  <p:timing>
+    <p:tnLst>
+      <p:par>
+        <p:cTn id="1" dur="indefinite" restart="never" nodeType="tmRoot"/>
+      </p:par>
+    </p:tnLst>
+  </p:timing>
+</p:sld>
+</file>
+
+<file path=ppt/slides/slide31.xml><?xml version="1.0" encoding="utf-8"?>
+<p:sld xmlns:a="http://schemas.openxmlformats.org/drawingml/2006/main" xmlns:r="http://schemas.openxmlformats.org/officeDocument/2006/relationships" xmlns:p="http://schemas.openxmlformats.org/presentationml/2006/main">
+  <p:cSld>
+    <p:spTree>
+      <p:nvGrpSpPr>
+        <p:cNvPr id="1" name=""/>
+        <p:cNvGrpSpPr/>
+        <p:nvPr/>
+      </p:nvGrpSpPr>
+      <p:grpSpPr>
+        <a:xfrm>
+          <a:off x="0" y="0"/>
+          <a:ext cx="0" cy="0"/>
+          <a:chOff x="0" y="0"/>
+          <a:chExt cx="0" cy="0"/>
+        </a:xfrm>
+      </p:grpSpPr>
+      <p:sp>
+        <p:nvSpPr>
+          <p:cNvPr id="2" name="Title 1"/>
+          <p:cNvSpPr>
+            <a:spLocks noGrp="1"/>
+          </p:cNvSpPr>
+          <p:nvPr>
+            <p:ph type="title"/>
+          </p:nvPr>
+        </p:nvSpPr>
         <p:spPr/>
         <p:txBody>
           <a:bodyPr/>
@@ -33942,7 +34637,7 @@
 </p:sld>
 </file>
 
-<file path=ppt/slides/slide31.xml><?xml version="1.0" encoding="utf-8"?>
+<file path=ppt/slides/slide32.xml><?xml version="1.0" encoding="utf-8"?>
 <p:sld xmlns:a="http://schemas.openxmlformats.org/drawingml/2006/main" xmlns:r="http://schemas.openxmlformats.org/officeDocument/2006/relationships" xmlns:p="http://schemas.openxmlformats.org/presentationml/2006/main">
   <p:cSld>
     <p:spTree>
@@ -34402,135 +35097,6 @@
 </p:sld>
 </file>
 
-<file path=ppt/slides/slide32.xml><?xml version="1.0" encoding="utf-8"?>
-<p:sld xmlns:a="http://schemas.openxmlformats.org/drawingml/2006/main" xmlns:r="http://schemas.openxmlformats.org/officeDocument/2006/relationships" xmlns:p="http://schemas.openxmlformats.org/presentationml/2006/main">
-  <p:cSld>
-    <p:spTree>
-      <p:nvGrpSpPr>
-        <p:cNvPr id="1" name=""/>
-        <p:cNvGrpSpPr/>
-        <p:nvPr/>
-      </p:nvGrpSpPr>
-      <p:grpSpPr>
-        <a:xfrm>
-          <a:off x="0" y="0"/>
-          <a:ext cx="0" cy="0"/>
-          <a:chOff x="0" y="0"/>
-          <a:chExt cx="0" cy="0"/>
-        </a:xfrm>
-      </p:grpSpPr>
-      <p:sp>
-        <p:nvSpPr>
-          <p:cNvPr id="2" name="Title 1"/>
-          <p:cNvSpPr>
-            <a:spLocks noGrp="1"/>
-          </p:cNvSpPr>
-          <p:nvPr>
-            <p:ph type="title"/>
-          </p:nvPr>
-        </p:nvSpPr>
-        <p:spPr/>
-        <p:txBody>
-          <a:bodyPr/>
-          <a:lstStyle/>
-          <a:p>
-            <a:r>
-              <a:rPr lang="en-US" dirty="0" smtClean="0"/>
-              <a:t>More in our CAV ‘14 paper</a:t>
-            </a:r>
-            <a:endParaRPr lang="en-US" dirty="0"/>
-          </a:p>
-        </p:txBody>
-      </p:sp>
-      <p:sp>
-        <p:nvSpPr>
-          <p:cNvPr id="3" name="Content Placeholder 2"/>
-          <p:cNvSpPr>
-            <a:spLocks noGrp="1"/>
-          </p:cNvSpPr>
-          <p:nvPr>
-            <p:ph idx="1"/>
-          </p:nvPr>
-        </p:nvSpPr>
-        <p:spPr/>
-        <p:txBody>
-          <a:bodyPr>
-            <a:normAutofit/>
-          </a:bodyPr>
-          <a:lstStyle/>
-          <a:p>
-            <a:r>
-              <a:rPr lang="en-US" sz="3200" dirty="0" smtClean="0"/>
-              <a:t>Extensions for </a:t>
-            </a:r>
-            <a:r>
-              <a:rPr lang="en-US" sz="3200" i="1" dirty="0" smtClean="0"/>
-              <a:t>nonlinearity</a:t>
-            </a:r>
-          </a:p>
-          <a:p>
-            <a:r>
-              <a:rPr lang="en-US" sz="3200" i="1" dirty="0" smtClean="0"/>
-              <a:t>Strengthening </a:t>
-            </a:r>
-            <a:r>
-              <a:rPr lang="en-US" sz="3200" dirty="0" smtClean="0"/>
-              <a:t>of bounds</a:t>
-            </a:r>
-            <a:endParaRPr lang="en-US" sz="3200" i="1" dirty="0" smtClean="0"/>
-          </a:p>
-          <a:p>
-            <a:r>
-              <a:rPr lang="en-US" sz="3200" dirty="0" smtClean="0"/>
-              <a:t>Inter-procedural analysis</a:t>
-            </a:r>
-          </a:p>
-          <a:p>
-            <a:r>
-              <a:rPr lang="en-US" sz="3200" dirty="0"/>
-              <a:t>Inference of </a:t>
-            </a:r>
-            <a:r>
-              <a:rPr lang="en-US" sz="3200" i="1" dirty="0"/>
-              <a:t>depth</a:t>
-            </a:r>
-            <a:r>
-              <a:rPr lang="en-US" sz="3200" dirty="0"/>
-              <a:t> </a:t>
-            </a:r>
-            <a:r>
-              <a:rPr lang="en-US" sz="3200" dirty="0" smtClean="0"/>
-              <a:t>bounds</a:t>
-            </a:r>
-          </a:p>
-          <a:p>
-            <a:r>
-              <a:rPr lang="en-US" sz="3200" dirty="0" smtClean="0"/>
-              <a:t>Optimizations</a:t>
-            </a:r>
-          </a:p>
-        </p:txBody>
-      </p:sp>
-    </p:spTree>
-    <p:extLst>
-      <p:ext uri="{BB962C8B-B14F-4D97-AF65-F5344CB8AC3E}">
-        <p14:creationId xmlns:p14="http://schemas.microsoft.com/office/powerpoint/2010/main" val="3987055790"/>
-      </p:ext>
-    </p:extLst>
-  </p:cSld>
-  <p:clrMapOvr>
-    <a:masterClrMapping/>
-  </p:clrMapOvr>
-  <p:timing>
-    <p:tnLst>
-      <p:par>
-        <p:cTn id="1" dur="indefinite" restart="never" nodeType="tmRoot"/>
-      </p:par>
-    </p:tnLst>
-  </p:timing>
-</p:sld>
-</file>
-
 <file path=ppt/slides/slide33.xml><?xml version="1.0" encoding="utf-8"?>
 <p:sld xmlns:a="http://schemas.openxmlformats.org/drawingml/2006/main" xmlns:r="http://schemas.openxmlformats.org/officeDocument/2006/relationships" xmlns:p="http://schemas.openxmlformats.org/presentationml/2006/main">
   <p:cSld>
@@ -34564,6 +35130,135 @@
           <a:lstStyle/>
           <a:p>
             <a:r>
+              <a:rPr lang="en-US" dirty="0" smtClean="0"/>
+              <a:t>More in our CAV ‘14 paper</a:t>
+            </a:r>
+            <a:endParaRPr lang="en-US" dirty="0"/>
+          </a:p>
+        </p:txBody>
+      </p:sp>
+      <p:sp>
+        <p:nvSpPr>
+          <p:cNvPr id="3" name="Content Placeholder 2"/>
+          <p:cNvSpPr>
+            <a:spLocks noGrp="1"/>
+          </p:cNvSpPr>
+          <p:nvPr>
+            <p:ph idx="1"/>
+          </p:nvPr>
+        </p:nvSpPr>
+        <p:spPr/>
+        <p:txBody>
+          <a:bodyPr>
+            <a:normAutofit/>
+          </a:bodyPr>
+          <a:lstStyle/>
+          <a:p>
+            <a:r>
+              <a:rPr lang="en-US" sz="3200" dirty="0" smtClean="0"/>
+              <a:t>Extensions for </a:t>
+            </a:r>
+            <a:r>
+              <a:rPr lang="en-US" sz="3200" i="1" dirty="0" smtClean="0"/>
+              <a:t>nonlinearity</a:t>
+            </a:r>
+          </a:p>
+          <a:p>
+            <a:r>
+              <a:rPr lang="en-US" sz="3200" i="1" dirty="0" smtClean="0"/>
+              <a:t>Strengthening </a:t>
+            </a:r>
+            <a:r>
+              <a:rPr lang="en-US" sz="3200" dirty="0" smtClean="0"/>
+              <a:t>of bounds</a:t>
+            </a:r>
+            <a:endParaRPr lang="en-US" sz="3200" i="1" dirty="0" smtClean="0"/>
+          </a:p>
+          <a:p>
+            <a:r>
+              <a:rPr lang="en-US" sz="3200" dirty="0" smtClean="0"/>
+              <a:t>Inter-procedural analysis</a:t>
+            </a:r>
+          </a:p>
+          <a:p>
+            <a:r>
+              <a:rPr lang="en-US" sz="3200" dirty="0"/>
+              <a:t>Inference of </a:t>
+            </a:r>
+            <a:r>
+              <a:rPr lang="en-US" sz="3200" i="1" dirty="0"/>
+              <a:t>depth</a:t>
+            </a:r>
+            <a:r>
+              <a:rPr lang="en-US" sz="3200" dirty="0"/>
+              <a:t> </a:t>
+            </a:r>
+            <a:r>
+              <a:rPr lang="en-US" sz="3200" dirty="0" smtClean="0"/>
+              <a:t>bounds</a:t>
+            </a:r>
+          </a:p>
+          <a:p>
+            <a:r>
+              <a:rPr lang="en-US" sz="3200" dirty="0" smtClean="0"/>
+              <a:t>Optimizations</a:t>
+            </a:r>
+          </a:p>
+        </p:txBody>
+      </p:sp>
+    </p:spTree>
+    <p:extLst>
+      <p:ext uri="{BB962C8B-B14F-4D97-AF65-F5344CB8AC3E}">
+        <p14:creationId xmlns:p14="http://schemas.microsoft.com/office/powerpoint/2010/main" val="3987055790"/>
+      </p:ext>
+    </p:extLst>
+  </p:cSld>
+  <p:clrMapOvr>
+    <a:masterClrMapping/>
+  </p:clrMapOvr>
+  <p:timing>
+    <p:tnLst>
+      <p:par>
+        <p:cTn id="1" dur="indefinite" restart="never" nodeType="tmRoot"/>
+      </p:par>
+    </p:tnLst>
+  </p:timing>
+</p:sld>
+</file>
+
+<file path=ppt/slides/slide34.xml><?xml version="1.0" encoding="utf-8"?>
+<p:sld xmlns:a="http://schemas.openxmlformats.org/drawingml/2006/main" xmlns:r="http://schemas.openxmlformats.org/officeDocument/2006/relationships" xmlns:p="http://schemas.openxmlformats.org/presentationml/2006/main">
+  <p:cSld>
+    <p:spTree>
+      <p:nvGrpSpPr>
+        <p:cNvPr id="1" name=""/>
+        <p:cNvGrpSpPr/>
+        <p:nvPr/>
+      </p:nvGrpSpPr>
+      <p:grpSpPr>
+        <a:xfrm>
+          <a:off x="0" y="0"/>
+          <a:ext cx="0" cy="0"/>
+          <a:chOff x="0" y="0"/>
+          <a:chExt cx="0" cy="0"/>
+        </a:xfrm>
+      </p:grpSpPr>
+      <p:sp>
+        <p:nvSpPr>
+          <p:cNvPr id="2" name="Title 1"/>
+          <p:cNvSpPr>
+            <a:spLocks noGrp="1"/>
+          </p:cNvSpPr>
+          <p:nvPr>
+            <p:ph type="title"/>
+          </p:nvPr>
+        </p:nvSpPr>
+        <p:spPr/>
+        <p:txBody>
+          <a:bodyPr/>
+          <a:lstStyle/>
+          <a:p>
+            <a:r>
               <a:rPr lang="en-US" sz="4400" dirty="0" smtClean="0"/>
               <a:t>Experimental Results</a:t>
             </a:r>
@@ -34684,7 +35379,7 @@
 </p:sld>
 </file>
 
-<file path=ppt/slides/slide34.xml><?xml version="1.0" encoding="utf-8"?>
+<file path=ppt/slides/slide35.xml><?xml version="1.0" encoding="utf-8"?>
 <p:sld xmlns:a="http://schemas.openxmlformats.org/drawingml/2006/main" xmlns:r="http://schemas.openxmlformats.org/officeDocument/2006/relationships" xmlns:p="http://schemas.openxmlformats.org/presentationml/2006/main">
   <p:cSld>
     <p:spTree>
@@ -35837,7 +36532,7 @@
 </p:sld>
 </file>
 
-<file path=ppt/slides/slide35.xml><?xml version="1.0" encoding="utf-8"?>
+<file path=ppt/slides/slide36.xml><?xml version="1.0" encoding="utf-8"?>
 <p:sld xmlns:a="http://schemas.openxmlformats.org/drawingml/2006/main" xmlns:r="http://schemas.openxmlformats.org/officeDocument/2006/relationships" xmlns:p="http://schemas.openxmlformats.org/presentationml/2006/main">
   <p:cSld>
     <p:spTree>
@@ -36361,7 +37056,7 @@
 </p:sld>
 </file>
 
-<file path=ppt/slides/slide36.xml><?xml version="1.0" encoding="utf-8"?>
+<file path=ppt/slides/slide37.xml><?xml version="1.0" encoding="utf-8"?>
 <p:sld xmlns:a="http://schemas.openxmlformats.org/drawingml/2006/main" xmlns:r="http://schemas.openxmlformats.org/officeDocument/2006/relationships" xmlns:p="http://schemas.openxmlformats.org/presentationml/2006/main">
   <p:cSld>
     <p:spTree>
